--- a/70 Praesentation/50 StarGreg Finish.pptx
+++ b/70 Praesentation/50 StarGreg Finish.pptx
@@ -5,10 +5,10 @@
     <p:sldMasterId id="2147483660" r:id="rId1"/>
   </p:sldMasterIdLst>
   <p:notesMasterIdLst>
-    <p:notesMasterId r:id="rId21"/>
+    <p:notesMasterId r:id="rId26"/>
   </p:notesMasterIdLst>
   <p:handoutMasterIdLst>
-    <p:handoutMasterId r:id="rId22"/>
+    <p:handoutMasterId r:id="rId27"/>
   </p:handoutMasterIdLst>
   <p:sldIdLst>
     <p:sldId id="256" r:id="rId2"/>
@@ -27,9 +27,14 @@
     <p:sldId id="282" r:id="rId15"/>
     <p:sldId id="283" r:id="rId16"/>
     <p:sldId id="284" r:id="rId17"/>
-    <p:sldId id="260" r:id="rId18"/>
-    <p:sldId id="272" r:id="rId19"/>
-    <p:sldId id="261" r:id="rId20"/>
+    <p:sldId id="289" r:id="rId18"/>
+    <p:sldId id="290" r:id="rId19"/>
+    <p:sldId id="291" r:id="rId20"/>
+    <p:sldId id="292" r:id="rId21"/>
+    <p:sldId id="293" r:id="rId22"/>
+    <p:sldId id="294" r:id="rId23"/>
+    <p:sldId id="295" r:id="rId24"/>
+    <p:sldId id="261" r:id="rId25"/>
   </p:sldIdLst>
   <p:sldSz cx="9144000" cy="6858000" type="screen4x3"/>
   <p:notesSz cx="6858000" cy="9144000"/>
@@ -134,7 +139,7 @@
 <file path=ppt/charts/chart1.xml><?xml version="1.0" encoding="utf-8"?>
 <c:chartSpace xmlns:c="http://schemas.openxmlformats.org/drawingml/2006/chart" xmlns:a="http://schemas.openxmlformats.org/drawingml/2006/main" xmlns:r="http://schemas.openxmlformats.org/officeDocument/2006/relationships">
   <c:date1904 val="0"/>
-  <c:lang val="de-DE"/>
+  <c:lang val="en-US"/>
   <c:roundedCorners val="0"/>
   <mc:AlternateContent xmlns:mc="http://schemas.openxmlformats.org/markup-compatibility/2006">
     <mc:Choice xmlns:c14="http://schemas.microsoft.com/office/drawing/2007/8/2/chart" Requires="c14">
@@ -152,10 +157,10 @@
           <c:layoutTarget val="inner"/>
           <c:xMode val="edge"/>
           <c:yMode val="edge"/>
-          <c:x val="0.0602249208245362"/>
-          <c:y val="0.0983425913077632"/>
-          <c:w val="0.637940153072564"/>
-          <c:h val="0.579518310047155"/>
+          <c:x val="6.0224920824536197E-2"/>
+          <c:y val="9.8342591307763197E-2"/>
+          <c:w val="0.63794015307256402"/>
+          <c:h val="0.57951831004715504"/>
         </c:manualLayout>
       </c:layout>
       <c:lineChart>
@@ -223,34 +228,34 @@
                 <c:formatCode>General</c:formatCode>
                 <c:ptCount val="10"/>
                 <c:pt idx="0">
-                  <c:v>60.0</c:v>
+                  <c:v>60</c:v>
                 </c:pt>
                 <c:pt idx="1">
-                  <c:v>66.0</c:v>
+                  <c:v>66</c:v>
                 </c:pt>
                 <c:pt idx="2">
-                  <c:v>72.0</c:v>
+                  <c:v>72</c:v>
                 </c:pt>
                 <c:pt idx="3">
-                  <c:v>66.0</c:v>
+                  <c:v>66</c:v>
                 </c:pt>
                 <c:pt idx="4">
-                  <c:v>78.0</c:v>
+                  <c:v>78</c:v>
                 </c:pt>
                 <c:pt idx="5">
-                  <c:v>78.0</c:v>
+                  <c:v>78</c:v>
                 </c:pt>
                 <c:pt idx="6">
-                  <c:v>84.0</c:v>
+                  <c:v>84</c:v>
                 </c:pt>
                 <c:pt idx="7">
-                  <c:v>84.0</c:v>
+                  <c:v>84</c:v>
                 </c:pt>
                 <c:pt idx="8">
-                  <c:v>96.0</c:v>
+                  <c:v>96</c:v>
                 </c:pt>
                 <c:pt idx="9">
-                  <c:v>90.0</c:v>
+                  <c:v>90</c:v>
                 </c:pt>
               </c:numCache>
             </c:numRef>
@@ -319,34 +324,34 @@
                 <c:formatCode>General</c:formatCode>
                 <c:ptCount val="10"/>
                 <c:pt idx="0">
-                  <c:v>30.0</c:v>
+                  <c:v>30</c:v>
                 </c:pt>
                 <c:pt idx="1">
-                  <c:v>30.0</c:v>
+                  <c:v>30</c:v>
                 </c:pt>
                 <c:pt idx="2">
-                  <c:v>27.0</c:v>
+                  <c:v>27</c:v>
                 </c:pt>
                 <c:pt idx="3">
-                  <c:v>27.0</c:v>
+                  <c:v>27</c:v>
                 </c:pt>
                 <c:pt idx="4">
-                  <c:v>36.0</c:v>
+                  <c:v>36</c:v>
                 </c:pt>
                 <c:pt idx="5">
-                  <c:v>36.0</c:v>
+                  <c:v>36</c:v>
                 </c:pt>
                 <c:pt idx="6">
-                  <c:v>48.0</c:v>
+                  <c:v>48</c:v>
                 </c:pt>
                 <c:pt idx="7">
-                  <c:v>48.0</c:v>
+                  <c:v>48</c:v>
                 </c:pt>
                 <c:pt idx="8">
-                  <c:v>39.0</c:v>
+                  <c:v>39</c:v>
                 </c:pt>
                 <c:pt idx="9">
-                  <c:v>39.0</c:v>
+                  <c:v>39</c:v>
                 </c:pt>
               </c:numCache>
             </c:numRef>
@@ -415,34 +420,34 @@
                 <c:formatCode>General</c:formatCode>
                 <c:ptCount val="10"/>
                 <c:pt idx="0">
-                  <c:v>20.0</c:v>
+                  <c:v>20</c:v>
                 </c:pt>
                 <c:pt idx="1">
-                  <c:v>24.0</c:v>
+                  <c:v>24</c:v>
                 </c:pt>
                 <c:pt idx="2">
-                  <c:v>24.0</c:v>
+                  <c:v>24</c:v>
                 </c:pt>
                 <c:pt idx="3">
-                  <c:v>24.0</c:v>
+                  <c:v>24</c:v>
                 </c:pt>
                 <c:pt idx="4">
-                  <c:v>28.0</c:v>
+                  <c:v>28</c:v>
                 </c:pt>
                 <c:pt idx="5">
-                  <c:v>28.0</c:v>
+                  <c:v>28</c:v>
                 </c:pt>
                 <c:pt idx="6">
-                  <c:v>28.0</c:v>
+                  <c:v>28</c:v>
                 </c:pt>
                 <c:pt idx="7">
-                  <c:v>28.0</c:v>
+                  <c:v>28</c:v>
                 </c:pt>
                 <c:pt idx="8">
-                  <c:v>22.0</c:v>
+                  <c:v>22</c:v>
                 </c:pt>
                 <c:pt idx="9">
-                  <c:v>24.0</c:v>
+                  <c:v>24</c:v>
                 </c:pt>
               </c:numCache>
             </c:numRef>
@@ -687,11 +692,11 @@
         </c:dLbls>
         <c:marker val="1"/>
         <c:smooth val="0"/>
-        <c:axId val="1783242840"/>
-        <c:axId val="1783237800"/>
+        <c:axId val="176892544"/>
+        <c:axId val="176894336"/>
       </c:lineChart>
       <c:catAx>
-        <c:axId val="1783242840"/>
+        <c:axId val="176892544"/>
         <c:scaling>
           <c:orientation val="minMax"/>
         </c:scaling>
@@ -700,7 +705,7 @@
         <c:majorTickMark val="out"/>
         <c:minorTickMark val="none"/>
         <c:tickLblPos val="nextTo"/>
-        <c:crossAx val="1783237800"/>
+        <c:crossAx val="176894336"/>
         <c:crosses val="autoZero"/>
         <c:auto val="1"/>
         <c:lblAlgn val="ctr"/>
@@ -708,7 +713,7 @@
         <c:noMultiLvlLbl val="0"/>
       </c:catAx>
       <c:valAx>
-        <c:axId val="1783237800"/>
+        <c:axId val="176894336"/>
         <c:scaling>
           <c:orientation val="minMax"/>
         </c:scaling>
@@ -719,7 +724,7 @@
         <c:majorTickMark val="out"/>
         <c:minorTickMark val="none"/>
         <c:tickLblPos val="nextTo"/>
-        <c:crossAx val="1783242840"/>
+        <c:crossAx val="176892544"/>
         <c:crosses val="autoZero"/>
         <c:crossBetween val="between"/>
       </c:valAx>
@@ -4120,7 +4125,7 @@
         <a:lstStyle/>
         <a:p>
           <a:r>
-            <a:rPr lang="de-DE" smtClean="0">
+            <a:rPr lang="de-DE" dirty="0" smtClean="0">
               <a:solidFill>
                 <a:srgbClr val="000000"/>
               </a:solidFill>
@@ -4681,12 +4686,12 @@
   </dgm:ptLst>
   <dgm:cxnLst>
     <dgm:cxn modelId="{3C3C99CA-3504-784C-A0F7-1BEC6612DB87}" type="presOf" srcId="{3C0B111B-39C8-4D37-A58C-9048B18316B9}" destId="{E57C4955-2536-48BA-B1FD-F94ED0D73CFC}" srcOrd="1" destOrd="0" presId="urn:microsoft.com/office/officeart/2005/8/layout/hierarchy2"/>
+    <dgm:cxn modelId="{B4EAA1B6-BA70-5544-AFA1-64A49147E430}" type="presOf" srcId="{CDF9332D-4C5D-43D7-B07D-A917774389D0}" destId="{0046321B-3DBD-4C9C-BC7A-D0DCB911EF74}" srcOrd="0" destOrd="0" presId="urn:microsoft.com/office/officeart/2005/8/layout/hierarchy2"/>
     <dgm:cxn modelId="{C590749E-7558-DB47-A658-F58894936541}" type="presOf" srcId="{3C0B111B-39C8-4D37-A58C-9048B18316B9}" destId="{62E927D6-E600-4C6D-BE37-7B45124BB4ED}" srcOrd="0" destOrd="0" presId="urn:microsoft.com/office/officeart/2005/8/layout/hierarchy2"/>
-    <dgm:cxn modelId="{B4EAA1B6-BA70-5544-AFA1-64A49147E430}" type="presOf" srcId="{CDF9332D-4C5D-43D7-B07D-A917774389D0}" destId="{0046321B-3DBD-4C9C-BC7A-D0DCB911EF74}" srcOrd="0" destOrd="0" presId="urn:microsoft.com/office/officeart/2005/8/layout/hierarchy2"/>
     <dgm:cxn modelId="{1D7A3F83-21FE-2F4C-8971-8F6D4CC2B1A8}" type="presOf" srcId="{2D72AF26-92E3-46DA-8BF9-63C7B73A572D}" destId="{DAF0A3FD-2E1F-4FD2-AC26-538C16B2C609}" srcOrd="0" destOrd="0" presId="urn:microsoft.com/office/officeart/2005/8/layout/hierarchy2"/>
-    <dgm:cxn modelId="{6DAA57F8-C9F3-CD49-B97F-F9945F7E5F47}" type="presOf" srcId="{679BAF53-DF0A-4909-905E-B99464171DDE}" destId="{C75D0122-D169-4A5D-BACD-EA64BBC3CCAE}" srcOrd="0" destOrd="0" presId="urn:microsoft.com/office/officeart/2005/8/layout/hierarchy2"/>
     <dgm:cxn modelId="{8398449D-6666-A248-926A-105865EFCE34}" type="presOf" srcId="{1145A9B3-0BF4-4E4F-9CE7-5CF62ACBF4E5}" destId="{D8FEF294-2E69-428F-B35A-C20BC0CF039A}" srcOrd="0" destOrd="0" presId="urn:microsoft.com/office/officeart/2005/8/layout/hierarchy2"/>
     <dgm:cxn modelId="{CBFC82C7-CEB6-4F39-AE80-FE16F52C4B89}" srcId="{679BAF53-DF0A-4909-905E-B99464171DDE}" destId="{CDF9332D-4C5D-43D7-B07D-A917774389D0}" srcOrd="1" destOrd="0" parTransId="{3C0B111B-39C8-4D37-A58C-9048B18316B9}" sibTransId="{CD8315EE-349A-4390-8CCA-4A40AE25BCAB}"/>
+    <dgm:cxn modelId="{6DAA57F8-C9F3-CD49-B97F-F9945F7E5F47}" type="presOf" srcId="{679BAF53-DF0A-4909-905E-B99464171DDE}" destId="{C75D0122-D169-4A5D-BACD-EA64BBC3CCAE}" srcOrd="0" destOrd="0" presId="urn:microsoft.com/office/officeart/2005/8/layout/hierarchy2"/>
     <dgm:cxn modelId="{FDD7D235-C059-504B-95F2-C60DF6BE01FF}" type="presOf" srcId="{4B786275-CF06-4CCF-84B4-63A41504A67F}" destId="{0E218A77-85BC-4AED-9D08-C539C0523879}" srcOrd="0" destOrd="0" presId="urn:microsoft.com/office/officeart/2005/8/layout/hierarchy2"/>
     <dgm:cxn modelId="{F7DD35E3-8769-4682-987C-A4090B9B746B}" srcId="{679BAF53-DF0A-4909-905E-B99464171DDE}" destId="{4B786275-CF06-4CCF-84B4-63A41504A67F}" srcOrd="0" destOrd="0" parTransId="{C8C320D0-D646-4061-99F7-1EEA0D9F745E}" sibTransId="{829F0ACC-60FA-4BCB-AFBE-CA47E624DF77}"/>
     <dgm:cxn modelId="{3C1B9603-BD05-404D-83FF-B5B5D61E270C}" srcId="{1145A9B3-0BF4-4E4F-9CE7-5CF62ACBF4E5}" destId="{679BAF53-DF0A-4909-905E-B99464171DDE}" srcOrd="0" destOrd="0" parTransId="{9DA08E0F-19B6-4916-B05D-CC24037BF967}" sibTransId="{F161F72C-9949-4764-9610-B707D0E494A2}"/>
@@ -6078,7 +6083,7 @@
       <dsp:spPr>
         <a:xfrm>
           <a:off x="0" y="9081"/>
-          <a:ext cx="7610476" cy="1127295"/>
+          <a:ext cx="7610475" cy="1127294"/>
         </a:xfrm>
         <a:prstGeom prst="roundRect">
           <a:avLst/>
@@ -6153,7 +6158,7 @@
       </dsp:txBody>
       <dsp:txXfrm>
         <a:off x="55030" y="64111"/>
-        <a:ext cx="7500416" cy="1017235"/>
+        <a:ext cx="7500415" cy="1017234"/>
       </dsp:txXfrm>
     </dsp:sp>
     <dsp:sp modelId="{66D20C69-28B9-4F44-BA03-A32A664F4ABF}">
@@ -6164,7 +6169,7 @@
       <dsp:spPr>
         <a:xfrm>
           <a:off x="0" y="1271736"/>
-          <a:ext cx="7610476" cy="1127295"/>
+          <a:ext cx="7610475" cy="1127294"/>
         </a:xfrm>
         <a:prstGeom prst="roundRect">
           <a:avLst/>
@@ -6239,7 +6244,7 @@
       </dsp:txBody>
       <dsp:txXfrm>
         <a:off x="55030" y="1326766"/>
-        <a:ext cx="7500416" cy="1017235"/>
+        <a:ext cx="7500415" cy="1017234"/>
       </dsp:txXfrm>
     </dsp:sp>
     <dsp:sp modelId="{500B5B37-7E8D-1645-A380-08755AE3FE7A}">
@@ -6249,8 +6254,8 @@
       </dsp:nvSpPr>
       <dsp:spPr>
         <a:xfrm>
-          <a:off x="0" y="2534391"/>
-          <a:ext cx="7610476" cy="1127295"/>
+          <a:off x="0" y="2534390"/>
+          <a:ext cx="7610475" cy="1127294"/>
         </a:xfrm>
         <a:prstGeom prst="roundRect">
           <a:avLst/>
@@ -6309,7 +6314,7 @@
             </a:spcAft>
           </a:pPr>
           <a:r>
-            <a:rPr lang="de-DE" sz="4700" kern="1200" smtClean="0">
+            <a:rPr lang="de-DE" sz="4700" kern="1200" dirty="0" smtClean="0">
               <a:solidFill>
                 <a:srgbClr val="000000"/>
               </a:solidFill>
@@ -6324,8 +6329,8 @@
         </a:p>
       </dsp:txBody>
       <dsp:txXfrm>
-        <a:off x="55030" y="2589421"/>
-        <a:ext cx="7500416" cy="1017235"/>
+        <a:off x="55030" y="2589420"/>
+        <a:ext cx="7500415" cy="1017234"/>
       </dsp:txXfrm>
     </dsp:sp>
   </dsp:spTree>
@@ -6913,7 +6918,7 @@
       <dsp:spPr>
         <a:xfrm>
           <a:off x="3257" y="0"/>
-          <a:ext cx="1959163" cy="720190"/>
+          <a:ext cx="1959163" cy="720189"/>
         </a:xfrm>
         <a:prstGeom prst="roundRect">
           <a:avLst>
@@ -6988,7 +6993,7 @@
       <dsp:spPr>
         <a:xfrm>
           <a:off x="395089" y="0"/>
-          <a:ext cx="1459576" cy="720190"/>
+          <a:ext cx="1459576" cy="720189"/>
         </a:xfrm>
         <a:prstGeom prst="rect">
           <a:avLst/>
@@ -7041,7 +7046,7 @@
       </dsp:txBody>
       <dsp:txXfrm>
         <a:off x="395089" y="0"/>
-        <a:ext cx="1459576" cy="720190"/>
+        <a:ext cx="1459576" cy="720189"/>
       </dsp:txXfrm>
     </dsp:sp>
     <dsp:sp modelId="{27C4E44A-4A29-46F0-A0A8-71D6BA3C05A4}">
@@ -7052,7 +7057,7 @@
       <dsp:spPr>
         <a:xfrm>
           <a:off x="2030990" y="0"/>
-          <a:ext cx="1959163" cy="720190"/>
+          <a:ext cx="1959163" cy="720189"/>
         </a:xfrm>
         <a:prstGeom prst="roundRect">
           <a:avLst>
@@ -7174,7 +7179,7 @@
       <dsp:spPr>
         <a:xfrm>
           <a:off x="2422823" y="0"/>
-          <a:ext cx="1459576" cy="720190"/>
+          <a:ext cx="1459576" cy="720189"/>
         </a:xfrm>
         <a:prstGeom prst="rect">
           <a:avLst/>
@@ -7231,7 +7236,7 @@
       </dsp:txBody>
       <dsp:txXfrm>
         <a:off x="2422823" y="0"/>
-        <a:ext cx="1459576" cy="720190"/>
+        <a:ext cx="1459576" cy="720189"/>
       </dsp:txXfrm>
     </dsp:sp>
     <dsp:sp modelId="{077E1FEA-BF70-4712-8614-E1B177C25C67}">
@@ -7242,7 +7247,7 @@
       <dsp:spPr>
         <a:xfrm>
           <a:off x="4058724" y="0"/>
-          <a:ext cx="1959163" cy="720190"/>
+          <a:ext cx="1959163" cy="720189"/>
         </a:xfrm>
         <a:prstGeom prst="roundRect">
           <a:avLst>
@@ -7364,7 +7369,7 @@
       <dsp:spPr>
         <a:xfrm>
           <a:off x="4450557" y="0"/>
-          <a:ext cx="1459576" cy="720190"/>
+          <a:ext cx="1459576" cy="720189"/>
         </a:xfrm>
         <a:prstGeom prst="rect">
           <a:avLst/>
@@ -7417,7 +7422,7 @@
       </dsp:txBody>
       <dsp:txXfrm>
         <a:off x="4450557" y="0"/>
-        <a:ext cx="1459576" cy="720190"/>
+        <a:ext cx="1459576" cy="720189"/>
       </dsp:txXfrm>
     </dsp:sp>
     <dsp:sp modelId="{8A5591B4-1888-4A2F-8CFF-FF31D4148698}">
@@ -7428,7 +7433,7 @@
       <dsp:spPr>
         <a:xfrm>
           <a:off x="6086458" y="0"/>
-          <a:ext cx="1959163" cy="720190"/>
+          <a:ext cx="1959163" cy="720189"/>
         </a:xfrm>
         <a:prstGeom prst="roundRect">
           <a:avLst>
@@ -7550,7 +7555,7 @@
       <dsp:spPr>
         <a:xfrm>
           <a:off x="6478291" y="0"/>
-          <a:ext cx="1459576" cy="720190"/>
+          <a:ext cx="1459576" cy="720189"/>
         </a:xfrm>
         <a:prstGeom prst="rect">
           <a:avLst/>
@@ -7603,7 +7608,7 @@
       </dsp:txBody>
       <dsp:txXfrm>
         <a:off x="6478291" y="0"/>
-        <a:ext cx="1459576" cy="720190"/>
+        <a:ext cx="1459576" cy="720189"/>
       </dsp:txXfrm>
     </dsp:sp>
   </dsp:spTree>
@@ -13866,7 +13871,7 @@
           <a:p>
             <a:fld id="{27667466-E0D7-FD4B-BBEF-602BF6B185FF}" type="datetimeFigureOut">
               <a:rPr lang="de-DE" smtClean="0"/>
-              <a:t>06.11.11</a:t>
+              <a:t>06.11.2011</a:t>
             </a:fld>
             <a:endParaRPr lang="de-DE"/>
           </a:p>
@@ -14032,7 +14037,7 @@
           <a:p>
             <a:fld id="{358CF69D-E791-E447-927B-A50D3ED4596D}" type="datetimeFigureOut">
               <a:rPr lang="de-DE" smtClean="0"/>
-              <a:t>06.11.11</a:t>
+              <a:t>06.11.2011</a:t>
             </a:fld>
             <a:endParaRPr lang="de-DE"/>
           </a:p>
@@ -14385,6 +14390,160 @@
 </p:notes>
 </file>
 
+<file path=ppt/notesSlides/notesSlide10.xml><?xml version="1.0" encoding="utf-8"?>
+<p:notes xmlns:a="http://schemas.openxmlformats.org/drawingml/2006/main" xmlns:r="http://schemas.openxmlformats.org/officeDocument/2006/relationships" xmlns:p="http://schemas.openxmlformats.org/presentationml/2006/main">
+  <p:cSld>
+    <p:spTree>
+      <p:nvGrpSpPr>
+        <p:cNvPr id="1" name=""/>
+        <p:cNvGrpSpPr/>
+        <p:nvPr/>
+      </p:nvGrpSpPr>
+      <p:grpSpPr>
+        <a:xfrm>
+          <a:off x="0" y="0"/>
+          <a:ext cx="0" cy="0"/>
+          <a:chOff x="0" y="0"/>
+          <a:chExt cx="0" cy="0"/>
+        </a:xfrm>
+      </p:grpSpPr>
+      <p:sp>
+        <p:nvSpPr>
+          <p:cNvPr id="2" name="Folienbildplatzhalter 1"/>
+          <p:cNvSpPr>
+            <a:spLocks noGrp="1" noRot="1" noChangeAspect="1"/>
+          </p:cNvSpPr>
+          <p:nvPr>
+            <p:ph type="sldImg"/>
+          </p:nvPr>
+        </p:nvSpPr>
+        <p:spPr/>
+      </p:sp>
+      <p:sp>
+        <p:nvSpPr>
+          <p:cNvPr id="3" name="Notizenplatzhalter 2"/>
+          <p:cNvSpPr>
+            <a:spLocks noGrp="1"/>
+          </p:cNvSpPr>
+          <p:nvPr>
+            <p:ph type="body" idx="1"/>
+          </p:nvPr>
+        </p:nvSpPr>
+        <p:spPr/>
+        <p:txBody>
+          <a:bodyPr/>
+          <a:lstStyle/>
+          <a:p>
+            <a:pPr marL="171450" indent="-171450">
+              <a:buFont typeface="Arial" pitchFamily="34" charset="0"/>
+              <a:buChar char="•"/>
+            </a:pPr>
+            <a:r>
+              <a:rPr lang="de-DE" dirty="0" smtClean="0"/>
+              <a:t>zunächst Unternehmen definiert</a:t>
+            </a:r>
+          </a:p>
+          <a:p>
+            <a:pPr marL="171450" indent="-171450">
+              <a:buFont typeface="Arial" pitchFamily="34" charset="0"/>
+              <a:buChar char="•"/>
+            </a:pPr>
+            <a:r>
+              <a:rPr lang="de-DE" dirty="0" smtClean="0"/>
+              <a:t>dann Runde</a:t>
+            </a:r>
+            <a:r>
+              <a:rPr lang="de-DE" baseline="0" dirty="0" smtClean="0"/>
+              <a:t> für Runde (10 Stück) durchgegangen</a:t>
+            </a:r>
+          </a:p>
+          <a:p>
+            <a:pPr marL="628650" lvl="1" indent="-171450">
+              <a:buFont typeface="Arial" pitchFamily="34" charset="0"/>
+              <a:buChar char="•"/>
+            </a:pPr>
+            <a:r>
+              <a:rPr lang="de-DE" baseline="0" dirty="0" smtClean="0"/>
+              <a:t>Informationsphase für Unternehmen: wie ist die Lage</a:t>
+            </a:r>
+          </a:p>
+          <a:p>
+            <a:pPr marL="628650" lvl="1" indent="-171450">
+              <a:buFont typeface="Arial" pitchFamily="34" charset="0"/>
+              <a:buChar char="•"/>
+            </a:pPr>
+            <a:r>
+              <a:rPr lang="de-DE" baseline="0" dirty="0" smtClean="0"/>
+              <a:t>basierend auf Verhaltenstyp Entscheidungen getroffen</a:t>
+            </a:r>
+          </a:p>
+          <a:p>
+            <a:pPr marL="171450" lvl="0" indent="-171450">
+              <a:buFont typeface="Arial" pitchFamily="34" charset="0"/>
+              <a:buChar char="•"/>
+            </a:pPr>
+            <a:r>
+              <a:rPr lang="de-DE" baseline="0" dirty="0" smtClean="0"/>
+              <a:t>zum </a:t>
+            </a:r>
+            <a:r>
+              <a:rPr lang="de-DE" baseline="0" dirty="0" err="1" smtClean="0"/>
+              <a:t>Schluß</a:t>
+            </a:r>
+            <a:r>
+              <a:rPr lang="de-DE" baseline="0" dirty="0" smtClean="0"/>
+              <a:t> Bewertung</a:t>
+            </a:r>
+          </a:p>
+          <a:p>
+            <a:pPr marL="171450" lvl="0" indent="-171450">
+              <a:buFont typeface="Arial" pitchFamily="34" charset="0"/>
+              <a:buChar char="•"/>
+            </a:pPr>
+            <a:r>
+              <a:rPr lang="de-DE" baseline="0" dirty="0" smtClean="0"/>
+              <a:t>LIVE anschauen</a:t>
+            </a:r>
+            <a:endParaRPr lang="en-US" dirty="0"/>
+          </a:p>
+        </p:txBody>
+      </p:sp>
+      <p:sp>
+        <p:nvSpPr>
+          <p:cNvPr id="4" name="Foliennummernplatzhalter 3"/>
+          <p:cNvSpPr>
+            <a:spLocks noGrp="1"/>
+          </p:cNvSpPr>
+          <p:nvPr>
+            <p:ph type="sldNum" sz="quarter" idx="10"/>
+          </p:nvPr>
+        </p:nvSpPr>
+        <p:spPr/>
+        <p:txBody>
+          <a:bodyPr/>
+          <a:lstStyle/>
+          <a:p>
+            <a:fld id="{31B766F0-CE08-5549-8B9A-6DE57C03B1D9}" type="slidenum">
+              <a:rPr lang="de-DE" smtClean="0"/>
+              <a:t>23</a:t>
+            </a:fld>
+            <a:endParaRPr lang="de-DE"/>
+          </a:p>
+        </p:txBody>
+      </p:sp>
+    </p:spTree>
+    <p:extLst>
+      <p:ext uri="{BB962C8B-B14F-4D97-AF65-F5344CB8AC3E}">
+        <p14:creationId xmlns:p14="http://schemas.microsoft.com/office/powerpoint/2010/main" val="1197399505"/>
+      </p:ext>
+    </p:extLst>
+  </p:cSld>
+  <p:clrMapOvr>
+    <a:masterClrMapping/>
+  </p:clrMapOvr>
+</p:notes>
+</file>
+
 <file path=ppt/notesSlides/notesSlide2.xml><?xml version="1.0" encoding="utf-8"?>
 <p:notes xmlns:a="http://schemas.openxmlformats.org/drawingml/2006/main" xmlns:r="http://schemas.openxmlformats.org/officeDocument/2006/relationships" xmlns:p="http://schemas.openxmlformats.org/presentationml/2006/main">
   <p:cSld>
@@ -14706,6 +14865,650 @@
         </p:txBody>
       </p:sp>
     </p:spTree>
+  </p:cSld>
+  <p:clrMapOvr>
+    <a:masterClrMapping/>
+  </p:clrMapOvr>
+</p:notes>
+</file>
+
+<file path=ppt/notesSlides/notesSlide6.xml><?xml version="1.0" encoding="utf-8"?>
+<p:notes xmlns:a="http://schemas.openxmlformats.org/drawingml/2006/main" xmlns:r="http://schemas.openxmlformats.org/officeDocument/2006/relationships" xmlns:p="http://schemas.openxmlformats.org/presentationml/2006/main">
+  <p:cSld>
+    <p:spTree>
+      <p:nvGrpSpPr>
+        <p:cNvPr id="1" name=""/>
+        <p:cNvGrpSpPr/>
+        <p:nvPr/>
+      </p:nvGrpSpPr>
+      <p:grpSpPr>
+        <a:xfrm>
+          <a:off x="0" y="0"/>
+          <a:ext cx="0" cy="0"/>
+          <a:chOff x="0" y="0"/>
+          <a:chExt cx="0" cy="0"/>
+        </a:xfrm>
+      </p:grpSpPr>
+      <p:sp>
+        <p:nvSpPr>
+          <p:cNvPr id="2" name="Folienbildplatzhalter 1"/>
+          <p:cNvSpPr>
+            <a:spLocks noGrp="1" noRot="1" noChangeAspect="1"/>
+          </p:cNvSpPr>
+          <p:nvPr>
+            <p:ph type="sldImg"/>
+          </p:nvPr>
+        </p:nvSpPr>
+        <p:spPr/>
+      </p:sp>
+      <p:sp>
+        <p:nvSpPr>
+          <p:cNvPr id="3" name="Notizenplatzhalter 2"/>
+          <p:cNvSpPr>
+            <a:spLocks noGrp="1"/>
+          </p:cNvSpPr>
+          <p:nvPr>
+            <p:ph type="body" idx="1"/>
+          </p:nvPr>
+        </p:nvSpPr>
+        <p:spPr/>
+        <p:txBody>
+          <a:bodyPr/>
+          <a:lstStyle/>
+          <a:p>
+            <a:r>
+              <a:rPr lang="de-DE" dirty="0" smtClean="0"/>
+              <a:t>Modellierung:</a:t>
+            </a:r>
+            <a:r>
+              <a:rPr lang="de-DE" baseline="0" dirty="0" smtClean="0"/>
+              <a:t> Klassendiagramm der Entwurfsphase</a:t>
+            </a:r>
+          </a:p>
+          <a:p>
+            <a:r>
+              <a:rPr lang="de-DE" baseline="0" dirty="0" smtClean="0"/>
+              <a:t>Implementierung: ein paar erwähnenswerte Sachen</a:t>
+            </a:r>
+            <a:endParaRPr lang="de-DE" dirty="0" smtClean="0"/>
+          </a:p>
+        </p:txBody>
+      </p:sp>
+      <p:sp>
+        <p:nvSpPr>
+          <p:cNvPr id="4" name="Foliennummernplatzhalter 3"/>
+          <p:cNvSpPr>
+            <a:spLocks noGrp="1"/>
+          </p:cNvSpPr>
+          <p:nvPr>
+            <p:ph type="sldNum" sz="quarter" idx="10"/>
+          </p:nvPr>
+        </p:nvSpPr>
+        <p:spPr/>
+        <p:txBody>
+          <a:bodyPr/>
+          <a:lstStyle/>
+          <a:p>
+            <a:fld id="{31B766F0-CE08-5549-8B9A-6DE57C03B1D9}" type="slidenum">
+              <a:rPr lang="de-DE" smtClean="0"/>
+              <a:t>17</a:t>
+            </a:fld>
+            <a:endParaRPr lang="de-DE"/>
+          </a:p>
+        </p:txBody>
+      </p:sp>
+    </p:spTree>
+    <p:extLst>
+      <p:ext uri="{BB962C8B-B14F-4D97-AF65-F5344CB8AC3E}">
+        <p14:creationId xmlns:p14="http://schemas.microsoft.com/office/powerpoint/2010/main" val="2318757660"/>
+      </p:ext>
+    </p:extLst>
+  </p:cSld>
+  <p:clrMapOvr>
+    <a:masterClrMapping/>
+  </p:clrMapOvr>
+</p:notes>
+</file>
+
+<file path=ppt/notesSlides/notesSlide7.xml><?xml version="1.0" encoding="utf-8"?>
+<p:notes xmlns:a="http://schemas.openxmlformats.org/drawingml/2006/main" xmlns:r="http://schemas.openxmlformats.org/officeDocument/2006/relationships" xmlns:p="http://schemas.openxmlformats.org/presentationml/2006/main">
+  <p:cSld>
+    <p:spTree>
+      <p:nvGrpSpPr>
+        <p:cNvPr id="1" name=""/>
+        <p:cNvGrpSpPr/>
+        <p:nvPr/>
+      </p:nvGrpSpPr>
+      <p:grpSpPr>
+        <a:xfrm>
+          <a:off x="0" y="0"/>
+          <a:ext cx="0" cy="0"/>
+          <a:chOff x="0" y="0"/>
+          <a:chExt cx="0" cy="0"/>
+        </a:xfrm>
+      </p:grpSpPr>
+      <p:sp>
+        <p:nvSpPr>
+          <p:cNvPr id="2" name="Folienbildplatzhalter 1"/>
+          <p:cNvSpPr>
+            <a:spLocks noGrp="1" noRot="1" noChangeAspect="1"/>
+          </p:cNvSpPr>
+          <p:nvPr>
+            <p:ph type="sldImg"/>
+          </p:nvPr>
+        </p:nvSpPr>
+        <p:spPr/>
+      </p:sp>
+      <p:sp>
+        <p:nvSpPr>
+          <p:cNvPr id="3" name="Notizenplatzhalter 2"/>
+          <p:cNvSpPr>
+            <a:spLocks noGrp="1"/>
+          </p:cNvSpPr>
+          <p:nvPr>
+            <p:ph type="body" idx="1"/>
+          </p:nvPr>
+        </p:nvSpPr>
+        <p:spPr/>
+        <p:txBody>
+          <a:bodyPr/>
+          <a:lstStyle/>
+          <a:p>
+            <a:pPr marL="171450" indent="-171450">
+              <a:buFont typeface="Arial" pitchFamily="34" charset="0"/>
+              <a:buChar char="•"/>
+            </a:pPr>
+            <a:r>
+              <a:rPr lang="de-DE" dirty="0" smtClean="0"/>
+              <a:t>Spiel:</a:t>
+            </a:r>
+            <a:r>
+              <a:rPr lang="de-DE" baseline="0" dirty="0" smtClean="0"/>
+              <a:t> zentrale Klasse</a:t>
+            </a:r>
+          </a:p>
+          <a:p>
+            <a:pPr marL="171450" lvl="0" indent="-171450">
+              <a:buFont typeface="Arial" pitchFamily="34" charset="0"/>
+              <a:buChar char="•"/>
+            </a:pPr>
+            <a:r>
+              <a:rPr lang="de-DE" dirty="0" smtClean="0"/>
+              <a:t>hat</a:t>
+            </a:r>
+            <a:r>
+              <a:rPr lang="de-DE" baseline="0" dirty="0" smtClean="0"/>
+              <a:t> Märkte</a:t>
+            </a:r>
+          </a:p>
+          <a:p>
+            <a:pPr marL="628650" lvl="1" indent="-171450">
+              <a:buFont typeface="Arial" pitchFamily="34" charset="0"/>
+              <a:buChar char="•"/>
+            </a:pPr>
+            <a:r>
+              <a:rPr lang="de-DE" baseline="0" dirty="0" smtClean="0"/>
+              <a:t>hier ist Hauptteil der Spiellogik abgebildet</a:t>
+            </a:r>
+          </a:p>
+          <a:p>
+            <a:pPr marL="628650" lvl="1" indent="-171450">
+              <a:buFont typeface="Arial" pitchFamily="34" charset="0"/>
+              <a:buChar char="•"/>
+            </a:pPr>
+            <a:r>
+              <a:rPr lang="de-DE" baseline="0" dirty="0" smtClean="0"/>
+              <a:t>Märkte verwalten Typen</a:t>
+            </a:r>
+            <a:endParaRPr lang="de-DE" baseline="0" dirty="0" smtClean="0"/>
+          </a:p>
+          <a:p>
+            <a:pPr marL="171450" indent="-171450">
+              <a:buFont typeface="Arial" pitchFamily="34" charset="0"/>
+              <a:buChar char="•"/>
+            </a:pPr>
+            <a:r>
+              <a:rPr lang="de-DE" baseline="0" dirty="0" smtClean="0"/>
+              <a:t>kennt Unternehmen</a:t>
+            </a:r>
+          </a:p>
+          <a:p>
+            <a:pPr marL="628650" lvl="1" indent="-171450">
+              <a:buFont typeface="Arial" pitchFamily="34" charset="0"/>
+              <a:buChar char="•"/>
+            </a:pPr>
+            <a:r>
+              <a:rPr lang="de-DE" baseline="0" dirty="0" smtClean="0"/>
+              <a:t>dient Spielern zum Zugriff auf Funktionen</a:t>
+            </a:r>
+          </a:p>
+          <a:p>
+            <a:pPr marL="628650" lvl="1" indent="-171450">
+              <a:buFont typeface="Arial" pitchFamily="34" charset="0"/>
+              <a:buChar char="•"/>
+            </a:pPr>
+            <a:r>
+              <a:rPr lang="de-DE" baseline="0" dirty="0" smtClean="0"/>
+              <a:t>Hat Abteilungen (Einkauf, Produktion, Verkauf, Finanzen, Personal) -&gt; Industrieunternehmen</a:t>
+            </a:r>
+          </a:p>
+          <a:p>
+            <a:pPr marL="171450" lvl="0" indent="-171450">
+              <a:buFont typeface="Arial" pitchFamily="34" charset="0"/>
+              <a:buChar char="•"/>
+            </a:pPr>
+            <a:r>
+              <a:rPr lang="de-DE" baseline="0" dirty="0" smtClean="0"/>
+              <a:t>kennt Spielrunden</a:t>
+            </a:r>
+          </a:p>
+          <a:p>
+            <a:pPr marL="628650" lvl="1" indent="-171450">
+              <a:buFont typeface="Arial" pitchFamily="34" charset="0"/>
+              <a:buChar char="•"/>
+            </a:pPr>
+            <a:r>
+              <a:rPr lang="de-DE" baseline="0" dirty="0" smtClean="0"/>
+              <a:t>Datenspeicher: Spielstory</a:t>
+            </a:r>
+          </a:p>
+          <a:p>
+            <a:pPr marL="171450" lvl="0" indent="-171450">
+              <a:buFont typeface="Arial" pitchFamily="34" charset="0"/>
+              <a:buChar char="•"/>
+            </a:pPr>
+            <a:r>
+              <a:rPr lang="de-DE" baseline="0" dirty="0" smtClean="0"/>
+              <a:t>Transaktionen</a:t>
+            </a:r>
+          </a:p>
+          <a:p>
+            <a:pPr marL="628650" lvl="1" indent="-171450">
+              <a:buFont typeface="Arial" pitchFamily="34" charset="0"/>
+              <a:buChar char="•"/>
+            </a:pPr>
+            <a:r>
+              <a:rPr lang="de-DE" baseline="0" dirty="0" smtClean="0"/>
+              <a:t>zur Datenspeicherung</a:t>
+            </a:r>
+          </a:p>
+          <a:p>
+            <a:pPr marL="628650" lvl="1" indent="-171450">
+              <a:buFont typeface="Arial" pitchFamily="34" charset="0"/>
+              <a:buChar char="•"/>
+            </a:pPr>
+            <a:r>
+              <a:rPr lang="de-DE" baseline="0" dirty="0" smtClean="0"/>
+              <a:t>Rundenende: Transaktionen -&gt; </a:t>
+            </a:r>
+            <a:r>
+              <a:rPr lang="de-DE" baseline="0" dirty="0" err="1" smtClean="0"/>
+              <a:t>SpielRunde</a:t>
+            </a:r>
+            <a:r>
+              <a:rPr lang="de-DE" baseline="0" dirty="0" smtClean="0"/>
+              <a:t> (Auswertung)</a:t>
+            </a:r>
+          </a:p>
+        </p:txBody>
+      </p:sp>
+      <p:sp>
+        <p:nvSpPr>
+          <p:cNvPr id="4" name="Foliennummernplatzhalter 3"/>
+          <p:cNvSpPr>
+            <a:spLocks noGrp="1"/>
+          </p:cNvSpPr>
+          <p:nvPr>
+            <p:ph type="sldNum" sz="quarter" idx="10"/>
+          </p:nvPr>
+        </p:nvSpPr>
+        <p:spPr/>
+        <p:txBody>
+          <a:bodyPr/>
+          <a:lstStyle/>
+          <a:p>
+            <a:fld id="{31B766F0-CE08-5549-8B9A-6DE57C03B1D9}" type="slidenum">
+              <a:rPr lang="de-DE" smtClean="0"/>
+              <a:t>18</a:t>
+            </a:fld>
+            <a:endParaRPr lang="de-DE"/>
+          </a:p>
+        </p:txBody>
+      </p:sp>
+    </p:spTree>
+    <p:extLst>
+      <p:ext uri="{BB962C8B-B14F-4D97-AF65-F5344CB8AC3E}">
+        <p14:creationId xmlns:p14="http://schemas.microsoft.com/office/powerpoint/2010/main" val="2857346070"/>
+      </p:ext>
+    </p:extLst>
+  </p:cSld>
+  <p:clrMapOvr>
+    <a:masterClrMapping/>
+  </p:clrMapOvr>
+</p:notes>
+</file>
+
+<file path=ppt/notesSlides/notesSlide8.xml><?xml version="1.0" encoding="utf-8"?>
+<p:notes xmlns:a="http://schemas.openxmlformats.org/drawingml/2006/main" xmlns:r="http://schemas.openxmlformats.org/officeDocument/2006/relationships" xmlns:p="http://schemas.openxmlformats.org/presentationml/2006/main">
+  <p:cSld>
+    <p:spTree>
+      <p:nvGrpSpPr>
+        <p:cNvPr id="1" name=""/>
+        <p:cNvGrpSpPr/>
+        <p:nvPr/>
+      </p:nvGrpSpPr>
+      <p:grpSpPr>
+        <a:xfrm>
+          <a:off x="0" y="0"/>
+          <a:ext cx="0" cy="0"/>
+          <a:chOff x="0" y="0"/>
+          <a:chExt cx="0" cy="0"/>
+        </a:xfrm>
+      </p:grpSpPr>
+      <p:sp>
+        <p:nvSpPr>
+          <p:cNvPr id="2" name="Folienbildplatzhalter 1"/>
+          <p:cNvSpPr>
+            <a:spLocks noGrp="1" noRot="1" noChangeAspect="1"/>
+          </p:cNvSpPr>
+          <p:nvPr>
+            <p:ph type="sldImg"/>
+          </p:nvPr>
+        </p:nvSpPr>
+        <p:spPr/>
+      </p:sp>
+      <p:sp>
+        <p:nvSpPr>
+          <p:cNvPr id="3" name="Notizenplatzhalter 2"/>
+          <p:cNvSpPr>
+            <a:spLocks noGrp="1"/>
+          </p:cNvSpPr>
+          <p:nvPr>
+            <p:ph type="body" idx="1"/>
+          </p:nvPr>
+        </p:nvSpPr>
+        <p:spPr/>
+        <p:txBody>
+          <a:bodyPr/>
+          <a:lstStyle/>
+          <a:p>
+            <a:pPr marL="171450" indent="-171450">
+              <a:buFont typeface="Arial" pitchFamily="34" charset="0"/>
+              <a:buChar char="•"/>
+            </a:pPr>
+            <a:r>
+              <a:rPr lang="de-DE" dirty="0" smtClean="0"/>
+              <a:t>generische</a:t>
+            </a:r>
+            <a:r>
+              <a:rPr lang="de-DE" baseline="0" dirty="0" smtClean="0"/>
+              <a:t> Klassen oft für Obertypen</a:t>
+            </a:r>
+          </a:p>
+          <a:p>
+            <a:pPr marL="628650" lvl="1" indent="-171450">
+              <a:buFont typeface="Arial" pitchFamily="34" charset="0"/>
+              <a:buChar char="•"/>
+            </a:pPr>
+            <a:r>
+              <a:rPr lang="de-DE" baseline="0" dirty="0" smtClean="0"/>
+              <a:t>alle Märkte verwalten Typen: so einmal implementieren -&gt; trotzdem nicht </a:t>
+            </a:r>
+            <a:r>
+              <a:rPr lang="de-DE" baseline="0" dirty="0" err="1" smtClean="0"/>
+              <a:t>casten</a:t>
+            </a:r>
+            <a:endParaRPr lang="de-DE" baseline="0" dirty="0" smtClean="0"/>
+          </a:p>
+          <a:p>
+            <a:pPr marL="628650" lvl="1" indent="-171450">
+              <a:buFont typeface="Arial" pitchFamily="34" charset="0"/>
+              <a:buChar char="•"/>
+            </a:pPr>
+            <a:r>
+              <a:rPr lang="de-DE" baseline="0" dirty="0" smtClean="0"/>
+              <a:t>ähnlich für Transaktion</a:t>
+            </a:r>
+          </a:p>
+          <a:p>
+            <a:pPr marL="171450" lvl="0" indent="-171450">
+              <a:buFont typeface="Arial" pitchFamily="34" charset="0"/>
+              <a:buChar char="•"/>
+            </a:pPr>
+            <a:r>
+              <a:rPr lang="de-DE" dirty="0" smtClean="0"/>
+              <a:t>Problem</a:t>
+            </a:r>
+            <a:r>
+              <a:rPr lang="de-DE" baseline="0" dirty="0" smtClean="0"/>
+              <a:t> Datenhaltung</a:t>
+            </a:r>
+          </a:p>
+          <a:p>
+            <a:pPr marL="628650" lvl="1" indent="-171450">
+              <a:buFont typeface="Arial" pitchFamily="34" charset="0"/>
+              <a:buChar char="•"/>
+            </a:pPr>
+            <a:r>
+              <a:rPr lang="de-DE" baseline="0" dirty="0" smtClean="0"/>
+              <a:t>hauptsächlich </a:t>
+            </a:r>
+            <a:r>
+              <a:rPr lang="de-DE" baseline="0" dirty="0" err="1" smtClean="0"/>
+              <a:t>Vector</a:t>
+            </a:r>
+            <a:r>
+              <a:rPr lang="de-DE" baseline="0" dirty="0" smtClean="0"/>
+              <a:t> und </a:t>
+            </a:r>
+            <a:r>
+              <a:rPr lang="de-DE" baseline="0" dirty="0" err="1" smtClean="0"/>
+              <a:t>HashMap</a:t>
+            </a:r>
+            <a:r>
+              <a:rPr lang="de-DE" baseline="0" dirty="0" smtClean="0"/>
+              <a:t> verwendet</a:t>
+            </a:r>
+          </a:p>
+          <a:p>
+            <a:pPr marL="628650" lvl="1" indent="-171450">
+              <a:buFont typeface="Arial" pitchFamily="34" charset="0"/>
+              <a:buChar char="•"/>
+            </a:pPr>
+            <a:r>
+              <a:rPr lang="de-DE" baseline="0" dirty="0" smtClean="0"/>
+              <a:t>DB-Anbindung hätte an einigen Stellen das Leben erleichtert</a:t>
+            </a:r>
+          </a:p>
+          <a:p>
+            <a:pPr marL="171450" lvl="0" indent="-171450">
+              <a:buFont typeface="Arial" pitchFamily="34" charset="0"/>
+              <a:buChar char="•"/>
+            </a:pPr>
+            <a:r>
+              <a:rPr lang="de-DE" baseline="0" dirty="0" smtClean="0"/>
+              <a:t>Ausgabe: zunächst unübersichtlich</a:t>
+            </a:r>
+          </a:p>
+          <a:p>
+            <a:pPr marL="628650" lvl="1" indent="-171450">
+              <a:buFont typeface="Arial" pitchFamily="34" charset="0"/>
+              <a:buChar char="•"/>
+            </a:pPr>
+            <a:r>
+              <a:rPr lang="de-DE" baseline="0" dirty="0" smtClean="0"/>
+              <a:t>alles in Tabellen</a:t>
+            </a:r>
+          </a:p>
+          <a:p>
+            <a:pPr marL="628650" lvl="1" indent="-171450">
+              <a:buFont typeface="Arial" pitchFamily="34" charset="0"/>
+              <a:buChar char="•"/>
+            </a:pPr>
+            <a:r>
+              <a:rPr lang="de-DE" baseline="0" dirty="0" smtClean="0"/>
+              <a:t>schneller zu erfassen</a:t>
+            </a:r>
+          </a:p>
+          <a:p>
+            <a:pPr marL="628650" lvl="1" indent="-171450">
+              <a:buFont typeface="Arial" pitchFamily="34" charset="0"/>
+              <a:buChar char="•"/>
+            </a:pPr>
+            <a:r>
+              <a:rPr lang="de-DE" baseline="0" dirty="0" smtClean="0"/>
+              <a:t>trotzdem in Konsole möglich</a:t>
+            </a:r>
+          </a:p>
+          <a:p>
+            <a:pPr marL="628650" lvl="1" indent="-171450">
+              <a:buFont typeface="Arial" pitchFamily="34" charset="0"/>
+              <a:buChar char="•"/>
+            </a:pPr>
+            <a:r>
+              <a:rPr lang="de-DE" baseline="0" dirty="0" smtClean="0"/>
+              <a:t>abgestimmt mit </a:t>
+            </a:r>
+            <a:r>
+              <a:rPr lang="de-DE" baseline="0" dirty="0" err="1" smtClean="0"/>
+              <a:t>Mockups</a:t>
+            </a:r>
+            <a:endParaRPr lang="en-US" dirty="0"/>
+          </a:p>
+        </p:txBody>
+      </p:sp>
+      <p:sp>
+        <p:nvSpPr>
+          <p:cNvPr id="4" name="Foliennummernplatzhalter 3"/>
+          <p:cNvSpPr>
+            <a:spLocks noGrp="1"/>
+          </p:cNvSpPr>
+          <p:nvPr>
+            <p:ph type="sldNum" sz="quarter" idx="10"/>
+          </p:nvPr>
+        </p:nvSpPr>
+        <p:spPr/>
+        <p:txBody>
+          <a:bodyPr/>
+          <a:lstStyle/>
+          <a:p>
+            <a:fld id="{31B766F0-CE08-5549-8B9A-6DE57C03B1D9}" type="slidenum">
+              <a:rPr lang="de-DE" smtClean="0"/>
+              <a:t>19</a:t>
+            </a:fld>
+            <a:endParaRPr lang="de-DE"/>
+          </a:p>
+        </p:txBody>
+      </p:sp>
+    </p:spTree>
+    <p:extLst>
+      <p:ext uri="{BB962C8B-B14F-4D97-AF65-F5344CB8AC3E}">
+        <p14:creationId xmlns:p14="http://schemas.microsoft.com/office/powerpoint/2010/main" val="3268839447"/>
+      </p:ext>
+    </p:extLst>
+  </p:cSld>
+  <p:clrMapOvr>
+    <a:masterClrMapping/>
+  </p:clrMapOvr>
+</p:notes>
+</file>
+
+<file path=ppt/notesSlides/notesSlide9.xml><?xml version="1.0" encoding="utf-8"?>
+<p:notes xmlns:a="http://schemas.openxmlformats.org/drawingml/2006/main" xmlns:r="http://schemas.openxmlformats.org/officeDocument/2006/relationships" xmlns:p="http://schemas.openxmlformats.org/presentationml/2006/main">
+  <p:cSld>
+    <p:spTree>
+      <p:nvGrpSpPr>
+        <p:cNvPr id="1" name=""/>
+        <p:cNvGrpSpPr/>
+        <p:nvPr/>
+      </p:nvGrpSpPr>
+      <p:grpSpPr>
+        <a:xfrm>
+          <a:off x="0" y="0"/>
+          <a:ext cx="0" cy="0"/>
+          <a:chOff x="0" y="0"/>
+          <a:chExt cx="0" cy="0"/>
+        </a:xfrm>
+      </p:grpSpPr>
+      <p:sp>
+        <p:nvSpPr>
+          <p:cNvPr id="2" name="Folienbildplatzhalter 1"/>
+          <p:cNvSpPr>
+            <a:spLocks noGrp="1" noRot="1" noChangeAspect="1"/>
+          </p:cNvSpPr>
+          <p:nvPr>
+            <p:ph type="sldImg"/>
+          </p:nvPr>
+        </p:nvSpPr>
+        <p:spPr/>
+      </p:sp>
+      <p:sp>
+        <p:nvSpPr>
+          <p:cNvPr id="3" name="Notizenplatzhalter 2"/>
+          <p:cNvSpPr>
+            <a:spLocks noGrp="1"/>
+          </p:cNvSpPr>
+          <p:nvPr>
+            <p:ph type="body" idx="1"/>
+          </p:nvPr>
+        </p:nvSpPr>
+        <p:spPr/>
+        <p:txBody>
+          <a:bodyPr/>
+          <a:lstStyle/>
+          <a:p>
+            <a:r>
+              <a:rPr lang="de-DE" dirty="0" smtClean="0"/>
+              <a:t>Haupt</a:t>
+            </a:r>
+            <a:r>
+              <a:rPr lang="de-DE" baseline="0" dirty="0" smtClean="0"/>
+              <a:t> </a:t>
+            </a:r>
+            <a:r>
+              <a:rPr lang="de-DE" baseline="0" dirty="0" err="1" smtClean="0"/>
+              <a:t>Testcase</a:t>
+            </a:r>
+            <a:endParaRPr lang="de-DE" baseline="0" dirty="0" smtClean="0"/>
+          </a:p>
+          <a:p>
+            <a:r>
+              <a:rPr lang="de-DE" baseline="0" dirty="0" smtClean="0"/>
+              <a:t>3 Unternehmen - Archetypen</a:t>
+            </a:r>
+            <a:endParaRPr lang="en-US" dirty="0"/>
+          </a:p>
+        </p:txBody>
+      </p:sp>
+      <p:sp>
+        <p:nvSpPr>
+          <p:cNvPr id="4" name="Foliennummernplatzhalter 3"/>
+          <p:cNvSpPr>
+            <a:spLocks noGrp="1"/>
+          </p:cNvSpPr>
+          <p:nvPr>
+            <p:ph type="sldNum" sz="quarter" idx="10"/>
+          </p:nvPr>
+        </p:nvSpPr>
+        <p:spPr/>
+        <p:txBody>
+          <a:bodyPr/>
+          <a:lstStyle/>
+          <a:p>
+            <a:fld id="{31B766F0-CE08-5549-8B9A-6DE57C03B1D9}" type="slidenum">
+              <a:rPr lang="de-DE" smtClean="0"/>
+              <a:t>20</a:t>
+            </a:fld>
+            <a:endParaRPr lang="de-DE"/>
+          </a:p>
+        </p:txBody>
+      </p:sp>
+    </p:spTree>
+    <p:extLst>
+      <p:ext uri="{BB962C8B-B14F-4D97-AF65-F5344CB8AC3E}">
+        <p14:creationId xmlns:p14="http://schemas.microsoft.com/office/powerpoint/2010/main" val="2787556192"/>
+      </p:ext>
+    </p:extLst>
   </p:cSld>
   <p:clrMapOvr>
     <a:masterClrMapping/>
@@ -19716,7 +20519,7 @@
   <p:timing>
     <p:tnLst>
       <p:par>
-        <p:cTn xmlns:p14="http://schemas.microsoft.com/office/powerpoint/2010/main" id="1" dur="indefinite" restart="never" nodeType="tmRoot"/>
+        <p:cTn id="1" dur="indefinite" restart="never" nodeType="tmRoot"/>
       </p:par>
     </p:tnLst>
   </p:timing>
@@ -19845,7 +20648,7 @@
           <p:nvPr/>
         </p:nvPicPr>
         <p:blipFill>
-          <a:blip r:embed="rId2">
+          <a:blip r:embed="rId2" cstate="email">
             <a:extLst>
               <a:ext uri="{28A0092B-C50C-407E-A947-70E740481C1C}">
                 <a14:useLocalDpi xmlns:a14="http://schemas.microsoft.com/office/drawing/2010/main" val="0"/>
@@ -19879,7 +20682,7 @@
   <p:timing>
     <p:tnLst>
       <p:par>
-        <p:cTn xmlns:p14="http://schemas.microsoft.com/office/powerpoint/2010/main" id="1" dur="indefinite" restart="never" nodeType="tmRoot"/>
+        <p:cTn id="1" dur="indefinite" restart="never" nodeType="tmRoot"/>
       </p:par>
     </p:tnLst>
   </p:timing>
@@ -20157,7 +20960,7 @@
   <p:timing>
     <p:tnLst>
       <p:par>
-        <p:cTn xmlns:p14="http://schemas.microsoft.com/office/powerpoint/2010/main" id="1" dur="indefinite" restart="never" nodeType="tmRoot"/>
+        <p:cTn id="1" dur="indefinite" restart="never" nodeType="tmRoot"/>
       </p:par>
     </p:tnLst>
   </p:timing>
@@ -20372,7 +21175,7 @@
           <p:nvPr/>
         </p:nvPicPr>
         <p:blipFill rotWithShape="1">
-          <a:blip r:embed="rId2">
+          <a:blip r:embed="rId2" cstate="email">
             <a:extLst>
               <a:ext uri="{28A0092B-C50C-407E-A947-70E740481C1C}">
                 <a14:useLocalDpi xmlns:a14="http://schemas.microsoft.com/office/drawing/2010/main" val="0"/>
@@ -20486,7 +21289,7 @@
   <p:timing>
     <p:tnLst>
       <p:par>
-        <p:cTn xmlns:p14="http://schemas.microsoft.com/office/powerpoint/2010/main" id="1" dur="indefinite" restart="never" nodeType="tmRoot"/>
+        <p:cTn id="1" dur="indefinite" restart="never" nodeType="tmRoot"/>
       </p:par>
     </p:tnLst>
   </p:timing>
@@ -20623,7 +21426,7 @@
   <p:timing>
     <p:tnLst>
       <p:par>
-        <p:cTn xmlns:p14="http://schemas.microsoft.com/office/powerpoint/2010/main" id="1" dur="indefinite" restart="never" nodeType="tmRoot"/>
+        <p:cTn id="1" dur="indefinite" restart="never" nodeType="tmRoot"/>
       </p:par>
     </p:tnLst>
   </p:timing>
@@ -20757,7 +21560,7 @@
   <p:timing>
     <p:tnLst>
       <p:par>
-        <p:cTn xmlns:p14="http://schemas.microsoft.com/office/powerpoint/2010/main" id="1" dur="indefinite" restart="never" nodeType="tmRoot"/>
+        <p:cTn id="1" dur="indefinite" restart="never" nodeType="tmRoot"/>
       </p:par>
     </p:tnLst>
   </p:timing>
@@ -20888,6 +21691,13 @@
   <p:clrMapOvr>
     <a:masterClrMapping/>
   </p:clrMapOvr>
+  <p:timing>
+    <p:tnLst>
+      <p:par>
+        <p:cTn id="1" dur="indefinite" restart="never" nodeType="tmRoot"/>
+      </p:par>
+    </p:tnLst>
+  </p:timing>
 </p:sld>
 </file>
 
@@ -21015,6 +21825,13 @@
   <p:clrMapOvr>
     <a:masterClrMapping/>
   </p:clrMapOvr>
+  <p:timing>
+    <p:tnLst>
+      <p:par>
+        <p:cTn id="1" dur="indefinite" restart="never" nodeType="tmRoot"/>
+      </p:par>
+    </p:tnLst>
+  </p:timing>
 </p:sld>
 </file>
 
@@ -21138,7 +21955,7 @@
     </p:spTree>
     <p:extLst>
       <p:ext uri="{BB962C8B-B14F-4D97-AF65-F5344CB8AC3E}">
-        <p14:creationId xmlns:p14="http://schemas.microsoft.com/office/powerpoint/2010/main" val="2161015239"/>
+        <p14:creationId xmlns:p14="http://schemas.microsoft.com/office/powerpoint/2010/main" val="752638905"/>
       </p:ext>
     </p:extLst>
   </p:cSld>
@@ -21148,7 +21965,7 @@
   <p:timing>
     <p:tnLst>
       <p:par>
-        <p:cTn xmlns:p14="http://schemas.microsoft.com/office/powerpoint/2010/main" id="1" dur="indefinite" restart="never" nodeType="tmRoot"/>
+        <p:cTn id="1" dur="indefinite" restart="never" nodeType="tmRoot"/>
       </p:par>
     </p:tnLst>
   </p:timing>
@@ -21189,7 +22006,7 @@
           <a:p>
             <a:r>
               <a:rPr lang="de-DE" dirty="0" smtClean="0"/>
-              <a:t>Fachkonzept</a:t>
+              <a:t>Entwurfsphase</a:t>
             </a:r>
             <a:endParaRPr lang="de-DE" dirty="0"/>
           </a:p>
@@ -21278,6 +22095,14 @@
           <a:prstGeom prst="rect">
             <a:avLst/>
           </a:prstGeom>
+          <a:solidFill>
+            <a:schemeClr val="tx2"/>
+          </a:solidFill>
+          <a:ln>
+            <a:solidFill>
+              <a:schemeClr val="tx2"/>
+            </a:solidFill>
+          </a:ln>
         </p:spPr>
         <p:style>
           <a:lnRef idx="1">
@@ -21299,10 +22124,18 @@
           <a:p>
             <a:pPr algn="ctr"/>
             <a:r>
-              <a:rPr lang="de-DE" dirty="0" smtClean="0"/>
+              <a:rPr lang="de-DE" dirty="0" smtClean="0">
+                <a:solidFill>
+                  <a:schemeClr val="accent3"/>
+                </a:solidFill>
+              </a:rPr>
               <a:t>Spiel</a:t>
             </a:r>
-            <a:endParaRPr lang="en-US" dirty="0"/>
+            <a:endParaRPr lang="en-US" dirty="0">
+              <a:solidFill>
+                <a:schemeClr val="accent3"/>
+              </a:solidFill>
+            </a:endParaRPr>
           </a:p>
         </p:txBody>
       </p:sp>
@@ -21320,6 +22153,14 @@
           <a:prstGeom prst="rect">
             <a:avLst/>
           </a:prstGeom>
+          <a:solidFill>
+            <a:schemeClr val="tx2"/>
+          </a:solidFill>
+          <a:ln>
+            <a:solidFill>
+              <a:schemeClr val="tx2"/>
+            </a:solidFill>
+          </a:ln>
         </p:spPr>
         <p:style>
           <a:lnRef idx="1">
@@ -21341,10 +22182,18 @@
           <a:p>
             <a:pPr algn="ctr"/>
             <a:r>
-              <a:rPr lang="de-DE" dirty="0" smtClean="0"/>
+              <a:rPr lang="de-DE" dirty="0" smtClean="0">
+                <a:solidFill>
+                  <a:schemeClr val="accent3"/>
+                </a:solidFill>
+              </a:rPr>
               <a:t>Unternehmen</a:t>
             </a:r>
-            <a:endParaRPr lang="en-US" dirty="0"/>
+            <a:endParaRPr lang="en-US" dirty="0">
+              <a:solidFill>
+                <a:schemeClr val="accent3"/>
+              </a:solidFill>
+            </a:endParaRPr>
           </a:p>
         </p:txBody>
       </p:sp>
@@ -21362,6 +22211,14 @@
           <a:prstGeom prst="rect">
             <a:avLst/>
           </a:prstGeom>
+          <a:solidFill>
+            <a:schemeClr val="tx2"/>
+          </a:solidFill>
+          <a:ln>
+            <a:solidFill>
+              <a:schemeClr val="tx2"/>
+            </a:solidFill>
+          </a:ln>
         </p:spPr>
         <p:style>
           <a:lnRef idx="1">
@@ -21383,7 +22240,11 @@
           <a:p>
             <a:pPr algn="ctr"/>
             <a:r>
-              <a:rPr lang="de-DE" dirty="0" smtClean="0"/>
+              <a:rPr lang="de-DE" dirty="0" smtClean="0">
+                <a:solidFill>
+                  <a:schemeClr val="accent3"/>
+                </a:solidFill>
+              </a:rPr>
               <a:t>Markt</a:t>
             </a:r>
           </a:p>
@@ -21403,6 +22264,14 @@
           <a:prstGeom prst="rect">
             <a:avLst/>
           </a:prstGeom>
+          <a:solidFill>
+            <a:schemeClr val="tx2"/>
+          </a:solidFill>
+          <a:ln>
+            <a:solidFill>
+              <a:schemeClr val="tx2"/>
+            </a:solidFill>
+          </a:ln>
         </p:spPr>
         <p:style>
           <a:lnRef idx="1">
@@ -21424,10 +22293,18 @@
           <a:p>
             <a:pPr algn="ctr"/>
             <a:r>
-              <a:rPr lang="de-DE" dirty="0" err="1" smtClean="0"/>
+              <a:rPr lang="de-DE" dirty="0" err="1" smtClean="0">
+                <a:solidFill>
+                  <a:schemeClr val="accent3"/>
+                </a:solidFill>
+              </a:rPr>
               <a:t>SpielRunde</a:t>
             </a:r>
-            <a:endParaRPr lang="en-US" dirty="0"/>
+            <a:endParaRPr lang="en-US" dirty="0">
+              <a:solidFill>
+                <a:schemeClr val="accent3"/>
+              </a:solidFill>
+            </a:endParaRPr>
           </a:p>
         </p:txBody>
       </p:sp>
@@ -21439,12 +22316,20 @@
         </p:nvSpPr>
         <p:spPr>
           <a:xfrm>
-            <a:off x="3606833" y="5560831"/>
+            <a:off x="4816072" y="5495635"/>
             <a:ext cx="1800000" cy="720000"/>
           </a:xfrm>
           <a:prstGeom prst="rect">
             <a:avLst/>
           </a:prstGeom>
+          <a:solidFill>
+            <a:schemeClr val="tx2"/>
+          </a:solidFill>
+          <a:ln>
+            <a:solidFill>
+              <a:schemeClr val="tx2"/>
+            </a:solidFill>
+          </a:ln>
         </p:spPr>
         <p:style>
           <a:lnRef idx="1">
@@ -21466,10 +22351,18 @@
           <a:p>
             <a:pPr algn="ctr"/>
             <a:r>
-              <a:rPr lang="de-DE" dirty="0" err="1" smtClean="0"/>
+              <a:rPr lang="de-DE" dirty="0" err="1" smtClean="0">
+                <a:solidFill>
+                  <a:schemeClr val="accent3"/>
+                </a:solidFill>
+              </a:rPr>
               <a:t>RaumschiffTyp</a:t>
             </a:r>
-            <a:endParaRPr lang="en-US" dirty="0"/>
+            <a:endParaRPr lang="en-US" dirty="0">
+              <a:solidFill>
+                <a:schemeClr val="accent3"/>
+              </a:solidFill>
+            </a:endParaRPr>
           </a:p>
         </p:txBody>
       </p:sp>
@@ -21481,12 +22374,20 @@
         </p:nvSpPr>
         <p:spPr>
           <a:xfrm>
-            <a:off x="7113813" y="5560831"/>
+            <a:off x="7113813" y="5495634"/>
             <a:ext cx="1800000" cy="720000"/>
           </a:xfrm>
           <a:prstGeom prst="rect">
             <a:avLst/>
           </a:prstGeom>
+          <a:solidFill>
+            <a:schemeClr val="tx2"/>
+          </a:solidFill>
+          <a:ln>
+            <a:solidFill>
+              <a:schemeClr val="tx2"/>
+            </a:solidFill>
+          </a:ln>
         </p:spPr>
         <p:style>
           <a:lnRef idx="1">
@@ -21508,10 +22409,18 @@
           <a:p>
             <a:pPr algn="ctr"/>
             <a:r>
-              <a:rPr lang="de-DE" dirty="0" err="1" smtClean="0"/>
+              <a:rPr lang="de-DE" dirty="0" err="1" smtClean="0">
+                <a:solidFill>
+                  <a:schemeClr val="accent3"/>
+                </a:solidFill>
+              </a:rPr>
               <a:t>BauteilTyp</a:t>
             </a:r>
-            <a:endParaRPr lang="en-US" dirty="0"/>
+            <a:endParaRPr lang="en-US" dirty="0">
+              <a:solidFill>
+                <a:schemeClr val="accent3"/>
+              </a:solidFill>
+            </a:endParaRPr>
           </a:p>
         </p:txBody>
       </p:sp>
@@ -21523,12 +22432,20 @@
         </p:nvSpPr>
         <p:spPr>
           <a:xfrm>
-            <a:off x="182571" y="5560831"/>
+            <a:off x="2518330" y="5495635"/>
             <a:ext cx="1800000" cy="720000"/>
           </a:xfrm>
           <a:prstGeom prst="rect">
             <a:avLst/>
           </a:prstGeom>
+          <a:solidFill>
+            <a:schemeClr val="tx2"/>
+          </a:solidFill>
+          <a:ln>
+            <a:solidFill>
+              <a:schemeClr val="tx2"/>
+            </a:solidFill>
+          </a:ln>
         </p:spPr>
         <p:style>
           <a:lnRef idx="1">
@@ -21550,102 +22467,21 @@
           <a:p>
             <a:pPr algn="ctr"/>
             <a:r>
-              <a:rPr lang="de-DE" dirty="0" err="1" smtClean="0"/>
+              <a:rPr lang="de-DE" dirty="0" err="1" smtClean="0">
+                <a:solidFill>
+                  <a:schemeClr val="accent3"/>
+                </a:solidFill>
+              </a:rPr>
               <a:t>PersonalTyp</a:t>
             </a:r>
-            <a:endParaRPr lang="en-US" dirty="0"/>
+            <a:endParaRPr lang="en-US" dirty="0">
+              <a:solidFill>
+                <a:schemeClr val="accent3"/>
+              </a:solidFill>
+            </a:endParaRPr>
           </a:p>
         </p:txBody>
       </p:sp>
-      <p:grpSp>
-        <p:nvGrpSpPr>
-          <p:cNvPr id="18" name="Gruppieren 17"/>
-          <p:cNvGrpSpPr/>
-          <p:nvPr/>
-        </p:nvGrpSpPr>
-        <p:grpSpPr>
-          <a:xfrm>
-            <a:off x="5406833" y="2553123"/>
-            <a:ext cx="1706980" cy="369332"/>
-            <a:chOff x="5406833" y="2553123"/>
-            <a:chExt cx="1706980" cy="369332"/>
-          </a:xfrm>
-        </p:grpSpPr>
-        <p:cxnSp>
-          <p:nvCxnSpPr>
-            <p:cNvPr id="16" name="Gerade Verbindung mit Pfeil 15"/>
-            <p:cNvCxnSpPr>
-              <a:stCxn id="7" idx="3"/>
-              <a:endCxn id="10" idx="1"/>
-            </p:cNvCxnSpPr>
-            <p:nvPr/>
-          </p:nvCxnSpPr>
-          <p:spPr>
-            <a:xfrm>
-              <a:off x="5406833" y="2869288"/>
-              <a:ext cx="1706980" cy="0"/>
-            </a:xfrm>
-            <a:prstGeom prst="straightConnector1">
-              <a:avLst/>
-            </a:prstGeom>
-            <a:ln>
-              <a:tailEnd type="arrow"/>
-            </a:ln>
-          </p:spPr>
-          <p:style>
-            <a:lnRef idx="2">
-              <a:schemeClr val="accent1"/>
-            </a:lnRef>
-            <a:fillRef idx="0">
-              <a:schemeClr val="accent1"/>
-            </a:fillRef>
-            <a:effectRef idx="1">
-              <a:schemeClr val="accent1"/>
-            </a:effectRef>
-            <a:fontRef idx="minor">
-              <a:schemeClr val="tx1"/>
-            </a:fontRef>
-          </p:style>
-        </p:cxnSp>
-        <p:sp>
-          <p:nvSpPr>
-            <p:cNvPr id="17" name="Textfeld 16"/>
-            <p:cNvSpPr txBox="1"/>
-            <p:nvPr/>
-          </p:nvSpPr>
-          <p:spPr>
-            <a:xfrm>
-              <a:off x="6772940" y="2553123"/>
-              <a:ext cx="276447" cy="369332"/>
-            </a:xfrm>
-            <a:prstGeom prst="rect">
-              <a:avLst/>
-            </a:prstGeom>
-            <a:noFill/>
-          </p:spPr>
-          <p:txBody>
-            <a:bodyPr wrap="square" rtlCol="0">
-              <a:spAutoFit/>
-            </a:bodyPr>
-            <a:lstStyle/>
-            <a:p>
-              <a:r>
-                <a:rPr lang="de-DE" dirty="0">
-                  <a:solidFill>
-                    <a:schemeClr val="accent1"/>
-                  </a:solidFill>
-                </a:rPr>
-                <a:t>*</a:t>
-              </a:r>
-              <a:endParaRPr lang="en-US" dirty="0">
-                <a:solidFill>
-                  <a:schemeClr val="accent1"/>
-                </a:solidFill>
-              </a:endParaRPr>
-            </a:p>
-          </p:txBody>
-        </p:sp>
-      </p:grpSp>
       <p:grpSp>
         <p:nvGrpSpPr>
           <p:cNvPr id="19" name="Gruppieren 18"/>
@@ -21655,10 +22491,13 @@
         <p:grpSpPr>
           <a:xfrm flipH="1">
             <a:off x="2020587" y="2576794"/>
-            <a:ext cx="1586245" cy="369332"/>
+            <a:ext cx="1586245" cy="400110"/>
             <a:chOff x="5406833" y="2553123"/>
-            <a:chExt cx="1706980" cy="369332"/>
+            <a:chExt cx="1706980" cy="400110"/>
           </a:xfrm>
+          <a:solidFill>
+            <a:schemeClr val="tx2"/>
+          </a:solidFill>
         </p:grpSpPr>
         <p:cxnSp>
           <p:nvCxnSpPr>
@@ -21674,7 +22513,11 @@
             <a:prstGeom prst="straightConnector1">
               <a:avLst/>
             </a:prstGeom>
+            <a:grpFill/>
             <a:ln>
+              <a:solidFill>
+                <a:schemeClr val="tx2"/>
+              </a:solidFill>
               <a:tailEnd type="arrow"/>
             </a:ln>
           </p:spPr>
@@ -21702,12 +22545,15 @@
           <p:spPr>
             <a:xfrm>
               <a:off x="6772940" y="2553123"/>
-              <a:ext cx="276447" cy="369332"/>
+              <a:ext cx="276447" cy="400110"/>
             </a:xfrm>
             <a:prstGeom prst="rect">
               <a:avLst/>
             </a:prstGeom>
             <a:noFill/>
+            <a:ln>
+              <a:noFill/>
+            </a:ln>
           </p:spPr>
           <p:txBody>
             <a:bodyPr wrap="square" rtlCol="0">
@@ -21716,16 +22562,16 @@
             <a:lstStyle/>
             <a:p>
               <a:r>
-                <a:rPr lang="de-DE" dirty="0">
+                <a:rPr lang="de-DE" sz="2000" b="1" dirty="0">
                   <a:solidFill>
-                    <a:schemeClr val="accent1"/>
+                    <a:schemeClr val="tx2"/>
                   </a:solidFill>
                 </a:rPr>
                 <a:t>*</a:t>
               </a:r>
-              <a:endParaRPr lang="en-US" dirty="0">
+              <a:endParaRPr lang="en-US" sz="2000" b="1" dirty="0">
                 <a:solidFill>
-                  <a:schemeClr val="accent1"/>
+                  <a:schemeClr val="tx2"/>
                 </a:solidFill>
               </a:endParaRPr>
             </a:p>
@@ -21746,6 +22592,14 @@
           <a:prstGeom prst="rect">
             <a:avLst/>
           </a:prstGeom>
+          <a:solidFill>
+            <a:schemeClr val="tx2"/>
+          </a:solidFill>
+          <a:ln>
+            <a:solidFill>
+              <a:schemeClr val="tx2"/>
+            </a:solidFill>
+          </a:ln>
         </p:spPr>
         <p:style>
           <a:lnRef idx="1">
@@ -21767,99 +22621,21 @@
           <a:p>
             <a:pPr algn="ctr"/>
             <a:r>
-              <a:rPr lang="de-DE" dirty="0" smtClean="0"/>
+              <a:rPr lang="de-DE" dirty="0" smtClean="0">
+                <a:solidFill>
+                  <a:schemeClr val="accent3"/>
+                </a:solidFill>
+              </a:rPr>
               <a:t>Abteilung</a:t>
             </a:r>
-            <a:endParaRPr lang="en-US" dirty="0"/>
+            <a:endParaRPr lang="en-US" dirty="0">
+              <a:solidFill>
+                <a:schemeClr val="accent3"/>
+              </a:solidFill>
+            </a:endParaRPr>
           </a:p>
         </p:txBody>
       </p:sp>
-      <p:grpSp>
-        <p:nvGrpSpPr>
-          <p:cNvPr id="23" name="Gruppieren 22"/>
-          <p:cNvGrpSpPr/>
-          <p:nvPr/>
-        </p:nvGrpSpPr>
-        <p:grpSpPr>
-          <a:xfrm rot="16200000" flipH="1">
-            <a:off x="698294" y="3387159"/>
-            <a:ext cx="768554" cy="452816"/>
-            <a:chOff x="5406833" y="2553123"/>
-            <a:chExt cx="1706980" cy="369332"/>
-          </a:xfrm>
-        </p:grpSpPr>
-        <p:cxnSp>
-          <p:nvCxnSpPr>
-            <p:cNvPr id="24" name="Gerade Verbindung mit Pfeil 23"/>
-            <p:cNvCxnSpPr/>
-            <p:nvPr/>
-          </p:nvCxnSpPr>
-          <p:spPr>
-            <a:xfrm>
-              <a:off x="5406833" y="2869288"/>
-              <a:ext cx="1706980" cy="0"/>
-            </a:xfrm>
-            <a:prstGeom prst="straightConnector1">
-              <a:avLst/>
-            </a:prstGeom>
-            <a:ln>
-              <a:tailEnd type="arrow"/>
-            </a:ln>
-          </p:spPr>
-          <p:style>
-            <a:lnRef idx="2">
-              <a:schemeClr val="accent1"/>
-            </a:lnRef>
-            <a:fillRef idx="0">
-              <a:schemeClr val="accent1"/>
-            </a:fillRef>
-            <a:effectRef idx="1">
-              <a:schemeClr val="accent1"/>
-            </a:effectRef>
-            <a:fontRef idx="minor">
-              <a:schemeClr val="tx1"/>
-            </a:fontRef>
-          </p:style>
-        </p:cxnSp>
-        <p:sp>
-          <p:nvSpPr>
-            <p:cNvPr id="25" name="Textfeld 24"/>
-            <p:cNvSpPr txBox="1"/>
-            <p:nvPr/>
-          </p:nvSpPr>
-          <p:spPr>
-            <a:xfrm>
-              <a:off x="6772940" y="2553123"/>
-              <a:ext cx="276447" cy="369332"/>
-            </a:xfrm>
-            <a:prstGeom prst="rect">
-              <a:avLst/>
-            </a:prstGeom>
-            <a:noFill/>
-          </p:spPr>
-          <p:txBody>
-            <a:bodyPr wrap="square" rtlCol="0">
-              <a:spAutoFit/>
-            </a:bodyPr>
-            <a:lstStyle/>
-            <a:p>
-              <a:r>
-                <a:rPr lang="de-DE" dirty="0">
-                  <a:solidFill>
-                    <a:schemeClr val="accent1"/>
-                  </a:solidFill>
-                </a:rPr>
-                <a:t>*</a:t>
-              </a:r>
-              <a:endParaRPr lang="en-US" dirty="0">
-                <a:solidFill>
-                  <a:schemeClr val="accent1"/>
-                </a:solidFill>
-              </a:endParaRPr>
-            </a:p>
-          </p:txBody>
-        </p:sp>
-      </p:grpSp>
       <p:grpSp>
         <p:nvGrpSpPr>
           <p:cNvPr id="26" name="Gruppieren 25"/>
@@ -21868,11 +22644,12 @@
         </p:nvGrpSpPr>
         <p:grpSpPr>
           <a:xfrm rot="16200000" flipH="1">
-            <a:off x="4122556" y="3387159"/>
-            <a:ext cx="768554" cy="452816"/>
-            <a:chOff x="5406833" y="2553123"/>
-            <a:chExt cx="1706980" cy="369332"/>
+            <a:off x="4122548" y="3413512"/>
+            <a:ext cx="768554" cy="400110"/>
+            <a:chOff x="5406833" y="2574617"/>
+            <a:chExt cx="1706980" cy="326344"/>
           </a:xfrm>
+          <a:noFill/>
         </p:grpSpPr>
         <p:cxnSp>
           <p:nvCxnSpPr>
@@ -21888,7 +22665,11 @@
             <a:prstGeom prst="straightConnector1">
               <a:avLst/>
             </a:prstGeom>
+            <a:grpFill/>
             <a:ln>
+              <a:solidFill>
+                <a:schemeClr val="tx2"/>
+              </a:solidFill>
               <a:tailEnd type="arrow"/>
             </a:ln>
           </p:spPr>
@@ -21915,13 +22696,16 @@
           </p:nvSpPr>
           <p:spPr>
             <a:xfrm>
-              <a:off x="6772940" y="2553123"/>
-              <a:ext cx="276447" cy="369332"/>
+              <a:off x="6772943" y="2574617"/>
+              <a:ext cx="276447" cy="326344"/>
             </a:xfrm>
             <a:prstGeom prst="rect">
               <a:avLst/>
             </a:prstGeom>
-            <a:noFill/>
+            <a:grpFill/>
+            <a:ln>
+              <a:noFill/>
+            </a:ln>
           </p:spPr>
           <p:txBody>
             <a:bodyPr wrap="square" rtlCol="0">
@@ -21930,16 +22714,16 @@
             <a:lstStyle/>
             <a:p>
               <a:r>
-                <a:rPr lang="de-DE" dirty="0">
+                <a:rPr lang="de-DE" sz="2000" b="1" dirty="0">
                   <a:solidFill>
-                    <a:schemeClr val="accent1"/>
+                    <a:schemeClr val="tx2"/>
                   </a:solidFill>
                 </a:rPr>
                 <a:t>*</a:t>
               </a:r>
-              <a:endParaRPr lang="en-US" dirty="0">
+              <a:endParaRPr lang="en-US" sz="2000" b="1" dirty="0">
                 <a:solidFill>
-                  <a:schemeClr val="accent1"/>
+                  <a:schemeClr val="tx2"/>
                 </a:solidFill>
               </a:endParaRPr>
             </a:p>
@@ -21960,6 +22744,14 @@
           <a:prstGeom prst="rect">
             <a:avLst/>
           </a:prstGeom>
+          <a:solidFill>
+            <a:schemeClr val="tx2"/>
+          </a:solidFill>
+          <a:ln>
+            <a:solidFill>
+              <a:schemeClr val="tx2"/>
+            </a:solidFill>
+          </a:ln>
         </p:spPr>
         <p:style>
           <a:lnRef idx="1">
@@ -21981,10 +22773,18 @@
           <a:p>
             <a:pPr algn="ctr"/>
             <a:r>
-              <a:rPr lang="de-DE" dirty="0" smtClean="0"/>
+              <a:rPr lang="de-DE" dirty="0" smtClean="0">
+                <a:solidFill>
+                  <a:schemeClr val="accent3"/>
+                </a:solidFill>
+              </a:rPr>
               <a:t>Typ</a:t>
             </a:r>
-            <a:endParaRPr lang="en-US" dirty="0"/>
+            <a:endParaRPr lang="en-US" dirty="0">
+              <a:solidFill>
+                <a:schemeClr val="accent3"/>
+              </a:solidFill>
+            </a:endParaRPr>
           </a:p>
         </p:txBody>
       </p:sp>
@@ -21996,11 +22796,12 @@
         </p:nvGrpSpPr>
         <p:grpSpPr>
           <a:xfrm rot="16200000" flipH="1">
-            <a:off x="7629536" y="3405845"/>
-            <a:ext cx="768554" cy="452816"/>
-            <a:chOff x="5406833" y="2553123"/>
-            <a:chExt cx="1706980" cy="369332"/>
+            <a:off x="7629528" y="3432198"/>
+            <a:ext cx="768554" cy="400110"/>
+            <a:chOff x="5406833" y="2574617"/>
+            <a:chExt cx="1706980" cy="326344"/>
           </a:xfrm>
+          <a:noFill/>
         </p:grpSpPr>
         <p:cxnSp>
           <p:nvCxnSpPr>
@@ -22016,7 +22817,11 @@
             <a:prstGeom prst="straightConnector1">
               <a:avLst/>
             </a:prstGeom>
+            <a:grpFill/>
             <a:ln>
+              <a:solidFill>
+                <a:schemeClr val="tx2"/>
+              </a:solidFill>
               <a:tailEnd type="arrow"/>
             </a:ln>
           </p:spPr>
@@ -22043,13 +22848,16 @@
           </p:nvSpPr>
           <p:spPr>
             <a:xfrm>
-              <a:off x="6772940" y="2553123"/>
-              <a:ext cx="276447" cy="369332"/>
+              <a:off x="6772943" y="2574617"/>
+              <a:ext cx="276447" cy="326344"/>
             </a:xfrm>
             <a:prstGeom prst="rect">
               <a:avLst/>
             </a:prstGeom>
-            <a:noFill/>
+            <a:grpFill/>
+            <a:ln>
+              <a:noFill/>
+            </a:ln>
           </p:spPr>
           <p:txBody>
             <a:bodyPr wrap="square" rtlCol="0">
@@ -22058,16 +22866,16 @@
             <a:lstStyle/>
             <a:p>
               <a:r>
-                <a:rPr lang="de-DE" dirty="0">
+                <a:rPr lang="de-DE" sz="2000" b="1" dirty="0">
                   <a:solidFill>
-                    <a:schemeClr val="accent1"/>
+                    <a:schemeClr val="tx2"/>
                   </a:solidFill>
                 </a:rPr>
                 <a:t>*</a:t>
               </a:r>
-              <a:endParaRPr lang="en-US" dirty="0">
+              <a:endParaRPr lang="en-US" sz="2000" b="1" dirty="0">
                 <a:solidFill>
-                  <a:schemeClr val="accent1"/>
+                  <a:schemeClr val="tx2"/>
                 </a:solidFill>
               </a:endParaRPr>
             </a:p>
@@ -22083,10 +22891,11 @@
         <p:grpSpPr>
           <a:xfrm>
             <a:off x="8060736" y="4717844"/>
-            <a:ext cx="228600" cy="842988"/>
+            <a:ext cx="228600" cy="777790"/>
             <a:chOff x="8060736" y="4717844"/>
-            <a:chExt cx="228600" cy="842988"/>
+            <a:chExt cx="228600" cy="777790"/>
           </a:xfrm>
+          <a:noFill/>
         </p:grpSpPr>
         <p:cxnSp>
           <p:nvCxnSpPr>
@@ -22098,12 +22907,18 @@
           </p:nvCxnSpPr>
           <p:spPr>
             <a:xfrm flipV="1">
-              <a:off x="8175036" y="4922343"/>
-              <a:ext cx="0" cy="638489"/>
+              <a:off x="8175028" y="4922343"/>
+              <a:ext cx="8" cy="573291"/>
             </a:xfrm>
             <a:prstGeom prst="line">
               <a:avLst/>
             </a:prstGeom>
+            <a:grpFill/>
+            <a:ln>
+              <a:solidFill>
+                <a:schemeClr val="tx2"/>
+              </a:solidFill>
+            </a:ln>
           </p:spPr>
           <p:style>
             <a:lnRef idx="2">
@@ -22134,11 +22949,639 @@
             <a:prstGeom prst="triangle">
               <a:avLst/>
             </a:prstGeom>
-            <a:noFill/>
+            <a:grpFill/>
             <a:ln w="19050">
               <a:solidFill>
+                <a:schemeClr val="tx2"/>
+              </a:solidFill>
+            </a:ln>
+            <a:scene3d>
+              <a:camera prst="orthographicFront"/>
+              <a:lightRig rig="threePt" dir="tl"/>
+            </a:scene3d>
+            <a:sp3d/>
+          </p:spPr>
+          <p:style>
+            <a:lnRef idx="1">
+              <a:schemeClr val="accent1"/>
+            </a:lnRef>
+            <a:fillRef idx="3">
+              <a:schemeClr val="accent1"/>
+            </a:fillRef>
+            <a:effectRef idx="2">
+              <a:schemeClr val="accent1"/>
+            </a:effectRef>
+            <a:fontRef idx="minor">
+              <a:schemeClr val="lt1"/>
+            </a:fontRef>
+          </p:style>
+          <p:txBody>
+            <a:bodyPr rtlCol="0" anchor="ctr"/>
+            <a:lstStyle/>
+            <a:p>
+              <a:pPr algn="ctr"/>
+              <a:endParaRPr lang="en-US">
+                <a:solidFill>
+                  <a:schemeClr val="accent3"/>
+                </a:solidFill>
+              </a:endParaRPr>
+            </a:p>
+          </p:txBody>
+        </p:sp>
+      </p:grpSp>
+      <p:grpSp>
+        <p:nvGrpSpPr>
+          <p:cNvPr id="63" name="Gruppieren 62"/>
+          <p:cNvGrpSpPr/>
+          <p:nvPr/>
+        </p:nvGrpSpPr>
+        <p:grpSpPr>
+          <a:xfrm>
+            <a:off x="4318330" y="4475975"/>
+            <a:ext cx="2794906" cy="1019659"/>
+            <a:chOff x="4318330" y="4475975"/>
+            <a:chExt cx="2794906" cy="1019659"/>
+          </a:xfrm>
+          <a:noFill/>
+        </p:grpSpPr>
+        <p:cxnSp>
+          <p:nvCxnSpPr>
+            <p:cNvPr id="50" name="Gerade Verbindung 49"/>
+            <p:cNvCxnSpPr>
+              <a:endCxn id="51" idx="3"/>
+            </p:cNvCxnSpPr>
+            <p:nvPr/>
+          </p:nvCxnSpPr>
+          <p:spPr>
+            <a:xfrm flipV="1">
+              <a:off x="4318330" y="4616647"/>
+              <a:ext cx="2593867" cy="878987"/>
+            </a:xfrm>
+            <a:prstGeom prst="line">
+              <a:avLst/>
+            </a:prstGeom>
+            <a:grpFill/>
+            <a:ln>
+              <a:solidFill>
+                <a:schemeClr val="tx2"/>
+              </a:solidFill>
+            </a:ln>
+          </p:spPr>
+          <p:style>
+            <a:lnRef idx="2">
+              <a:schemeClr val="accent1"/>
+            </a:lnRef>
+            <a:fillRef idx="0">
+              <a:schemeClr val="accent1"/>
+            </a:fillRef>
+            <a:effectRef idx="1">
+              <a:schemeClr val="accent1"/>
+            </a:effectRef>
+            <a:fontRef idx="minor">
+              <a:schemeClr val="tx1"/>
+            </a:fontRef>
+          </p:style>
+        </p:cxnSp>
+        <p:sp>
+          <p:nvSpPr>
+            <p:cNvPr id="51" name="Gleichschenkliges Dreieck 50"/>
+            <p:cNvSpPr/>
+            <p:nvPr/>
+          </p:nvSpPr>
+          <p:spPr>
+            <a:xfrm rot="4503194">
+              <a:off x="6896687" y="4488025"/>
+              <a:ext cx="228600" cy="204499"/>
+            </a:xfrm>
+            <a:prstGeom prst="triangle">
+              <a:avLst/>
+            </a:prstGeom>
+            <a:grpFill/>
+            <a:ln w="19050">
+              <a:solidFill>
+                <a:schemeClr val="tx2"/>
+              </a:solidFill>
+            </a:ln>
+            <a:scene3d>
+              <a:camera prst="orthographicFront"/>
+              <a:lightRig rig="threePt" dir="tl"/>
+            </a:scene3d>
+            <a:sp3d/>
+          </p:spPr>
+          <p:style>
+            <a:lnRef idx="1">
+              <a:schemeClr val="accent1"/>
+            </a:lnRef>
+            <a:fillRef idx="3">
+              <a:schemeClr val="accent1"/>
+            </a:fillRef>
+            <a:effectRef idx="2">
+              <a:schemeClr val="accent1"/>
+            </a:effectRef>
+            <a:fontRef idx="minor">
+              <a:schemeClr val="lt1"/>
+            </a:fontRef>
+          </p:style>
+          <p:txBody>
+            <a:bodyPr rtlCol="0" anchor="ctr"/>
+            <a:lstStyle/>
+            <a:p>
+              <a:pPr algn="ctr"/>
+              <a:endParaRPr lang="en-US">
+                <a:solidFill>
+                  <a:schemeClr val="accent3"/>
+                </a:solidFill>
+              </a:endParaRPr>
+            </a:p>
+          </p:txBody>
+        </p:sp>
+      </p:grpSp>
+      <p:grpSp>
+        <p:nvGrpSpPr>
+          <p:cNvPr id="64" name="Gruppieren 63"/>
+          <p:cNvGrpSpPr/>
+          <p:nvPr/>
+        </p:nvGrpSpPr>
+        <p:grpSpPr>
+          <a:xfrm>
+            <a:off x="6616072" y="4655654"/>
+            <a:ext cx="867102" cy="839981"/>
+            <a:chOff x="6616072" y="4655654"/>
+            <a:chExt cx="867102" cy="839981"/>
+          </a:xfrm>
+          <a:noFill/>
+        </p:grpSpPr>
+        <p:cxnSp>
+          <p:nvCxnSpPr>
+            <p:cNvPr id="56" name="Gerade Verbindung 55"/>
+            <p:cNvCxnSpPr>
+              <a:endCxn id="57" idx="3"/>
+            </p:cNvCxnSpPr>
+            <p:nvPr/>
+          </p:nvCxnSpPr>
+          <p:spPr>
+            <a:xfrm flipV="1">
+              <a:off x="6616072" y="4840131"/>
+              <a:ext cx="690489" cy="655504"/>
+            </a:xfrm>
+            <a:prstGeom prst="line">
+              <a:avLst/>
+            </a:prstGeom>
+            <a:grpFill/>
+            <a:ln>
+              <a:solidFill>
+                <a:schemeClr val="tx2"/>
+              </a:solidFill>
+            </a:ln>
+          </p:spPr>
+          <p:style>
+            <a:lnRef idx="2">
+              <a:schemeClr val="accent1"/>
+            </a:lnRef>
+            <a:fillRef idx="0">
+              <a:schemeClr val="accent1"/>
+            </a:fillRef>
+            <a:effectRef idx="1">
+              <a:schemeClr val="accent1"/>
+            </a:effectRef>
+            <a:fontRef idx="minor">
+              <a:schemeClr val="tx1"/>
+            </a:fontRef>
+          </p:style>
+        </p:cxnSp>
+        <p:sp>
+          <p:nvSpPr>
+            <p:cNvPr id="57" name="Gleichschenkliges Dreieck 56"/>
+            <p:cNvSpPr/>
+            <p:nvPr/>
+          </p:nvSpPr>
+          <p:spPr>
+            <a:xfrm rot="2799545">
+              <a:off x="7266625" y="4667704"/>
+              <a:ext cx="228600" cy="204499"/>
+            </a:xfrm>
+            <a:prstGeom prst="triangle">
+              <a:avLst/>
+            </a:prstGeom>
+            <a:grpFill/>
+            <a:ln w="19050">
+              <a:solidFill>
+                <a:schemeClr val="tx2"/>
+              </a:solidFill>
+            </a:ln>
+            <a:scene3d>
+              <a:camera prst="orthographicFront"/>
+              <a:lightRig rig="threePt" dir="tl"/>
+            </a:scene3d>
+            <a:sp3d/>
+          </p:spPr>
+          <p:style>
+            <a:lnRef idx="1">
+              <a:schemeClr val="accent1"/>
+            </a:lnRef>
+            <a:fillRef idx="3">
+              <a:schemeClr val="accent1"/>
+            </a:fillRef>
+            <a:effectRef idx="2">
+              <a:schemeClr val="accent1"/>
+            </a:effectRef>
+            <a:fontRef idx="minor">
+              <a:schemeClr val="lt1"/>
+            </a:fontRef>
+          </p:style>
+          <p:txBody>
+            <a:bodyPr rtlCol="0" anchor="ctr"/>
+            <a:lstStyle/>
+            <a:p>
+              <a:pPr algn="ctr"/>
+              <a:endParaRPr lang="en-US">
+                <a:solidFill>
+                  <a:schemeClr val="accent3"/>
+                </a:solidFill>
+              </a:endParaRPr>
+            </a:p>
+          </p:txBody>
+        </p:sp>
+      </p:grpSp>
+      <p:sp>
+        <p:nvSpPr>
+          <p:cNvPr id="43" name="Rechteck 42"/>
+          <p:cNvSpPr/>
+          <p:nvPr/>
+        </p:nvSpPr>
+        <p:spPr>
+          <a:xfrm>
+            <a:off x="220588" y="5495634"/>
+            <a:ext cx="1800000" cy="720000"/>
+          </a:xfrm>
+          <a:prstGeom prst="rect">
+            <a:avLst/>
+          </a:prstGeom>
+          <a:solidFill>
+            <a:schemeClr val="tx2"/>
+          </a:solidFill>
+          <a:ln>
+            <a:solidFill>
+              <a:schemeClr val="tx2"/>
+            </a:solidFill>
+          </a:ln>
+        </p:spPr>
+        <p:style>
+          <a:lnRef idx="1">
+            <a:schemeClr val="accent1"/>
+          </a:lnRef>
+          <a:fillRef idx="3">
+            <a:schemeClr val="accent1"/>
+          </a:fillRef>
+          <a:effectRef idx="2">
+            <a:schemeClr val="accent1"/>
+          </a:effectRef>
+          <a:fontRef idx="minor">
+            <a:schemeClr val="lt1"/>
+          </a:fontRef>
+        </p:style>
+        <p:txBody>
+          <a:bodyPr rtlCol="0" anchor="ctr"/>
+          <a:lstStyle/>
+          <a:p>
+            <a:pPr algn="ctr"/>
+            <a:r>
+              <a:rPr lang="de-DE" dirty="0" smtClean="0">
+                <a:solidFill>
+                  <a:schemeClr val="accent3"/>
+                </a:solidFill>
+              </a:rPr>
+              <a:t>Transaktion</a:t>
+            </a:r>
+            <a:endParaRPr lang="en-US" dirty="0">
+              <a:solidFill>
+                <a:schemeClr val="accent3"/>
+              </a:solidFill>
+            </a:endParaRPr>
+          </a:p>
+        </p:txBody>
+      </p:sp>
+      <p:grpSp>
+        <p:nvGrpSpPr>
+          <p:cNvPr id="44" name="Gruppieren 43"/>
+          <p:cNvGrpSpPr/>
+          <p:nvPr/>
+        </p:nvGrpSpPr>
+        <p:grpSpPr>
+          <a:xfrm rot="16200000" flipH="1">
+            <a:off x="698286" y="4911302"/>
+            <a:ext cx="768554" cy="400110"/>
+            <a:chOff x="5406833" y="2574617"/>
+            <a:chExt cx="1706980" cy="326344"/>
+          </a:xfrm>
+          <a:solidFill>
+            <a:schemeClr val="tx2"/>
+          </a:solidFill>
+        </p:grpSpPr>
+        <p:cxnSp>
+          <p:nvCxnSpPr>
+            <p:cNvPr id="45" name="Gerade Verbindung mit Pfeil 44"/>
+            <p:cNvCxnSpPr/>
+            <p:nvPr/>
+          </p:nvCxnSpPr>
+          <p:spPr>
+            <a:xfrm>
+              <a:off x="5406833" y="2869288"/>
+              <a:ext cx="1706980" cy="0"/>
+            </a:xfrm>
+            <a:prstGeom prst="straightConnector1">
+              <a:avLst/>
+            </a:prstGeom>
+            <a:grpFill/>
+            <a:ln>
+              <a:solidFill>
+                <a:schemeClr val="tx2"/>
+              </a:solidFill>
+              <a:tailEnd type="arrow"/>
+            </a:ln>
+          </p:spPr>
+          <p:style>
+            <a:lnRef idx="2">
+              <a:schemeClr val="accent1"/>
+            </a:lnRef>
+            <a:fillRef idx="0">
+              <a:schemeClr val="accent1"/>
+            </a:fillRef>
+            <a:effectRef idx="1">
+              <a:schemeClr val="accent1"/>
+            </a:effectRef>
+            <a:fontRef idx="minor">
+              <a:schemeClr val="tx1"/>
+            </a:fontRef>
+          </p:style>
+        </p:cxnSp>
+        <p:sp>
+          <p:nvSpPr>
+            <p:cNvPr id="46" name="Textfeld 45"/>
+            <p:cNvSpPr txBox="1"/>
+            <p:nvPr/>
+          </p:nvSpPr>
+          <p:spPr>
+            <a:xfrm>
+              <a:off x="6772943" y="2574617"/>
+              <a:ext cx="276447" cy="326344"/>
+            </a:xfrm>
+            <a:prstGeom prst="rect">
+              <a:avLst/>
+            </a:prstGeom>
+            <a:noFill/>
+            <a:ln>
+              <a:noFill/>
+            </a:ln>
+          </p:spPr>
+          <p:txBody>
+            <a:bodyPr wrap="square" rtlCol="0">
+              <a:spAutoFit/>
+            </a:bodyPr>
+            <a:lstStyle/>
+            <a:p>
+              <a:r>
+                <a:rPr lang="de-DE" sz="2000" b="1" dirty="0">
+                  <a:solidFill>
+                    <a:schemeClr val="tx2"/>
+                  </a:solidFill>
+                </a:rPr>
+                <a:t>*</a:t>
+              </a:r>
+              <a:endParaRPr lang="en-US" sz="2000" b="1" dirty="0">
+                <a:solidFill>
+                  <a:schemeClr val="tx2"/>
+                </a:solidFill>
+              </a:endParaRPr>
+            </a:p>
+          </p:txBody>
+        </p:sp>
+      </p:grpSp>
+      <p:grpSp>
+        <p:nvGrpSpPr>
+          <p:cNvPr id="52" name="Gruppieren 51"/>
+          <p:cNvGrpSpPr/>
+          <p:nvPr/>
+        </p:nvGrpSpPr>
+        <p:grpSpPr>
+          <a:xfrm flipH="1">
+            <a:off x="2020586" y="4706384"/>
+            <a:ext cx="1586246" cy="760244"/>
+            <a:chOff x="5406832" y="2869288"/>
+            <a:chExt cx="1706981" cy="760244"/>
+          </a:xfrm>
+          <a:solidFill>
+            <a:schemeClr val="tx2"/>
+          </a:solidFill>
+        </p:grpSpPr>
+        <p:cxnSp>
+          <p:nvCxnSpPr>
+            <p:cNvPr id="53" name="Gerade Verbindung mit Pfeil 52"/>
+            <p:cNvCxnSpPr/>
+            <p:nvPr/>
+          </p:nvCxnSpPr>
+          <p:spPr>
+            <a:xfrm>
+              <a:off x="5406832" y="2869288"/>
+              <a:ext cx="1706981" cy="760244"/>
+            </a:xfrm>
+            <a:prstGeom prst="straightConnector1">
+              <a:avLst/>
+            </a:prstGeom>
+            <a:grpFill/>
+            <a:ln>
+              <a:solidFill>
+                <a:schemeClr val="tx2"/>
+              </a:solidFill>
+              <a:tailEnd type="arrow"/>
+            </a:ln>
+          </p:spPr>
+          <p:style>
+            <a:lnRef idx="2">
+              <a:schemeClr val="accent1"/>
+            </a:lnRef>
+            <a:fillRef idx="0">
+              <a:schemeClr val="accent1"/>
+            </a:fillRef>
+            <a:effectRef idx="1">
+              <a:schemeClr val="accent1"/>
+            </a:effectRef>
+            <a:fontRef idx="minor">
+              <a:schemeClr val="tx1"/>
+            </a:fontRef>
+          </p:style>
+        </p:cxnSp>
+        <p:sp>
+          <p:nvSpPr>
+            <p:cNvPr id="54" name="Textfeld 53"/>
+            <p:cNvSpPr txBox="1"/>
+            <p:nvPr/>
+          </p:nvSpPr>
+          <p:spPr>
+            <a:xfrm>
+              <a:off x="6772940" y="3171837"/>
+              <a:ext cx="276447" cy="400110"/>
+            </a:xfrm>
+            <a:prstGeom prst="rect">
+              <a:avLst/>
+            </a:prstGeom>
+            <a:noFill/>
+            <a:ln>
+              <a:noFill/>
+            </a:ln>
+          </p:spPr>
+          <p:txBody>
+            <a:bodyPr wrap="square" rtlCol="0">
+              <a:spAutoFit/>
+            </a:bodyPr>
+            <a:lstStyle/>
+            <a:p>
+              <a:r>
+                <a:rPr lang="de-DE" sz="2000" b="1" dirty="0">
+                  <a:solidFill>
+                    <a:schemeClr val="tx2"/>
+                  </a:solidFill>
+                </a:rPr>
+                <a:t>*</a:t>
+              </a:r>
+              <a:endParaRPr lang="en-US" sz="2000" b="1" dirty="0">
+                <a:solidFill>
+                  <a:schemeClr val="tx2"/>
+                </a:solidFill>
+              </a:endParaRPr>
+            </a:p>
+          </p:txBody>
+        </p:sp>
+      </p:grpSp>
+      <p:grpSp>
+        <p:nvGrpSpPr>
+          <p:cNvPr id="49" name="Gruppieren 48"/>
+          <p:cNvGrpSpPr/>
+          <p:nvPr/>
+        </p:nvGrpSpPr>
+        <p:grpSpPr>
+          <a:xfrm>
+            <a:off x="882508" y="3229288"/>
+            <a:ext cx="452718" cy="768556"/>
+            <a:chOff x="882508" y="3229288"/>
+            <a:chExt cx="452718" cy="768556"/>
+          </a:xfrm>
+        </p:grpSpPr>
+        <p:grpSp>
+          <p:nvGrpSpPr>
+            <p:cNvPr id="23" name="Gruppieren 22"/>
+            <p:cNvGrpSpPr/>
+            <p:nvPr/>
+          </p:nvGrpSpPr>
+          <p:grpSpPr>
+            <a:xfrm rot="16200000" flipH="1">
+              <a:off x="698286" y="3413512"/>
+              <a:ext cx="768554" cy="400110"/>
+              <a:chOff x="5406833" y="2574617"/>
+              <a:chExt cx="1706980" cy="326344"/>
+            </a:xfrm>
+            <a:solidFill>
+              <a:schemeClr val="tx2"/>
+            </a:solidFill>
+          </p:grpSpPr>
+          <p:cxnSp>
+            <p:nvCxnSpPr>
+              <p:cNvPr id="24" name="Gerade Verbindung mit Pfeil 23"/>
+              <p:cNvCxnSpPr/>
+              <p:nvPr/>
+            </p:nvCxnSpPr>
+            <p:spPr>
+              <a:xfrm>
+                <a:off x="5406833" y="2869288"/>
+                <a:ext cx="1706980" cy="0"/>
+              </a:xfrm>
+              <a:prstGeom prst="straightConnector1">
+                <a:avLst/>
+              </a:prstGeom>
+              <a:grpFill/>
+              <a:ln>
+                <a:solidFill>
+                  <a:schemeClr val="tx2"/>
+                </a:solidFill>
+                <a:tailEnd type="arrow"/>
+              </a:ln>
+            </p:spPr>
+            <p:style>
+              <a:lnRef idx="2">
                 <a:schemeClr val="accent1"/>
-              </a:solidFill>
+              </a:lnRef>
+              <a:fillRef idx="0">
+                <a:schemeClr val="accent1"/>
+              </a:fillRef>
+              <a:effectRef idx="1">
+                <a:schemeClr val="accent1"/>
+              </a:effectRef>
+              <a:fontRef idx="minor">
+                <a:schemeClr val="tx1"/>
+              </a:fontRef>
+            </p:style>
+          </p:cxnSp>
+          <p:sp>
+            <p:nvSpPr>
+              <p:cNvPr id="25" name="Textfeld 24"/>
+              <p:cNvSpPr txBox="1"/>
+              <p:nvPr/>
+            </p:nvSpPr>
+            <p:spPr>
+              <a:xfrm>
+                <a:off x="6772943" y="2574617"/>
+                <a:ext cx="276447" cy="326344"/>
+              </a:xfrm>
+              <a:prstGeom prst="rect">
+                <a:avLst/>
+              </a:prstGeom>
+              <a:noFill/>
+              <a:ln>
+                <a:noFill/>
+              </a:ln>
+            </p:spPr>
+            <p:txBody>
+              <a:bodyPr wrap="square" rtlCol="0">
+                <a:spAutoFit/>
+              </a:bodyPr>
+              <a:lstStyle/>
+              <a:p>
+                <a:r>
+                  <a:rPr lang="de-DE" sz="2000" b="1" dirty="0">
+                    <a:solidFill>
+                      <a:schemeClr val="tx2"/>
+                    </a:solidFill>
+                  </a:rPr>
+                  <a:t>*</a:t>
+                </a:r>
+                <a:endParaRPr lang="en-US" sz="2000" b="1" dirty="0">
+                  <a:solidFill>
+                    <a:schemeClr val="tx2"/>
+                  </a:solidFill>
+                </a:endParaRPr>
+              </a:p>
+            </p:txBody>
+          </p:sp>
+        </p:grpSp>
+        <p:sp>
+          <p:nvSpPr>
+            <p:cNvPr id="48" name="Raute 47"/>
+            <p:cNvSpPr/>
+            <p:nvPr/>
+          </p:nvSpPr>
+          <p:spPr>
+            <a:xfrm>
+              <a:off x="1152346" y="3229288"/>
+              <a:ext cx="182880" cy="342900"/>
+            </a:xfrm>
+            <a:prstGeom prst="diamond">
+              <a:avLst/>
+            </a:prstGeom>
+            <a:solidFill>
+              <a:schemeClr val="tx2"/>
+            </a:solidFill>
+            <a:ln>
+              <a:noFill/>
             </a:ln>
             <a:scene3d>
               <a:camera prst="orthographicFront"/>
@@ -22172,69 +23615,134 @@
       </p:grpSp>
       <p:grpSp>
         <p:nvGrpSpPr>
-          <p:cNvPr id="63" name="Gruppieren 62"/>
+          <p:cNvPr id="55" name="Gruppieren 54"/>
           <p:cNvGrpSpPr/>
           <p:nvPr/>
         </p:nvGrpSpPr>
         <p:grpSpPr>
           <a:xfrm>
-            <a:off x="1982571" y="4475975"/>
-            <a:ext cx="5130665" cy="1084857"/>
-            <a:chOff x="1982571" y="4475975"/>
-            <a:chExt cx="5130665" cy="1084857"/>
+            <a:off x="5406833" y="2553123"/>
+            <a:ext cx="1706980" cy="407326"/>
+            <a:chOff x="5406833" y="2553123"/>
+            <a:chExt cx="1706980" cy="407326"/>
           </a:xfrm>
         </p:grpSpPr>
-        <p:cxnSp>
-          <p:nvCxnSpPr>
-            <p:cNvPr id="50" name="Gerade Verbindung 49"/>
-            <p:cNvCxnSpPr>
-              <a:endCxn id="51" idx="3"/>
-            </p:cNvCxnSpPr>
+        <p:grpSp>
+          <p:nvGrpSpPr>
+            <p:cNvPr id="18" name="Gruppieren 17"/>
+            <p:cNvGrpSpPr/>
             <p:nvPr/>
-          </p:nvCxnSpPr>
-          <p:spPr>
-            <a:xfrm flipV="1">
-              <a:off x="1982571" y="4616647"/>
-              <a:ext cx="4929626" cy="944185"/>
+          </p:nvGrpSpPr>
+          <p:grpSpPr>
+            <a:xfrm>
+              <a:off x="5406833" y="2553123"/>
+              <a:ext cx="1706980" cy="400110"/>
+              <a:chOff x="5406833" y="2553123"/>
+              <a:chExt cx="1706980" cy="400110"/>
             </a:xfrm>
-            <a:prstGeom prst="line">
-              <a:avLst/>
-            </a:prstGeom>
-          </p:spPr>
-          <p:style>
-            <a:lnRef idx="2">
-              <a:schemeClr val="accent1"/>
-            </a:lnRef>
-            <a:fillRef idx="0">
-              <a:schemeClr val="accent1"/>
-            </a:fillRef>
-            <a:effectRef idx="1">
-              <a:schemeClr val="accent1"/>
-            </a:effectRef>
-            <a:fontRef idx="minor">
-              <a:schemeClr val="tx1"/>
-            </a:fontRef>
-          </p:style>
-        </p:cxnSp>
+            <a:noFill/>
+          </p:grpSpPr>
+          <p:cxnSp>
+            <p:nvCxnSpPr>
+              <p:cNvPr id="16" name="Gerade Verbindung mit Pfeil 15"/>
+              <p:cNvCxnSpPr>
+                <a:stCxn id="7" idx="3"/>
+                <a:endCxn id="10" idx="1"/>
+              </p:cNvCxnSpPr>
+              <p:nvPr/>
+            </p:nvCxnSpPr>
+            <p:spPr>
+              <a:xfrm>
+                <a:off x="5406833" y="2869288"/>
+                <a:ext cx="1706980" cy="0"/>
+              </a:xfrm>
+              <a:prstGeom prst="straightConnector1">
+                <a:avLst/>
+              </a:prstGeom>
+              <a:grpFill/>
+              <a:ln>
+                <a:solidFill>
+                  <a:schemeClr val="tx2"/>
+                </a:solidFill>
+                <a:tailEnd type="arrow"/>
+              </a:ln>
+            </p:spPr>
+            <p:style>
+              <a:lnRef idx="2">
+                <a:schemeClr val="accent1"/>
+              </a:lnRef>
+              <a:fillRef idx="0">
+                <a:schemeClr val="accent1"/>
+              </a:fillRef>
+              <a:effectRef idx="1">
+                <a:schemeClr val="accent1"/>
+              </a:effectRef>
+              <a:fontRef idx="minor">
+                <a:schemeClr val="tx1"/>
+              </a:fontRef>
+            </p:style>
+          </p:cxnSp>
+          <p:sp>
+            <p:nvSpPr>
+              <p:cNvPr id="17" name="Textfeld 16"/>
+              <p:cNvSpPr txBox="1"/>
+              <p:nvPr/>
+            </p:nvSpPr>
+            <p:spPr>
+              <a:xfrm>
+                <a:off x="6772940" y="2553123"/>
+                <a:ext cx="276447" cy="400110"/>
+              </a:xfrm>
+              <a:prstGeom prst="rect">
+                <a:avLst/>
+              </a:prstGeom>
+              <a:grpFill/>
+              <a:ln>
+                <a:noFill/>
+              </a:ln>
+            </p:spPr>
+            <p:txBody>
+              <a:bodyPr wrap="square" rtlCol="0">
+                <a:spAutoFit/>
+              </a:bodyPr>
+              <a:lstStyle/>
+              <a:p>
+                <a:r>
+                  <a:rPr lang="de-DE" sz="2000" b="1" dirty="0">
+                    <a:solidFill>
+                      <a:schemeClr val="tx2"/>
+                    </a:solidFill>
+                  </a:rPr>
+                  <a:t>*</a:t>
+                </a:r>
+                <a:endParaRPr lang="en-US" sz="2000" b="1" dirty="0">
+                  <a:solidFill>
+                    <a:schemeClr val="tx2"/>
+                  </a:solidFill>
+                </a:endParaRPr>
+              </a:p>
+            </p:txBody>
+          </p:sp>
+        </p:grpSp>
         <p:sp>
           <p:nvSpPr>
-            <p:cNvPr id="51" name="Gleichschenkliges Dreieck 50"/>
+            <p:cNvPr id="59" name="Raute 58"/>
             <p:cNvSpPr/>
             <p:nvPr/>
           </p:nvSpPr>
           <p:spPr>
-            <a:xfrm rot="4503194">
-              <a:off x="6896687" y="4488025"/>
-              <a:ext cx="228600" cy="204499"/>
+            <a:xfrm>
+              <a:off x="5406833" y="2776849"/>
+              <a:ext cx="342000" cy="183600"/>
             </a:xfrm>
-            <a:prstGeom prst="triangle">
+            <a:prstGeom prst="diamond">
               <a:avLst/>
             </a:prstGeom>
-            <a:noFill/>
-            <a:ln w="19050">
-              <a:solidFill>
-                <a:schemeClr val="accent1"/>
-              </a:solidFill>
+            <a:solidFill>
+              <a:schemeClr val="tx2"/>
+            </a:solidFill>
+            <a:ln>
+              <a:noFill/>
             </a:ln>
             <a:scene3d>
               <a:camera prst="orthographicFront"/>
@@ -22268,75 +23776,98 @@
       </p:grpSp>
       <p:grpSp>
         <p:nvGrpSpPr>
-          <p:cNvPr id="64" name="Gruppieren 63"/>
+          <p:cNvPr id="80" name="Gruppieren 79"/>
           <p:cNvGrpSpPr/>
           <p:nvPr/>
         </p:nvGrpSpPr>
         <p:grpSpPr>
           <a:xfrm>
-            <a:off x="5406833" y="4655654"/>
-            <a:ext cx="2076341" cy="1173646"/>
-            <a:chOff x="5406833" y="4655654"/>
-            <a:chExt cx="2076341" cy="1173646"/>
+            <a:off x="2033249" y="3230880"/>
+            <a:ext cx="5190511" cy="2664865"/>
+            <a:chOff x="2033249" y="3230880"/>
+            <a:chExt cx="5190511" cy="2664865"/>
           </a:xfrm>
         </p:grpSpPr>
-        <p:cxnSp>
-          <p:nvCxnSpPr>
-            <p:cNvPr id="56" name="Gerade Verbindung 55"/>
-            <p:cNvCxnSpPr>
-              <a:endCxn id="57" idx="3"/>
-            </p:cNvCxnSpPr>
-            <p:nvPr/>
-          </p:nvCxnSpPr>
-          <p:spPr>
-            <a:xfrm flipV="1">
-              <a:off x="5406833" y="4840131"/>
-              <a:ext cx="1899728" cy="989169"/>
-            </a:xfrm>
-            <a:prstGeom prst="line">
-              <a:avLst/>
-            </a:prstGeom>
-          </p:spPr>
-          <p:style>
-            <a:lnRef idx="2">
-              <a:schemeClr val="accent1"/>
-            </a:lnRef>
-            <a:fillRef idx="0">
-              <a:schemeClr val="accent1"/>
-            </a:fillRef>
-            <a:effectRef idx="1">
-              <a:schemeClr val="accent1"/>
-            </a:effectRef>
-            <a:fontRef idx="minor">
-              <a:schemeClr val="tx1"/>
-            </a:fontRef>
-          </p:style>
-        </p:cxnSp>
         <p:sp>
           <p:nvSpPr>
-            <p:cNvPr id="57" name="Gleichschenkliges Dreieck 56"/>
+            <p:cNvPr id="78" name="Freihandform 77"/>
             <p:cNvSpPr/>
             <p:nvPr/>
           </p:nvSpPr>
           <p:spPr>
-            <a:xfrm rot="2799545">
-              <a:off x="7266625" y="4667704"/>
-              <a:ext cx="228600" cy="204499"/>
+            <a:xfrm>
+              <a:off x="2033249" y="3230880"/>
+              <a:ext cx="5190511" cy="2379813"/>
             </a:xfrm>
-            <a:prstGeom prst="triangle">
+            <a:custGeom>
               <a:avLst/>
-            </a:prstGeom>
+              <a:gdLst>
+                <a:gd name="connsiteX0" fmla="*/ 5190511 w 5190511"/>
+                <a:gd name="connsiteY0" fmla="*/ 0 h 2379813"/>
+                <a:gd name="connsiteX1" fmla="*/ 4276111 w 5190511"/>
+                <a:gd name="connsiteY1" fmla="*/ 1303020 h 2379813"/>
+                <a:gd name="connsiteX2" fmla="*/ 3201691 w 5190511"/>
+                <a:gd name="connsiteY2" fmla="*/ 1767840 h 2379813"/>
+                <a:gd name="connsiteX3" fmla="*/ 1365271 w 5190511"/>
+                <a:gd name="connsiteY3" fmla="*/ 1882140 h 2379813"/>
+                <a:gd name="connsiteX4" fmla="*/ 1291 w 5190511"/>
+                <a:gd name="connsiteY4" fmla="*/ 2377440 h 2379813"/>
+              </a:gdLst>
+              <a:ahLst/>
+              <a:cxnLst>
+                <a:cxn ang="0">
+                  <a:pos x="connsiteX0" y="connsiteY0"/>
+                </a:cxn>
+                <a:cxn ang="0">
+                  <a:pos x="connsiteX1" y="connsiteY1"/>
+                </a:cxn>
+                <a:cxn ang="0">
+                  <a:pos x="connsiteX2" y="connsiteY2"/>
+                </a:cxn>
+                <a:cxn ang="0">
+                  <a:pos x="connsiteX3" y="connsiteY3"/>
+                </a:cxn>
+                <a:cxn ang="0">
+                  <a:pos x="connsiteX4" y="connsiteY4"/>
+                </a:cxn>
+              </a:cxnLst>
+              <a:rect l="l" t="t" r="r" b="b"/>
+              <a:pathLst>
+                <a:path w="5190511" h="2379813">
+                  <a:moveTo>
+                    <a:pt x="5190511" y="0"/>
+                  </a:moveTo>
+                  <a:cubicBezTo>
+                    <a:pt x="4899046" y="504190"/>
+                    <a:pt x="4607581" y="1008380"/>
+                    <a:pt x="4276111" y="1303020"/>
+                  </a:cubicBezTo>
+                  <a:cubicBezTo>
+                    <a:pt x="3944641" y="1597660"/>
+                    <a:pt x="3686831" y="1671320"/>
+                    <a:pt x="3201691" y="1767840"/>
+                  </a:cubicBezTo>
+                  <a:cubicBezTo>
+                    <a:pt x="2716551" y="1864360"/>
+                    <a:pt x="1898671" y="1780540"/>
+                    <a:pt x="1365271" y="1882140"/>
+                  </a:cubicBezTo>
+                  <a:cubicBezTo>
+                    <a:pt x="831871" y="1983740"/>
+                    <a:pt x="-38079" y="2415540"/>
+                    <a:pt x="1291" y="2377440"/>
+                  </a:cubicBezTo>
+                </a:path>
+              </a:pathLst>
+            </a:custGeom>
             <a:noFill/>
             <a:ln w="19050">
               <a:solidFill>
-                <a:schemeClr val="accent1"/>
+                <a:schemeClr val="tx2"/>
               </a:solidFill>
+              <a:headEnd type="none" w="med" len="med"/>
+              <a:tailEnd type="arrow" w="med" len="med"/>
             </a:ln>
-            <a:scene3d>
-              <a:camera prst="orthographicFront"/>
-              <a:lightRig rig="threePt" dir="tl"/>
-            </a:scene3d>
-            <a:sp3d/>
           </p:spPr>
           <p:style>
             <a:lnRef idx="1">
@@ -22361,11 +23892,52 @@
             </a:p>
           </p:txBody>
         </p:sp>
+        <p:sp>
+          <p:nvSpPr>
+            <p:cNvPr id="79" name="Textfeld 78"/>
+            <p:cNvSpPr txBox="1"/>
+            <p:nvPr/>
+          </p:nvSpPr>
+          <p:spPr>
+            <a:xfrm flipH="1">
+              <a:off x="2156655" y="5495635"/>
+              <a:ext cx="256894" cy="400110"/>
+            </a:xfrm>
+            <a:prstGeom prst="rect">
+              <a:avLst/>
+            </a:prstGeom>
+            <a:noFill/>
+            <a:ln>
+              <a:noFill/>
+            </a:ln>
+          </p:spPr>
+          <p:txBody>
+            <a:bodyPr wrap="square" rtlCol="0">
+              <a:spAutoFit/>
+            </a:bodyPr>
+            <a:lstStyle/>
+            <a:p>
+              <a:r>
+                <a:rPr lang="de-DE" sz="2000" b="1" dirty="0">
+                  <a:solidFill>
+                    <a:schemeClr val="tx2"/>
+                  </a:solidFill>
+                </a:rPr>
+                <a:t>*</a:t>
+              </a:r>
+              <a:endParaRPr lang="en-US" sz="2000" b="1" dirty="0">
+                <a:solidFill>
+                  <a:schemeClr val="tx2"/>
+                </a:solidFill>
+              </a:endParaRPr>
+            </a:p>
+          </p:txBody>
+        </p:sp>
       </p:grpSp>
     </p:spTree>
     <p:extLst>
       <p:ext uri="{BB962C8B-B14F-4D97-AF65-F5344CB8AC3E}">
-        <p14:creationId xmlns:p14="http://schemas.microsoft.com/office/powerpoint/2010/main" val="3234106401"/>
+        <p14:creationId xmlns:p14="http://schemas.microsoft.com/office/powerpoint/2010/main" val="2994572299"/>
       </p:ext>
     </p:extLst>
   </p:cSld>
@@ -22375,7 +23947,7 @@
   <p:timing>
     <p:tnLst>
       <p:par>
-        <p:cTn xmlns:p14="http://schemas.microsoft.com/office/powerpoint/2010/main" id="1" dur="indefinite" restart="never" nodeType="tmRoot">
+        <p:cTn id="1" dur="indefinite" restart="never" nodeType="tmRoot">
           <p:childTnLst>
             <p:seq concurrent="1" nextAc="seek">
               <p:cTn id="2" dur="indefinite" nodeType="mainSeq">
@@ -22393,7 +23965,7 @@
                             </p:stCondLst>
                             <p:childTnLst>
                               <p:par>
-                                <p:cTn id="5" presetID="1" presetClass="entr" presetSubtype="0" fill="hold" grpId="0" nodeType="clickEffect">
+                                <p:cTn id="5" presetID="10" presetClass="entr" presetSubtype="0" fill="hold" nodeType="clickEffect">
                                   <p:stCondLst>
                                     <p:cond delay="0"/>
                                   </p:stCondLst>
@@ -22406,7 +23978,7 @@
                                           </p:stCondLst>
                                         </p:cTn>
                                         <p:tgtEl>
-                                          <p:spTgt spid="9"/>
+                                          <p:spTgt spid="55"/>
                                         </p:tgtEl>
                                         <p:attrNameLst>
                                           <p:attrName>style.visibility</p:attrName>
@@ -22416,162 +23988,26 @@
                                         <p:strVal val="visible"/>
                                       </p:to>
                                     </p:set>
+                                    <p:animEffect transition="in" filter="fade">
+                                      <p:cBhvr>
+                                        <p:cTn id="7" dur="500"/>
+                                        <p:tgtEl>
+                                          <p:spTgt spid="55"/>
+                                        </p:tgtEl>
+                                      </p:cBhvr>
+                                    </p:animEffect>
                                   </p:childTnLst>
                                 </p:cTn>
                               </p:par>
                               <p:par>
-                                <p:cTn id="7" presetID="1" presetClass="entr" presetSubtype="0" fill="hold" nodeType="withEffect">
+                                <p:cTn id="8" presetID="10" presetClass="entr" presetSubtype="0" fill="hold" grpId="0" nodeType="withEffect">
                                   <p:stCondLst>
                                     <p:cond delay="0"/>
                                   </p:stCondLst>
                                   <p:childTnLst>
                                     <p:set>
                                       <p:cBhvr>
-                                        <p:cTn id="8" dur="1" fill="hold">
-                                          <p:stCondLst>
-                                            <p:cond delay="0"/>
-                                          </p:stCondLst>
-                                        </p:cTn>
-                                        <p:tgtEl>
-                                          <p:spTgt spid="19"/>
-                                        </p:tgtEl>
-                                        <p:attrNameLst>
-                                          <p:attrName>style.visibility</p:attrName>
-                                        </p:attrNameLst>
-                                      </p:cBhvr>
-                                      <p:to>
-                                        <p:strVal val="visible"/>
-                                      </p:to>
-                                    </p:set>
-                                  </p:childTnLst>
-                                </p:cTn>
-                              </p:par>
-                            </p:childTnLst>
-                          </p:cTn>
-                        </p:par>
-                      </p:childTnLst>
-                    </p:cTn>
-                  </p:par>
-                  <p:par>
-                    <p:cTn id="9" fill="hold">
-                      <p:stCondLst>
-                        <p:cond delay="indefinite"/>
-                      </p:stCondLst>
-                      <p:childTnLst>
-                        <p:par>
-                          <p:cTn id="10" fill="hold">
-                            <p:stCondLst>
-                              <p:cond delay="0"/>
-                            </p:stCondLst>
-                            <p:childTnLst>
-                              <p:par>
-                                <p:cTn id="11" presetID="1" presetClass="entr" presetSubtype="0" fill="hold" nodeType="clickEffect">
-                                  <p:stCondLst>
-                                    <p:cond delay="0"/>
-                                  </p:stCondLst>
-                                  <p:childTnLst>
-                                    <p:set>
-                                      <p:cBhvr>
-                                        <p:cTn id="12" dur="1" fill="hold">
-                                          <p:stCondLst>
-                                            <p:cond delay="0"/>
-                                          </p:stCondLst>
-                                        </p:cTn>
-                                        <p:tgtEl>
-                                          <p:spTgt spid="23"/>
-                                        </p:tgtEl>
-                                        <p:attrNameLst>
-                                          <p:attrName>style.visibility</p:attrName>
-                                        </p:attrNameLst>
-                                      </p:cBhvr>
-                                      <p:to>
-                                        <p:strVal val="visible"/>
-                                      </p:to>
-                                    </p:set>
-                                  </p:childTnLst>
-                                </p:cTn>
-                              </p:par>
-                              <p:par>
-                                <p:cTn id="13" presetID="1" presetClass="entr" presetSubtype="0" fill="hold" grpId="0" nodeType="withEffect">
-                                  <p:stCondLst>
-                                    <p:cond delay="0"/>
-                                  </p:stCondLst>
-                                  <p:childTnLst>
-                                    <p:set>
-                                      <p:cBhvr>
-                                        <p:cTn id="14" dur="1" fill="hold">
-                                          <p:stCondLst>
-                                            <p:cond delay="0"/>
-                                          </p:stCondLst>
-                                        </p:cTn>
-                                        <p:tgtEl>
-                                          <p:spTgt spid="22"/>
-                                        </p:tgtEl>
-                                        <p:attrNameLst>
-                                          <p:attrName>style.visibility</p:attrName>
-                                        </p:attrNameLst>
-                                      </p:cBhvr>
-                                      <p:to>
-                                        <p:strVal val="visible"/>
-                                      </p:to>
-                                    </p:set>
-                                  </p:childTnLst>
-                                </p:cTn>
-                              </p:par>
-                            </p:childTnLst>
-                          </p:cTn>
-                        </p:par>
-                      </p:childTnLst>
-                    </p:cTn>
-                  </p:par>
-                  <p:par>
-                    <p:cTn id="15" fill="hold">
-                      <p:stCondLst>
-                        <p:cond delay="indefinite"/>
-                      </p:stCondLst>
-                      <p:childTnLst>
-                        <p:par>
-                          <p:cTn id="16" fill="hold">
-                            <p:stCondLst>
-                              <p:cond delay="0"/>
-                            </p:stCondLst>
-                            <p:childTnLst>
-                              <p:par>
-                                <p:cTn id="17" presetID="1" presetClass="entr" presetSubtype="0" fill="hold" nodeType="clickEffect">
-                                  <p:stCondLst>
-                                    <p:cond delay="0"/>
-                                  </p:stCondLst>
-                                  <p:childTnLst>
-                                    <p:set>
-                                      <p:cBhvr>
-                                        <p:cTn id="18" dur="1" fill="hold">
-                                          <p:stCondLst>
-                                            <p:cond delay="0"/>
-                                          </p:stCondLst>
-                                        </p:cTn>
-                                        <p:tgtEl>
-                                          <p:spTgt spid="18"/>
-                                        </p:tgtEl>
-                                        <p:attrNameLst>
-                                          <p:attrName>style.visibility</p:attrName>
-                                        </p:attrNameLst>
-                                      </p:cBhvr>
-                                      <p:to>
-                                        <p:strVal val="visible"/>
-                                      </p:to>
-                                    </p:set>
-                                  </p:childTnLst>
-                                </p:cTn>
-                              </p:par>
-                              <p:par>
-                                <p:cTn id="19" presetID="1" presetClass="entr" presetSubtype="0" fill="hold" grpId="0" nodeType="withEffect">
-                                  <p:stCondLst>
-                                    <p:cond delay="0"/>
-                                  </p:stCondLst>
-                                  <p:childTnLst>
-                                    <p:set>
-                                      <p:cBhvr>
-                                        <p:cTn id="20" dur="1" fill="hold">
+                                        <p:cTn id="9" dur="1" fill="hold">
                                           <p:stCondLst>
                                             <p:cond delay="0"/>
                                           </p:stCondLst>
@@ -22587,6 +24023,14 @@
                                         <p:strVal val="visible"/>
                                       </p:to>
                                     </p:set>
+                                    <p:animEffect transition="in" filter="fade">
+                                      <p:cBhvr>
+                                        <p:cTn id="10" dur="500"/>
+                                        <p:tgtEl>
+                                          <p:spTgt spid="10"/>
+                                        </p:tgtEl>
+                                      </p:cBhvr>
+                                    </p:animEffect>
                                   </p:childTnLst>
                                 </p:cTn>
                               </p:par>
@@ -22597,26 +24041,26 @@
                     </p:cTn>
                   </p:par>
                   <p:par>
-                    <p:cTn id="21" fill="hold">
+                    <p:cTn id="11" fill="hold">
                       <p:stCondLst>
                         <p:cond delay="indefinite"/>
                       </p:stCondLst>
                       <p:childTnLst>
                         <p:par>
-                          <p:cTn id="22" fill="hold">
+                          <p:cTn id="12" fill="hold">
                             <p:stCondLst>
                               <p:cond delay="0"/>
                             </p:stCondLst>
                             <p:childTnLst>
                               <p:par>
-                                <p:cTn id="23" presetID="1" presetClass="entr" presetSubtype="0" fill="hold" nodeType="clickEffect">
+                                <p:cTn id="13" presetID="10" presetClass="entr" presetSubtype="0" fill="hold" nodeType="clickEffect">
                                   <p:stCondLst>
                                     <p:cond delay="0"/>
                                   </p:stCondLst>
                                   <p:childTnLst>
                                     <p:set>
                                       <p:cBhvr>
-                                        <p:cTn id="24" dur="1" fill="hold">
+                                        <p:cTn id="14" dur="1" fill="hold">
                                           <p:stCondLst>
                                             <p:cond delay="0"/>
                                           </p:stCondLst>
@@ -22632,18 +24076,26 @@
                                         <p:strVal val="visible"/>
                                       </p:to>
                                     </p:set>
+                                    <p:animEffect transition="in" filter="fade">
+                                      <p:cBhvr>
+                                        <p:cTn id="15" dur="500"/>
+                                        <p:tgtEl>
+                                          <p:spTgt spid="30"/>
+                                        </p:tgtEl>
+                                      </p:cBhvr>
+                                    </p:animEffect>
                                   </p:childTnLst>
                                 </p:cTn>
                               </p:par>
                               <p:par>
-                                <p:cTn id="25" presetID="1" presetClass="entr" presetSubtype="0" fill="hold" grpId="0" nodeType="withEffect">
+                                <p:cTn id="16" presetID="10" presetClass="entr" presetSubtype="0" fill="hold" grpId="0" nodeType="withEffect">
                                   <p:stCondLst>
                                     <p:cond delay="0"/>
                                   </p:stCondLst>
                                   <p:childTnLst>
                                     <p:set>
                                       <p:cBhvr>
-                                        <p:cTn id="26" dur="1" fill="hold">
+                                        <p:cTn id="17" dur="1" fill="hold">
                                           <p:stCondLst>
                                             <p:cond delay="0"/>
                                           </p:stCondLst>
@@ -22659,6 +24111,14 @@
                                         <p:strVal val="visible"/>
                                       </p:to>
                                     </p:set>
+                                    <p:animEffect transition="in" filter="fade">
+                                      <p:cBhvr>
+                                        <p:cTn id="18" dur="500"/>
+                                        <p:tgtEl>
+                                          <p:spTgt spid="29"/>
+                                        </p:tgtEl>
+                                      </p:cBhvr>
+                                    </p:animEffect>
                                   </p:childTnLst>
                                 </p:cTn>
                               </p:par>
@@ -22669,26 +24129,26 @@
                     </p:cTn>
                   </p:par>
                   <p:par>
-                    <p:cTn id="27" fill="hold">
+                    <p:cTn id="19" fill="hold">
                       <p:stCondLst>
                         <p:cond delay="indefinite"/>
                       </p:stCondLst>
                       <p:childTnLst>
                         <p:par>
-                          <p:cTn id="28" fill="hold">
+                          <p:cTn id="20" fill="hold">
                             <p:stCondLst>
                               <p:cond delay="0"/>
                             </p:stCondLst>
                             <p:childTnLst>
                               <p:par>
-                                <p:cTn id="29" presetID="1" presetClass="entr" presetSubtype="0" fill="hold" grpId="0" nodeType="clickEffect">
+                                <p:cTn id="21" presetID="10" presetClass="entr" presetSubtype="0" fill="hold" grpId="0" nodeType="clickEffect">
                                   <p:stCondLst>
                                     <p:cond delay="0"/>
                                   </p:stCondLst>
                                   <p:childTnLst>
                                     <p:set>
                                       <p:cBhvr>
-                                        <p:cTn id="30" dur="1" fill="hold">
+                                        <p:cTn id="22" dur="1" fill="hold">
                                           <p:stCondLst>
                                             <p:cond delay="0"/>
                                           </p:stCondLst>
@@ -22704,18 +24164,26 @@
                                         <p:strVal val="visible"/>
                                       </p:to>
                                     </p:set>
+                                    <p:animEffect transition="in" filter="fade">
+                                      <p:cBhvr>
+                                        <p:cTn id="23" dur="500"/>
+                                        <p:tgtEl>
+                                          <p:spTgt spid="14"/>
+                                        </p:tgtEl>
+                                      </p:cBhvr>
+                                    </p:animEffect>
                                   </p:childTnLst>
                                 </p:cTn>
                               </p:par>
                               <p:par>
-                                <p:cTn id="31" presetID="1" presetClass="entr" presetSubtype="0" fill="hold" nodeType="withEffect">
+                                <p:cTn id="24" presetID="10" presetClass="entr" presetSubtype="0" fill="hold" nodeType="withEffect">
                                   <p:stCondLst>
                                     <p:cond delay="0"/>
                                   </p:stCondLst>
                                   <p:childTnLst>
                                     <p:set>
                                       <p:cBhvr>
-                                        <p:cTn id="32" dur="1" fill="hold">
+                                        <p:cTn id="25" dur="1" fill="hold">
                                           <p:stCondLst>
                                             <p:cond delay="0"/>
                                           </p:stCondLst>
@@ -22731,36 +24199,26 @@
                                         <p:strVal val="visible"/>
                                       </p:to>
                                     </p:set>
+                                    <p:animEffect transition="in" filter="fade">
+                                      <p:cBhvr>
+                                        <p:cTn id="26" dur="500"/>
+                                        <p:tgtEl>
+                                          <p:spTgt spid="63"/>
+                                        </p:tgtEl>
+                                      </p:cBhvr>
+                                    </p:animEffect>
                                   </p:childTnLst>
                                 </p:cTn>
                               </p:par>
-                            </p:childTnLst>
-                          </p:cTn>
-                        </p:par>
-                      </p:childTnLst>
-                    </p:cTn>
-                  </p:par>
-                  <p:par>
-                    <p:cTn id="33" fill="hold">
-                      <p:stCondLst>
-                        <p:cond delay="indefinite"/>
-                      </p:stCondLst>
-                      <p:childTnLst>
-                        <p:par>
-                          <p:cTn id="34" fill="hold">
-                            <p:stCondLst>
-                              <p:cond delay="0"/>
-                            </p:stCondLst>
-                            <p:childTnLst>
                               <p:par>
-                                <p:cTn id="35" presetID="1" presetClass="entr" presetSubtype="0" fill="hold" grpId="0" nodeType="clickEffect">
+                                <p:cTn id="27" presetID="10" presetClass="entr" presetSubtype="0" fill="hold" grpId="0" nodeType="withEffect">
                                   <p:stCondLst>
                                     <p:cond delay="0"/>
                                   </p:stCondLst>
                                   <p:childTnLst>
                                     <p:set>
                                       <p:cBhvr>
-                                        <p:cTn id="36" dur="1" fill="hold">
+                                        <p:cTn id="28" dur="1" fill="hold">
                                           <p:stCondLst>
                                             <p:cond delay="0"/>
                                           </p:stCondLst>
@@ -22776,18 +24234,26 @@
                                         <p:strVal val="visible"/>
                                       </p:to>
                                     </p:set>
+                                    <p:animEffect transition="in" filter="fade">
+                                      <p:cBhvr>
+                                        <p:cTn id="29" dur="500"/>
+                                        <p:tgtEl>
+                                          <p:spTgt spid="12"/>
+                                        </p:tgtEl>
+                                      </p:cBhvr>
+                                    </p:animEffect>
                                   </p:childTnLst>
                                 </p:cTn>
                               </p:par>
                               <p:par>
-                                <p:cTn id="37" presetID="1" presetClass="entr" presetSubtype="0" fill="hold" nodeType="withEffect">
+                                <p:cTn id="30" presetID="10" presetClass="entr" presetSubtype="0" fill="hold" nodeType="withEffect">
                                   <p:stCondLst>
                                     <p:cond delay="0"/>
                                   </p:stCondLst>
                                   <p:childTnLst>
                                     <p:set>
                                       <p:cBhvr>
-                                        <p:cTn id="38" dur="1" fill="hold">
+                                        <p:cTn id="31" dur="1" fill="hold">
                                           <p:stCondLst>
                                             <p:cond delay="0"/>
                                           </p:stCondLst>
@@ -22803,6 +24269,84 @@
                                         <p:strVal val="visible"/>
                                       </p:to>
                                     </p:set>
+                                    <p:animEffect transition="in" filter="fade">
+                                      <p:cBhvr>
+                                        <p:cTn id="32" dur="500"/>
+                                        <p:tgtEl>
+                                          <p:spTgt spid="64"/>
+                                        </p:tgtEl>
+                                      </p:cBhvr>
+                                    </p:animEffect>
+                                  </p:childTnLst>
+                                </p:cTn>
+                              </p:par>
+                              <p:par>
+                                <p:cTn id="33" presetID="10" presetClass="entr" presetSubtype="0" fill="hold" grpId="0" nodeType="withEffect">
+                                  <p:stCondLst>
+                                    <p:cond delay="0"/>
+                                  </p:stCondLst>
+                                  <p:childTnLst>
+                                    <p:set>
+                                      <p:cBhvr>
+                                        <p:cTn id="34" dur="1" fill="hold">
+                                          <p:stCondLst>
+                                            <p:cond delay="0"/>
+                                          </p:stCondLst>
+                                        </p:cTn>
+                                        <p:tgtEl>
+                                          <p:spTgt spid="13"/>
+                                        </p:tgtEl>
+                                        <p:attrNameLst>
+                                          <p:attrName>style.visibility</p:attrName>
+                                        </p:attrNameLst>
+                                      </p:cBhvr>
+                                      <p:to>
+                                        <p:strVal val="visible"/>
+                                      </p:to>
+                                    </p:set>
+                                    <p:animEffect transition="in" filter="fade">
+                                      <p:cBhvr>
+                                        <p:cTn id="35" dur="500"/>
+                                        <p:tgtEl>
+                                          <p:spTgt spid="13"/>
+                                        </p:tgtEl>
+                                      </p:cBhvr>
+                                    </p:animEffect>
+                                  </p:childTnLst>
+                                </p:cTn>
+                              </p:par>
+                              <p:par>
+                                <p:cTn id="36" presetID="10" presetClass="entr" presetSubtype="0" fill="hold" nodeType="withEffect">
+                                  <p:stCondLst>
+                                    <p:cond delay="0"/>
+                                  </p:stCondLst>
+                                  <p:childTnLst>
+                                    <p:set>
+                                      <p:cBhvr>
+                                        <p:cTn id="37" dur="1" fill="hold">
+                                          <p:stCondLst>
+                                            <p:cond delay="0"/>
+                                          </p:stCondLst>
+                                        </p:cTn>
+                                        <p:tgtEl>
+                                          <p:spTgt spid="42"/>
+                                        </p:tgtEl>
+                                        <p:attrNameLst>
+                                          <p:attrName>style.visibility</p:attrName>
+                                        </p:attrNameLst>
+                                      </p:cBhvr>
+                                      <p:to>
+                                        <p:strVal val="visible"/>
+                                      </p:to>
+                                    </p:set>
+                                    <p:animEffect transition="in" filter="fade">
+                                      <p:cBhvr>
+                                        <p:cTn id="38" dur="500"/>
+                                        <p:tgtEl>
+                                          <p:spTgt spid="42"/>
+                                        </p:tgtEl>
+                                      </p:cBhvr>
+                                    </p:animEffect>
                                   </p:childTnLst>
                                 </p:cTn>
                               </p:par>
@@ -22825,7 +24369,7 @@
                             </p:stCondLst>
                             <p:childTnLst>
                               <p:par>
-                                <p:cTn id="41" presetID="1" presetClass="entr" presetSubtype="0" fill="hold" grpId="0" nodeType="clickEffect">
+                                <p:cTn id="41" presetID="10" presetClass="entr" presetSubtype="0" fill="hold" nodeType="clickEffect">
                                   <p:stCondLst>
                                     <p:cond delay="0"/>
                                   </p:stCondLst>
@@ -22838,7 +24382,7 @@
                                           </p:stCondLst>
                                         </p:cTn>
                                         <p:tgtEl>
-                                          <p:spTgt spid="13"/>
+                                          <p:spTgt spid="19"/>
                                         </p:tgtEl>
                                         <p:attrNameLst>
                                           <p:attrName>style.visibility</p:attrName>
@@ -22848,24 +24392,32 @@
                                         <p:strVal val="visible"/>
                                       </p:to>
                                     </p:set>
+                                    <p:animEffect transition="in" filter="fade">
+                                      <p:cBhvr>
+                                        <p:cTn id="43" dur="500"/>
+                                        <p:tgtEl>
+                                          <p:spTgt spid="19"/>
+                                        </p:tgtEl>
+                                      </p:cBhvr>
+                                    </p:animEffect>
                                   </p:childTnLst>
                                 </p:cTn>
                               </p:par>
                               <p:par>
-                                <p:cTn id="43" presetID="1" presetClass="entr" presetSubtype="0" fill="hold" nodeType="withEffect">
+                                <p:cTn id="44" presetID="10" presetClass="entr" presetSubtype="0" fill="hold" grpId="0" nodeType="withEffect">
                                   <p:stCondLst>
                                     <p:cond delay="0"/>
                                   </p:stCondLst>
                                   <p:childTnLst>
                                     <p:set>
                                       <p:cBhvr>
-                                        <p:cTn id="44" dur="1" fill="hold">
+                                        <p:cTn id="45" dur="1" fill="hold">
                                           <p:stCondLst>
                                             <p:cond delay="0"/>
                                           </p:stCondLst>
                                         </p:cTn>
                                         <p:tgtEl>
-                                          <p:spTgt spid="42"/>
+                                          <p:spTgt spid="9"/>
                                         </p:tgtEl>
                                         <p:attrNameLst>
                                           <p:attrName>style.visibility</p:attrName>
@@ -22875,6 +24427,14 @@
                                         <p:strVal val="visible"/>
                                       </p:to>
                                     </p:set>
+                                    <p:animEffect transition="in" filter="fade">
+                                      <p:cBhvr>
+                                        <p:cTn id="46" dur="500"/>
+                                        <p:tgtEl>
+                                          <p:spTgt spid="9"/>
+                                        </p:tgtEl>
+                                      </p:cBhvr>
+                                    </p:animEffect>
                                   </p:childTnLst>
                                 </p:cTn>
                               </p:par>
@@ -22885,26 +24445,114 @@
                     </p:cTn>
                   </p:par>
                   <p:par>
-                    <p:cTn id="45" fill="hold">
+                    <p:cTn id="47" fill="hold">
                       <p:stCondLst>
                         <p:cond delay="indefinite"/>
                       </p:stCondLst>
                       <p:childTnLst>
                         <p:par>
-                          <p:cTn id="46" fill="hold">
+                          <p:cTn id="48" fill="hold">
                             <p:stCondLst>
                               <p:cond delay="0"/>
                             </p:stCondLst>
                             <p:childTnLst>
                               <p:par>
-                                <p:cTn id="47" presetID="1" presetClass="entr" presetSubtype="0" fill="hold" nodeType="clickEffect">
+                                <p:cTn id="49" presetID="10" presetClass="entr" presetSubtype="0" fill="hold" nodeType="clickEffect">
                                   <p:stCondLst>
                                     <p:cond delay="0"/>
                                   </p:stCondLst>
                                   <p:childTnLst>
                                     <p:set>
                                       <p:cBhvr>
-                                        <p:cTn id="48" dur="1" fill="hold">
+                                        <p:cTn id="50" dur="1" fill="hold">
+                                          <p:stCondLst>
+                                            <p:cond delay="0"/>
+                                          </p:stCondLst>
+                                        </p:cTn>
+                                        <p:tgtEl>
+                                          <p:spTgt spid="49"/>
+                                        </p:tgtEl>
+                                        <p:attrNameLst>
+                                          <p:attrName>style.visibility</p:attrName>
+                                        </p:attrNameLst>
+                                      </p:cBhvr>
+                                      <p:to>
+                                        <p:strVal val="visible"/>
+                                      </p:to>
+                                    </p:set>
+                                    <p:animEffect transition="in" filter="fade">
+                                      <p:cBhvr>
+                                        <p:cTn id="51" dur="500"/>
+                                        <p:tgtEl>
+                                          <p:spTgt spid="49"/>
+                                        </p:tgtEl>
+                                      </p:cBhvr>
+                                    </p:animEffect>
+                                  </p:childTnLst>
+                                </p:cTn>
+                              </p:par>
+                              <p:par>
+                                <p:cTn id="52" presetID="10" presetClass="entr" presetSubtype="0" fill="hold" grpId="0" nodeType="withEffect">
+                                  <p:stCondLst>
+                                    <p:cond delay="0"/>
+                                  </p:stCondLst>
+                                  <p:childTnLst>
+                                    <p:set>
+                                      <p:cBhvr>
+                                        <p:cTn id="53" dur="1" fill="hold">
+                                          <p:stCondLst>
+                                            <p:cond delay="0"/>
+                                          </p:stCondLst>
+                                        </p:cTn>
+                                        <p:tgtEl>
+                                          <p:spTgt spid="22"/>
+                                        </p:tgtEl>
+                                        <p:attrNameLst>
+                                          <p:attrName>style.visibility</p:attrName>
+                                        </p:attrNameLst>
+                                      </p:cBhvr>
+                                      <p:to>
+                                        <p:strVal val="visible"/>
+                                      </p:to>
+                                    </p:set>
+                                    <p:animEffect transition="in" filter="fade">
+                                      <p:cBhvr>
+                                        <p:cTn id="54" dur="500"/>
+                                        <p:tgtEl>
+                                          <p:spTgt spid="22"/>
+                                        </p:tgtEl>
+                                      </p:cBhvr>
+                                    </p:animEffect>
+                                  </p:childTnLst>
+                                </p:cTn>
+                              </p:par>
+                            </p:childTnLst>
+                          </p:cTn>
+                        </p:par>
+                      </p:childTnLst>
+                    </p:cTn>
+                  </p:par>
+                  <p:par>
+                    <p:cTn id="55" fill="hold">
+                      <p:stCondLst>
+                        <p:cond delay="indefinite"/>
+                      </p:stCondLst>
+                      <p:childTnLst>
+                        <p:par>
+                          <p:cTn id="56" fill="hold">
+                            <p:stCondLst>
+                              <p:cond delay="0"/>
+                            </p:stCondLst>
+                            <p:childTnLst>
+                              <p:par>
+                                <p:cTn id="57" presetID="10" presetClass="entr" presetSubtype="0" fill="hold" nodeType="clickEffect">
+                                  <p:stCondLst>
+                                    <p:cond delay="0"/>
+                                  </p:stCondLst>
+                                  <p:childTnLst>
+                                    <p:set>
+                                      <p:cBhvr>
+                                        <p:cTn id="58" dur="1" fill="hold">
                                           <p:stCondLst>
                                             <p:cond delay="0"/>
                                           </p:stCondLst>
@@ -22920,18 +24568,26 @@
                                         <p:strVal val="visible"/>
                                       </p:to>
                                     </p:set>
+                                    <p:animEffect transition="in" filter="fade">
+                                      <p:cBhvr>
+                                        <p:cTn id="59" dur="500"/>
+                                        <p:tgtEl>
+                                          <p:spTgt spid="26"/>
+                                        </p:tgtEl>
+                                      </p:cBhvr>
+                                    </p:animEffect>
                                   </p:childTnLst>
                                 </p:cTn>
                               </p:par>
                               <p:par>
-                                <p:cTn id="49" presetID="1" presetClass="entr" presetSubtype="0" fill="hold" grpId="0" nodeType="withEffect">
+                                <p:cTn id="60" presetID="10" presetClass="entr" presetSubtype="0" fill="hold" grpId="0" nodeType="withEffect">
                                   <p:stCondLst>
                                     <p:cond delay="0"/>
                                   </p:stCondLst>
                                   <p:childTnLst>
                                     <p:set>
                                       <p:cBhvr>
-                                        <p:cTn id="50" dur="1" fill="hold">
+                                        <p:cTn id="61" dur="1" fill="hold">
                                           <p:stCondLst>
                                             <p:cond delay="0"/>
                                           </p:stCondLst>
@@ -22947,6 +24603,172 @@
                                         <p:strVal val="visible"/>
                                       </p:to>
                                     </p:set>
+                                    <p:animEffect transition="in" filter="fade">
+                                      <p:cBhvr>
+                                        <p:cTn id="62" dur="500"/>
+                                        <p:tgtEl>
+                                          <p:spTgt spid="11"/>
+                                        </p:tgtEl>
+                                      </p:cBhvr>
+                                    </p:animEffect>
+                                  </p:childTnLst>
+                                </p:cTn>
+                              </p:par>
+                            </p:childTnLst>
+                          </p:cTn>
+                        </p:par>
+                      </p:childTnLst>
+                    </p:cTn>
+                  </p:par>
+                  <p:par>
+                    <p:cTn id="63" fill="hold">
+                      <p:stCondLst>
+                        <p:cond delay="indefinite"/>
+                      </p:stCondLst>
+                      <p:childTnLst>
+                        <p:par>
+                          <p:cTn id="64" fill="hold">
+                            <p:stCondLst>
+                              <p:cond delay="0"/>
+                            </p:stCondLst>
+                            <p:childTnLst>
+                              <p:par>
+                                <p:cTn id="65" presetID="10" presetClass="entr" presetSubtype="0" fill="hold" nodeType="clickEffect">
+                                  <p:stCondLst>
+                                    <p:cond delay="0"/>
+                                  </p:stCondLst>
+                                  <p:childTnLst>
+                                    <p:set>
+                                      <p:cBhvr>
+                                        <p:cTn id="66" dur="1" fill="hold">
+                                          <p:stCondLst>
+                                            <p:cond delay="0"/>
+                                          </p:stCondLst>
+                                        </p:cTn>
+                                        <p:tgtEl>
+                                          <p:spTgt spid="52"/>
+                                        </p:tgtEl>
+                                        <p:attrNameLst>
+                                          <p:attrName>style.visibility</p:attrName>
+                                        </p:attrNameLst>
+                                      </p:cBhvr>
+                                      <p:to>
+                                        <p:strVal val="visible"/>
+                                      </p:to>
+                                    </p:set>
+                                    <p:animEffect transition="in" filter="fade">
+                                      <p:cBhvr>
+                                        <p:cTn id="67" dur="500"/>
+                                        <p:tgtEl>
+                                          <p:spTgt spid="52"/>
+                                        </p:tgtEl>
+                                      </p:cBhvr>
+                                    </p:animEffect>
+                                  </p:childTnLst>
+                                </p:cTn>
+                              </p:par>
+                              <p:par>
+                                <p:cTn id="68" presetID="10" presetClass="entr" presetSubtype="0" fill="hold" nodeType="withEffect">
+                                  <p:stCondLst>
+                                    <p:cond delay="0"/>
+                                  </p:stCondLst>
+                                  <p:childTnLst>
+                                    <p:set>
+                                      <p:cBhvr>
+                                        <p:cTn id="69" dur="1" fill="hold">
+                                          <p:stCondLst>
+                                            <p:cond delay="0"/>
+                                          </p:stCondLst>
+                                        </p:cTn>
+                                        <p:tgtEl>
+                                          <p:spTgt spid="80"/>
+                                        </p:tgtEl>
+                                        <p:attrNameLst>
+                                          <p:attrName>style.visibility</p:attrName>
+                                        </p:attrNameLst>
+                                      </p:cBhvr>
+                                      <p:to>
+                                        <p:strVal val="visible"/>
+                                      </p:to>
+                                    </p:set>
+                                    <p:animEffect transition="in" filter="fade">
+                                      <p:cBhvr>
+                                        <p:cTn id="70" dur="500"/>
+                                        <p:tgtEl>
+                                          <p:spTgt spid="80"/>
+                                        </p:tgtEl>
+                                      </p:cBhvr>
+                                    </p:animEffect>
+                                  </p:childTnLst>
+                                </p:cTn>
+                              </p:par>
+                              <p:par>
+                                <p:cTn id="71" presetID="10" presetClass="entr" presetSubtype="0" fill="hold" nodeType="withEffect">
+                                  <p:stCondLst>
+                                    <p:cond delay="0"/>
+                                  </p:stCondLst>
+                                  <p:childTnLst>
+                                    <p:set>
+                                      <p:cBhvr>
+                                        <p:cTn id="72" dur="1" fill="hold">
+                                          <p:stCondLst>
+                                            <p:cond delay="0"/>
+                                          </p:stCondLst>
+                                        </p:cTn>
+                                        <p:tgtEl>
+                                          <p:spTgt spid="44"/>
+                                        </p:tgtEl>
+                                        <p:attrNameLst>
+                                          <p:attrName>style.visibility</p:attrName>
+                                        </p:attrNameLst>
+                                      </p:cBhvr>
+                                      <p:to>
+                                        <p:strVal val="visible"/>
+                                      </p:to>
+                                    </p:set>
+                                    <p:animEffect transition="in" filter="fade">
+                                      <p:cBhvr>
+                                        <p:cTn id="73" dur="500"/>
+                                        <p:tgtEl>
+                                          <p:spTgt spid="44"/>
+                                        </p:tgtEl>
+                                      </p:cBhvr>
+                                    </p:animEffect>
+                                  </p:childTnLst>
+                                </p:cTn>
+                              </p:par>
+                              <p:par>
+                                <p:cTn id="74" presetID="10" presetClass="entr" presetSubtype="0" fill="hold" grpId="0" nodeType="withEffect">
+                                  <p:stCondLst>
+                                    <p:cond delay="0"/>
+                                  </p:stCondLst>
+                                  <p:childTnLst>
+                                    <p:set>
+                                      <p:cBhvr>
+                                        <p:cTn id="75" dur="1" fill="hold">
+                                          <p:stCondLst>
+                                            <p:cond delay="0"/>
+                                          </p:stCondLst>
+                                        </p:cTn>
+                                        <p:tgtEl>
+                                          <p:spTgt spid="43"/>
+                                        </p:tgtEl>
+                                        <p:attrNameLst>
+                                          <p:attrName>style.visibility</p:attrName>
+                                        </p:attrNameLst>
+                                      </p:cBhvr>
+                                      <p:to>
+                                        <p:strVal val="visible"/>
+                                      </p:to>
+                                    </p:set>
+                                    <p:animEffect transition="in" filter="fade">
+                                      <p:cBhvr>
+                                        <p:cTn id="76" dur="500"/>
+                                        <p:tgtEl>
+                                          <p:spTgt spid="43"/>
+                                        </p:tgtEl>
+                                      </p:cBhvr>
+                                    </p:animEffect>
                                   </p:childTnLst>
                                 </p:cTn>
                               </p:par>
@@ -22986,6 +24808,7 @@
       <p:bldP spid="14" grpId="0" animBg="1"/>
       <p:bldP spid="22" grpId="0" animBg="1"/>
       <p:bldP spid="29" grpId="0" animBg="1"/>
+      <p:bldP spid="43" grpId="0" animBg="1"/>
     </p:bldLst>
   </p:timing>
 </p:sld>
@@ -23024,24 +24847,66 @@
           <a:lstStyle/>
           <a:p>
             <a:r>
-              <a:rPr lang="de-DE" dirty="0" smtClean="0">
-                <a:solidFill>
-                  <a:srgbClr val="E4C402"/>
-                </a:solidFill>
-              </a:rPr>
-              <a:t>Vielen Dank für Eure Aufmerksamkeit!</a:t>
+              <a:rPr lang="de-DE" dirty="0" smtClean="0"/>
+              <a:t>Implementierung</a:t>
             </a:r>
-            <a:endParaRPr lang="de-DE" dirty="0">
-              <a:solidFill>
-                <a:srgbClr val="E4C402"/>
-              </a:solidFill>
-            </a:endParaRPr>
+            <a:endParaRPr lang="en-US" dirty="0"/>
           </a:p>
         </p:txBody>
       </p:sp>
       <p:sp>
         <p:nvSpPr>
-          <p:cNvPr id="3" name="Datumsplatzhalter 2"/>
+          <p:cNvPr id="3" name="Inhaltsplatzhalter 2"/>
+          <p:cNvSpPr>
+            <a:spLocks noGrp="1"/>
+          </p:cNvSpPr>
+          <p:nvPr>
+            <p:ph idx="1"/>
+          </p:nvPr>
+        </p:nvSpPr>
+        <p:spPr/>
+        <p:txBody>
+          <a:bodyPr/>
+          <a:lstStyle/>
+          <a:p>
+            <a:r>
+              <a:rPr lang="de-DE" dirty="0" smtClean="0"/>
+              <a:t>generische Klassen</a:t>
+            </a:r>
+          </a:p>
+          <a:p>
+            <a:r>
+              <a:rPr lang="de-DE" dirty="0"/>
+              <a:t>Datenhaltung</a:t>
+            </a:r>
+          </a:p>
+          <a:p>
+            <a:pPr lvl="1"/>
+            <a:r>
+              <a:rPr lang="de-DE" dirty="0" err="1"/>
+              <a:t>Vector</a:t>
+            </a:r>
+            <a:endParaRPr lang="de-DE" dirty="0"/>
+          </a:p>
+          <a:p>
+            <a:pPr lvl="1"/>
+            <a:r>
+              <a:rPr lang="de-DE" dirty="0" err="1" smtClean="0"/>
+              <a:t>HashMap</a:t>
+            </a:r>
+            <a:endParaRPr lang="de-DE" dirty="0" smtClean="0"/>
+          </a:p>
+          <a:p>
+            <a:r>
+              <a:rPr lang="de-DE" dirty="0" smtClean="0"/>
+              <a:t>Ausgabe: Tabellenform</a:t>
+            </a:r>
+          </a:p>
+        </p:txBody>
+      </p:sp>
+      <p:sp>
+        <p:nvSpPr>
+          <p:cNvPr id="4" name="Datumsplatzhalter 3"/>
           <p:cNvSpPr>
             <a:spLocks noGrp="1"/>
           </p:cNvSpPr>
@@ -23064,7 +24929,7 @@
       </p:sp>
       <p:sp>
         <p:nvSpPr>
-          <p:cNvPr id="4" name="Fußzeilenplatzhalter 3"/>
+          <p:cNvPr id="5" name="Fußzeilenplatzhalter 4"/>
           <p:cNvSpPr>
             <a:spLocks noGrp="1"/>
           </p:cNvSpPr>
@@ -23087,7 +24952,7 @@
       </p:sp>
       <p:sp>
         <p:nvSpPr>
-          <p:cNvPr id="5" name="Foliennummernplatzhalter 4"/>
+          <p:cNvPr id="6" name="Foliennummernplatzhalter 5"/>
           <p:cNvSpPr>
             <a:spLocks noGrp="1"/>
           </p:cNvSpPr>
@@ -23108,10 +24973,53 @@
           </a:p>
         </p:txBody>
       </p:sp>
+      <p:pic>
+        <p:nvPicPr>
+          <p:cNvPr id="7" name="Grafik 6"/>
+          <p:cNvPicPr>
+            <a:picLocks noChangeAspect="1"/>
+          </p:cNvPicPr>
+          <p:nvPr/>
+        </p:nvPicPr>
+        <p:blipFill>
+          <a:blip r:embed="rId3">
+            <a:extLst>
+              <a:ext uri="{28A0092B-C50C-407E-A947-70E740481C1C}">
+                <a14:useLocalDpi xmlns:a14="http://schemas.microsoft.com/office/drawing/2010/main" val="0"/>
+              </a:ext>
+            </a:extLst>
+          </a:blip>
+          <a:stretch>
+            <a:fillRect/>
+          </a:stretch>
+        </p:blipFill>
+        <p:spPr>
+          <a:xfrm>
+            <a:off x="4939326" y="2424112"/>
+            <a:ext cx="3281535" cy="2711384"/>
+          </a:xfrm>
+          <a:prstGeom prst="roundRect">
+            <a:avLst>
+              <a:gd name="adj" fmla="val 8594"/>
+            </a:avLst>
+          </a:prstGeom>
+          <a:solidFill>
+            <a:srgbClr val="FFFFFF">
+              <a:shade val="85000"/>
+            </a:srgbClr>
+          </a:solidFill>
+          <a:ln>
+            <a:noFill/>
+          </a:ln>
+          <a:effectLst>
+            <a:reflection blurRad="12700" stA="38000" endPos="28000" dist="5000" dir="5400000" sy="-100000" algn="bl" rotWithShape="0"/>
+          </a:effectLst>
+        </p:spPr>
+      </p:pic>
     </p:spTree>
     <p:extLst>
       <p:ext uri="{BB962C8B-B14F-4D97-AF65-F5344CB8AC3E}">
-        <p14:creationId xmlns:p14="http://schemas.microsoft.com/office/powerpoint/2010/main" val="2161015239"/>
+        <p14:creationId xmlns:p14="http://schemas.microsoft.com/office/powerpoint/2010/main" val="690815393"/>
       </p:ext>
     </p:extLst>
   </p:cSld>
@@ -23121,7 +25029,7 @@
   <p:timing>
     <p:tnLst>
       <p:par>
-        <p:cTn xmlns:p14="http://schemas.microsoft.com/office/powerpoint/2010/main" id="1" dur="indefinite" restart="never" nodeType="tmRoot"/>
+        <p:cTn id="1" dur="indefinite" restart="never" nodeType="tmRoot"/>
       </p:par>
     </p:tnLst>
   </p:timing>
@@ -23186,7 +25094,7 @@
             <p:ph idx="1"/>
             <p:extLst>
               <p:ext uri="{D42A27DB-BD31-4B8C-83A1-F6EECF244321}">
-                <p14:modId xmlns:p14="http://schemas.microsoft.com/office/powerpoint/2010/main" val="2794000365"/>
+                <p14:modId xmlns:p14="http://schemas.microsoft.com/office/powerpoint/2010/main" val="1119149873"/>
               </p:ext>
             </p:extLst>
           </p:nvPr>
@@ -23283,7 +25191,2614 @@
   <p:timing>
     <p:tnLst>
       <p:par>
-        <p:cTn xmlns:p14="http://schemas.microsoft.com/office/powerpoint/2010/main" id="1" dur="indefinite" restart="never" nodeType="tmRoot"/>
+        <p:cTn id="1" dur="indefinite" restart="never" nodeType="tmRoot"/>
+      </p:par>
+    </p:tnLst>
+  </p:timing>
+</p:sld>
+</file>
+
+<file path=ppt/slides/slide20.xml><?xml version="1.0" encoding="utf-8"?>
+<p:sld xmlns:a="http://schemas.openxmlformats.org/drawingml/2006/main" xmlns:r="http://schemas.openxmlformats.org/officeDocument/2006/relationships" xmlns:p="http://schemas.openxmlformats.org/presentationml/2006/main">
+  <p:cSld>
+    <p:spTree>
+      <p:nvGrpSpPr>
+        <p:cNvPr id="1" name=""/>
+        <p:cNvGrpSpPr/>
+        <p:nvPr/>
+      </p:nvGrpSpPr>
+      <p:grpSpPr>
+        <a:xfrm>
+          <a:off x="0" y="0"/>
+          <a:ext cx="0" cy="0"/>
+          <a:chOff x="0" y="0"/>
+          <a:chExt cx="0" cy="0"/>
+        </a:xfrm>
+      </p:grpSpPr>
+      <p:sp>
+        <p:nvSpPr>
+          <p:cNvPr id="2" name="Titel 1"/>
+          <p:cNvSpPr>
+            <a:spLocks noGrp="1"/>
+          </p:cNvSpPr>
+          <p:nvPr>
+            <p:ph type="title"/>
+          </p:nvPr>
+        </p:nvSpPr>
+        <p:spPr/>
+        <p:txBody>
+          <a:bodyPr/>
+          <a:lstStyle/>
+          <a:p>
+            <a:r>
+              <a:rPr lang="de-DE" dirty="0" err="1" smtClean="0"/>
+              <a:t>jUnit</a:t>
+            </a:r>
+            <a:endParaRPr lang="en-US" dirty="0"/>
+          </a:p>
+        </p:txBody>
+      </p:sp>
+      <p:sp>
+        <p:nvSpPr>
+          <p:cNvPr id="4" name="Datumsplatzhalter 3"/>
+          <p:cNvSpPr>
+            <a:spLocks noGrp="1"/>
+          </p:cNvSpPr>
+          <p:nvPr>
+            <p:ph type="dt" sz="half" idx="10"/>
+          </p:nvPr>
+        </p:nvSpPr>
+        <p:spPr/>
+        <p:txBody>
+          <a:bodyPr/>
+          <a:lstStyle/>
+          <a:p>
+            <a:r>
+              <a:rPr lang="de-DE" smtClean="0"/>
+              <a:t>04.11.11</a:t>
+            </a:r>
+            <a:endParaRPr lang="en-US"/>
+          </a:p>
+        </p:txBody>
+      </p:sp>
+      <p:sp>
+        <p:nvSpPr>
+          <p:cNvPr id="5" name="Fußzeilenplatzhalter 4"/>
+          <p:cNvSpPr>
+            <a:spLocks noGrp="1"/>
+          </p:cNvSpPr>
+          <p:nvPr>
+            <p:ph type="ftr" sz="quarter" idx="11"/>
+          </p:nvPr>
+        </p:nvSpPr>
+        <p:spPr/>
+        <p:txBody>
+          <a:bodyPr/>
+          <a:lstStyle/>
+          <a:p>
+            <a:r>
+              <a:rPr lang="de-DE" smtClean="0"/>
+              <a:t>Star Greg</a:t>
+            </a:r>
+            <a:endParaRPr lang="en-US"/>
+          </a:p>
+        </p:txBody>
+      </p:sp>
+      <p:sp>
+        <p:nvSpPr>
+          <p:cNvPr id="6" name="Foliennummernplatzhalter 5"/>
+          <p:cNvSpPr>
+            <a:spLocks noGrp="1"/>
+          </p:cNvSpPr>
+          <p:nvPr>
+            <p:ph type="sldNum" sz="quarter" idx="12"/>
+          </p:nvPr>
+        </p:nvSpPr>
+        <p:spPr/>
+        <p:txBody>
+          <a:bodyPr/>
+          <a:lstStyle/>
+          <a:p>
+            <a:fld id="{4A822907-8A9D-4F6B-98F6-913902AD56B5}" type="slidenum">
+              <a:rPr lang="en-US" smtClean="0"/>
+              <a:t>20</a:t>
+            </a:fld>
+            <a:endParaRPr lang="en-US"/>
+          </a:p>
+        </p:txBody>
+      </p:sp>
+      <p:pic>
+        <p:nvPicPr>
+          <p:cNvPr id="7" name="Grafik 6"/>
+          <p:cNvPicPr>
+            <a:picLocks noChangeAspect="1"/>
+          </p:cNvPicPr>
+          <p:nvPr/>
+        </p:nvPicPr>
+        <p:blipFill rotWithShape="1">
+          <a:blip r:embed="rId3" cstate="email">
+            <a:extLst>
+              <a:ext uri="{28A0092B-C50C-407E-A947-70E740481C1C}">
+                <a14:useLocalDpi xmlns:a14="http://schemas.microsoft.com/office/drawing/2010/main" val="0"/>
+              </a:ext>
+            </a:extLst>
+          </a:blip>
+          <a:srcRect l="4597" t="5544" r="4382" b="4946"/>
+          <a:stretch/>
+        </p:blipFill>
+        <p:spPr>
+          <a:xfrm>
+            <a:off x="661263" y="2251575"/>
+            <a:ext cx="2160000" cy="2160000"/>
+          </a:xfrm>
+          <a:prstGeom prst="rect">
+            <a:avLst/>
+          </a:prstGeom>
+          <a:effectLst>
+            <a:outerShdw blurRad="152400" dist="317500" dir="5400000" sx="90000" sy="-19000" rotWithShape="0">
+              <a:prstClr val="black">
+                <a:alpha val="15000"/>
+              </a:prstClr>
+            </a:outerShdw>
+          </a:effectLst>
+        </p:spPr>
+      </p:pic>
+      <p:pic>
+        <p:nvPicPr>
+          <p:cNvPr id="8" name="Grafik 7"/>
+          <p:cNvPicPr>
+            <a:picLocks noChangeAspect="1"/>
+          </p:cNvPicPr>
+          <p:nvPr/>
+        </p:nvPicPr>
+        <p:blipFill>
+          <a:blip r:embed="rId4">
+            <a:duotone>
+              <a:schemeClr val="accent6">
+                <a:shade val="45000"/>
+                <a:satMod val="135000"/>
+              </a:schemeClr>
+              <a:prstClr val="white"/>
+            </a:duotone>
+            <a:extLst>
+              <a:ext uri="{28A0092B-C50C-407E-A947-70E740481C1C}">
+                <a14:useLocalDpi xmlns:a14="http://schemas.microsoft.com/office/drawing/2010/main" val="0"/>
+              </a:ext>
+            </a:extLst>
+          </a:blip>
+          <a:stretch>
+            <a:fillRect/>
+          </a:stretch>
+        </p:blipFill>
+        <p:spPr>
+          <a:xfrm>
+            <a:off x="6322736" y="2219325"/>
+            <a:ext cx="2160000" cy="2160000"/>
+          </a:xfrm>
+          <a:prstGeom prst="rect">
+            <a:avLst/>
+          </a:prstGeom>
+          <a:effectLst>
+            <a:outerShdw blurRad="152400" dist="317500" dir="5400000" sx="90000" sy="-19000" rotWithShape="0">
+              <a:prstClr val="black">
+                <a:alpha val="15000"/>
+              </a:prstClr>
+            </a:outerShdw>
+          </a:effectLst>
+        </p:spPr>
+      </p:pic>
+      <p:pic>
+        <p:nvPicPr>
+          <p:cNvPr id="9" name="Grafik 8"/>
+          <p:cNvPicPr>
+            <a:picLocks noChangeAspect="1"/>
+          </p:cNvPicPr>
+          <p:nvPr/>
+        </p:nvPicPr>
+        <p:blipFill rotWithShape="1">
+          <a:blip r:embed="rId5" cstate="email">
+            <a:duotone>
+              <a:schemeClr val="accent2">
+                <a:shade val="45000"/>
+                <a:satMod val="135000"/>
+              </a:schemeClr>
+              <a:prstClr val="white"/>
+            </a:duotone>
+            <a:extLst>
+              <a:ext uri="{28A0092B-C50C-407E-A947-70E740481C1C}">
+                <a14:useLocalDpi xmlns:a14="http://schemas.microsoft.com/office/drawing/2010/main" val="0"/>
+              </a:ext>
+            </a:extLst>
+          </a:blip>
+          <a:srcRect l="4117" t="2811" r="3513" b="5622"/>
+          <a:stretch/>
+        </p:blipFill>
+        <p:spPr>
+          <a:xfrm>
+            <a:off x="3482526" y="2219325"/>
+            <a:ext cx="2178947" cy="2160000"/>
+          </a:xfrm>
+          <a:prstGeom prst="rect">
+            <a:avLst/>
+          </a:prstGeom>
+          <a:effectLst>
+            <a:outerShdw blurRad="152400" dist="317500" dir="5400000" sx="90000" sy="-19000" rotWithShape="0">
+              <a:prstClr val="black">
+                <a:alpha val="15000"/>
+              </a:prstClr>
+            </a:outerShdw>
+          </a:effectLst>
+        </p:spPr>
+      </p:pic>
+      <p:sp>
+        <p:nvSpPr>
+          <p:cNvPr id="11" name="Rechteck 10"/>
+          <p:cNvSpPr/>
+          <p:nvPr/>
+        </p:nvSpPr>
+        <p:spPr>
+          <a:xfrm>
+            <a:off x="3547183" y="5385299"/>
+            <a:ext cx="2049635" cy="733425"/>
+          </a:xfrm>
+          <a:prstGeom prst="rect">
+            <a:avLst/>
+          </a:prstGeom>
+          <a:solidFill>
+            <a:schemeClr val="tx2"/>
+          </a:solidFill>
+          <a:ln>
+            <a:noFill/>
+          </a:ln>
+          <a:effectLst>
+            <a:reflection blurRad="6350" stA="50000" endA="300" endPos="55500" dist="50800" dir="5400000" sy="-100000" algn="bl" rotWithShape="0"/>
+          </a:effectLst>
+        </p:spPr>
+        <p:style>
+          <a:lnRef idx="1">
+            <a:schemeClr val="accent1"/>
+          </a:lnRef>
+          <a:fillRef idx="3">
+            <a:schemeClr val="accent1"/>
+          </a:fillRef>
+          <a:effectRef idx="2">
+            <a:schemeClr val="accent1"/>
+          </a:effectRef>
+          <a:fontRef idx="minor">
+            <a:schemeClr val="lt1"/>
+          </a:fontRef>
+        </p:style>
+        <p:txBody>
+          <a:bodyPr rtlCol="0" anchor="ctr"/>
+          <a:lstStyle/>
+          <a:p>
+            <a:pPr algn="ctr"/>
+            <a:r>
+              <a:rPr lang="de-DE" sz="2700" dirty="0" smtClean="0">
+                <a:solidFill>
+                  <a:schemeClr val="accent3"/>
+                </a:solidFill>
+              </a:rPr>
+              <a:t>Imperium</a:t>
+            </a:r>
+          </a:p>
+        </p:txBody>
+      </p:sp>
+      <p:sp>
+        <p:nvSpPr>
+          <p:cNvPr id="12" name="Rechteck 11"/>
+          <p:cNvSpPr/>
+          <p:nvPr/>
+        </p:nvSpPr>
+        <p:spPr>
+          <a:xfrm>
+            <a:off x="716445" y="5385299"/>
+            <a:ext cx="2049635" cy="733425"/>
+          </a:xfrm>
+          <a:prstGeom prst="rect">
+            <a:avLst/>
+          </a:prstGeom>
+          <a:solidFill>
+            <a:schemeClr val="tx2"/>
+          </a:solidFill>
+          <a:ln>
+            <a:noFill/>
+          </a:ln>
+          <a:effectLst>
+            <a:reflection blurRad="6350" stA="50000" endA="300" endPos="55500" dist="50800" dir="5400000" sy="-100000" algn="bl" rotWithShape="0"/>
+          </a:effectLst>
+        </p:spPr>
+        <p:style>
+          <a:lnRef idx="1">
+            <a:schemeClr val="accent1"/>
+          </a:lnRef>
+          <a:fillRef idx="3">
+            <a:schemeClr val="accent1"/>
+          </a:fillRef>
+          <a:effectRef idx="2">
+            <a:schemeClr val="accent1"/>
+          </a:effectRef>
+          <a:fontRef idx="minor">
+            <a:schemeClr val="lt1"/>
+          </a:fontRef>
+        </p:style>
+        <p:txBody>
+          <a:bodyPr rtlCol="0" anchor="ctr"/>
+          <a:lstStyle/>
+          <a:p>
+            <a:pPr algn="ctr"/>
+            <a:r>
+              <a:rPr lang="de-DE" sz="2700" dirty="0" smtClean="0">
+                <a:solidFill>
+                  <a:schemeClr val="accent3"/>
+                </a:solidFill>
+              </a:rPr>
+              <a:t>Föderation</a:t>
+            </a:r>
+          </a:p>
+        </p:txBody>
+      </p:sp>
+      <p:sp>
+        <p:nvSpPr>
+          <p:cNvPr id="13" name="Rechteck 12"/>
+          <p:cNvSpPr/>
+          <p:nvPr/>
+        </p:nvSpPr>
+        <p:spPr>
+          <a:xfrm>
+            <a:off x="6377918" y="5385299"/>
+            <a:ext cx="2049635" cy="733425"/>
+          </a:xfrm>
+          <a:prstGeom prst="rect">
+            <a:avLst/>
+          </a:prstGeom>
+          <a:solidFill>
+            <a:schemeClr val="tx2"/>
+          </a:solidFill>
+          <a:ln>
+            <a:noFill/>
+          </a:ln>
+          <a:effectLst>
+            <a:reflection blurRad="6350" stA="50000" endA="300" endPos="55500" dist="50800" dir="5400000" sy="-100000" algn="bl" rotWithShape="0"/>
+          </a:effectLst>
+        </p:spPr>
+        <p:style>
+          <a:lnRef idx="1">
+            <a:schemeClr val="accent1"/>
+          </a:lnRef>
+          <a:fillRef idx="3">
+            <a:schemeClr val="accent1"/>
+          </a:fillRef>
+          <a:effectRef idx="2">
+            <a:schemeClr val="accent1"/>
+          </a:effectRef>
+          <a:fontRef idx="minor">
+            <a:schemeClr val="lt1"/>
+          </a:fontRef>
+        </p:style>
+        <p:txBody>
+          <a:bodyPr rtlCol="0" anchor="ctr"/>
+          <a:lstStyle/>
+          <a:p>
+            <a:pPr algn="ctr"/>
+            <a:r>
+              <a:rPr lang="de-DE" sz="2700" dirty="0" smtClean="0">
+                <a:solidFill>
+                  <a:schemeClr val="accent3"/>
+                </a:solidFill>
+              </a:rPr>
+              <a:t>Rebellen</a:t>
+            </a:r>
+          </a:p>
+        </p:txBody>
+      </p:sp>
+    </p:spTree>
+    <p:extLst>
+      <p:ext uri="{BB962C8B-B14F-4D97-AF65-F5344CB8AC3E}">
+        <p14:creationId xmlns:p14="http://schemas.microsoft.com/office/powerpoint/2010/main" val="3820788471"/>
+      </p:ext>
+    </p:extLst>
+  </p:cSld>
+  <p:clrMapOvr>
+    <a:masterClrMapping/>
+  </p:clrMapOvr>
+  <mc:AlternateContent xmlns:mc="http://schemas.openxmlformats.org/markup-compatibility/2006">
+    <mc:Choice xmlns:p14="http://schemas.microsoft.com/office/powerpoint/2010/main" Requires="p14">
+      <p:transition p14:dur="0"/>
+    </mc:Choice>
+    <mc:Fallback>
+      <p:transition/>
+    </mc:Fallback>
+  </mc:AlternateContent>
+  <p:timing>
+    <p:tnLst>
+      <p:par>
+        <p:cTn id="1" dur="indefinite" restart="never" nodeType="tmRoot"/>
+      </p:par>
+    </p:tnLst>
+  </p:timing>
+</p:sld>
+</file>
+
+<file path=ppt/slides/slide21.xml><?xml version="1.0" encoding="utf-8"?>
+<p:sld xmlns:a="http://schemas.openxmlformats.org/drawingml/2006/main" xmlns:r="http://schemas.openxmlformats.org/officeDocument/2006/relationships" xmlns:p="http://schemas.openxmlformats.org/presentationml/2006/main">
+  <p:cSld>
+    <p:spTree>
+      <p:nvGrpSpPr>
+        <p:cNvPr id="1" name=""/>
+        <p:cNvGrpSpPr/>
+        <p:nvPr/>
+      </p:nvGrpSpPr>
+      <p:grpSpPr>
+        <a:xfrm>
+          <a:off x="0" y="0"/>
+          <a:ext cx="0" cy="0"/>
+          <a:chOff x="0" y="0"/>
+          <a:chExt cx="0" cy="0"/>
+        </a:xfrm>
+      </p:grpSpPr>
+      <p:sp>
+        <p:nvSpPr>
+          <p:cNvPr id="2" name="Titel 1"/>
+          <p:cNvSpPr>
+            <a:spLocks noGrp="1"/>
+          </p:cNvSpPr>
+          <p:nvPr>
+            <p:ph type="title"/>
+          </p:nvPr>
+        </p:nvSpPr>
+        <p:spPr/>
+        <p:txBody>
+          <a:bodyPr/>
+          <a:lstStyle/>
+          <a:p>
+            <a:r>
+              <a:rPr lang="de-DE" dirty="0" err="1" smtClean="0"/>
+              <a:t>jUnit</a:t>
+            </a:r>
+            <a:endParaRPr lang="en-US" dirty="0"/>
+          </a:p>
+        </p:txBody>
+      </p:sp>
+      <p:sp>
+        <p:nvSpPr>
+          <p:cNvPr id="4" name="Datumsplatzhalter 3"/>
+          <p:cNvSpPr>
+            <a:spLocks noGrp="1"/>
+          </p:cNvSpPr>
+          <p:nvPr>
+            <p:ph type="dt" sz="half" idx="10"/>
+          </p:nvPr>
+        </p:nvSpPr>
+        <p:spPr/>
+        <p:txBody>
+          <a:bodyPr/>
+          <a:lstStyle/>
+          <a:p>
+            <a:r>
+              <a:rPr lang="de-DE" smtClean="0"/>
+              <a:t>04.11.11</a:t>
+            </a:r>
+            <a:endParaRPr lang="en-US"/>
+          </a:p>
+        </p:txBody>
+      </p:sp>
+      <p:sp>
+        <p:nvSpPr>
+          <p:cNvPr id="5" name="Fußzeilenplatzhalter 4"/>
+          <p:cNvSpPr>
+            <a:spLocks noGrp="1"/>
+          </p:cNvSpPr>
+          <p:nvPr>
+            <p:ph type="ftr" sz="quarter" idx="11"/>
+          </p:nvPr>
+        </p:nvSpPr>
+        <p:spPr/>
+        <p:txBody>
+          <a:bodyPr/>
+          <a:lstStyle/>
+          <a:p>
+            <a:r>
+              <a:rPr lang="de-DE" smtClean="0"/>
+              <a:t>Star Greg</a:t>
+            </a:r>
+            <a:endParaRPr lang="en-US"/>
+          </a:p>
+        </p:txBody>
+      </p:sp>
+      <p:sp>
+        <p:nvSpPr>
+          <p:cNvPr id="6" name="Foliennummernplatzhalter 5"/>
+          <p:cNvSpPr>
+            <a:spLocks noGrp="1"/>
+          </p:cNvSpPr>
+          <p:nvPr>
+            <p:ph type="sldNum" sz="quarter" idx="12"/>
+          </p:nvPr>
+        </p:nvSpPr>
+        <p:spPr/>
+        <p:txBody>
+          <a:bodyPr/>
+          <a:lstStyle/>
+          <a:p>
+            <a:fld id="{4A822907-8A9D-4F6B-98F6-913902AD56B5}" type="slidenum">
+              <a:rPr lang="en-US" smtClean="0"/>
+              <a:t>21</a:t>
+            </a:fld>
+            <a:endParaRPr lang="en-US"/>
+          </a:p>
+        </p:txBody>
+      </p:sp>
+      <p:pic>
+        <p:nvPicPr>
+          <p:cNvPr id="7" name="Grafik 6"/>
+          <p:cNvPicPr>
+            <a:picLocks noChangeAspect="1"/>
+          </p:cNvPicPr>
+          <p:nvPr/>
+        </p:nvPicPr>
+        <p:blipFill rotWithShape="1">
+          <a:blip r:embed="rId2" cstate="email">
+            <a:extLst>
+              <a:ext uri="{28A0092B-C50C-407E-A947-70E740481C1C}">
+                <a14:useLocalDpi xmlns:a14="http://schemas.microsoft.com/office/drawing/2010/main" val="0"/>
+              </a:ext>
+            </a:extLst>
+          </a:blip>
+          <a:srcRect l="4597" t="5544" r="4382" b="4946"/>
+          <a:stretch/>
+        </p:blipFill>
+        <p:spPr>
+          <a:xfrm>
+            <a:off x="661263" y="2251575"/>
+            <a:ext cx="2160000" cy="2160000"/>
+          </a:xfrm>
+          <a:prstGeom prst="rect">
+            <a:avLst/>
+          </a:prstGeom>
+          <a:effectLst>
+            <a:outerShdw blurRad="152400" dist="317500" dir="5400000" sx="90000" sy="-19000" rotWithShape="0">
+              <a:prstClr val="black">
+                <a:alpha val="15000"/>
+              </a:prstClr>
+            </a:outerShdw>
+          </a:effectLst>
+        </p:spPr>
+      </p:pic>
+      <p:pic>
+        <p:nvPicPr>
+          <p:cNvPr id="8" name="Grafik 7"/>
+          <p:cNvPicPr>
+            <a:picLocks noChangeAspect="1"/>
+          </p:cNvPicPr>
+          <p:nvPr/>
+        </p:nvPicPr>
+        <p:blipFill>
+          <a:blip r:embed="rId3">
+            <a:duotone>
+              <a:schemeClr val="accent6">
+                <a:shade val="45000"/>
+                <a:satMod val="135000"/>
+              </a:schemeClr>
+              <a:prstClr val="white"/>
+            </a:duotone>
+            <a:extLst>
+              <a:ext uri="{28A0092B-C50C-407E-A947-70E740481C1C}">
+                <a14:useLocalDpi xmlns:a14="http://schemas.microsoft.com/office/drawing/2010/main" val="0"/>
+              </a:ext>
+            </a:extLst>
+          </a:blip>
+          <a:stretch>
+            <a:fillRect/>
+          </a:stretch>
+        </p:blipFill>
+        <p:spPr>
+          <a:xfrm>
+            <a:off x="6322736" y="2219325"/>
+            <a:ext cx="2160000" cy="2160000"/>
+          </a:xfrm>
+          <a:prstGeom prst="rect">
+            <a:avLst/>
+          </a:prstGeom>
+          <a:effectLst>
+            <a:outerShdw blurRad="152400" dist="317500" dir="5400000" sx="90000" sy="-19000" rotWithShape="0">
+              <a:prstClr val="black">
+                <a:alpha val="15000"/>
+              </a:prstClr>
+            </a:outerShdw>
+          </a:effectLst>
+        </p:spPr>
+      </p:pic>
+      <p:pic>
+        <p:nvPicPr>
+          <p:cNvPr id="9" name="Grafik 8"/>
+          <p:cNvPicPr>
+            <a:picLocks noChangeAspect="1"/>
+          </p:cNvPicPr>
+          <p:nvPr/>
+        </p:nvPicPr>
+        <p:blipFill rotWithShape="1">
+          <a:blip r:embed="rId4" cstate="email">
+            <a:duotone>
+              <a:schemeClr val="accent2">
+                <a:shade val="45000"/>
+                <a:satMod val="135000"/>
+              </a:schemeClr>
+              <a:prstClr val="white"/>
+            </a:duotone>
+            <a:extLst>
+              <a:ext uri="{28A0092B-C50C-407E-A947-70E740481C1C}">
+                <a14:useLocalDpi xmlns:a14="http://schemas.microsoft.com/office/drawing/2010/main" val="0"/>
+              </a:ext>
+            </a:extLst>
+          </a:blip>
+          <a:srcRect l="4117" t="2811" r="3513" b="5622"/>
+          <a:stretch/>
+        </p:blipFill>
+        <p:spPr>
+          <a:xfrm>
+            <a:off x="3482526" y="2219325"/>
+            <a:ext cx="2178947" cy="2160000"/>
+          </a:xfrm>
+          <a:prstGeom prst="rect">
+            <a:avLst/>
+          </a:prstGeom>
+          <a:effectLst>
+            <a:outerShdw blurRad="152400" dist="317500" dir="5400000" sx="90000" sy="-19000" rotWithShape="0">
+              <a:prstClr val="black">
+                <a:alpha val="15000"/>
+              </a:prstClr>
+            </a:outerShdw>
+          </a:effectLst>
+        </p:spPr>
+      </p:pic>
+      <p:sp>
+        <p:nvSpPr>
+          <p:cNvPr id="11" name="Rechteck 10"/>
+          <p:cNvSpPr/>
+          <p:nvPr/>
+        </p:nvSpPr>
+        <p:spPr>
+          <a:xfrm>
+            <a:off x="3547183" y="5385299"/>
+            <a:ext cx="2049635" cy="733425"/>
+          </a:xfrm>
+          <a:prstGeom prst="rect">
+            <a:avLst/>
+          </a:prstGeom>
+          <a:solidFill>
+            <a:schemeClr val="tx2"/>
+          </a:solidFill>
+          <a:ln>
+            <a:noFill/>
+          </a:ln>
+          <a:effectLst>
+            <a:reflection blurRad="6350" stA="50000" endA="300" endPos="55500" dist="50800" dir="5400000" sy="-100000" algn="bl" rotWithShape="0"/>
+          </a:effectLst>
+        </p:spPr>
+        <p:style>
+          <a:lnRef idx="1">
+            <a:schemeClr val="accent1"/>
+          </a:lnRef>
+          <a:fillRef idx="3">
+            <a:schemeClr val="accent1"/>
+          </a:fillRef>
+          <a:effectRef idx="2">
+            <a:schemeClr val="accent1"/>
+          </a:effectRef>
+          <a:fontRef idx="minor">
+            <a:schemeClr val="lt1"/>
+          </a:fontRef>
+        </p:style>
+        <p:txBody>
+          <a:bodyPr rtlCol="0" anchor="ctr"/>
+          <a:lstStyle/>
+          <a:p>
+            <a:pPr algn="ctr"/>
+            <a:r>
+              <a:rPr lang="de-DE" sz="2700" dirty="0" smtClean="0">
+                <a:solidFill>
+                  <a:schemeClr val="accent3"/>
+                </a:solidFill>
+              </a:rPr>
+              <a:t>Imperium</a:t>
+            </a:r>
+          </a:p>
+        </p:txBody>
+      </p:sp>
+      <p:sp>
+        <p:nvSpPr>
+          <p:cNvPr id="12" name="Rechteck 11"/>
+          <p:cNvSpPr/>
+          <p:nvPr/>
+        </p:nvSpPr>
+        <p:spPr>
+          <a:xfrm>
+            <a:off x="716445" y="5385299"/>
+            <a:ext cx="2049635" cy="733425"/>
+          </a:xfrm>
+          <a:prstGeom prst="rect">
+            <a:avLst/>
+          </a:prstGeom>
+          <a:solidFill>
+            <a:schemeClr val="tx2"/>
+          </a:solidFill>
+          <a:ln>
+            <a:noFill/>
+          </a:ln>
+          <a:effectLst>
+            <a:reflection blurRad="6350" stA="50000" endA="300" endPos="55500" dist="50800" dir="5400000" sy="-100000" algn="bl" rotWithShape="0"/>
+          </a:effectLst>
+        </p:spPr>
+        <p:style>
+          <a:lnRef idx="1">
+            <a:schemeClr val="accent1"/>
+          </a:lnRef>
+          <a:fillRef idx="3">
+            <a:schemeClr val="accent1"/>
+          </a:fillRef>
+          <a:effectRef idx="2">
+            <a:schemeClr val="accent1"/>
+          </a:effectRef>
+          <a:fontRef idx="minor">
+            <a:schemeClr val="lt1"/>
+          </a:fontRef>
+        </p:style>
+        <p:txBody>
+          <a:bodyPr rtlCol="0" anchor="ctr"/>
+          <a:lstStyle/>
+          <a:p>
+            <a:pPr algn="ctr"/>
+            <a:r>
+              <a:rPr lang="de-DE" sz="2700" dirty="0" smtClean="0">
+                <a:solidFill>
+                  <a:schemeClr val="accent3"/>
+                </a:solidFill>
+              </a:rPr>
+              <a:t>Föderation</a:t>
+            </a:r>
+          </a:p>
+        </p:txBody>
+      </p:sp>
+      <p:sp>
+        <p:nvSpPr>
+          <p:cNvPr id="13" name="Rechteck 12"/>
+          <p:cNvSpPr/>
+          <p:nvPr/>
+        </p:nvSpPr>
+        <p:spPr>
+          <a:xfrm>
+            <a:off x="6377918" y="5385299"/>
+            <a:ext cx="2049635" cy="733425"/>
+          </a:xfrm>
+          <a:prstGeom prst="rect">
+            <a:avLst/>
+          </a:prstGeom>
+          <a:solidFill>
+            <a:schemeClr val="tx2"/>
+          </a:solidFill>
+          <a:ln>
+            <a:noFill/>
+          </a:ln>
+          <a:effectLst>
+            <a:reflection blurRad="6350" stA="50000" endA="300" endPos="55500" dist="50800" dir="5400000" sy="-100000" algn="bl" rotWithShape="0"/>
+          </a:effectLst>
+        </p:spPr>
+        <p:style>
+          <a:lnRef idx="1">
+            <a:schemeClr val="accent1"/>
+          </a:lnRef>
+          <a:fillRef idx="3">
+            <a:schemeClr val="accent1"/>
+          </a:fillRef>
+          <a:effectRef idx="2">
+            <a:schemeClr val="accent1"/>
+          </a:effectRef>
+          <a:fontRef idx="minor">
+            <a:schemeClr val="lt1"/>
+          </a:fontRef>
+        </p:style>
+        <p:txBody>
+          <a:bodyPr rtlCol="0" anchor="ctr"/>
+          <a:lstStyle/>
+          <a:p>
+            <a:pPr algn="ctr"/>
+            <a:r>
+              <a:rPr lang="de-DE" sz="2700" dirty="0" smtClean="0">
+                <a:solidFill>
+                  <a:schemeClr val="accent3"/>
+                </a:solidFill>
+              </a:rPr>
+              <a:t>Rebellen</a:t>
+            </a:r>
+          </a:p>
+        </p:txBody>
+      </p:sp>
+      <p:sp>
+        <p:nvSpPr>
+          <p:cNvPr id="15" name="Rechteck 14"/>
+          <p:cNvSpPr/>
+          <p:nvPr/>
+        </p:nvSpPr>
+        <p:spPr>
+          <a:xfrm>
+            <a:off x="651789" y="3331575"/>
+            <a:ext cx="2178947" cy="1968000"/>
+          </a:xfrm>
+          <a:prstGeom prst="rect">
+            <a:avLst/>
+          </a:prstGeom>
+          <a:solidFill>
+            <a:schemeClr val="bg1">
+              <a:alpha val="70000"/>
+            </a:schemeClr>
+          </a:solidFill>
+          <a:ln>
+            <a:noFill/>
+          </a:ln>
+          <a:scene3d>
+            <a:camera prst="obliqueTopRight"/>
+            <a:lightRig rig="threePt" dir="tl"/>
+          </a:scene3d>
+          <a:sp3d/>
+        </p:spPr>
+        <p:style>
+          <a:lnRef idx="1">
+            <a:schemeClr val="accent1"/>
+          </a:lnRef>
+          <a:fillRef idx="3">
+            <a:schemeClr val="accent1"/>
+          </a:fillRef>
+          <a:effectRef idx="2">
+            <a:schemeClr val="accent1"/>
+          </a:effectRef>
+          <a:fontRef idx="minor">
+            <a:schemeClr val="lt1"/>
+          </a:fontRef>
+        </p:style>
+        <p:txBody>
+          <a:bodyPr rtlCol="0" anchor="t" anchorCtr="0"/>
+          <a:lstStyle/>
+          <a:p>
+            <a:pPr marL="144000" indent="-144000">
+              <a:buFont typeface="Arial" pitchFamily="34" charset="0"/>
+              <a:buChar char="•"/>
+            </a:pPr>
+            <a:r>
+              <a:rPr lang="de-DE" b="1" dirty="0" smtClean="0">
+                <a:solidFill>
+                  <a:schemeClr val="tx2"/>
+                </a:solidFill>
+              </a:rPr>
+              <a:t>hält sich an Marktstandards</a:t>
+            </a:r>
+          </a:p>
+          <a:p>
+            <a:pPr marL="144000" indent="-144000">
+              <a:buFont typeface="Arial" pitchFamily="34" charset="0"/>
+              <a:buChar char="•"/>
+            </a:pPr>
+            <a:endParaRPr lang="de-DE" b="1" dirty="0">
+              <a:solidFill>
+                <a:schemeClr val="tx2"/>
+              </a:solidFill>
+            </a:endParaRPr>
+          </a:p>
+          <a:p>
+            <a:pPr marL="144000" indent="-144000">
+              <a:buFont typeface="Arial" pitchFamily="34" charset="0"/>
+              <a:buChar char="•"/>
+            </a:pPr>
+            <a:r>
+              <a:rPr lang="de-DE" b="1" dirty="0" smtClean="0">
+                <a:solidFill>
+                  <a:schemeClr val="tx2"/>
+                </a:solidFill>
+              </a:rPr>
+              <a:t>geht keine Risikos ein</a:t>
+            </a:r>
+            <a:endParaRPr lang="en-US" b="1" dirty="0">
+              <a:solidFill>
+                <a:schemeClr val="tx2"/>
+              </a:solidFill>
+            </a:endParaRPr>
+          </a:p>
+        </p:txBody>
+      </p:sp>
+      <p:sp>
+        <p:nvSpPr>
+          <p:cNvPr id="16" name="Rechteck 15"/>
+          <p:cNvSpPr/>
+          <p:nvPr/>
+        </p:nvSpPr>
+        <p:spPr>
+          <a:xfrm>
+            <a:off x="3482526" y="2219325"/>
+            <a:ext cx="2178947" cy="4349750"/>
+          </a:xfrm>
+          <a:prstGeom prst="rect">
+            <a:avLst/>
+          </a:prstGeom>
+          <a:solidFill>
+            <a:schemeClr val="bg1">
+              <a:alpha val="70000"/>
+            </a:schemeClr>
+          </a:solidFill>
+          <a:ln>
+            <a:noFill/>
+          </a:ln>
+          <a:scene3d>
+            <a:camera prst="obliqueTopRight"/>
+            <a:lightRig rig="threePt" dir="tl"/>
+          </a:scene3d>
+          <a:sp3d/>
+        </p:spPr>
+        <p:style>
+          <a:lnRef idx="1">
+            <a:schemeClr val="accent1"/>
+          </a:lnRef>
+          <a:fillRef idx="3">
+            <a:schemeClr val="accent1"/>
+          </a:fillRef>
+          <a:effectRef idx="2">
+            <a:schemeClr val="accent1"/>
+          </a:effectRef>
+          <a:fontRef idx="minor">
+            <a:schemeClr val="lt1"/>
+          </a:fontRef>
+        </p:style>
+        <p:txBody>
+          <a:bodyPr rtlCol="0" anchor="t" anchorCtr="0"/>
+          <a:lstStyle/>
+          <a:p>
+            <a:pPr marL="144000" indent="-144000">
+              <a:buFont typeface="Arial" pitchFamily="34" charset="0"/>
+              <a:buChar char="•"/>
+            </a:pPr>
+            <a:endParaRPr lang="en-US" b="1" dirty="0">
+              <a:solidFill>
+                <a:schemeClr val="tx2"/>
+              </a:solidFill>
+            </a:endParaRPr>
+          </a:p>
+        </p:txBody>
+      </p:sp>
+      <p:sp>
+        <p:nvSpPr>
+          <p:cNvPr id="17" name="Rechteck 16"/>
+          <p:cNvSpPr/>
+          <p:nvPr/>
+        </p:nvSpPr>
+        <p:spPr>
+          <a:xfrm>
+            <a:off x="6313261" y="2219325"/>
+            <a:ext cx="2178947" cy="4349750"/>
+          </a:xfrm>
+          <a:prstGeom prst="rect">
+            <a:avLst/>
+          </a:prstGeom>
+          <a:solidFill>
+            <a:schemeClr val="bg1">
+              <a:alpha val="70000"/>
+            </a:schemeClr>
+          </a:solidFill>
+          <a:ln>
+            <a:noFill/>
+          </a:ln>
+          <a:scene3d>
+            <a:camera prst="obliqueTopRight"/>
+            <a:lightRig rig="threePt" dir="tl"/>
+          </a:scene3d>
+          <a:sp3d/>
+        </p:spPr>
+        <p:style>
+          <a:lnRef idx="1">
+            <a:schemeClr val="accent1"/>
+          </a:lnRef>
+          <a:fillRef idx="3">
+            <a:schemeClr val="accent1"/>
+          </a:fillRef>
+          <a:effectRef idx="2">
+            <a:schemeClr val="accent1"/>
+          </a:effectRef>
+          <a:fontRef idx="minor">
+            <a:schemeClr val="lt1"/>
+          </a:fontRef>
+        </p:style>
+        <p:txBody>
+          <a:bodyPr rtlCol="0" anchor="t" anchorCtr="0"/>
+          <a:lstStyle/>
+          <a:p>
+            <a:pPr marL="144000" indent="-144000">
+              <a:buFont typeface="Arial" pitchFamily="34" charset="0"/>
+              <a:buChar char="•"/>
+            </a:pPr>
+            <a:endParaRPr lang="en-US" b="1" dirty="0">
+              <a:solidFill>
+                <a:schemeClr val="tx2"/>
+              </a:solidFill>
+            </a:endParaRPr>
+          </a:p>
+        </p:txBody>
+      </p:sp>
+    </p:spTree>
+    <p:extLst>
+      <p:ext uri="{BB962C8B-B14F-4D97-AF65-F5344CB8AC3E}">
+        <p14:creationId xmlns:p14="http://schemas.microsoft.com/office/powerpoint/2010/main" val="2747189083"/>
+      </p:ext>
+    </p:extLst>
+  </p:cSld>
+  <p:clrMapOvr>
+    <a:masterClrMapping/>
+  </p:clrMapOvr>
+  <mc:AlternateContent xmlns:mc="http://schemas.openxmlformats.org/markup-compatibility/2006">
+    <mc:Choice xmlns:p14="http://schemas.microsoft.com/office/powerpoint/2010/main" Requires="p14">
+      <p:transition spd="med" p14:dur="700">
+        <p:fade/>
+      </p:transition>
+    </mc:Choice>
+    <mc:Fallback>
+      <p:transition spd="med">
+        <p:fade/>
+      </p:transition>
+    </mc:Fallback>
+  </mc:AlternateContent>
+  <p:timing>
+    <p:tnLst>
+      <p:par>
+        <p:cTn id="1" dur="indefinite" restart="never" nodeType="tmRoot"/>
+      </p:par>
+    </p:tnLst>
+  </p:timing>
+</p:sld>
+</file>
+
+<file path=ppt/slides/slide22.xml><?xml version="1.0" encoding="utf-8"?>
+<p:sld xmlns:a="http://schemas.openxmlformats.org/drawingml/2006/main" xmlns:r="http://schemas.openxmlformats.org/officeDocument/2006/relationships" xmlns:p="http://schemas.openxmlformats.org/presentationml/2006/main">
+  <p:cSld>
+    <p:spTree>
+      <p:nvGrpSpPr>
+        <p:cNvPr id="1" name=""/>
+        <p:cNvGrpSpPr/>
+        <p:nvPr/>
+      </p:nvGrpSpPr>
+      <p:grpSpPr>
+        <a:xfrm>
+          <a:off x="0" y="0"/>
+          <a:ext cx="0" cy="0"/>
+          <a:chOff x="0" y="0"/>
+          <a:chExt cx="0" cy="0"/>
+        </a:xfrm>
+      </p:grpSpPr>
+      <p:sp>
+        <p:nvSpPr>
+          <p:cNvPr id="2" name="Titel 1"/>
+          <p:cNvSpPr>
+            <a:spLocks noGrp="1"/>
+          </p:cNvSpPr>
+          <p:nvPr>
+            <p:ph type="title"/>
+          </p:nvPr>
+        </p:nvSpPr>
+        <p:spPr/>
+        <p:txBody>
+          <a:bodyPr/>
+          <a:lstStyle/>
+          <a:p>
+            <a:r>
+              <a:rPr lang="de-DE" dirty="0" err="1" smtClean="0"/>
+              <a:t>jUnit</a:t>
+            </a:r>
+            <a:endParaRPr lang="en-US" dirty="0"/>
+          </a:p>
+        </p:txBody>
+      </p:sp>
+      <p:sp>
+        <p:nvSpPr>
+          <p:cNvPr id="4" name="Datumsplatzhalter 3"/>
+          <p:cNvSpPr>
+            <a:spLocks noGrp="1"/>
+          </p:cNvSpPr>
+          <p:nvPr>
+            <p:ph type="dt" sz="half" idx="10"/>
+          </p:nvPr>
+        </p:nvSpPr>
+        <p:spPr/>
+        <p:txBody>
+          <a:bodyPr/>
+          <a:lstStyle/>
+          <a:p>
+            <a:r>
+              <a:rPr lang="de-DE" smtClean="0"/>
+              <a:t>04.11.11</a:t>
+            </a:r>
+            <a:endParaRPr lang="en-US"/>
+          </a:p>
+        </p:txBody>
+      </p:sp>
+      <p:sp>
+        <p:nvSpPr>
+          <p:cNvPr id="5" name="Fußzeilenplatzhalter 4"/>
+          <p:cNvSpPr>
+            <a:spLocks noGrp="1"/>
+          </p:cNvSpPr>
+          <p:nvPr>
+            <p:ph type="ftr" sz="quarter" idx="11"/>
+          </p:nvPr>
+        </p:nvSpPr>
+        <p:spPr/>
+        <p:txBody>
+          <a:bodyPr/>
+          <a:lstStyle/>
+          <a:p>
+            <a:r>
+              <a:rPr lang="de-DE" smtClean="0"/>
+              <a:t>Star Greg</a:t>
+            </a:r>
+            <a:endParaRPr lang="en-US"/>
+          </a:p>
+        </p:txBody>
+      </p:sp>
+      <p:sp>
+        <p:nvSpPr>
+          <p:cNvPr id="6" name="Foliennummernplatzhalter 5"/>
+          <p:cNvSpPr>
+            <a:spLocks noGrp="1"/>
+          </p:cNvSpPr>
+          <p:nvPr>
+            <p:ph type="sldNum" sz="quarter" idx="12"/>
+          </p:nvPr>
+        </p:nvSpPr>
+        <p:spPr/>
+        <p:txBody>
+          <a:bodyPr/>
+          <a:lstStyle/>
+          <a:p>
+            <a:fld id="{4A822907-8A9D-4F6B-98F6-913902AD56B5}" type="slidenum">
+              <a:rPr lang="en-US" smtClean="0"/>
+              <a:t>22</a:t>
+            </a:fld>
+            <a:endParaRPr lang="en-US"/>
+          </a:p>
+        </p:txBody>
+      </p:sp>
+      <p:pic>
+        <p:nvPicPr>
+          <p:cNvPr id="7" name="Grafik 6"/>
+          <p:cNvPicPr>
+            <a:picLocks noChangeAspect="1"/>
+          </p:cNvPicPr>
+          <p:nvPr/>
+        </p:nvPicPr>
+        <p:blipFill rotWithShape="1">
+          <a:blip r:embed="rId2" cstate="email">
+            <a:extLst>
+              <a:ext uri="{28A0092B-C50C-407E-A947-70E740481C1C}">
+                <a14:useLocalDpi xmlns:a14="http://schemas.microsoft.com/office/drawing/2010/main" val="0"/>
+              </a:ext>
+            </a:extLst>
+          </a:blip>
+          <a:srcRect l="4597" t="5544" r="4382" b="4946"/>
+          <a:stretch/>
+        </p:blipFill>
+        <p:spPr>
+          <a:xfrm>
+            <a:off x="661263" y="2251575"/>
+            <a:ext cx="2160000" cy="2160000"/>
+          </a:xfrm>
+          <a:prstGeom prst="rect">
+            <a:avLst/>
+          </a:prstGeom>
+          <a:effectLst>
+            <a:outerShdw blurRad="152400" dist="317500" dir="5400000" sx="90000" sy="-19000" rotWithShape="0">
+              <a:prstClr val="black">
+                <a:alpha val="15000"/>
+              </a:prstClr>
+            </a:outerShdw>
+          </a:effectLst>
+        </p:spPr>
+      </p:pic>
+      <p:pic>
+        <p:nvPicPr>
+          <p:cNvPr id="8" name="Grafik 7"/>
+          <p:cNvPicPr>
+            <a:picLocks noChangeAspect="1"/>
+          </p:cNvPicPr>
+          <p:nvPr/>
+        </p:nvPicPr>
+        <p:blipFill>
+          <a:blip r:embed="rId3">
+            <a:duotone>
+              <a:schemeClr val="accent6">
+                <a:shade val="45000"/>
+                <a:satMod val="135000"/>
+              </a:schemeClr>
+              <a:prstClr val="white"/>
+            </a:duotone>
+            <a:extLst>
+              <a:ext uri="{28A0092B-C50C-407E-A947-70E740481C1C}">
+                <a14:useLocalDpi xmlns:a14="http://schemas.microsoft.com/office/drawing/2010/main" val="0"/>
+              </a:ext>
+            </a:extLst>
+          </a:blip>
+          <a:stretch>
+            <a:fillRect/>
+          </a:stretch>
+        </p:blipFill>
+        <p:spPr>
+          <a:xfrm>
+            <a:off x="6322736" y="2219325"/>
+            <a:ext cx="2160000" cy="2160000"/>
+          </a:xfrm>
+          <a:prstGeom prst="rect">
+            <a:avLst/>
+          </a:prstGeom>
+          <a:effectLst>
+            <a:outerShdw blurRad="152400" dist="317500" dir="5400000" sx="90000" sy="-19000" rotWithShape="0">
+              <a:prstClr val="black">
+                <a:alpha val="15000"/>
+              </a:prstClr>
+            </a:outerShdw>
+          </a:effectLst>
+        </p:spPr>
+      </p:pic>
+      <p:pic>
+        <p:nvPicPr>
+          <p:cNvPr id="9" name="Grafik 8"/>
+          <p:cNvPicPr>
+            <a:picLocks noChangeAspect="1"/>
+          </p:cNvPicPr>
+          <p:nvPr/>
+        </p:nvPicPr>
+        <p:blipFill rotWithShape="1">
+          <a:blip r:embed="rId4" cstate="email">
+            <a:duotone>
+              <a:schemeClr val="accent2">
+                <a:shade val="45000"/>
+                <a:satMod val="135000"/>
+              </a:schemeClr>
+              <a:prstClr val="white"/>
+            </a:duotone>
+            <a:extLst>
+              <a:ext uri="{28A0092B-C50C-407E-A947-70E740481C1C}">
+                <a14:useLocalDpi xmlns:a14="http://schemas.microsoft.com/office/drawing/2010/main" val="0"/>
+              </a:ext>
+            </a:extLst>
+          </a:blip>
+          <a:srcRect l="4117" t="2811" r="3513" b="5622"/>
+          <a:stretch/>
+        </p:blipFill>
+        <p:spPr>
+          <a:xfrm>
+            <a:off x="3482526" y="2219325"/>
+            <a:ext cx="2178947" cy="2160000"/>
+          </a:xfrm>
+          <a:prstGeom prst="rect">
+            <a:avLst/>
+          </a:prstGeom>
+          <a:effectLst>
+            <a:outerShdw blurRad="152400" dist="317500" dir="5400000" sx="90000" sy="-19000" rotWithShape="0">
+              <a:prstClr val="black">
+                <a:alpha val="15000"/>
+              </a:prstClr>
+            </a:outerShdw>
+          </a:effectLst>
+        </p:spPr>
+      </p:pic>
+      <p:sp>
+        <p:nvSpPr>
+          <p:cNvPr id="11" name="Rechteck 10"/>
+          <p:cNvSpPr/>
+          <p:nvPr/>
+        </p:nvSpPr>
+        <p:spPr>
+          <a:xfrm>
+            <a:off x="3547183" y="5385299"/>
+            <a:ext cx="2049635" cy="733425"/>
+          </a:xfrm>
+          <a:prstGeom prst="rect">
+            <a:avLst/>
+          </a:prstGeom>
+          <a:solidFill>
+            <a:schemeClr val="tx2"/>
+          </a:solidFill>
+          <a:ln>
+            <a:noFill/>
+          </a:ln>
+          <a:effectLst>
+            <a:reflection blurRad="6350" stA="50000" endA="300" endPos="55500" dist="50800" dir="5400000" sy="-100000" algn="bl" rotWithShape="0"/>
+          </a:effectLst>
+        </p:spPr>
+        <p:style>
+          <a:lnRef idx="1">
+            <a:schemeClr val="accent1"/>
+          </a:lnRef>
+          <a:fillRef idx="3">
+            <a:schemeClr val="accent1"/>
+          </a:fillRef>
+          <a:effectRef idx="2">
+            <a:schemeClr val="accent1"/>
+          </a:effectRef>
+          <a:fontRef idx="minor">
+            <a:schemeClr val="lt1"/>
+          </a:fontRef>
+        </p:style>
+        <p:txBody>
+          <a:bodyPr rtlCol="0" anchor="ctr"/>
+          <a:lstStyle/>
+          <a:p>
+            <a:pPr algn="ctr"/>
+            <a:r>
+              <a:rPr lang="de-DE" sz="2700" dirty="0" smtClean="0">
+                <a:solidFill>
+                  <a:schemeClr val="accent3"/>
+                </a:solidFill>
+              </a:rPr>
+              <a:t>Imperium</a:t>
+            </a:r>
+          </a:p>
+        </p:txBody>
+      </p:sp>
+      <p:sp>
+        <p:nvSpPr>
+          <p:cNvPr id="12" name="Rechteck 11"/>
+          <p:cNvSpPr/>
+          <p:nvPr/>
+        </p:nvSpPr>
+        <p:spPr>
+          <a:xfrm>
+            <a:off x="716445" y="5385299"/>
+            <a:ext cx="2049635" cy="733425"/>
+          </a:xfrm>
+          <a:prstGeom prst="rect">
+            <a:avLst/>
+          </a:prstGeom>
+          <a:solidFill>
+            <a:schemeClr val="tx2"/>
+          </a:solidFill>
+          <a:ln>
+            <a:noFill/>
+          </a:ln>
+          <a:effectLst>
+            <a:reflection blurRad="6350" stA="50000" endA="300" endPos="55500" dist="50800" dir="5400000" sy="-100000" algn="bl" rotWithShape="0"/>
+          </a:effectLst>
+        </p:spPr>
+        <p:style>
+          <a:lnRef idx="1">
+            <a:schemeClr val="accent1"/>
+          </a:lnRef>
+          <a:fillRef idx="3">
+            <a:schemeClr val="accent1"/>
+          </a:fillRef>
+          <a:effectRef idx="2">
+            <a:schemeClr val="accent1"/>
+          </a:effectRef>
+          <a:fontRef idx="minor">
+            <a:schemeClr val="lt1"/>
+          </a:fontRef>
+        </p:style>
+        <p:txBody>
+          <a:bodyPr rtlCol="0" anchor="ctr"/>
+          <a:lstStyle/>
+          <a:p>
+            <a:pPr algn="ctr"/>
+            <a:r>
+              <a:rPr lang="de-DE" sz="2700" dirty="0" smtClean="0">
+                <a:solidFill>
+                  <a:schemeClr val="accent3"/>
+                </a:solidFill>
+              </a:rPr>
+              <a:t>Föderation</a:t>
+            </a:r>
+          </a:p>
+        </p:txBody>
+      </p:sp>
+      <p:sp>
+        <p:nvSpPr>
+          <p:cNvPr id="13" name="Rechteck 12"/>
+          <p:cNvSpPr/>
+          <p:nvPr/>
+        </p:nvSpPr>
+        <p:spPr>
+          <a:xfrm>
+            <a:off x="6377918" y="5385299"/>
+            <a:ext cx="2049635" cy="733425"/>
+          </a:xfrm>
+          <a:prstGeom prst="rect">
+            <a:avLst/>
+          </a:prstGeom>
+          <a:solidFill>
+            <a:schemeClr val="tx2"/>
+          </a:solidFill>
+          <a:ln>
+            <a:noFill/>
+          </a:ln>
+          <a:effectLst>
+            <a:reflection blurRad="6350" stA="50000" endA="300" endPos="55500" dist="50800" dir="5400000" sy="-100000" algn="bl" rotWithShape="0"/>
+          </a:effectLst>
+        </p:spPr>
+        <p:style>
+          <a:lnRef idx="1">
+            <a:schemeClr val="accent1"/>
+          </a:lnRef>
+          <a:fillRef idx="3">
+            <a:schemeClr val="accent1"/>
+          </a:fillRef>
+          <a:effectRef idx="2">
+            <a:schemeClr val="accent1"/>
+          </a:effectRef>
+          <a:fontRef idx="minor">
+            <a:schemeClr val="lt1"/>
+          </a:fontRef>
+        </p:style>
+        <p:txBody>
+          <a:bodyPr rtlCol="0" anchor="ctr"/>
+          <a:lstStyle/>
+          <a:p>
+            <a:pPr algn="ctr"/>
+            <a:r>
+              <a:rPr lang="de-DE" sz="2700" dirty="0" smtClean="0">
+                <a:solidFill>
+                  <a:schemeClr val="accent3"/>
+                </a:solidFill>
+              </a:rPr>
+              <a:t>Rebellen</a:t>
+            </a:r>
+          </a:p>
+        </p:txBody>
+      </p:sp>
+      <p:sp>
+        <p:nvSpPr>
+          <p:cNvPr id="15" name="Rechteck 14"/>
+          <p:cNvSpPr/>
+          <p:nvPr/>
+        </p:nvSpPr>
+        <p:spPr>
+          <a:xfrm>
+            <a:off x="651789" y="3331575"/>
+            <a:ext cx="2178947" cy="3237500"/>
+          </a:xfrm>
+          <a:prstGeom prst="rect">
+            <a:avLst/>
+          </a:prstGeom>
+          <a:solidFill>
+            <a:schemeClr val="bg1">
+              <a:alpha val="70000"/>
+            </a:schemeClr>
+          </a:solidFill>
+          <a:ln>
+            <a:noFill/>
+          </a:ln>
+          <a:scene3d>
+            <a:camera prst="obliqueTopRight"/>
+            <a:lightRig rig="threePt" dir="tl"/>
+          </a:scene3d>
+          <a:sp3d/>
+        </p:spPr>
+        <p:style>
+          <a:lnRef idx="1">
+            <a:schemeClr val="accent1"/>
+          </a:lnRef>
+          <a:fillRef idx="3">
+            <a:schemeClr val="accent1"/>
+          </a:fillRef>
+          <a:effectRef idx="2">
+            <a:schemeClr val="accent1"/>
+          </a:effectRef>
+          <a:fontRef idx="minor">
+            <a:schemeClr val="lt1"/>
+          </a:fontRef>
+        </p:style>
+        <p:txBody>
+          <a:bodyPr rtlCol="0" anchor="t" anchorCtr="0"/>
+          <a:lstStyle/>
+          <a:p>
+            <a:pPr marL="144000" indent="-144000">
+              <a:buFont typeface="Arial" pitchFamily="34" charset="0"/>
+              <a:buChar char="•"/>
+            </a:pPr>
+            <a:r>
+              <a:rPr lang="de-DE" b="1" dirty="0" smtClean="0">
+                <a:solidFill>
+                  <a:schemeClr val="tx2"/>
+                </a:solidFill>
+              </a:rPr>
+              <a:t>hält sich an Marktstandards</a:t>
+            </a:r>
+          </a:p>
+          <a:p>
+            <a:pPr marL="144000" indent="-144000">
+              <a:buFont typeface="Arial" pitchFamily="34" charset="0"/>
+              <a:buChar char="•"/>
+            </a:pPr>
+            <a:endParaRPr lang="de-DE" b="1" dirty="0">
+              <a:solidFill>
+                <a:schemeClr val="tx2"/>
+              </a:solidFill>
+            </a:endParaRPr>
+          </a:p>
+          <a:p>
+            <a:pPr marL="144000" indent="-144000">
+              <a:buFont typeface="Arial" pitchFamily="34" charset="0"/>
+              <a:buChar char="•"/>
+            </a:pPr>
+            <a:r>
+              <a:rPr lang="de-DE" b="1" dirty="0" smtClean="0">
+                <a:solidFill>
+                  <a:schemeClr val="tx2"/>
+                </a:solidFill>
+              </a:rPr>
+              <a:t>geht keine Risikos ein</a:t>
+            </a:r>
+            <a:endParaRPr lang="en-US" b="1" dirty="0">
+              <a:solidFill>
+                <a:schemeClr val="tx2"/>
+              </a:solidFill>
+            </a:endParaRPr>
+          </a:p>
+        </p:txBody>
+      </p:sp>
+      <p:sp>
+        <p:nvSpPr>
+          <p:cNvPr id="16" name="Rechteck 15"/>
+          <p:cNvSpPr/>
+          <p:nvPr/>
+        </p:nvSpPr>
+        <p:spPr>
+          <a:xfrm>
+            <a:off x="3482526" y="3331575"/>
+            <a:ext cx="2178947" cy="1935750"/>
+          </a:xfrm>
+          <a:prstGeom prst="rect">
+            <a:avLst/>
+          </a:prstGeom>
+          <a:solidFill>
+            <a:schemeClr val="bg1">
+              <a:alpha val="70000"/>
+            </a:schemeClr>
+          </a:solidFill>
+          <a:ln>
+            <a:noFill/>
+          </a:ln>
+          <a:scene3d>
+            <a:camera prst="obliqueTopRight"/>
+            <a:lightRig rig="threePt" dir="tl"/>
+          </a:scene3d>
+          <a:sp3d/>
+        </p:spPr>
+        <p:style>
+          <a:lnRef idx="1">
+            <a:schemeClr val="accent1"/>
+          </a:lnRef>
+          <a:fillRef idx="3">
+            <a:schemeClr val="accent1"/>
+          </a:fillRef>
+          <a:effectRef idx="2">
+            <a:schemeClr val="accent1"/>
+          </a:effectRef>
+          <a:fontRef idx="minor">
+            <a:schemeClr val="lt1"/>
+          </a:fontRef>
+        </p:style>
+        <p:txBody>
+          <a:bodyPr rtlCol="0" anchor="t" anchorCtr="0"/>
+          <a:lstStyle/>
+          <a:p>
+            <a:pPr marL="144000" indent="-144000">
+              <a:buFont typeface="Arial" pitchFamily="34" charset="0"/>
+              <a:buChar char="•"/>
+            </a:pPr>
+            <a:r>
+              <a:rPr lang="de-DE" b="1" dirty="0" smtClean="0">
+                <a:solidFill>
+                  <a:schemeClr val="tx2"/>
+                </a:solidFill>
+              </a:rPr>
+              <a:t>Dumping-Strategie</a:t>
+            </a:r>
+          </a:p>
+          <a:p>
+            <a:pPr marL="144000" indent="-144000">
+              <a:buFont typeface="Arial" pitchFamily="34" charset="0"/>
+              <a:buChar char="•"/>
+            </a:pPr>
+            <a:endParaRPr lang="de-DE" b="1" dirty="0">
+              <a:solidFill>
+                <a:schemeClr val="tx2"/>
+              </a:solidFill>
+            </a:endParaRPr>
+          </a:p>
+          <a:p>
+            <a:pPr marL="144000" indent="-144000">
+              <a:buFont typeface="Arial" pitchFamily="34" charset="0"/>
+              <a:buChar char="•"/>
+            </a:pPr>
+            <a:r>
+              <a:rPr lang="de-DE" b="1" dirty="0" smtClean="0">
+                <a:solidFill>
+                  <a:schemeClr val="tx2"/>
+                </a:solidFill>
+              </a:rPr>
+              <a:t>Überschwemmung des Marktes</a:t>
+            </a:r>
+          </a:p>
+          <a:p>
+            <a:pPr marL="144000" indent="-144000">
+              <a:buFont typeface="Arial" pitchFamily="34" charset="0"/>
+              <a:buChar char="•"/>
+            </a:pPr>
+            <a:endParaRPr lang="de-DE" b="1" dirty="0">
+              <a:solidFill>
+                <a:schemeClr val="tx2"/>
+              </a:solidFill>
+            </a:endParaRPr>
+          </a:p>
+          <a:p>
+            <a:pPr marL="144000" indent="-144000">
+              <a:buFont typeface="Arial" pitchFamily="34" charset="0"/>
+              <a:buChar char="•"/>
+            </a:pPr>
+            <a:r>
+              <a:rPr lang="de-DE" b="1" dirty="0" smtClean="0">
+                <a:solidFill>
+                  <a:schemeClr val="tx2"/>
+                </a:solidFill>
+              </a:rPr>
+              <a:t>niedrigste Preise</a:t>
+            </a:r>
+            <a:endParaRPr lang="en-US" b="1" dirty="0">
+              <a:solidFill>
+                <a:schemeClr val="tx2"/>
+              </a:solidFill>
+            </a:endParaRPr>
+          </a:p>
+        </p:txBody>
+      </p:sp>
+      <p:sp>
+        <p:nvSpPr>
+          <p:cNvPr id="17" name="Rechteck 16"/>
+          <p:cNvSpPr/>
+          <p:nvPr/>
+        </p:nvSpPr>
+        <p:spPr>
+          <a:xfrm>
+            <a:off x="6313261" y="2219325"/>
+            <a:ext cx="2178947" cy="4349750"/>
+          </a:xfrm>
+          <a:prstGeom prst="rect">
+            <a:avLst/>
+          </a:prstGeom>
+          <a:solidFill>
+            <a:schemeClr val="bg1">
+              <a:alpha val="70000"/>
+            </a:schemeClr>
+          </a:solidFill>
+          <a:ln>
+            <a:noFill/>
+          </a:ln>
+          <a:scene3d>
+            <a:camera prst="obliqueTopRight"/>
+            <a:lightRig rig="threePt" dir="tl"/>
+          </a:scene3d>
+          <a:sp3d/>
+        </p:spPr>
+        <p:style>
+          <a:lnRef idx="1">
+            <a:schemeClr val="accent1"/>
+          </a:lnRef>
+          <a:fillRef idx="3">
+            <a:schemeClr val="accent1"/>
+          </a:fillRef>
+          <a:effectRef idx="2">
+            <a:schemeClr val="accent1"/>
+          </a:effectRef>
+          <a:fontRef idx="minor">
+            <a:schemeClr val="lt1"/>
+          </a:fontRef>
+        </p:style>
+        <p:txBody>
+          <a:bodyPr rtlCol="0" anchor="t" anchorCtr="0"/>
+          <a:lstStyle/>
+          <a:p>
+            <a:pPr marL="144000" indent="-144000">
+              <a:buFont typeface="Arial" pitchFamily="34" charset="0"/>
+              <a:buChar char="•"/>
+            </a:pPr>
+            <a:endParaRPr lang="en-US" b="1" dirty="0">
+              <a:solidFill>
+                <a:schemeClr val="tx2"/>
+              </a:solidFill>
+            </a:endParaRPr>
+          </a:p>
+        </p:txBody>
+      </p:sp>
+    </p:spTree>
+    <p:extLst>
+      <p:ext uri="{BB962C8B-B14F-4D97-AF65-F5344CB8AC3E}">
+        <p14:creationId xmlns:p14="http://schemas.microsoft.com/office/powerpoint/2010/main" val="3588912020"/>
+      </p:ext>
+    </p:extLst>
+  </p:cSld>
+  <p:clrMapOvr>
+    <a:masterClrMapping/>
+  </p:clrMapOvr>
+  <mc:AlternateContent xmlns:mc="http://schemas.openxmlformats.org/markup-compatibility/2006">
+    <mc:Choice xmlns:p14="http://schemas.microsoft.com/office/powerpoint/2010/main" Requires="p14">
+      <p:transition spd="med" p14:dur="700">
+        <p:fade/>
+      </p:transition>
+    </mc:Choice>
+    <mc:Fallback>
+      <p:transition spd="med">
+        <p:fade/>
+      </p:transition>
+    </mc:Fallback>
+  </mc:AlternateContent>
+  <p:timing>
+    <p:tnLst>
+      <p:par>
+        <p:cTn id="1" dur="indefinite" restart="never" nodeType="tmRoot"/>
+      </p:par>
+    </p:tnLst>
+  </p:timing>
+</p:sld>
+</file>
+
+<file path=ppt/slides/slide23.xml><?xml version="1.0" encoding="utf-8"?>
+<p:sld xmlns:a="http://schemas.openxmlformats.org/drawingml/2006/main" xmlns:r="http://schemas.openxmlformats.org/officeDocument/2006/relationships" xmlns:p="http://schemas.openxmlformats.org/presentationml/2006/main">
+  <p:cSld>
+    <p:spTree>
+      <p:nvGrpSpPr>
+        <p:cNvPr id="1" name=""/>
+        <p:cNvGrpSpPr/>
+        <p:nvPr/>
+      </p:nvGrpSpPr>
+      <p:grpSpPr>
+        <a:xfrm>
+          <a:off x="0" y="0"/>
+          <a:ext cx="0" cy="0"/>
+          <a:chOff x="0" y="0"/>
+          <a:chExt cx="0" cy="0"/>
+        </a:xfrm>
+      </p:grpSpPr>
+      <p:sp>
+        <p:nvSpPr>
+          <p:cNvPr id="2" name="Titel 1"/>
+          <p:cNvSpPr>
+            <a:spLocks noGrp="1"/>
+          </p:cNvSpPr>
+          <p:nvPr>
+            <p:ph type="title"/>
+          </p:nvPr>
+        </p:nvSpPr>
+        <p:spPr/>
+        <p:txBody>
+          <a:bodyPr/>
+          <a:lstStyle/>
+          <a:p>
+            <a:r>
+              <a:rPr lang="de-DE" dirty="0" err="1" smtClean="0"/>
+              <a:t>jUnit</a:t>
+            </a:r>
+            <a:endParaRPr lang="en-US" dirty="0"/>
+          </a:p>
+        </p:txBody>
+      </p:sp>
+      <p:sp>
+        <p:nvSpPr>
+          <p:cNvPr id="4" name="Datumsplatzhalter 3"/>
+          <p:cNvSpPr>
+            <a:spLocks noGrp="1"/>
+          </p:cNvSpPr>
+          <p:nvPr>
+            <p:ph type="dt" sz="half" idx="10"/>
+          </p:nvPr>
+        </p:nvSpPr>
+        <p:spPr/>
+        <p:txBody>
+          <a:bodyPr/>
+          <a:lstStyle/>
+          <a:p>
+            <a:r>
+              <a:rPr lang="de-DE" smtClean="0"/>
+              <a:t>04.11.11</a:t>
+            </a:r>
+            <a:endParaRPr lang="en-US"/>
+          </a:p>
+        </p:txBody>
+      </p:sp>
+      <p:sp>
+        <p:nvSpPr>
+          <p:cNvPr id="5" name="Fußzeilenplatzhalter 4"/>
+          <p:cNvSpPr>
+            <a:spLocks noGrp="1"/>
+          </p:cNvSpPr>
+          <p:nvPr>
+            <p:ph type="ftr" sz="quarter" idx="11"/>
+          </p:nvPr>
+        </p:nvSpPr>
+        <p:spPr/>
+        <p:txBody>
+          <a:bodyPr/>
+          <a:lstStyle/>
+          <a:p>
+            <a:r>
+              <a:rPr lang="de-DE" smtClean="0"/>
+              <a:t>Star Greg</a:t>
+            </a:r>
+            <a:endParaRPr lang="en-US"/>
+          </a:p>
+        </p:txBody>
+      </p:sp>
+      <p:sp>
+        <p:nvSpPr>
+          <p:cNvPr id="6" name="Foliennummernplatzhalter 5"/>
+          <p:cNvSpPr>
+            <a:spLocks noGrp="1"/>
+          </p:cNvSpPr>
+          <p:nvPr>
+            <p:ph type="sldNum" sz="quarter" idx="12"/>
+          </p:nvPr>
+        </p:nvSpPr>
+        <p:spPr/>
+        <p:txBody>
+          <a:bodyPr/>
+          <a:lstStyle/>
+          <a:p>
+            <a:fld id="{4A822907-8A9D-4F6B-98F6-913902AD56B5}" type="slidenum">
+              <a:rPr lang="en-US" smtClean="0"/>
+              <a:t>23</a:t>
+            </a:fld>
+            <a:endParaRPr lang="en-US"/>
+          </a:p>
+        </p:txBody>
+      </p:sp>
+      <p:pic>
+        <p:nvPicPr>
+          <p:cNvPr id="7" name="Grafik 6"/>
+          <p:cNvPicPr>
+            <a:picLocks noChangeAspect="1"/>
+          </p:cNvPicPr>
+          <p:nvPr/>
+        </p:nvPicPr>
+        <p:blipFill rotWithShape="1">
+          <a:blip r:embed="rId3" cstate="email">
+            <a:extLst>
+              <a:ext uri="{28A0092B-C50C-407E-A947-70E740481C1C}">
+                <a14:useLocalDpi xmlns:a14="http://schemas.microsoft.com/office/drawing/2010/main" val="0"/>
+              </a:ext>
+            </a:extLst>
+          </a:blip>
+          <a:srcRect l="4597" t="5544" r="4382" b="4946"/>
+          <a:stretch/>
+        </p:blipFill>
+        <p:spPr>
+          <a:xfrm>
+            <a:off x="661263" y="2251575"/>
+            <a:ext cx="2160000" cy="2160000"/>
+          </a:xfrm>
+          <a:prstGeom prst="rect">
+            <a:avLst/>
+          </a:prstGeom>
+          <a:effectLst>
+            <a:outerShdw blurRad="152400" dist="317500" dir="5400000" sx="90000" sy="-19000" rotWithShape="0">
+              <a:prstClr val="black">
+                <a:alpha val="15000"/>
+              </a:prstClr>
+            </a:outerShdw>
+          </a:effectLst>
+        </p:spPr>
+      </p:pic>
+      <p:pic>
+        <p:nvPicPr>
+          <p:cNvPr id="8" name="Grafik 7"/>
+          <p:cNvPicPr>
+            <a:picLocks noChangeAspect="1"/>
+          </p:cNvPicPr>
+          <p:nvPr/>
+        </p:nvPicPr>
+        <p:blipFill>
+          <a:blip r:embed="rId4">
+            <a:duotone>
+              <a:schemeClr val="accent6">
+                <a:shade val="45000"/>
+                <a:satMod val="135000"/>
+              </a:schemeClr>
+              <a:prstClr val="white"/>
+            </a:duotone>
+            <a:extLst>
+              <a:ext uri="{28A0092B-C50C-407E-A947-70E740481C1C}">
+                <a14:useLocalDpi xmlns:a14="http://schemas.microsoft.com/office/drawing/2010/main" val="0"/>
+              </a:ext>
+            </a:extLst>
+          </a:blip>
+          <a:stretch>
+            <a:fillRect/>
+          </a:stretch>
+        </p:blipFill>
+        <p:spPr>
+          <a:xfrm>
+            <a:off x="6322736" y="2219325"/>
+            <a:ext cx="2160000" cy="2160000"/>
+          </a:xfrm>
+          <a:prstGeom prst="rect">
+            <a:avLst/>
+          </a:prstGeom>
+          <a:effectLst>
+            <a:outerShdw blurRad="152400" dist="317500" dir="5400000" sx="90000" sy="-19000" rotWithShape="0">
+              <a:prstClr val="black">
+                <a:alpha val="15000"/>
+              </a:prstClr>
+            </a:outerShdw>
+          </a:effectLst>
+        </p:spPr>
+      </p:pic>
+      <p:pic>
+        <p:nvPicPr>
+          <p:cNvPr id="9" name="Grafik 8"/>
+          <p:cNvPicPr>
+            <a:picLocks noChangeAspect="1"/>
+          </p:cNvPicPr>
+          <p:nvPr/>
+        </p:nvPicPr>
+        <p:blipFill rotWithShape="1">
+          <a:blip r:embed="rId5" cstate="email">
+            <a:duotone>
+              <a:schemeClr val="accent2">
+                <a:shade val="45000"/>
+                <a:satMod val="135000"/>
+              </a:schemeClr>
+              <a:prstClr val="white"/>
+            </a:duotone>
+            <a:extLst>
+              <a:ext uri="{28A0092B-C50C-407E-A947-70E740481C1C}">
+                <a14:useLocalDpi xmlns:a14="http://schemas.microsoft.com/office/drawing/2010/main" val="0"/>
+              </a:ext>
+            </a:extLst>
+          </a:blip>
+          <a:srcRect l="4117" t="2811" r="3513" b="5622"/>
+          <a:stretch/>
+        </p:blipFill>
+        <p:spPr>
+          <a:xfrm>
+            <a:off x="3482526" y="2219325"/>
+            <a:ext cx="2178947" cy="2160000"/>
+          </a:xfrm>
+          <a:prstGeom prst="rect">
+            <a:avLst/>
+          </a:prstGeom>
+          <a:effectLst>
+            <a:outerShdw blurRad="152400" dist="317500" dir="5400000" sx="90000" sy="-19000" rotWithShape="0">
+              <a:prstClr val="black">
+                <a:alpha val="15000"/>
+              </a:prstClr>
+            </a:outerShdw>
+          </a:effectLst>
+        </p:spPr>
+      </p:pic>
+      <p:sp>
+        <p:nvSpPr>
+          <p:cNvPr id="11" name="Rechteck 10"/>
+          <p:cNvSpPr/>
+          <p:nvPr/>
+        </p:nvSpPr>
+        <p:spPr>
+          <a:xfrm>
+            <a:off x="3547183" y="5385299"/>
+            <a:ext cx="2049635" cy="733425"/>
+          </a:xfrm>
+          <a:prstGeom prst="rect">
+            <a:avLst/>
+          </a:prstGeom>
+          <a:solidFill>
+            <a:schemeClr val="tx2"/>
+          </a:solidFill>
+          <a:ln>
+            <a:noFill/>
+          </a:ln>
+          <a:effectLst>
+            <a:reflection blurRad="6350" stA="50000" endA="300" endPos="55500" dist="50800" dir="5400000" sy="-100000" algn="bl" rotWithShape="0"/>
+          </a:effectLst>
+        </p:spPr>
+        <p:style>
+          <a:lnRef idx="1">
+            <a:schemeClr val="accent1"/>
+          </a:lnRef>
+          <a:fillRef idx="3">
+            <a:schemeClr val="accent1"/>
+          </a:fillRef>
+          <a:effectRef idx="2">
+            <a:schemeClr val="accent1"/>
+          </a:effectRef>
+          <a:fontRef idx="minor">
+            <a:schemeClr val="lt1"/>
+          </a:fontRef>
+        </p:style>
+        <p:txBody>
+          <a:bodyPr rtlCol="0" anchor="ctr"/>
+          <a:lstStyle/>
+          <a:p>
+            <a:pPr algn="ctr"/>
+            <a:r>
+              <a:rPr lang="de-DE" sz="2700" dirty="0" smtClean="0">
+                <a:solidFill>
+                  <a:schemeClr val="accent3"/>
+                </a:solidFill>
+              </a:rPr>
+              <a:t>Imperium</a:t>
+            </a:r>
+          </a:p>
+        </p:txBody>
+      </p:sp>
+      <p:sp>
+        <p:nvSpPr>
+          <p:cNvPr id="12" name="Rechteck 11"/>
+          <p:cNvSpPr/>
+          <p:nvPr/>
+        </p:nvSpPr>
+        <p:spPr>
+          <a:xfrm>
+            <a:off x="716445" y="5385299"/>
+            <a:ext cx="2049635" cy="733425"/>
+          </a:xfrm>
+          <a:prstGeom prst="rect">
+            <a:avLst/>
+          </a:prstGeom>
+          <a:solidFill>
+            <a:schemeClr val="tx2"/>
+          </a:solidFill>
+          <a:ln>
+            <a:noFill/>
+          </a:ln>
+          <a:effectLst>
+            <a:reflection blurRad="6350" stA="50000" endA="300" endPos="55500" dist="50800" dir="5400000" sy="-100000" algn="bl" rotWithShape="0"/>
+          </a:effectLst>
+        </p:spPr>
+        <p:style>
+          <a:lnRef idx="1">
+            <a:schemeClr val="accent1"/>
+          </a:lnRef>
+          <a:fillRef idx="3">
+            <a:schemeClr val="accent1"/>
+          </a:fillRef>
+          <a:effectRef idx="2">
+            <a:schemeClr val="accent1"/>
+          </a:effectRef>
+          <a:fontRef idx="minor">
+            <a:schemeClr val="lt1"/>
+          </a:fontRef>
+        </p:style>
+        <p:txBody>
+          <a:bodyPr rtlCol="0" anchor="ctr"/>
+          <a:lstStyle/>
+          <a:p>
+            <a:pPr algn="ctr"/>
+            <a:r>
+              <a:rPr lang="de-DE" sz="2700" dirty="0" smtClean="0">
+                <a:solidFill>
+                  <a:schemeClr val="accent3"/>
+                </a:solidFill>
+              </a:rPr>
+              <a:t>Föderation</a:t>
+            </a:r>
+          </a:p>
+        </p:txBody>
+      </p:sp>
+      <p:sp>
+        <p:nvSpPr>
+          <p:cNvPr id="13" name="Rechteck 12"/>
+          <p:cNvSpPr/>
+          <p:nvPr/>
+        </p:nvSpPr>
+        <p:spPr>
+          <a:xfrm>
+            <a:off x="6377918" y="5385299"/>
+            <a:ext cx="2049635" cy="733425"/>
+          </a:xfrm>
+          <a:prstGeom prst="rect">
+            <a:avLst/>
+          </a:prstGeom>
+          <a:solidFill>
+            <a:schemeClr val="tx2"/>
+          </a:solidFill>
+          <a:ln>
+            <a:noFill/>
+          </a:ln>
+          <a:effectLst>
+            <a:reflection blurRad="6350" stA="50000" endA="300" endPos="55500" dist="50800" dir="5400000" sy="-100000" algn="bl" rotWithShape="0"/>
+          </a:effectLst>
+        </p:spPr>
+        <p:style>
+          <a:lnRef idx="1">
+            <a:schemeClr val="accent1"/>
+          </a:lnRef>
+          <a:fillRef idx="3">
+            <a:schemeClr val="accent1"/>
+          </a:fillRef>
+          <a:effectRef idx="2">
+            <a:schemeClr val="accent1"/>
+          </a:effectRef>
+          <a:fontRef idx="minor">
+            <a:schemeClr val="lt1"/>
+          </a:fontRef>
+        </p:style>
+        <p:txBody>
+          <a:bodyPr rtlCol="0" anchor="ctr"/>
+          <a:lstStyle/>
+          <a:p>
+            <a:pPr algn="ctr"/>
+            <a:r>
+              <a:rPr lang="de-DE" sz="2700" dirty="0" smtClean="0">
+                <a:solidFill>
+                  <a:schemeClr val="accent3"/>
+                </a:solidFill>
+              </a:rPr>
+              <a:t>Rebellen</a:t>
+            </a:r>
+          </a:p>
+        </p:txBody>
+      </p:sp>
+      <p:sp>
+        <p:nvSpPr>
+          <p:cNvPr id="15" name="Rechteck 14"/>
+          <p:cNvSpPr/>
+          <p:nvPr/>
+        </p:nvSpPr>
+        <p:spPr>
+          <a:xfrm>
+            <a:off x="651789" y="3331575"/>
+            <a:ext cx="2178947" cy="3237499"/>
+          </a:xfrm>
+          <a:prstGeom prst="rect">
+            <a:avLst/>
+          </a:prstGeom>
+          <a:solidFill>
+            <a:schemeClr val="bg1">
+              <a:alpha val="70000"/>
+            </a:schemeClr>
+          </a:solidFill>
+          <a:ln>
+            <a:noFill/>
+          </a:ln>
+          <a:scene3d>
+            <a:camera prst="obliqueTopRight"/>
+            <a:lightRig rig="threePt" dir="tl"/>
+          </a:scene3d>
+          <a:sp3d/>
+        </p:spPr>
+        <p:style>
+          <a:lnRef idx="1">
+            <a:schemeClr val="accent1"/>
+          </a:lnRef>
+          <a:fillRef idx="3">
+            <a:schemeClr val="accent1"/>
+          </a:fillRef>
+          <a:effectRef idx="2">
+            <a:schemeClr val="accent1"/>
+          </a:effectRef>
+          <a:fontRef idx="minor">
+            <a:schemeClr val="lt1"/>
+          </a:fontRef>
+        </p:style>
+        <p:txBody>
+          <a:bodyPr rtlCol="0" anchor="t" anchorCtr="0"/>
+          <a:lstStyle/>
+          <a:p>
+            <a:pPr marL="144000" indent="-144000">
+              <a:buFont typeface="Arial" pitchFamily="34" charset="0"/>
+              <a:buChar char="•"/>
+            </a:pPr>
+            <a:r>
+              <a:rPr lang="de-DE" b="1" dirty="0" smtClean="0">
+                <a:solidFill>
+                  <a:schemeClr val="tx2"/>
+                </a:solidFill>
+              </a:rPr>
+              <a:t>hält sich an Marktstandards</a:t>
+            </a:r>
+          </a:p>
+          <a:p>
+            <a:pPr marL="144000" indent="-144000">
+              <a:buFont typeface="Arial" pitchFamily="34" charset="0"/>
+              <a:buChar char="•"/>
+            </a:pPr>
+            <a:endParaRPr lang="de-DE" b="1" dirty="0">
+              <a:solidFill>
+                <a:schemeClr val="tx2"/>
+              </a:solidFill>
+            </a:endParaRPr>
+          </a:p>
+          <a:p>
+            <a:pPr marL="144000" indent="-144000">
+              <a:buFont typeface="Arial" pitchFamily="34" charset="0"/>
+              <a:buChar char="•"/>
+            </a:pPr>
+            <a:r>
+              <a:rPr lang="de-DE" b="1" dirty="0" smtClean="0">
+                <a:solidFill>
+                  <a:schemeClr val="tx2"/>
+                </a:solidFill>
+              </a:rPr>
+              <a:t>geht keine Risikos ein</a:t>
+            </a:r>
+            <a:endParaRPr lang="en-US" b="1" dirty="0">
+              <a:solidFill>
+                <a:schemeClr val="tx2"/>
+              </a:solidFill>
+            </a:endParaRPr>
+          </a:p>
+        </p:txBody>
+      </p:sp>
+      <p:sp>
+        <p:nvSpPr>
+          <p:cNvPr id="16" name="Rechteck 15"/>
+          <p:cNvSpPr/>
+          <p:nvPr/>
+        </p:nvSpPr>
+        <p:spPr>
+          <a:xfrm>
+            <a:off x="3482526" y="3331575"/>
+            <a:ext cx="2178947" cy="3237500"/>
+          </a:xfrm>
+          <a:prstGeom prst="rect">
+            <a:avLst/>
+          </a:prstGeom>
+          <a:solidFill>
+            <a:schemeClr val="bg1">
+              <a:alpha val="70000"/>
+            </a:schemeClr>
+          </a:solidFill>
+          <a:ln>
+            <a:noFill/>
+          </a:ln>
+          <a:scene3d>
+            <a:camera prst="obliqueTopRight"/>
+            <a:lightRig rig="threePt" dir="tl"/>
+          </a:scene3d>
+          <a:sp3d/>
+        </p:spPr>
+        <p:style>
+          <a:lnRef idx="1">
+            <a:schemeClr val="accent1"/>
+          </a:lnRef>
+          <a:fillRef idx="3">
+            <a:schemeClr val="accent1"/>
+          </a:fillRef>
+          <a:effectRef idx="2">
+            <a:schemeClr val="accent1"/>
+          </a:effectRef>
+          <a:fontRef idx="minor">
+            <a:schemeClr val="lt1"/>
+          </a:fontRef>
+        </p:style>
+        <p:txBody>
+          <a:bodyPr rtlCol="0" anchor="t" anchorCtr="0"/>
+          <a:lstStyle/>
+          <a:p>
+            <a:pPr marL="144000" indent="-144000">
+              <a:buFont typeface="Arial" pitchFamily="34" charset="0"/>
+              <a:buChar char="•"/>
+            </a:pPr>
+            <a:r>
+              <a:rPr lang="de-DE" b="1" dirty="0" smtClean="0">
+                <a:solidFill>
+                  <a:schemeClr val="tx2"/>
+                </a:solidFill>
+              </a:rPr>
+              <a:t>Dumping-Strategie</a:t>
+            </a:r>
+          </a:p>
+          <a:p>
+            <a:pPr marL="144000" indent="-144000">
+              <a:buFont typeface="Arial" pitchFamily="34" charset="0"/>
+              <a:buChar char="•"/>
+            </a:pPr>
+            <a:endParaRPr lang="de-DE" b="1" dirty="0">
+              <a:solidFill>
+                <a:schemeClr val="tx2"/>
+              </a:solidFill>
+            </a:endParaRPr>
+          </a:p>
+          <a:p>
+            <a:pPr marL="144000" indent="-144000">
+              <a:buFont typeface="Arial" pitchFamily="34" charset="0"/>
+              <a:buChar char="•"/>
+            </a:pPr>
+            <a:r>
+              <a:rPr lang="de-DE" b="1" dirty="0" smtClean="0">
+                <a:solidFill>
+                  <a:schemeClr val="tx2"/>
+                </a:solidFill>
+              </a:rPr>
+              <a:t>Überschwemmung des Marktes</a:t>
+            </a:r>
+          </a:p>
+          <a:p>
+            <a:pPr marL="144000" indent="-144000">
+              <a:buFont typeface="Arial" pitchFamily="34" charset="0"/>
+              <a:buChar char="•"/>
+            </a:pPr>
+            <a:endParaRPr lang="de-DE" b="1" dirty="0">
+              <a:solidFill>
+                <a:schemeClr val="tx2"/>
+              </a:solidFill>
+            </a:endParaRPr>
+          </a:p>
+          <a:p>
+            <a:pPr marL="144000" indent="-144000">
+              <a:buFont typeface="Arial" pitchFamily="34" charset="0"/>
+              <a:buChar char="•"/>
+            </a:pPr>
+            <a:r>
+              <a:rPr lang="de-DE" b="1" dirty="0" smtClean="0">
+                <a:solidFill>
+                  <a:schemeClr val="tx2"/>
+                </a:solidFill>
+              </a:rPr>
+              <a:t>niedrigste Preise</a:t>
+            </a:r>
+            <a:endParaRPr lang="en-US" b="1" dirty="0">
+              <a:solidFill>
+                <a:schemeClr val="tx2"/>
+              </a:solidFill>
+            </a:endParaRPr>
+          </a:p>
+        </p:txBody>
+      </p:sp>
+      <p:sp>
+        <p:nvSpPr>
+          <p:cNvPr id="17" name="Rechteck 16"/>
+          <p:cNvSpPr/>
+          <p:nvPr/>
+        </p:nvSpPr>
+        <p:spPr>
+          <a:xfrm>
+            <a:off x="6313261" y="3331575"/>
+            <a:ext cx="2178947" cy="1935750"/>
+          </a:xfrm>
+          <a:prstGeom prst="rect">
+            <a:avLst/>
+          </a:prstGeom>
+          <a:solidFill>
+            <a:schemeClr val="bg1">
+              <a:alpha val="70000"/>
+            </a:schemeClr>
+          </a:solidFill>
+          <a:ln>
+            <a:noFill/>
+          </a:ln>
+          <a:scene3d>
+            <a:camera prst="obliqueTopRight"/>
+            <a:lightRig rig="threePt" dir="tl"/>
+          </a:scene3d>
+          <a:sp3d/>
+        </p:spPr>
+        <p:style>
+          <a:lnRef idx="1">
+            <a:schemeClr val="accent1"/>
+          </a:lnRef>
+          <a:fillRef idx="3">
+            <a:schemeClr val="accent1"/>
+          </a:fillRef>
+          <a:effectRef idx="2">
+            <a:schemeClr val="accent1"/>
+          </a:effectRef>
+          <a:fontRef idx="minor">
+            <a:schemeClr val="lt1"/>
+          </a:fontRef>
+        </p:style>
+        <p:txBody>
+          <a:bodyPr rtlCol="0" anchor="t" anchorCtr="0"/>
+          <a:lstStyle/>
+          <a:p>
+            <a:pPr marL="144000" indent="-144000">
+              <a:buFont typeface="Arial" pitchFamily="34" charset="0"/>
+              <a:buChar char="•"/>
+            </a:pPr>
+            <a:r>
+              <a:rPr lang="de-DE" b="1" dirty="0" smtClean="0">
+                <a:solidFill>
+                  <a:schemeClr val="tx2"/>
+                </a:solidFill>
+              </a:rPr>
+              <a:t>qualitativer Ansatz</a:t>
+            </a:r>
+          </a:p>
+          <a:p>
+            <a:pPr marL="144000" indent="-144000">
+              <a:buFont typeface="Arial" pitchFamily="34" charset="0"/>
+              <a:buChar char="•"/>
+            </a:pPr>
+            <a:endParaRPr lang="de-DE" b="1" dirty="0">
+              <a:solidFill>
+                <a:schemeClr val="tx2"/>
+              </a:solidFill>
+            </a:endParaRPr>
+          </a:p>
+          <a:p>
+            <a:pPr marL="144000" indent="-144000">
+              <a:buFont typeface="Arial" pitchFamily="34" charset="0"/>
+              <a:buChar char="•"/>
+            </a:pPr>
+            <a:r>
+              <a:rPr lang="de-DE" b="1" dirty="0" smtClean="0">
+                <a:solidFill>
+                  <a:schemeClr val="tx2"/>
+                </a:solidFill>
+              </a:rPr>
+              <a:t>investitionsbereit</a:t>
+            </a:r>
+            <a:endParaRPr lang="en-US" b="1" dirty="0">
+              <a:solidFill>
+                <a:schemeClr val="tx2"/>
+              </a:solidFill>
+            </a:endParaRPr>
+          </a:p>
+        </p:txBody>
+      </p:sp>
+    </p:spTree>
+    <p:extLst>
+      <p:ext uri="{BB962C8B-B14F-4D97-AF65-F5344CB8AC3E}">
+        <p14:creationId xmlns:p14="http://schemas.microsoft.com/office/powerpoint/2010/main" val="17862688"/>
+      </p:ext>
+    </p:extLst>
+  </p:cSld>
+  <p:clrMapOvr>
+    <a:masterClrMapping/>
+  </p:clrMapOvr>
+  <mc:AlternateContent xmlns:mc="http://schemas.openxmlformats.org/markup-compatibility/2006">
+    <mc:Choice xmlns:p14="http://schemas.microsoft.com/office/powerpoint/2010/main" Requires="p14">
+      <p:transition spd="med" p14:dur="700">
+        <p:fade/>
+      </p:transition>
+    </mc:Choice>
+    <mc:Fallback>
+      <p:transition spd="med">
+        <p:fade/>
+      </p:transition>
+    </mc:Fallback>
+  </mc:AlternateContent>
+  <p:timing>
+    <p:tnLst>
+      <p:par>
+        <p:cTn id="1" dur="indefinite" restart="never" nodeType="tmRoot"/>
+      </p:par>
+    </p:tnLst>
+  </p:timing>
+</p:sld>
+</file>
+
+<file path=ppt/slides/slide24.xml><?xml version="1.0" encoding="utf-8"?>
+<p:sld xmlns:a="http://schemas.openxmlformats.org/drawingml/2006/main" xmlns:r="http://schemas.openxmlformats.org/officeDocument/2006/relationships" xmlns:p="http://schemas.openxmlformats.org/presentationml/2006/main">
+  <p:cSld>
+    <p:spTree>
+      <p:nvGrpSpPr>
+        <p:cNvPr id="1" name=""/>
+        <p:cNvGrpSpPr/>
+        <p:nvPr/>
+      </p:nvGrpSpPr>
+      <p:grpSpPr>
+        <a:xfrm>
+          <a:off x="0" y="0"/>
+          <a:ext cx="0" cy="0"/>
+          <a:chOff x="0" y="0"/>
+          <a:chExt cx="0" cy="0"/>
+        </a:xfrm>
+      </p:grpSpPr>
+      <p:sp>
+        <p:nvSpPr>
+          <p:cNvPr id="2" name="Titel 1"/>
+          <p:cNvSpPr>
+            <a:spLocks noGrp="1"/>
+          </p:cNvSpPr>
+          <p:nvPr>
+            <p:ph type="title"/>
+          </p:nvPr>
+        </p:nvSpPr>
+        <p:spPr/>
+        <p:txBody>
+          <a:bodyPr/>
+          <a:lstStyle/>
+          <a:p>
+            <a:r>
+              <a:rPr lang="de-DE" dirty="0" smtClean="0">
+                <a:solidFill>
+                  <a:srgbClr val="E4C402"/>
+                </a:solidFill>
+              </a:rPr>
+              <a:t>Vielen Dank für Eure Aufmerksamkeit!</a:t>
+            </a:r>
+            <a:endParaRPr lang="de-DE" dirty="0">
+              <a:solidFill>
+                <a:srgbClr val="E4C402"/>
+              </a:solidFill>
+            </a:endParaRPr>
+          </a:p>
+        </p:txBody>
+      </p:sp>
+      <p:sp>
+        <p:nvSpPr>
+          <p:cNvPr id="3" name="Datumsplatzhalter 2"/>
+          <p:cNvSpPr>
+            <a:spLocks noGrp="1"/>
+          </p:cNvSpPr>
+          <p:nvPr>
+            <p:ph type="dt" sz="half" idx="10"/>
+          </p:nvPr>
+        </p:nvSpPr>
+        <p:spPr/>
+        <p:txBody>
+          <a:bodyPr/>
+          <a:lstStyle/>
+          <a:p>
+            <a:r>
+              <a:rPr lang="de-DE" smtClean="0"/>
+              <a:t>04.11.11</a:t>
+            </a:r>
+            <a:endParaRPr lang="en-US"/>
+          </a:p>
+        </p:txBody>
+      </p:sp>
+      <p:sp>
+        <p:nvSpPr>
+          <p:cNvPr id="4" name="Fußzeilenplatzhalter 3"/>
+          <p:cNvSpPr>
+            <a:spLocks noGrp="1"/>
+          </p:cNvSpPr>
+          <p:nvPr>
+            <p:ph type="ftr" sz="quarter" idx="11"/>
+          </p:nvPr>
+        </p:nvSpPr>
+        <p:spPr/>
+        <p:txBody>
+          <a:bodyPr/>
+          <a:lstStyle/>
+          <a:p>
+            <a:r>
+              <a:rPr lang="de-DE" smtClean="0"/>
+              <a:t>Star Greg</a:t>
+            </a:r>
+            <a:endParaRPr lang="en-US"/>
+          </a:p>
+        </p:txBody>
+      </p:sp>
+      <p:sp>
+        <p:nvSpPr>
+          <p:cNvPr id="5" name="Foliennummernplatzhalter 4"/>
+          <p:cNvSpPr>
+            <a:spLocks noGrp="1"/>
+          </p:cNvSpPr>
+          <p:nvPr>
+            <p:ph type="sldNum" sz="quarter" idx="12"/>
+          </p:nvPr>
+        </p:nvSpPr>
+        <p:spPr/>
+        <p:txBody>
+          <a:bodyPr/>
+          <a:lstStyle/>
+          <a:p>
+            <a:fld id="{4A822907-8A9D-4F6B-98F6-913902AD56B5}" type="slidenum">
+              <a:rPr lang="en-US" smtClean="0"/>
+              <a:t>24</a:t>
+            </a:fld>
+            <a:endParaRPr lang="en-US"/>
+          </a:p>
+        </p:txBody>
+      </p:sp>
+    </p:spTree>
+    <p:extLst>
+      <p:ext uri="{BB962C8B-B14F-4D97-AF65-F5344CB8AC3E}">
+        <p14:creationId xmlns:p14="http://schemas.microsoft.com/office/powerpoint/2010/main" val="2161015239"/>
+      </p:ext>
+    </p:extLst>
+  </p:cSld>
+  <p:clrMapOvr>
+    <a:masterClrMapping/>
+  </p:clrMapOvr>
+  <p:timing>
+    <p:tnLst>
+      <p:par>
+        <p:cTn id="1" dur="indefinite" restart="never" nodeType="tmRoot"/>
       </p:par>
     </p:tnLst>
   </p:timing>
@@ -23420,7 +27935,7 @@
   <p:timing>
     <p:tnLst>
       <p:par>
-        <p:cTn xmlns:p14="http://schemas.microsoft.com/office/powerpoint/2010/main" id="1" dur="indefinite" restart="never" nodeType="tmRoot"/>
+        <p:cTn id="1" dur="indefinite" restart="never" nodeType="tmRoot"/>
       </p:par>
     </p:tnLst>
   </p:timing>
@@ -23894,11 +28409,11 @@
   <p:clrMapOvr>
     <a:masterClrMapping/>
   </p:clrMapOvr>
-  <p:transition xmlns:p14="http://schemas.microsoft.com/office/powerpoint/2010/main"/>
+  <p:transition/>
   <p:timing>
     <p:tnLst>
       <p:par>
-        <p:cTn xmlns:p14="http://schemas.microsoft.com/office/powerpoint/2010/main" id="1" dur="indefinite" restart="never" nodeType="tmRoot">
+        <p:cTn id="1" dur="indefinite" restart="never" nodeType="tmRoot">
           <p:childTnLst>
             <p:seq concurrent="1" nextAc="seek">
               <p:cTn id="2" dur="indefinite" nodeType="mainSeq">
@@ -24269,7 +28784,7 @@
   <p:timing>
     <p:tnLst>
       <p:par>
-        <p:cTn xmlns:p14="http://schemas.microsoft.com/office/powerpoint/2010/main" id="1" dur="indefinite" restart="never" nodeType="tmRoot"/>
+        <p:cTn id="1" dur="indefinite" restart="never" nodeType="tmRoot"/>
       </p:par>
     </p:tnLst>
   </p:timing>
@@ -24996,7 +29511,7 @@
   <p:timing>
     <p:tnLst>
       <p:par>
-        <p:cTn xmlns:p14="http://schemas.microsoft.com/office/powerpoint/2010/main" id="1" dur="indefinite" restart="never" nodeType="tmRoot">
+        <p:cTn id="1" dur="indefinite" restart="never" nodeType="tmRoot">
           <p:childTnLst>
             <p:seq concurrent="1" nextAc="seek">
               <p:cTn id="2" dur="indefinite" nodeType="mainSeq">
@@ -25481,7 +29996,7 @@
   <p:timing>
     <p:tnLst>
       <p:par>
-        <p:cTn xmlns:p14="http://schemas.microsoft.com/office/powerpoint/2010/main" id="1" dur="indefinite" restart="never" nodeType="tmRoot"/>
+        <p:cTn id="1" dur="indefinite" restart="never" nodeType="tmRoot"/>
       </p:par>
     </p:tnLst>
   </p:timing>
@@ -25615,6 +30130,13 @@
   <p:clrMapOvr>
     <a:masterClrMapping/>
   </p:clrMapOvr>
+  <p:timing>
+    <p:tnLst>
+      <p:par>
+        <p:cTn id="1" dur="indefinite" restart="never" nodeType="tmRoot"/>
+      </p:par>
+    </p:tnLst>
+  </p:timing>
 </p:sld>
 </file>
 
@@ -25986,6 +30508,13 @@
   <p:clrMapOvr>
     <a:masterClrMapping/>
   </p:clrMapOvr>
+  <p:timing>
+    <p:tnLst>
+      <p:par>
+        <p:cTn id="1" dur="indefinite" restart="never" nodeType="tmRoot"/>
+      </p:par>
+    </p:tnLst>
+  </p:timing>
 </p:sld>
 </file>
 

--- a/70 Praesentation/50 StarGreg Finish.pptx
+++ b/70 Praesentation/50 StarGreg Finish.pptx
@@ -24,9 +24,9 @@
     <p:sldId id="279" r:id="rId12"/>
     <p:sldId id="280" r:id="rId13"/>
     <p:sldId id="281" r:id="rId14"/>
-    <p:sldId id="282" r:id="rId15"/>
-    <p:sldId id="283" r:id="rId16"/>
-    <p:sldId id="284" r:id="rId17"/>
+    <p:sldId id="284" r:id="rId15"/>
+    <p:sldId id="282" r:id="rId16"/>
+    <p:sldId id="283" r:id="rId17"/>
     <p:sldId id="289" r:id="rId18"/>
     <p:sldId id="290" r:id="rId19"/>
     <p:sldId id="291" r:id="rId20"/>
@@ -139,7 +139,7 @@
 <file path=ppt/charts/chart1.xml><?xml version="1.0" encoding="utf-8"?>
 <c:chartSpace xmlns:c="http://schemas.openxmlformats.org/drawingml/2006/chart" xmlns:a="http://schemas.openxmlformats.org/drawingml/2006/main" xmlns:r="http://schemas.openxmlformats.org/officeDocument/2006/relationships">
   <c:date1904 val="0"/>
-  <c:lang val="en-US"/>
+  <c:lang val="de-DE"/>
   <c:roundedCorners val="0"/>
   <mc:AlternateContent xmlns:mc="http://schemas.openxmlformats.org/markup-compatibility/2006">
     <mc:Choice xmlns:c14="http://schemas.microsoft.com/office/drawing/2007/8/2/chart" Requires="c14">
@@ -157,10 +157,10 @@
           <c:layoutTarget val="inner"/>
           <c:xMode val="edge"/>
           <c:yMode val="edge"/>
-          <c:x val="6.0224920824536197E-2"/>
-          <c:y val="9.8342591307763197E-2"/>
-          <c:w val="0.63794015307256402"/>
-          <c:h val="0.57951831004715504"/>
+          <c:x val="0.0602249208245362"/>
+          <c:y val="0.0983425913077632"/>
+          <c:w val="0.637940153072564"/>
+          <c:h val="0.579518310047155"/>
         </c:manualLayout>
       </c:layout>
       <c:lineChart>
@@ -228,34 +228,34 @@
                 <c:formatCode>General</c:formatCode>
                 <c:ptCount val="10"/>
                 <c:pt idx="0">
-                  <c:v>60</c:v>
+                  <c:v>60.0</c:v>
                 </c:pt>
                 <c:pt idx="1">
-                  <c:v>66</c:v>
+                  <c:v>66.0</c:v>
                 </c:pt>
                 <c:pt idx="2">
-                  <c:v>72</c:v>
+                  <c:v>72.0</c:v>
                 </c:pt>
                 <c:pt idx="3">
-                  <c:v>66</c:v>
+                  <c:v>66.0</c:v>
                 </c:pt>
                 <c:pt idx="4">
-                  <c:v>78</c:v>
+                  <c:v>78.0</c:v>
                 </c:pt>
                 <c:pt idx="5">
-                  <c:v>78</c:v>
+                  <c:v>78.0</c:v>
                 </c:pt>
                 <c:pt idx="6">
-                  <c:v>84</c:v>
+                  <c:v>84.0</c:v>
                 </c:pt>
                 <c:pt idx="7">
-                  <c:v>84</c:v>
+                  <c:v>84.0</c:v>
                 </c:pt>
                 <c:pt idx="8">
-                  <c:v>96</c:v>
+                  <c:v>96.0</c:v>
                 </c:pt>
                 <c:pt idx="9">
-                  <c:v>90</c:v>
+                  <c:v>90.0</c:v>
                 </c:pt>
               </c:numCache>
             </c:numRef>
@@ -324,34 +324,34 @@
                 <c:formatCode>General</c:formatCode>
                 <c:ptCount val="10"/>
                 <c:pt idx="0">
-                  <c:v>30</c:v>
+                  <c:v>30.0</c:v>
                 </c:pt>
                 <c:pt idx="1">
-                  <c:v>30</c:v>
+                  <c:v>30.0</c:v>
                 </c:pt>
                 <c:pt idx="2">
-                  <c:v>27</c:v>
+                  <c:v>27.0</c:v>
                 </c:pt>
                 <c:pt idx="3">
-                  <c:v>27</c:v>
+                  <c:v>27.0</c:v>
                 </c:pt>
                 <c:pt idx="4">
-                  <c:v>36</c:v>
+                  <c:v>36.0</c:v>
                 </c:pt>
                 <c:pt idx="5">
-                  <c:v>36</c:v>
+                  <c:v>36.0</c:v>
                 </c:pt>
                 <c:pt idx="6">
-                  <c:v>48</c:v>
+                  <c:v>48.0</c:v>
                 </c:pt>
                 <c:pt idx="7">
-                  <c:v>48</c:v>
+                  <c:v>48.0</c:v>
                 </c:pt>
                 <c:pt idx="8">
-                  <c:v>39</c:v>
+                  <c:v>39.0</c:v>
                 </c:pt>
                 <c:pt idx="9">
-                  <c:v>39</c:v>
+                  <c:v>39.0</c:v>
                 </c:pt>
               </c:numCache>
             </c:numRef>
@@ -420,34 +420,34 @@
                 <c:formatCode>General</c:formatCode>
                 <c:ptCount val="10"/>
                 <c:pt idx="0">
-                  <c:v>20</c:v>
+                  <c:v>20.0</c:v>
                 </c:pt>
                 <c:pt idx="1">
-                  <c:v>24</c:v>
+                  <c:v>24.0</c:v>
                 </c:pt>
                 <c:pt idx="2">
-                  <c:v>24</c:v>
+                  <c:v>24.0</c:v>
                 </c:pt>
                 <c:pt idx="3">
-                  <c:v>24</c:v>
+                  <c:v>24.0</c:v>
                 </c:pt>
                 <c:pt idx="4">
-                  <c:v>28</c:v>
+                  <c:v>28.0</c:v>
                 </c:pt>
                 <c:pt idx="5">
-                  <c:v>28</c:v>
+                  <c:v>28.0</c:v>
                 </c:pt>
                 <c:pt idx="6">
-                  <c:v>28</c:v>
+                  <c:v>28.0</c:v>
                 </c:pt>
                 <c:pt idx="7">
-                  <c:v>28</c:v>
+                  <c:v>28.0</c:v>
                 </c:pt>
                 <c:pt idx="8">
-                  <c:v>22</c:v>
+                  <c:v>22.0</c:v>
                 </c:pt>
                 <c:pt idx="9">
-                  <c:v>24</c:v>
+                  <c:v>24.0</c:v>
                 </c:pt>
               </c:numCache>
             </c:numRef>
@@ -692,11 +692,11 @@
         </c:dLbls>
         <c:marker val="1"/>
         <c:smooth val="0"/>
-        <c:axId val="176892544"/>
-        <c:axId val="176894336"/>
+        <c:axId val="1825657944"/>
+        <c:axId val="1825654872"/>
       </c:lineChart>
       <c:catAx>
-        <c:axId val="176892544"/>
+        <c:axId val="1825657944"/>
         <c:scaling>
           <c:orientation val="minMax"/>
         </c:scaling>
@@ -705,7 +705,7 @@
         <c:majorTickMark val="out"/>
         <c:minorTickMark val="none"/>
         <c:tickLblPos val="nextTo"/>
-        <c:crossAx val="176894336"/>
+        <c:crossAx val="1825654872"/>
         <c:crosses val="autoZero"/>
         <c:auto val="1"/>
         <c:lblAlgn val="ctr"/>
@@ -713,7 +713,7 @@
         <c:noMultiLvlLbl val="0"/>
       </c:catAx>
       <c:valAx>
-        <c:axId val="176894336"/>
+        <c:axId val="1825654872"/>
         <c:scaling>
           <c:orientation val="minMax"/>
         </c:scaling>
@@ -724,7 +724,7 @@
         <c:majorTickMark val="out"/>
         <c:minorTickMark val="none"/>
         <c:tickLblPos val="nextTo"/>
-        <c:crossAx val="176892544"/>
+        <c:crossAx val="1825657944"/>
         <c:crosses val="autoZero"/>
         <c:crossBetween val="between"/>
       </c:valAx>
@@ -5616,7 +5616,7 @@
                 <a:srgbClr val="000000"/>
               </a:solidFill>
             </a:rPr>
-            <a:t>Produktion der Raumschiffe</a:t>
+            <a:t>Raumschiffe produzieren</a:t>
           </a:r>
           <a:endParaRPr lang="de-DE" sz="1100" b="1" dirty="0">
             <a:solidFill>
@@ -6083,7 +6083,7 @@
       <dsp:spPr>
         <a:xfrm>
           <a:off x="0" y="9081"/>
-          <a:ext cx="7610475" cy="1127294"/>
+          <a:ext cx="7610476" cy="1127295"/>
         </a:xfrm>
         <a:prstGeom prst="roundRect">
           <a:avLst/>
@@ -6158,7 +6158,7 @@
       </dsp:txBody>
       <dsp:txXfrm>
         <a:off x="55030" y="64111"/>
-        <a:ext cx="7500415" cy="1017234"/>
+        <a:ext cx="7500416" cy="1017235"/>
       </dsp:txXfrm>
     </dsp:sp>
     <dsp:sp modelId="{66D20C69-28B9-4F44-BA03-A32A664F4ABF}">
@@ -6169,7 +6169,7 @@
       <dsp:spPr>
         <a:xfrm>
           <a:off x="0" y="1271736"/>
-          <a:ext cx="7610475" cy="1127294"/>
+          <a:ext cx="7610476" cy="1127295"/>
         </a:xfrm>
         <a:prstGeom prst="roundRect">
           <a:avLst/>
@@ -6244,7 +6244,7 @@
       </dsp:txBody>
       <dsp:txXfrm>
         <a:off x="55030" y="1326766"/>
-        <a:ext cx="7500415" cy="1017234"/>
+        <a:ext cx="7500416" cy="1017235"/>
       </dsp:txXfrm>
     </dsp:sp>
     <dsp:sp modelId="{500B5B37-7E8D-1645-A380-08755AE3FE7A}">
@@ -6254,8 +6254,8 @@
       </dsp:nvSpPr>
       <dsp:spPr>
         <a:xfrm>
-          <a:off x="0" y="2534390"/>
-          <a:ext cx="7610475" cy="1127294"/>
+          <a:off x="0" y="2534391"/>
+          <a:ext cx="7610476" cy="1127295"/>
         </a:xfrm>
         <a:prstGeom prst="roundRect">
           <a:avLst/>
@@ -6329,8 +6329,8 @@
         </a:p>
       </dsp:txBody>
       <dsp:txXfrm>
-        <a:off x="55030" y="2589420"/>
-        <a:ext cx="7500415" cy="1017234"/>
+        <a:off x="55030" y="2589421"/>
+        <a:ext cx="7500416" cy="1017235"/>
       </dsp:txXfrm>
     </dsp:sp>
   </dsp:spTree>
@@ -6918,7 +6918,7 @@
       <dsp:spPr>
         <a:xfrm>
           <a:off x="3257" y="0"/>
-          <a:ext cx="1959163" cy="720189"/>
+          <a:ext cx="1959163" cy="720190"/>
         </a:xfrm>
         <a:prstGeom prst="roundRect">
           <a:avLst>
@@ -6993,7 +6993,7 @@
       <dsp:spPr>
         <a:xfrm>
           <a:off x="395089" y="0"/>
-          <a:ext cx="1459576" cy="720189"/>
+          <a:ext cx="1459576" cy="720190"/>
         </a:xfrm>
         <a:prstGeom prst="rect">
           <a:avLst/>
@@ -7046,7 +7046,7 @@
       </dsp:txBody>
       <dsp:txXfrm>
         <a:off x="395089" y="0"/>
-        <a:ext cx="1459576" cy="720189"/>
+        <a:ext cx="1459576" cy="720190"/>
       </dsp:txXfrm>
     </dsp:sp>
     <dsp:sp modelId="{27C4E44A-4A29-46F0-A0A8-71D6BA3C05A4}">
@@ -7057,7 +7057,7 @@
       <dsp:spPr>
         <a:xfrm>
           <a:off x="2030990" y="0"/>
-          <a:ext cx="1959163" cy="720189"/>
+          <a:ext cx="1959163" cy="720190"/>
         </a:xfrm>
         <a:prstGeom prst="roundRect">
           <a:avLst>
@@ -7179,7 +7179,7 @@
       <dsp:spPr>
         <a:xfrm>
           <a:off x="2422823" y="0"/>
-          <a:ext cx="1459576" cy="720189"/>
+          <a:ext cx="1459576" cy="720190"/>
         </a:xfrm>
         <a:prstGeom prst="rect">
           <a:avLst/>
@@ -7236,7 +7236,7 @@
       </dsp:txBody>
       <dsp:txXfrm>
         <a:off x="2422823" y="0"/>
-        <a:ext cx="1459576" cy="720189"/>
+        <a:ext cx="1459576" cy="720190"/>
       </dsp:txXfrm>
     </dsp:sp>
     <dsp:sp modelId="{077E1FEA-BF70-4712-8614-E1B177C25C67}">
@@ -7247,7 +7247,7 @@
       <dsp:spPr>
         <a:xfrm>
           <a:off x="4058724" y="0"/>
-          <a:ext cx="1959163" cy="720189"/>
+          <a:ext cx="1959163" cy="720190"/>
         </a:xfrm>
         <a:prstGeom prst="roundRect">
           <a:avLst>
@@ -7369,7 +7369,7 @@
       <dsp:spPr>
         <a:xfrm>
           <a:off x="4450557" y="0"/>
-          <a:ext cx="1459576" cy="720189"/>
+          <a:ext cx="1459576" cy="720190"/>
         </a:xfrm>
         <a:prstGeom prst="rect">
           <a:avLst/>
@@ -7422,7 +7422,7 @@
       </dsp:txBody>
       <dsp:txXfrm>
         <a:off x="4450557" y="0"/>
-        <a:ext cx="1459576" cy="720189"/>
+        <a:ext cx="1459576" cy="720190"/>
       </dsp:txXfrm>
     </dsp:sp>
     <dsp:sp modelId="{8A5591B4-1888-4A2F-8CFF-FF31D4148698}">
@@ -7433,7 +7433,7 @@
       <dsp:spPr>
         <a:xfrm>
           <a:off x="6086458" y="0"/>
-          <a:ext cx="1959163" cy="720189"/>
+          <a:ext cx="1959163" cy="720190"/>
         </a:xfrm>
         <a:prstGeom prst="roundRect">
           <a:avLst>
@@ -7555,7 +7555,7 @@
       <dsp:spPr>
         <a:xfrm>
           <a:off x="6478291" y="0"/>
-          <a:ext cx="1459576" cy="720189"/>
+          <a:ext cx="1459576" cy="720190"/>
         </a:xfrm>
         <a:prstGeom prst="rect">
           <a:avLst/>
@@ -7608,7 +7608,7 @@
       </dsp:txBody>
       <dsp:txXfrm>
         <a:off x="6478291" y="0"/>
-        <a:ext cx="1459576" cy="720189"/>
+        <a:ext cx="1459576" cy="720190"/>
       </dsp:txXfrm>
     </dsp:sp>
   </dsp:spTree>
@@ -8341,7 +8341,7 @@
                 <a:srgbClr val="000000"/>
               </a:solidFill>
             </a:rPr>
-            <a:t>Produktion der Raumschiffe</a:t>
+            <a:t>Raumschiffe produzieren</a:t>
           </a:r>
           <a:endParaRPr lang="de-DE" sz="1100" b="1" kern="1200" dirty="0">
             <a:solidFill>
@@ -13871,7 +13871,7 @@
           <a:p>
             <a:fld id="{27667466-E0D7-FD4B-BBEF-602BF6B185FF}" type="datetimeFigureOut">
               <a:rPr lang="de-DE" smtClean="0"/>
-              <a:t>06.11.2011</a:t>
+              <a:t>07.11.11</a:t>
             </a:fld>
             <a:endParaRPr lang="de-DE"/>
           </a:p>
@@ -14037,7 +14037,7 @@
           <a:p>
             <a:fld id="{358CF69D-E791-E447-927B-A50D3ED4596D}" type="datetimeFigureOut">
               <a:rPr lang="de-DE" smtClean="0"/>
-              <a:t>06.11.2011</a:t>
+              <a:t>07.11.11</a:t>
             </a:fld>
             <a:endParaRPr lang="de-DE"/>
           </a:p>
@@ -15060,7 +15060,6 @@
               <a:rPr lang="de-DE" baseline="0" dirty="0" smtClean="0"/>
               <a:t>Märkte verwalten Typen</a:t>
             </a:r>
-            <a:endParaRPr lang="de-DE" baseline="0" dirty="0" smtClean="0"/>
           </a:p>
           <a:p>
             <a:pPr marL="171450" indent="-171450">
@@ -20519,7 +20518,7 @@
   <p:timing>
     <p:tnLst>
       <p:par>
-        <p:cTn id="1" dur="indefinite" restart="never" nodeType="tmRoot"/>
+        <p:cTn xmlns:p14="http://schemas.microsoft.com/office/powerpoint/2010/main" id="1" dur="indefinite" restart="never" nodeType="tmRoot"/>
       </p:par>
     </p:tnLst>
   </p:timing>
@@ -20682,7 +20681,7 @@
   <p:timing>
     <p:tnLst>
       <p:par>
-        <p:cTn id="1" dur="indefinite" restart="never" nodeType="tmRoot"/>
+        <p:cTn xmlns:p14="http://schemas.microsoft.com/office/powerpoint/2010/main" id="1" dur="indefinite" restart="never" nodeType="tmRoot"/>
       </p:par>
     </p:tnLst>
   </p:timing>
@@ -20960,7 +20959,7 @@
   <p:timing>
     <p:tnLst>
       <p:par>
-        <p:cTn id="1" dur="indefinite" restart="never" nodeType="tmRoot"/>
+        <p:cTn xmlns:p14="http://schemas.microsoft.com/office/powerpoint/2010/main" id="1" dur="indefinite" restart="never" nodeType="tmRoot"/>
       </p:par>
     </p:tnLst>
   </p:timing>
@@ -21289,7 +21288,7 @@
   <p:timing>
     <p:tnLst>
       <p:par>
-        <p:cTn id="1" dur="indefinite" restart="never" nodeType="tmRoot"/>
+        <p:cTn xmlns:p14="http://schemas.microsoft.com/office/powerpoint/2010/main" id="1" dur="indefinite" restart="never" nodeType="tmRoot"/>
       </p:par>
     </p:tnLst>
   </p:timing>
@@ -21426,7 +21425,7 @@
   <p:timing>
     <p:tnLst>
       <p:par>
-        <p:cTn id="1" dur="indefinite" restart="never" nodeType="tmRoot"/>
+        <p:cTn xmlns:p14="http://schemas.microsoft.com/office/powerpoint/2010/main" id="1" dur="indefinite" restart="never" nodeType="tmRoot"/>
       </p:par>
     </p:tnLst>
   </p:timing>
@@ -21514,6 +21513,140 @@
             <a:fld id="{4A822907-8A9D-4F6B-98F6-913902AD56B5}" type="slidenum">
               <a:rPr lang="en-US" smtClean="0"/>
               <a:t>14</a:t>
+            </a:fld>
+            <a:endParaRPr lang="en-US"/>
+          </a:p>
+        </p:txBody>
+      </p:sp>
+      <p:pic>
+        <p:nvPicPr>
+          <p:cNvPr id="7" name="Inhaltsplatzhalter 6" descr="Finanzen.jpg"/>
+          <p:cNvPicPr>
+            <a:picLocks noGrp="1" noChangeAspect="1"/>
+          </p:cNvPicPr>
+          <p:nvPr>
+            <p:ph idx="4294967295"/>
+          </p:nvPr>
+        </p:nvPicPr>
+        <p:blipFill rotWithShape="1">
+          <a:blip r:embed="rId2">
+            <a:extLst>
+              <a:ext uri="{28A0092B-C50C-407E-A947-70E740481C1C}">
+                <a14:useLocalDpi xmlns:a14="http://schemas.microsoft.com/office/drawing/2010/main" val="0"/>
+              </a:ext>
+            </a:extLst>
+          </a:blip>
+          <a:srcRect l="2677" r="2496"/>
+          <a:stretch/>
+        </p:blipFill>
+        <p:spPr>
+          <a:xfrm>
+            <a:off x="729814" y="553384"/>
+            <a:ext cx="8060080" cy="6013953"/>
+          </a:xfrm>
+        </p:spPr>
+      </p:pic>
+    </p:spTree>
+    <p:extLst>
+      <p:ext uri="{BB962C8B-B14F-4D97-AF65-F5344CB8AC3E}">
+        <p14:creationId xmlns:p14="http://schemas.microsoft.com/office/powerpoint/2010/main" val="2256243919"/>
+      </p:ext>
+    </p:extLst>
+  </p:cSld>
+  <p:clrMapOvr>
+    <a:masterClrMapping/>
+  </p:clrMapOvr>
+  <p:timing>
+    <p:tnLst>
+      <p:par>
+        <p:cTn xmlns:p14="http://schemas.microsoft.com/office/powerpoint/2010/main" id="1" dur="indefinite" restart="never" nodeType="tmRoot"/>
+      </p:par>
+    </p:tnLst>
+  </p:timing>
+</p:sld>
+</file>
+
+<file path=ppt/slides/slide15.xml><?xml version="1.0" encoding="utf-8"?>
+<p:sld xmlns:a="http://schemas.openxmlformats.org/drawingml/2006/main" xmlns:r="http://schemas.openxmlformats.org/officeDocument/2006/relationships" xmlns:p="http://schemas.openxmlformats.org/presentationml/2006/main">
+  <p:cSld>
+    <p:spTree>
+      <p:nvGrpSpPr>
+        <p:cNvPr id="1" name=""/>
+        <p:cNvGrpSpPr/>
+        <p:nvPr/>
+      </p:nvGrpSpPr>
+      <p:grpSpPr>
+        <a:xfrm>
+          <a:off x="0" y="0"/>
+          <a:ext cx="0" cy="0"/>
+          <a:chOff x="0" y="0"/>
+          <a:chExt cx="0" cy="0"/>
+        </a:xfrm>
+      </p:grpSpPr>
+      <p:sp>
+        <p:nvSpPr>
+          <p:cNvPr id="4" name="Datumsplatzhalter 3"/>
+          <p:cNvSpPr>
+            <a:spLocks noGrp="1"/>
+          </p:cNvSpPr>
+          <p:nvPr>
+            <p:ph type="dt" sz="half" idx="10"/>
+          </p:nvPr>
+        </p:nvSpPr>
+        <p:spPr/>
+        <p:txBody>
+          <a:bodyPr/>
+          <a:lstStyle/>
+          <a:p>
+            <a:r>
+              <a:rPr lang="de-DE" smtClean="0"/>
+              <a:t>04.11.11</a:t>
+            </a:r>
+            <a:endParaRPr lang="en-US"/>
+          </a:p>
+        </p:txBody>
+      </p:sp>
+      <p:sp>
+        <p:nvSpPr>
+          <p:cNvPr id="5" name="Fußzeilenplatzhalter 4"/>
+          <p:cNvSpPr>
+            <a:spLocks noGrp="1"/>
+          </p:cNvSpPr>
+          <p:nvPr>
+            <p:ph type="ftr" sz="quarter" idx="11"/>
+          </p:nvPr>
+        </p:nvSpPr>
+        <p:spPr/>
+        <p:txBody>
+          <a:bodyPr/>
+          <a:lstStyle/>
+          <a:p>
+            <a:r>
+              <a:rPr lang="de-DE" smtClean="0"/>
+              <a:t>Star Greg</a:t>
+            </a:r>
+            <a:endParaRPr lang="en-US"/>
+          </a:p>
+        </p:txBody>
+      </p:sp>
+      <p:sp>
+        <p:nvSpPr>
+          <p:cNvPr id="6" name="Foliennummernplatzhalter 5"/>
+          <p:cNvSpPr>
+            <a:spLocks noGrp="1"/>
+          </p:cNvSpPr>
+          <p:nvPr>
+            <p:ph type="sldNum" sz="quarter" idx="12"/>
+          </p:nvPr>
+        </p:nvSpPr>
+        <p:spPr/>
+        <p:txBody>
+          <a:bodyPr/>
+          <a:lstStyle/>
+          <a:p>
+            <a:fld id="{4A822907-8A9D-4F6B-98F6-913902AD56B5}" type="slidenum">
+              <a:rPr lang="en-US" smtClean="0"/>
+              <a:t>15</a:t>
             </a:fld>
             <a:endParaRPr lang="en-US"/>
           </a:p>
@@ -21560,14 +21693,14 @@
   <p:timing>
     <p:tnLst>
       <p:par>
-        <p:cTn id="1" dur="indefinite" restart="never" nodeType="tmRoot"/>
+        <p:cTn xmlns:p14="http://schemas.microsoft.com/office/powerpoint/2010/main" id="1" dur="indefinite" restart="never" nodeType="tmRoot"/>
       </p:par>
     </p:tnLst>
   </p:timing>
 </p:sld>
 </file>
 
-<file path=ppt/slides/slide15.xml><?xml version="1.0" encoding="utf-8"?>
+<file path=ppt/slides/slide16.xml><?xml version="1.0" encoding="utf-8"?>
 <p:sld xmlns:a="http://schemas.openxmlformats.org/drawingml/2006/main" xmlns:r="http://schemas.openxmlformats.org/officeDocument/2006/relationships" xmlns:p="http://schemas.openxmlformats.org/presentationml/2006/main">
   <p:cSld>
     <p:spTree>
@@ -21647,7 +21780,7 @@
           <a:p>
             <a:fld id="{4A822907-8A9D-4F6B-98F6-913902AD56B5}" type="slidenum">
               <a:rPr lang="en-US" smtClean="0"/>
-              <a:t>15</a:t>
+              <a:t>16</a:t>
             </a:fld>
             <a:endParaRPr lang="en-US"/>
           </a:p>
@@ -21694,141 +21827,7 @@
   <p:timing>
     <p:tnLst>
       <p:par>
-        <p:cTn id="1" dur="indefinite" restart="never" nodeType="tmRoot"/>
-      </p:par>
-    </p:tnLst>
-  </p:timing>
-</p:sld>
-</file>
-
-<file path=ppt/slides/slide16.xml><?xml version="1.0" encoding="utf-8"?>
-<p:sld xmlns:a="http://schemas.openxmlformats.org/drawingml/2006/main" xmlns:r="http://schemas.openxmlformats.org/officeDocument/2006/relationships" xmlns:p="http://schemas.openxmlformats.org/presentationml/2006/main">
-  <p:cSld>
-    <p:spTree>
-      <p:nvGrpSpPr>
-        <p:cNvPr id="1" name=""/>
-        <p:cNvGrpSpPr/>
-        <p:nvPr/>
-      </p:nvGrpSpPr>
-      <p:grpSpPr>
-        <a:xfrm>
-          <a:off x="0" y="0"/>
-          <a:ext cx="0" cy="0"/>
-          <a:chOff x="0" y="0"/>
-          <a:chExt cx="0" cy="0"/>
-        </a:xfrm>
-      </p:grpSpPr>
-      <p:sp>
-        <p:nvSpPr>
-          <p:cNvPr id="4" name="Datumsplatzhalter 3"/>
-          <p:cNvSpPr>
-            <a:spLocks noGrp="1"/>
-          </p:cNvSpPr>
-          <p:nvPr>
-            <p:ph type="dt" sz="half" idx="10"/>
-          </p:nvPr>
-        </p:nvSpPr>
-        <p:spPr/>
-        <p:txBody>
-          <a:bodyPr/>
-          <a:lstStyle/>
-          <a:p>
-            <a:r>
-              <a:rPr lang="de-DE" smtClean="0"/>
-              <a:t>04.11.11</a:t>
-            </a:r>
-            <a:endParaRPr lang="en-US"/>
-          </a:p>
-        </p:txBody>
-      </p:sp>
-      <p:sp>
-        <p:nvSpPr>
-          <p:cNvPr id="5" name="Fußzeilenplatzhalter 4"/>
-          <p:cNvSpPr>
-            <a:spLocks noGrp="1"/>
-          </p:cNvSpPr>
-          <p:nvPr>
-            <p:ph type="ftr" sz="quarter" idx="11"/>
-          </p:nvPr>
-        </p:nvSpPr>
-        <p:spPr/>
-        <p:txBody>
-          <a:bodyPr/>
-          <a:lstStyle/>
-          <a:p>
-            <a:r>
-              <a:rPr lang="de-DE" smtClean="0"/>
-              <a:t>Star Greg</a:t>
-            </a:r>
-            <a:endParaRPr lang="en-US"/>
-          </a:p>
-        </p:txBody>
-      </p:sp>
-      <p:sp>
-        <p:nvSpPr>
-          <p:cNvPr id="6" name="Foliennummernplatzhalter 5"/>
-          <p:cNvSpPr>
-            <a:spLocks noGrp="1"/>
-          </p:cNvSpPr>
-          <p:nvPr>
-            <p:ph type="sldNum" sz="quarter" idx="12"/>
-          </p:nvPr>
-        </p:nvSpPr>
-        <p:spPr/>
-        <p:txBody>
-          <a:bodyPr/>
-          <a:lstStyle/>
-          <a:p>
-            <a:fld id="{4A822907-8A9D-4F6B-98F6-913902AD56B5}" type="slidenum">
-              <a:rPr lang="en-US" smtClean="0"/>
-              <a:t>16</a:t>
-            </a:fld>
-            <a:endParaRPr lang="en-US"/>
-          </a:p>
-        </p:txBody>
-      </p:sp>
-      <p:pic>
-        <p:nvPicPr>
-          <p:cNvPr id="7" name="Inhaltsplatzhalter 6" descr="Finanzen.jpg"/>
-          <p:cNvPicPr>
-            <a:picLocks noGrp="1" noChangeAspect="1"/>
-          </p:cNvPicPr>
-          <p:nvPr>
-            <p:ph idx="4294967295"/>
-          </p:nvPr>
-        </p:nvPicPr>
-        <p:blipFill rotWithShape="1">
-          <a:blip r:embed="rId2">
-            <a:extLst>
-              <a:ext uri="{28A0092B-C50C-407E-A947-70E740481C1C}">
-                <a14:useLocalDpi xmlns:a14="http://schemas.microsoft.com/office/drawing/2010/main" val="0"/>
-              </a:ext>
-            </a:extLst>
-          </a:blip>
-          <a:srcRect l="2677" r="2496"/>
-          <a:stretch/>
-        </p:blipFill>
-        <p:spPr>
-          <a:xfrm>
-            <a:off x="729814" y="553384"/>
-            <a:ext cx="8060080" cy="6013953"/>
-          </a:xfrm>
-        </p:spPr>
-      </p:pic>
-    </p:spTree>
-    <p:extLst>
-      <p:ext uri="{BB962C8B-B14F-4D97-AF65-F5344CB8AC3E}">
-        <p14:creationId xmlns:p14="http://schemas.microsoft.com/office/powerpoint/2010/main" val="2256243919"/>
-      </p:ext>
-    </p:extLst>
-  </p:cSld>
-  <p:clrMapOvr>
-    <a:masterClrMapping/>
-  </p:clrMapOvr>
-  <p:timing>
-    <p:tnLst>
-      <p:par>
-        <p:cTn id="1" dur="indefinite" restart="never" nodeType="tmRoot"/>
+        <p:cTn xmlns:p14="http://schemas.microsoft.com/office/powerpoint/2010/main" id="1" dur="indefinite" restart="never" nodeType="tmRoot"/>
       </p:par>
     </p:tnLst>
   </p:timing>
@@ -21965,7 +21964,7 @@
   <p:timing>
     <p:tnLst>
       <p:par>
-        <p:cTn id="1" dur="indefinite" restart="never" nodeType="tmRoot"/>
+        <p:cTn xmlns:p14="http://schemas.microsoft.com/office/powerpoint/2010/main" id="1" dur="indefinite" restart="never" nodeType="tmRoot"/>
       </p:par>
     </p:tnLst>
   </p:timing>
@@ -23947,7 +23946,7 @@
   <p:timing>
     <p:tnLst>
       <p:par>
-        <p:cTn id="1" dur="indefinite" restart="never" nodeType="tmRoot">
+        <p:cTn xmlns:p14="http://schemas.microsoft.com/office/powerpoint/2010/main" id="1" dur="indefinite" restart="never" nodeType="tmRoot">
           <p:childTnLst>
             <p:seq concurrent="1" nextAc="seek">
               <p:cTn id="2" dur="indefinite" nodeType="mainSeq">
@@ -25029,7 +25028,7 @@
   <p:timing>
     <p:tnLst>
       <p:par>
-        <p:cTn id="1" dur="indefinite" restart="never" nodeType="tmRoot"/>
+        <p:cTn xmlns:p14="http://schemas.microsoft.com/office/powerpoint/2010/main" id="1" dur="indefinite" restart="never" nodeType="tmRoot"/>
       </p:par>
     </p:tnLst>
   </p:timing>
@@ -25191,7 +25190,7 @@
   <p:timing>
     <p:tnLst>
       <p:par>
-        <p:cTn id="1" dur="indefinite" restart="never" nodeType="tmRoot"/>
+        <p:cTn xmlns:p14="http://schemas.microsoft.com/office/powerpoint/2010/main" id="1" dur="indefinite" restart="never" nodeType="tmRoot"/>
       </p:par>
     </p:tnLst>
   </p:timing>
@@ -25602,18 +25601,18 @@
   <p:clrMapOvr>
     <a:masterClrMapping/>
   </p:clrMapOvr>
-  <mc:AlternateContent xmlns:mc="http://schemas.openxmlformats.org/markup-compatibility/2006">
-    <mc:Choice xmlns:p14="http://schemas.microsoft.com/office/powerpoint/2010/main" Requires="p14">
+  <mc:AlternateContent xmlns:mc="http://schemas.openxmlformats.org/markup-compatibility/2006" xmlns:p14="http://schemas.microsoft.com/office/powerpoint/2010/main">
+    <mc:Choice Requires="p14">
       <p:transition p14:dur="0"/>
     </mc:Choice>
-    <mc:Fallback>
+    <mc:Fallback xmlns="">
       <p:transition/>
     </mc:Fallback>
   </mc:AlternateContent>
   <p:timing>
     <p:tnLst>
       <p:par>
-        <p:cTn id="1" dur="indefinite" restart="never" nodeType="tmRoot"/>
+        <p:cTn xmlns:p14="http://schemas.microsoft.com/office/powerpoint/2010/main" id="1" dur="indefinite" restart="never" nodeType="tmRoot"/>
       </p:par>
     </p:tnLst>
   </p:timing>
@@ -26231,13 +26230,13 @@
   <p:clrMapOvr>
     <a:masterClrMapping/>
   </p:clrMapOvr>
-  <mc:AlternateContent xmlns:mc="http://schemas.openxmlformats.org/markup-compatibility/2006">
-    <mc:Choice xmlns:p14="http://schemas.microsoft.com/office/powerpoint/2010/main" Requires="p14">
+  <mc:AlternateContent xmlns:mc="http://schemas.openxmlformats.org/markup-compatibility/2006" xmlns:p14="http://schemas.microsoft.com/office/powerpoint/2010/main">
+    <mc:Choice Requires="p14">
       <p:transition spd="med" p14:dur="700">
         <p:fade/>
       </p:transition>
     </mc:Choice>
-    <mc:Fallback>
+    <mc:Fallback xmlns="">
       <p:transition spd="med">
         <p:fade/>
       </p:transition>
@@ -26246,7 +26245,7 @@
   <p:timing>
     <p:tnLst>
       <p:par>
-        <p:cTn id="1" dur="indefinite" restart="never" nodeType="tmRoot"/>
+        <p:cTn xmlns:p14="http://schemas.microsoft.com/office/powerpoint/2010/main" id="1" dur="indefinite" restart="never" nodeType="tmRoot"/>
       </p:par>
     </p:tnLst>
   </p:timing>
@@ -26922,13 +26921,13 @@
   <p:clrMapOvr>
     <a:masterClrMapping/>
   </p:clrMapOvr>
-  <mc:AlternateContent xmlns:mc="http://schemas.openxmlformats.org/markup-compatibility/2006">
-    <mc:Choice xmlns:p14="http://schemas.microsoft.com/office/powerpoint/2010/main" Requires="p14">
+  <mc:AlternateContent xmlns:mc="http://schemas.openxmlformats.org/markup-compatibility/2006" xmlns:p14="http://schemas.microsoft.com/office/powerpoint/2010/main">
+    <mc:Choice Requires="p14">
       <p:transition spd="med" p14:dur="700">
         <p:fade/>
       </p:transition>
     </mc:Choice>
-    <mc:Fallback>
+    <mc:Fallback xmlns="">
       <p:transition spd="med">
         <p:fade/>
       </p:transition>
@@ -26937,7 +26936,7 @@
   <p:timing>
     <p:tnLst>
       <p:par>
-        <p:cTn id="1" dur="indefinite" restart="never" nodeType="tmRoot"/>
+        <p:cTn xmlns:p14="http://schemas.microsoft.com/office/powerpoint/2010/main" id="1" dur="indefinite" restart="never" nodeType="tmRoot"/>
       </p:par>
     </p:tnLst>
   </p:timing>
@@ -27646,13 +27645,13 @@
   <p:clrMapOvr>
     <a:masterClrMapping/>
   </p:clrMapOvr>
-  <mc:AlternateContent xmlns:mc="http://schemas.openxmlformats.org/markup-compatibility/2006">
-    <mc:Choice xmlns:p14="http://schemas.microsoft.com/office/powerpoint/2010/main" Requires="p14">
+  <mc:AlternateContent xmlns:mc="http://schemas.openxmlformats.org/markup-compatibility/2006" xmlns:p14="http://schemas.microsoft.com/office/powerpoint/2010/main">
+    <mc:Choice Requires="p14">
       <p:transition spd="med" p14:dur="700">
         <p:fade/>
       </p:transition>
     </mc:Choice>
-    <mc:Fallback>
+    <mc:Fallback xmlns="">
       <p:transition spd="med">
         <p:fade/>
       </p:transition>
@@ -27661,7 +27660,7 @@
   <p:timing>
     <p:tnLst>
       <p:par>
-        <p:cTn id="1" dur="indefinite" restart="never" nodeType="tmRoot"/>
+        <p:cTn xmlns:p14="http://schemas.microsoft.com/office/powerpoint/2010/main" id="1" dur="indefinite" restart="never" nodeType="tmRoot"/>
       </p:par>
     </p:tnLst>
   </p:timing>
@@ -27798,7 +27797,7 @@
   <p:timing>
     <p:tnLst>
       <p:par>
-        <p:cTn id="1" dur="indefinite" restart="never" nodeType="tmRoot"/>
+        <p:cTn xmlns:p14="http://schemas.microsoft.com/office/powerpoint/2010/main" id="1" dur="indefinite" restart="never" nodeType="tmRoot"/>
       </p:par>
     </p:tnLst>
   </p:timing>
@@ -27935,7 +27934,7 @@
   <p:timing>
     <p:tnLst>
       <p:par>
-        <p:cTn id="1" dur="indefinite" restart="never" nodeType="tmRoot"/>
+        <p:cTn xmlns:p14="http://schemas.microsoft.com/office/powerpoint/2010/main" id="1" dur="indefinite" restart="never" nodeType="tmRoot"/>
       </p:par>
     </p:tnLst>
   </p:timing>
@@ -28409,11 +28408,11 @@
   <p:clrMapOvr>
     <a:masterClrMapping/>
   </p:clrMapOvr>
-  <p:transition/>
+  <p:transition xmlns:p14="http://schemas.microsoft.com/office/powerpoint/2010/main"/>
   <p:timing>
     <p:tnLst>
       <p:par>
-        <p:cTn id="1" dur="indefinite" restart="never" nodeType="tmRoot">
+        <p:cTn xmlns:p14="http://schemas.microsoft.com/office/powerpoint/2010/main" id="1" dur="indefinite" restart="never" nodeType="tmRoot">
           <p:childTnLst>
             <p:seq concurrent="1" nextAc="seek">
               <p:cTn id="2" dur="indefinite" nodeType="mainSeq">
@@ -28784,7 +28783,7 @@
   <p:timing>
     <p:tnLst>
       <p:par>
-        <p:cTn id="1" dur="indefinite" restart="never" nodeType="tmRoot"/>
+        <p:cTn xmlns:p14="http://schemas.microsoft.com/office/powerpoint/2010/main" id="1" dur="indefinite" restart="never" nodeType="tmRoot"/>
       </p:par>
     </p:tnLst>
   </p:timing>
@@ -29511,7 +29510,7 @@
   <p:timing>
     <p:tnLst>
       <p:par>
-        <p:cTn id="1" dur="indefinite" restart="never" nodeType="tmRoot">
+        <p:cTn xmlns:p14="http://schemas.microsoft.com/office/powerpoint/2010/main" id="1" dur="indefinite" restart="never" nodeType="tmRoot">
           <p:childTnLst>
             <p:seq concurrent="1" nextAc="seek">
               <p:cTn id="2" dur="indefinite" nodeType="mainSeq">
@@ -29996,7 +29995,7 @@
   <p:timing>
     <p:tnLst>
       <p:par>
-        <p:cTn id="1" dur="indefinite" restart="never" nodeType="tmRoot"/>
+        <p:cTn xmlns:p14="http://schemas.microsoft.com/office/powerpoint/2010/main" id="1" dur="indefinite" restart="never" nodeType="tmRoot"/>
       </p:par>
     </p:tnLst>
   </p:timing>
@@ -30133,7 +30132,7 @@
   <p:timing>
     <p:tnLst>
       <p:par>
-        <p:cTn id="1" dur="indefinite" restart="never" nodeType="tmRoot"/>
+        <p:cTn xmlns:p14="http://schemas.microsoft.com/office/powerpoint/2010/main" id="1" dur="indefinite" restart="never" nodeType="tmRoot"/>
       </p:par>
     </p:tnLst>
   </p:timing>
@@ -30190,7 +30189,7 @@
             <p:ph idx="1"/>
             <p:extLst>
               <p:ext uri="{D42A27DB-BD31-4B8C-83A1-F6EECF244321}">
-                <p14:modId xmlns:p14="http://schemas.microsoft.com/office/powerpoint/2010/main" val="2072762202"/>
+                <p14:modId xmlns:p14="http://schemas.microsoft.com/office/powerpoint/2010/main" val="145511506"/>
               </p:ext>
             </p:extLst>
           </p:nvPr>
@@ -30511,7 +30510,7 @@
   <p:timing>
     <p:tnLst>
       <p:par>
-        <p:cTn id="1" dur="indefinite" restart="never" nodeType="tmRoot"/>
+        <p:cTn xmlns:p14="http://schemas.microsoft.com/office/powerpoint/2010/main" id="1" dur="indefinite" restart="never" nodeType="tmRoot"/>
       </p:par>
     </p:tnLst>
   </p:timing>

--- a/70 Praesentation/50 StarGreg Finish.pptx
+++ b/70 Praesentation/50 StarGreg Finish.pptx
@@ -692,11 +692,11 @@
         </c:dLbls>
         <c:marker val="1"/>
         <c:smooth val="0"/>
-        <c:axId val="1825657944"/>
-        <c:axId val="1825654872"/>
+        <c:axId val="2131864920"/>
+        <c:axId val="2131868056"/>
       </c:lineChart>
       <c:catAx>
-        <c:axId val="1825657944"/>
+        <c:axId val="2131864920"/>
         <c:scaling>
           <c:orientation val="minMax"/>
         </c:scaling>
@@ -705,7 +705,7 @@
         <c:majorTickMark val="out"/>
         <c:minorTickMark val="none"/>
         <c:tickLblPos val="nextTo"/>
-        <c:crossAx val="1825654872"/>
+        <c:crossAx val="2131868056"/>
         <c:crosses val="autoZero"/>
         <c:auto val="1"/>
         <c:lblAlgn val="ctr"/>
@@ -713,7 +713,7 @@
         <c:noMultiLvlLbl val="0"/>
       </c:catAx>
       <c:valAx>
-        <c:axId val="1825654872"/>
+        <c:axId val="2131868056"/>
         <c:scaling>
           <c:orientation val="minMax"/>
         </c:scaling>
@@ -724,7 +724,7 @@
         <c:majorTickMark val="out"/>
         <c:minorTickMark val="none"/>
         <c:tickLblPos val="nextTo"/>
-        <c:crossAx val="1825657944"/>
+        <c:crossAx val="2131864920"/>
         <c:crosses val="autoZero"/>
         <c:crossBetween val="between"/>
       </c:valAx>
@@ -20640,14 +20640,14 @@
       </p:sp>
       <p:pic>
         <p:nvPicPr>
-          <p:cNvPr id="9" name="Bild 8" descr="Screeny Shot 06.11.2011 21.09.38.png"/>
+          <p:cNvPr id="3" name="Bild 2" descr="Screeny Shot 07.11.2011 18.52.17.png"/>
           <p:cNvPicPr>
             <a:picLocks noChangeAspect="1"/>
           </p:cNvPicPr>
           <p:nvPr/>
         </p:nvPicPr>
         <p:blipFill>
-          <a:blip r:embed="rId2" cstate="email">
+          <a:blip r:embed="rId2">
             <a:extLst>
               <a:ext uri="{28A0092B-C50C-407E-A947-70E740481C1C}">
                 <a14:useLocalDpi xmlns:a14="http://schemas.microsoft.com/office/drawing/2010/main" val="0"/>
@@ -20660,8 +20660,8 @@
         </p:blipFill>
         <p:spPr>
           <a:xfrm>
-            <a:off x="1332240" y="2038256"/>
-            <a:ext cx="6479521" cy="4650174"/>
+            <a:off x="1280422" y="2038256"/>
+            <a:ext cx="6352259" cy="4638820"/>
           </a:xfrm>
           <a:prstGeom prst="rect">
             <a:avLst/>
@@ -20983,6 +20983,35 @@
           <a:chExt cx="0" cy="0"/>
         </a:xfrm>
       </p:grpSpPr>
+      <p:pic>
+        <p:nvPicPr>
+          <p:cNvPr id="11" name="Bild 10" descr="Screeny Shot 07.11.2011 18.52.17.png"/>
+          <p:cNvPicPr>
+            <a:picLocks noChangeAspect="1"/>
+          </p:cNvPicPr>
+          <p:nvPr/>
+        </p:nvPicPr>
+        <p:blipFill rotWithShape="1">
+          <a:blip r:embed="rId2">
+            <a:extLst>
+              <a:ext uri="{28A0092B-C50C-407E-A947-70E740481C1C}">
+                <a14:useLocalDpi xmlns:a14="http://schemas.microsoft.com/office/drawing/2010/main" val="0"/>
+              </a:ext>
+            </a:extLst>
+          </a:blip>
+          <a:srcRect t="26835"/>
+          <a:stretch/>
+        </p:blipFill>
+        <p:spPr>
+          <a:xfrm>
+            <a:off x="256989" y="2176885"/>
+            <a:ext cx="8542384" cy="4564172"/>
+          </a:xfrm>
+          <a:prstGeom prst="rect">
+            <a:avLst/>
+          </a:prstGeom>
+        </p:spPr>
+      </p:pic>
       <p:sp>
         <p:nvSpPr>
           <p:cNvPr id="2" name="Titel 1"/>
@@ -21088,7 +21117,7 @@
         <p:spPr>
           <a:xfrm>
             <a:off x="256988" y="2174240"/>
-            <a:ext cx="1480372" cy="812800"/>
+            <a:ext cx="1317302" cy="812800"/>
           </a:xfrm>
           <a:prstGeom prst="rect">
             <a:avLst/>
@@ -21122,78 +21151,6 @@
           </a:p>
         </p:txBody>
       </p:sp>
-      <p:sp>
-        <p:nvSpPr>
-          <p:cNvPr id="16" name="Rechteck 15"/>
-          <p:cNvSpPr/>
-          <p:nvPr/>
-        </p:nvSpPr>
-        <p:spPr>
-          <a:xfrm>
-            <a:off x="1195294" y="2174240"/>
-            <a:ext cx="1084132" cy="223520"/>
-          </a:xfrm>
-          <a:prstGeom prst="rect">
-            <a:avLst/>
-          </a:prstGeom>
-          <a:ln>
-            <a:solidFill>
-              <a:schemeClr val="bg1"/>
-            </a:solidFill>
-          </a:ln>
-        </p:spPr>
-        <p:style>
-          <a:lnRef idx="2">
-            <a:schemeClr val="accent6"/>
-          </a:lnRef>
-          <a:fillRef idx="1">
-            <a:schemeClr val="lt1"/>
-          </a:fillRef>
-          <a:effectRef idx="0">
-            <a:schemeClr val="accent6"/>
-          </a:effectRef>
-          <a:fontRef idx="minor">
-            <a:schemeClr val="dk1"/>
-          </a:fontRef>
-        </p:style>
-        <p:txBody>
-          <a:bodyPr rtlCol="0" anchor="ctr"/>
-          <a:lstStyle/>
-          <a:p>
-            <a:pPr algn="ctr"/>
-            <a:endParaRPr lang="de-DE"/>
-          </a:p>
-        </p:txBody>
-      </p:sp>
-      <p:pic>
-        <p:nvPicPr>
-          <p:cNvPr id="14" name="Bild 13" descr="Screeny Shot 06.11.2011 21.09.38.png"/>
-          <p:cNvPicPr>
-            <a:picLocks noChangeAspect="1"/>
-          </p:cNvPicPr>
-          <p:nvPr/>
-        </p:nvPicPr>
-        <p:blipFill rotWithShape="1">
-          <a:blip r:embed="rId2" cstate="email">
-            <a:extLst>
-              <a:ext uri="{28A0092B-C50C-407E-A947-70E740481C1C}">
-                <a14:useLocalDpi xmlns:a14="http://schemas.microsoft.com/office/drawing/2010/main" val="0"/>
-              </a:ext>
-            </a:extLst>
-          </a:blip>
-          <a:srcRect t="27704"/>
-          <a:stretch/>
-        </p:blipFill>
-        <p:spPr>
-          <a:xfrm>
-            <a:off x="196500" y="2174240"/>
-            <a:ext cx="8700364" cy="4514189"/>
-          </a:xfrm>
-          <a:prstGeom prst="rect">
-            <a:avLst/>
-          </a:prstGeom>
-        </p:spPr>
-      </p:pic>
       <p:sp>
         <p:nvSpPr>
           <p:cNvPr id="17" name="Rechteck 16"/>
@@ -21248,8 +21205,43 @@
         </p:nvCxnSpPr>
         <p:spPr>
           <a:xfrm flipH="1">
-            <a:off x="1167980" y="2164763"/>
+            <a:off x="1136495" y="2175259"/>
             <a:ext cx="7631392" cy="12122"/>
+          </a:xfrm>
+          <a:prstGeom prst="line">
+            <a:avLst/>
+          </a:prstGeom>
+          <a:ln w="6350" cmpd="sng">
+            <a:solidFill>
+              <a:schemeClr val="tx1"/>
+            </a:solidFill>
+          </a:ln>
+        </p:spPr>
+        <p:style>
+          <a:lnRef idx="2">
+            <a:schemeClr val="accent1"/>
+          </a:lnRef>
+          <a:fillRef idx="0">
+            <a:schemeClr val="accent1"/>
+          </a:fillRef>
+          <a:effectRef idx="1">
+            <a:schemeClr val="accent1"/>
+          </a:effectRef>
+          <a:fontRef idx="minor">
+            <a:schemeClr val="tx1"/>
+          </a:fontRef>
+        </p:style>
+      </p:cxnSp>
+      <p:cxnSp>
+        <p:nvCxnSpPr>
+          <p:cNvPr id="12" name="Gerade Verbindung 11"/>
+          <p:cNvCxnSpPr/>
+          <p:nvPr/>
+        </p:nvCxnSpPr>
+        <p:spPr>
+          <a:xfrm flipV="1">
+            <a:off x="1118961" y="2175259"/>
+            <a:ext cx="0" cy="1107823"/>
           </a:xfrm>
           <a:prstGeom prst="line">
             <a:avLst/>

--- a/70 Praesentation/50 StarGreg Finish.pptx
+++ b/70 Praesentation/50 StarGreg Finish.pptx
@@ -157,10 +157,10 @@
           <c:layoutTarget val="inner"/>
           <c:xMode val="edge"/>
           <c:yMode val="edge"/>
-          <c:x val="0.0602249208245362"/>
-          <c:y val="0.0983425913077632"/>
-          <c:w val="0.637940153072564"/>
-          <c:h val="0.579518310047155"/>
+          <c:x val="6.0224920824536197E-2"/>
+          <c:y val="9.8342591307763197E-2"/>
+          <c:w val="0.63794015307256402"/>
+          <c:h val="0.57951831004715504"/>
         </c:manualLayout>
       </c:layout>
       <c:lineChart>
@@ -228,34 +228,34 @@
                 <c:formatCode>General</c:formatCode>
                 <c:ptCount val="10"/>
                 <c:pt idx="0">
-                  <c:v>60.0</c:v>
+                  <c:v>60</c:v>
                 </c:pt>
                 <c:pt idx="1">
-                  <c:v>66.0</c:v>
+                  <c:v>66</c:v>
                 </c:pt>
                 <c:pt idx="2">
-                  <c:v>72.0</c:v>
+                  <c:v>72</c:v>
                 </c:pt>
                 <c:pt idx="3">
-                  <c:v>66.0</c:v>
+                  <c:v>66</c:v>
                 </c:pt>
                 <c:pt idx="4">
-                  <c:v>78.0</c:v>
+                  <c:v>78</c:v>
                 </c:pt>
                 <c:pt idx="5">
-                  <c:v>78.0</c:v>
+                  <c:v>78</c:v>
                 </c:pt>
                 <c:pt idx="6">
-                  <c:v>84.0</c:v>
+                  <c:v>84</c:v>
                 </c:pt>
                 <c:pt idx="7">
-                  <c:v>84.0</c:v>
+                  <c:v>84</c:v>
                 </c:pt>
                 <c:pt idx="8">
-                  <c:v>96.0</c:v>
+                  <c:v>96</c:v>
                 </c:pt>
                 <c:pt idx="9">
-                  <c:v>90.0</c:v>
+                  <c:v>90</c:v>
                 </c:pt>
               </c:numCache>
             </c:numRef>
@@ -324,34 +324,34 @@
                 <c:formatCode>General</c:formatCode>
                 <c:ptCount val="10"/>
                 <c:pt idx="0">
-                  <c:v>30.0</c:v>
+                  <c:v>30</c:v>
                 </c:pt>
                 <c:pt idx="1">
-                  <c:v>30.0</c:v>
+                  <c:v>30</c:v>
                 </c:pt>
                 <c:pt idx="2">
-                  <c:v>27.0</c:v>
+                  <c:v>27</c:v>
                 </c:pt>
                 <c:pt idx="3">
-                  <c:v>27.0</c:v>
+                  <c:v>27</c:v>
                 </c:pt>
                 <c:pt idx="4">
-                  <c:v>36.0</c:v>
+                  <c:v>36</c:v>
                 </c:pt>
                 <c:pt idx="5">
-                  <c:v>36.0</c:v>
+                  <c:v>36</c:v>
                 </c:pt>
                 <c:pt idx="6">
-                  <c:v>48.0</c:v>
+                  <c:v>48</c:v>
                 </c:pt>
                 <c:pt idx="7">
-                  <c:v>48.0</c:v>
+                  <c:v>48</c:v>
                 </c:pt>
                 <c:pt idx="8">
-                  <c:v>39.0</c:v>
+                  <c:v>39</c:v>
                 </c:pt>
                 <c:pt idx="9">
-                  <c:v>39.0</c:v>
+                  <c:v>39</c:v>
                 </c:pt>
               </c:numCache>
             </c:numRef>
@@ -420,34 +420,34 @@
                 <c:formatCode>General</c:formatCode>
                 <c:ptCount val="10"/>
                 <c:pt idx="0">
-                  <c:v>20.0</c:v>
+                  <c:v>20</c:v>
                 </c:pt>
                 <c:pt idx="1">
-                  <c:v>24.0</c:v>
+                  <c:v>24</c:v>
                 </c:pt>
                 <c:pt idx="2">
-                  <c:v>24.0</c:v>
+                  <c:v>24</c:v>
                 </c:pt>
                 <c:pt idx="3">
-                  <c:v>24.0</c:v>
+                  <c:v>24</c:v>
                 </c:pt>
                 <c:pt idx="4">
-                  <c:v>28.0</c:v>
+                  <c:v>28</c:v>
                 </c:pt>
                 <c:pt idx="5">
-                  <c:v>28.0</c:v>
+                  <c:v>28</c:v>
                 </c:pt>
                 <c:pt idx="6">
-                  <c:v>28.0</c:v>
+                  <c:v>28</c:v>
                 </c:pt>
                 <c:pt idx="7">
-                  <c:v>28.0</c:v>
+                  <c:v>28</c:v>
                 </c:pt>
                 <c:pt idx="8">
-                  <c:v>22.0</c:v>
+                  <c:v>22</c:v>
                 </c:pt>
                 <c:pt idx="9">
-                  <c:v>24.0</c:v>
+                  <c:v>24</c:v>
                 </c:pt>
               </c:numCache>
             </c:numRef>
@@ -692,11 +692,11 @@
         </c:dLbls>
         <c:marker val="1"/>
         <c:smooth val="0"/>
-        <c:axId val="2131864920"/>
-        <c:axId val="2131868056"/>
+        <c:axId val="48112128"/>
+        <c:axId val="78754304"/>
       </c:lineChart>
       <c:catAx>
-        <c:axId val="2131864920"/>
+        <c:axId val="48112128"/>
         <c:scaling>
           <c:orientation val="minMax"/>
         </c:scaling>
@@ -705,7 +705,7 @@
         <c:majorTickMark val="out"/>
         <c:minorTickMark val="none"/>
         <c:tickLblPos val="nextTo"/>
-        <c:crossAx val="2131868056"/>
+        <c:crossAx val="78754304"/>
         <c:crosses val="autoZero"/>
         <c:auto val="1"/>
         <c:lblAlgn val="ctr"/>
@@ -713,7 +713,7 @@
         <c:noMultiLvlLbl val="0"/>
       </c:catAx>
       <c:valAx>
-        <c:axId val="2131868056"/>
+        <c:axId val="78754304"/>
         <c:scaling>
           <c:orientation val="minMax"/>
         </c:scaling>
@@ -724,7 +724,7 @@
         <c:majorTickMark val="out"/>
         <c:minorTickMark val="none"/>
         <c:tickLblPos val="nextTo"/>
-        <c:crossAx val="2131864920"/>
+        <c:crossAx val="48112128"/>
         <c:crosses val="autoZero"/>
         <c:crossBetween val="between"/>
       </c:valAx>
@@ -7623,1060 +7623,6 @@
       <dsp:cNvGrpSpPr/>
     </dsp:nvGrpSpPr>
     <dsp:grpSpPr/>
-    <dsp:sp modelId="{AE55DD43-9428-7F41-B73D-EC2DB59DD4BA}">
-      <dsp:nvSpPr>
-        <dsp:cNvPr id="0" name=""/>
-        <dsp:cNvSpPr/>
-      </dsp:nvSpPr>
-      <dsp:spPr>
-        <a:xfrm>
-          <a:off x="5879" y="1527803"/>
-          <a:ext cx="1078694" cy="615160"/>
-        </a:xfrm>
-        <a:prstGeom prst="roundRect">
-          <a:avLst>
-            <a:gd name="adj" fmla="val 10000"/>
-          </a:avLst>
-        </a:prstGeom>
-        <a:solidFill>
-          <a:schemeClr val="accent3">
-            <a:alpha val="90000"/>
-            <a:hueOff val="0"/>
-            <a:satOff val="0"/>
-            <a:lumOff val="0"/>
-            <a:alphaOff val="0"/>
-          </a:schemeClr>
-        </a:solidFill>
-        <a:ln w="25400" cap="flat" cmpd="sng" algn="ctr">
-          <a:solidFill>
-            <a:schemeClr val="lt1">
-              <a:hueOff val="0"/>
-              <a:satOff val="0"/>
-              <a:lumOff val="0"/>
-              <a:alphaOff val="0"/>
-            </a:schemeClr>
-          </a:solidFill>
-          <a:prstDash val="solid"/>
-        </a:ln>
-        <a:effectLst/>
-      </dsp:spPr>
-      <dsp:style>
-        <a:lnRef idx="2">
-          <a:scrgbClr r="0" g="0" b="0"/>
-        </a:lnRef>
-        <a:fillRef idx="1">
-          <a:scrgbClr r="0" g="0" b="0"/>
-        </a:fillRef>
-        <a:effectRef idx="0">
-          <a:scrgbClr r="0" g="0" b="0"/>
-        </a:effectRef>
-        <a:fontRef idx="minor">
-          <a:schemeClr val="lt1"/>
-        </a:fontRef>
-      </dsp:style>
-      <dsp:txBody>
-        <a:bodyPr spcFirstLastPara="0" vert="horz" wrap="square" lIns="41910" tIns="41910" rIns="41910" bIns="41910" numCol="1" spcCol="1270" anchor="ctr" anchorCtr="0">
-          <a:noAutofit/>
-        </a:bodyPr>
-        <a:lstStyle/>
-        <a:p>
-          <a:pPr lvl="0" algn="ctr" defTabSz="488950">
-            <a:lnSpc>
-              <a:spcPct val="90000"/>
-            </a:lnSpc>
-            <a:spcBef>
-              <a:spcPct val="0"/>
-            </a:spcBef>
-            <a:spcAft>
-              <a:spcPct val="35000"/>
-            </a:spcAft>
-          </a:pPr>
-          <a:r>
-            <a:rPr lang="de-DE" sz="1100" b="1" kern="1200" dirty="0" smtClean="0">
-              <a:solidFill>
-                <a:srgbClr val="000000"/>
-              </a:solidFill>
-            </a:rPr>
-            <a:t>Unternehmen einrichten</a:t>
-          </a:r>
-          <a:endParaRPr lang="de-DE" sz="1100" b="1" kern="1200" dirty="0">
-            <a:solidFill>
-              <a:srgbClr val="000000"/>
-            </a:solidFill>
-          </a:endParaRPr>
-        </a:p>
-      </dsp:txBody>
-      <dsp:txXfrm>
-        <a:off x="23896" y="1545820"/>
-        <a:ext cx="1042660" cy="579126"/>
-      </dsp:txXfrm>
-    </dsp:sp>
-    <dsp:sp modelId="{7A0C3CCD-92B0-7F46-99CB-E288AF3BB621}">
-      <dsp:nvSpPr>
-        <dsp:cNvPr id="0" name=""/>
-        <dsp:cNvSpPr/>
-      </dsp:nvSpPr>
-      <dsp:spPr>
-        <a:xfrm>
-          <a:off x="1101704" y="1778129"/>
-          <a:ext cx="144000" cy="114508"/>
-        </a:xfrm>
-        <a:prstGeom prst="rightArrow">
-          <a:avLst>
-            <a:gd name="adj1" fmla="val 60000"/>
-            <a:gd name="adj2" fmla="val 50000"/>
-          </a:avLst>
-        </a:prstGeom>
-        <a:solidFill>
-          <a:schemeClr val="accent3">
-            <a:shade val="90000"/>
-            <a:hueOff val="0"/>
-            <a:satOff val="0"/>
-            <a:lumOff val="0"/>
-            <a:alphaOff val="0"/>
-          </a:schemeClr>
-        </a:solidFill>
-        <a:ln>
-          <a:noFill/>
-        </a:ln>
-        <a:effectLst/>
-      </dsp:spPr>
-      <dsp:style>
-        <a:lnRef idx="0">
-          <a:scrgbClr r="0" g="0" b="0"/>
-        </a:lnRef>
-        <a:fillRef idx="1">
-          <a:scrgbClr r="0" g="0" b="0"/>
-        </a:fillRef>
-        <a:effectRef idx="0">
-          <a:scrgbClr r="0" g="0" b="0"/>
-        </a:effectRef>
-        <a:fontRef idx="minor">
-          <a:schemeClr val="lt1"/>
-        </a:fontRef>
-      </dsp:style>
-      <dsp:txBody>
-        <a:bodyPr spcFirstLastPara="0" vert="horz" wrap="square" lIns="0" tIns="0" rIns="0" bIns="0" numCol="1" spcCol="1270" anchor="ctr" anchorCtr="0">
-          <a:noAutofit/>
-        </a:bodyPr>
-        <a:lstStyle/>
-        <a:p>
-          <a:pPr lvl="0" algn="ctr" defTabSz="488950">
-            <a:lnSpc>
-              <a:spcPct val="90000"/>
-            </a:lnSpc>
-            <a:spcBef>
-              <a:spcPct val="0"/>
-            </a:spcBef>
-            <a:spcAft>
-              <a:spcPct val="35000"/>
-            </a:spcAft>
-          </a:pPr>
-          <a:endParaRPr lang="de-DE" sz="1100" b="1" kern="1200">
-            <a:solidFill>
-              <a:srgbClr val="000000"/>
-            </a:solidFill>
-          </a:endParaRPr>
-        </a:p>
-      </dsp:txBody>
-      <dsp:txXfrm>
-        <a:off x="1101704" y="1801031"/>
-        <a:ext cx="109648" cy="68704"/>
-      </dsp:txXfrm>
-    </dsp:sp>
-    <dsp:sp modelId="{6B4FAB92-B09E-D84C-8D61-5D5788845DDE}">
-      <dsp:nvSpPr>
-        <dsp:cNvPr id="0" name=""/>
-        <dsp:cNvSpPr/>
-      </dsp:nvSpPr>
-      <dsp:spPr>
-        <a:xfrm>
-          <a:off x="1257643" y="1527803"/>
-          <a:ext cx="1078694" cy="615160"/>
-        </a:xfrm>
-        <a:prstGeom prst="roundRect">
-          <a:avLst>
-            <a:gd name="adj" fmla="val 10000"/>
-          </a:avLst>
-        </a:prstGeom>
-        <a:solidFill>
-          <a:schemeClr val="accent3">
-            <a:alpha val="90000"/>
-            <a:hueOff val="0"/>
-            <a:satOff val="0"/>
-            <a:lumOff val="0"/>
-            <a:alphaOff val="-6667"/>
-          </a:schemeClr>
-        </a:solidFill>
-        <a:ln w="25400" cap="flat" cmpd="sng" algn="ctr">
-          <a:solidFill>
-            <a:schemeClr val="lt1">
-              <a:hueOff val="0"/>
-              <a:satOff val="0"/>
-              <a:lumOff val="0"/>
-              <a:alphaOff val="0"/>
-            </a:schemeClr>
-          </a:solidFill>
-          <a:prstDash val="solid"/>
-        </a:ln>
-        <a:effectLst/>
-      </dsp:spPr>
-      <dsp:style>
-        <a:lnRef idx="2">
-          <a:scrgbClr r="0" g="0" b="0"/>
-        </a:lnRef>
-        <a:fillRef idx="1">
-          <a:scrgbClr r="0" g="0" b="0"/>
-        </a:fillRef>
-        <a:effectRef idx="0">
-          <a:scrgbClr r="0" g="0" b="0"/>
-        </a:effectRef>
-        <a:fontRef idx="minor">
-          <a:schemeClr val="lt1"/>
-        </a:fontRef>
-      </dsp:style>
-      <dsp:txBody>
-        <a:bodyPr spcFirstLastPara="0" vert="horz" wrap="square" lIns="41910" tIns="41910" rIns="41910" bIns="41910" numCol="1" spcCol="1270" anchor="ctr" anchorCtr="0">
-          <a:noAutofit/>
-        </a:bodyPr>
-        <a:lstStyle/>
-        <a:p>
-          <a:pPr lvl="0" algn="ctr" defTabSz="488950">
-            <a:lnSpc>
-              <a:spcPct val="90000"/>
-            </a:lnSpc>
-            <a:spcBef>
-              <a:spcPct val="0"/>
-            </a:spcBef>
-            <a:spcAft>
-              <a:spcPct val="35000"/>
-            </a:spcAft>
-          </a:pPr>
-          <a:r>
-            <a:rPr lang="de-DE" sz="1100" b="1" kern="1200" dirty="0" smtClean="0">
-              <a:solidFill>
-                <a:srgbClr val="000000"/>
-              </a:solidFill>
-            </a:rPr>
-            <a:t>Finanzen einsehen</a:t>
-          </a:r>
-          <a:endParaRPr lang="de-DE" sz="1100" b="1" kern="1200" dirty="0">
-            <a:solidFill>
-              <a:srgbClr val="000000"/>
-            </a:solidFill>
-          </a:endParaRPr>
-        </a:p>
-      </dsp:txBody>
-      <dsp:txXfrm>
-        <a:off x="1275660" y="1545820"/>
-        <a:ext cx="1042660" cy="579126"/>
-      </dsp:txXfrm>
-    </dsp:sp>
-    <dsp:sp modelId="{9D5F9421-7680-D644-9D45-AF8251FC1D83}">
-      <dsp:nvSpPr>
-        <dsp:cNvPr id="0" name=""/>
-        <dsp:cNvSpPr/>
-      </dsp:nvSpPr>
-      <dsp:spPr>
-        <a:xfrm>
-          <a:off x="2353467" y="1781731"/>
-          <a:ext cx="144000" cy="107303"/>
-        </a:xfrm>
-        <a:prstGeom prst="rightArrow">
-          <a:avLst>
-            <a:gd name="adj1" fmla="val 60000"/>
-            <a:gd name="adj2" fmla="val 50000"/>
-          </a:avLst>
-        </a:prstGeom>
-        <a:solidFill>
-          <a:schemeClr val="accent3">
-            <a:shade val="90000"/>
-            <a:hueOff val="-82658"/>
-            <a:satOff val="-6135"/>
-            <a:lumOff val="8241"/>
-            <a:alphaOff val="0"/>
-          </a:schemeClr>
-        </a:solidFill>
-        <a:ln>
-          <a:noFill/>
-        </a:ln>
-        <a:effectLst/>
-      </dsp:spPr>
-      <dsp:style>
-        <a:lnRef idx="0">
-          <a:scrgbClr r="0" g="0" b="0"/>
-        </a:lnRef>
-        <a:fillRef idx="1">
-          <a:scrgbClr r="0" g="0" b="0"/>
-        </a:fillRef>
-        <a:effectRef idx="0">
-          <a:scrgbClr r="0" g="0" b="0"/>
-        </a:effectRef>
-        <a:fontRef idx="minor">
-          <a:schemeClr val="lt1"/>
-        </a:fontRef>
-      </dsp:style>
-      <dsp:txBody>
-        <a:bodyPr spcFirstLastPara="0" vert="horz" wrap="square" lIns="0" tIns="0" rIns="0" bIns="0" numCol="1" spcCol="1270" anchor="ctr" anchorCtr="0">
-          <a:noAutofit/>
-        </a:bodyPr>
-        <a:lstStyle/>
-        <a:p>
-          <a:pPr lvl="0" algn="ctr" defTabSz="488950">
-            <a:lnSpc>
-              <a:spcPct val="90000"/>
-            </a:lnSpc>
-            <a:spcBef>
-              <a:spcPct val="0"/>
-            </a:spcBef>
-            <a:spcAft>
-              <a:spcPct val="35000"/>
-            </a:spcAft>
-          </a:pPr>
-          <a:endParaRPr lang="de-DE" sz="1100" b="1" kern="1200">
-            <a:solidFill>
-              <a:srgbClr val="000000"/>
-            </a:solidFill>
-          </a:endParaRPr>
-        </a:p>
-      </dsp:txBody>
-      <dsp:txXfrm>
-        <a:off x="2353467" y="1803192"/>
-        <a:ext cx="111809" cy="64381"/>
-      </dsp:txXfrm>
-    </dsp:sp>
-    <dsp:sp modelId="{6D5F24C4-C754-0346-9A17-9000437579E8}">
-      <dsp:nvSpPr>
-        <dsp:cNvPr id="0" name=""/>
-        <dsp:cNvSpPr/>
-      </dsp:nvSpPr>
-      <dsp:spPr>
-        <a:xfrm>
-          <a:off x="2509406" y="1527803"/>
-          <a:ext cx="1078694" cy="615160"/>
-        </a:xfrm>
-        <a:prstGeom prst="roundRect">
-          <a:avLst>
-            <a:gd name="adj" fmla="val 10000"/>
-          </a:avLst>
-        </a:prstGeom>
-        <a:solidFill>
-          <a:schemeClr val="accent3">
-            <a:alpha val="90000"/>
-            <a:hueOff val="0"/>
-            <a:satOff val="0"/>
-            <a:lumOff val="0"/>
-            <a:alphaOff val="-13333"/>
-          </a:schemeClr>
-        </a:solidFill>
-        <a:ln w="25400" cap="flat" cmpd="sng" algn="ctr">
-          <a:solidFill>
-            <a:schemeClr val="lt1">
-              <a:hueOff val="0"/>
-              <a:satOff val="0"/>
-              <a:lumOff val="0"/>
-              <a:alphaOff val="0"/>
-            </a:schemeClr>
-          </a:solidFill>
-          <a:prstDash val="solid"/>
-        </a:ln>
-        <a:effectLst/>
-      </dsp:spPr>
-      <dsp:style>
-        <a:lnRef idx="2">
-          <a:scrgbClr r="0" g="0" b="0"/>
-        </a:lnRef>
-        <a:fillRef idx="1">
-          <a:scrgbClr r="0" g="0" b="0"/>
-        </a:fillRef>
-        <a:effectRef idx="0">
-          <a:scrgbClr r="0" g="0" b="0"/>
-        </a:effectRef>
-        <a:fontRef idx="minor">
-          <a:schemeClr val="lt1"/>
-        </a:fontRef>
-      </dsp:style>
-      <dsp:txBody>
-        <a:bodyPr spcFirstLastPara="0" vert="horz" wrap="square" lIns="41910" tIns="41910" rIns="41910" bIns="41910" numCol="1" spcCol="1270" anchor="ctr" anchorCtr="0">
-          <a:noAutofit/>
-        </a:bodyPr>
-        <a:lstStyle/>
-        <a:p>
-          <a:pPr lvl="0" algn="ctr" defTabSz="488950">
-            <a:lnSpc>
-              <a:spcPct val="90000"/>
-            </a:lnSpc>
-            <a:spcBef>
-              <a:spcPct val="0"/>
-            </a:spcBef>
-            <a:spcAft>
-              <a:spcPct val="35000"/>
-            </a:spcAft>
-          </a:pPr>
-          <a:r>
-            <a:rPr lang="de-DE" sz="1100" b="1" kern="1200" dirty="0" smtClean="0">
-              <a:solidFill>
-                <a:srgbClr val="000000"/>
-              </a:solidFill>
-            </a:rPr>
-            <a:t>Einkauf von Bauteilen</a:t>
-          </a:r>
-          <a:endParaRPr lang="de-DE" sz="1100" b="1" kern="1200" dirty="0">
-            <a:solidFill>
-              <a:srgbClr val="000000"/>
-            </a:solidFill>
-          </a:endParaRPr>
-        </a:p>
-      </dsp:txBody>
-      <dsp:txXfrm>
-        <a:off x="2527423" y="1545820"/>
-        <a:ext cx="1042660" cy="579126"/>
-      </dsp:txXfrm>
-    </dsp:sp>
-    <dsp:sp modelId="{2CDEA237-215F-6048-A36D-CA48F653B9F0}">
-      <dsp:nvSpPr>
-        <dsp:cNvPr id="0" name=""/>
-        <dsp:cNvSpPr/>
-      </dsp:nvSpPr>
-      <dsp:spPr>
-        <a:xfrm>
-          <a:off x="3605231" y="1781731"/>
-          <a:ext cx="144000" cy="107303"/>
-        </a:xfrm>
-        <a:prstGeom prst="rightArrow">
-          <a:avLst>
-            <a:gd name="adj1" fmla="val 60000"/>
-            <a:gd name="adj2" fmla="val 50000"/>
-          </a:avLst>
-        </a:prstGeom>
-        <a:solidFill>
-          <a:schemeClr val="accent3">
-            <a:shade val="90000"/>
-            <a:hueOff val="-165316"/>
-            <a:satOff val="-12270"/>
-            <a:lumOff val="16482"/>
-            <a:alphaOff val="0"/>
-          </a:schemeClr>
-        </a:solidFill>
-        <a:ln>
-          <a:noFill/>
-        </a:ln>
-        <a:effectLst/>
-      </dsp:spPr>
-      <dsp:style>
-        <a:lnRef idx="0">
-          <a:scrgbClr r="0" g="0" b="0"/>
-        </a:lnRef>
-        <a:fillRef idx="1">
-          <a:scrgbClr r="0" g="0" b="0"/>
-        </a:fillRef>
-        <a:effectRef idx="0">
-          <a:scrgbClr r="0" g="0" b="0"/>
-        </a:effectRef>
-        <a:fontRef idx="minor">
-          <a:schemeClr val="lt1"/>
-        </a:fontRef>
-      </dsp:style>
-      <dsp:txBody>
-        <a:bodyPr spcFirstLastPara="0" vert="horz" wrap="square" lIns="0" tIns="0" rIns="0" bIns="0" numCol="1" spcCol="1270" anchor="ctr" anchorCtr="0">
-          <a:noAutofit/>
-        </a:bodyPr>
-        <a:lstStyle/>
-        <a:p>
-          <a:pPr lvl="0" algn="ctr" defTabSz="488950">
-            <a:lnSpc>
-              <a:spcPct val="90000"/>
-            </a:lnSpc>
-            <a:spcBef>
-              <a:spcPct val="0"/>
-            </a:spcBef>
-            <a:spcAft>
-              <a:spcPct val="35000"/>
-            </a:spcAft>
-          </a:pPr>
-          <a:endParaRPr lang="de-DE" sz="1100" b="1" kern="1200">
-            <a:solidFill>
-              <a:srgbClr val="000000"/>
-            </a:solidFill>
-          </a:endParaRPr>
-        </a:p>
-      </dsp:txBody>
-      <dsp:txXfrm>
-        <a:off x="3605231" y="1803192"/>
-        <a:ext cx="111809" cy="64381"/>
-      </dsp:txXfrm>
-    </dsp:sp>
-    <dsp:sp modelId="{EF9A7DCF-E5B0-2C49-805A-AC2B4B728B76}">
-      <dsp:nvSpPr>
-        <dsp:cNvPr id="0" name=""/>
-        <dsp:cNvSpPr/>
-      </dsp:nvSpPr>
-      <dsp:spPr>
-        <a:xfrm>
-          <a:off x="3761170" y="1527803"/>
-          <a:ext cx="1078694" cy="615160"/>
-        </a:xfrm>
-        <a:prstGeom prst="roundRect">
-          <a:avLst>
-            <a:gd name="adj" fmla="val 10000"/>
-          </a:avLst>
-        </a:prstGeom>
-        <a:solidFill>
-          <a:schemeClr val="accent3">
-            <a:alpha val="90000"/>
-            <a:hueOff val="0"/>
-            <a:satOff val="0"/>
-            <a:lumOff val="0"/>
-            <a:alphaOff val="-20000"/>
-          </a:schemeClr>
-        </a:solidFill>
-        <a:ln w="25400" cap="flat" cmpd="sng" algn="ctr">
-          <a:solidFill>
-            <a:schemeClr val="lt1">
-              <a:hueOff val="0"/>
-              <a:satOff val="0"/>
-              <a:lumOff val="0"/>
-              <a:alphaOff val="0"/>
-            </a:schemeClr>
-          </a:solidFill>
-          <a:prstDash val="solid"/>
-        </a:ln>
-        <a:effectLst/>
-      </dsp:spPr>
-      <dsp:style>
-        <a:lnRef idx="2">
-          <a:scrgbClr r="0" g="0" b="0"/>
-        </a:lnRef>
-        <a:fillRef idx="1">
-          <a:scrgbClr r="0" g="0" b="0"/>
-        </a:fillRef>
-        <a:effectRef idx="0">
-          <a:scrgbClr r="0" g="0" b="0"/>
-        </a:effectRef>
-        <a:fontRef idx="minor">
-          <a:schemeClr val="lt1"/>
-        </a:fontRef>
-      </dsp:style>
-      <dsp:txBody>
-        <a:bodyPr spcFirstLastPara="0" vert="horz" wrap="square" lIns="41910" tIns="41910" rIns="41910" bIns="41910" numCol="1" spcCol="1270" anchor="ctr" anchorCtr="0">
-          <a:noAutofit/>
-        </a:bodyPr>
-        <a:lstStyle/>
-        <a:p>
-          <a:pPr lvl="0" algn="ctr" defTabSz="488950">
-            <a:lnSpc>
-              <a:spcPct val="90000"/>
-            </a:lnSpc>
-            <a:spcBef>
-              <a:spcPct val="0"/>
-            </a:spcBef>
-            <a:spcAft>
-              <a:spcPct val="35000"/>
-            </a:spcAft>
-          </a:pPr>
-          <a:r>
-            <a:rPr lang="de-DE" sz="1100" b="1" kern="1200" dirty="0" smtClean="0">
-              <a:solidFill>
-                <a:srgbClr val="000000"/>
-              </a:solidFill>
-            </a:rPr>
-            <a:t>Personal verwalten</a:t>
-          </a:r>
-          <a:endParaRPr lang="de-DE" sz="1100" b="1" kern="1200" dirty="0">
-            <a:solidFill>
-              <a:srgbClr val="000000"/>
-            </a:solidFill>
-          </a:endParaRPr>
-        </a:p>
-      </dsp:txBody>
-      <dsp:txXfrm>
-        <a:off x="3779187" y="1545820"/>
-        <a:ext cx="1042660" cy="579126"/>
-      </dsp:txXfrm>
-    </dsp:sp>
-    <dsp:sp modelId="{3A5AC82B-7463-1047-85AB-EC94B837835A}">
-      <dsp:nvSpPr>
-        <dsp:cNvPr id="0" name=""/>
-        <dsp:cNvSpPr/>
-      </dsp:nvSpPr>
-      <dsp:spPr>
-        <a:xfrm>
-          <a:off x="4856995" y="1781731"/>
-          <a:ext cx="144000" cy="107303"/>
-        </a:xfrm>
-        <a:prstGeom prst="rightArrow">
-          <a:avLst>
-            <a:gd name="adj1" fmla="val 60000"/>
-            <a:gd name="adj2" fmla="val 50000"/>
-          </a:avLst>
-        </a:prstGeom>
-        <a:solidFill>
-          <a:schemeClr val="accent3">
-            <a:shade val="90000"/>
-            <a:hueOff val="-247974"/>
-            <a:satOff val="-18406"/>
-            <a:lumOff val="24723"/>
-            <a:alphaOff val="0"/>
-          </a:schemeClr>
-        </a:solidFill>
-        <a:ln>
-          <a:noFill/>
-        </a:ln>
-        <a:effectLst/>
-      </dsp:spPr>
-      <dsp:style>
-        <a:lnRef idx="0">
-          <a:scrgbClr r="0" g="0" b="0"/>
-        </a:lnRef>
-        <a:fillRef idx="1">
-          <a:scrgbClr r="0" g="0" b="0"/>
-        </a:fillRef>
-        <a:effectRef idx="0">
-          <a:scrgbClr r="0" g="0" b="0"/>
-        </a:effectRef>
-        <a:fontRef idx="minor">
-          <a:schemeClr val="lt1"/>
-        </a:fontRef>
-      </dsp:style>
-      <dsp:txBody>
-        <a:bodyPr spcFirstLastPara="0" vert="horz" wrap="square" lIns="0" tIns="0" rIns="0" bIns="0" numCol="1" spcCol="1270" anchor="ctr" anchorCtr="0">
-          <a:noAutofit/>
-        </a:bodyPr>
-        <a:lstStyle/>
-        <a:p>
-          <a:pPr lvl="0" algn="ctr" defTabSz="488950">
-            <a:lnSpc>
-              <a:spcPct val="90000"/>
-            </a:lnSpc>
-            <a:spcBef>
-              <a:spcPct val="0"/>
-            </a:spcBef>
-            <a:spcAft>
-              <a:spcPct val="35000"/>
-            </a:spcAft>
-          </a:pPr>
-          <a:endParaRPr lang="de-DE" sz="1100" b="1" kern="1200">
-            <a:solidFill>
-              <a:srgbClr val="000000"/>
-            </a:solidFill>
-          </a:endParaRPr>
-        </a:p>
-      </dsp:txBody>
-      <dsp:txXfrm>
-        <a:off x="4856995" y="1803192"/>
-        <a:ext cx="111809" cy="64381"/>
-      </dsp:txXfrm>
-    </dsp:sp>
-    <dsp:sp modelId="{E9040923-0347-3940-94B6-75FF8AF184B0}">
-      <dsp:nvSpPr>
-        <dsp:cNvPr id="0" name=""/>
-        <dsp:cNvSpPr/>
-      </dsp:nvSpPr>
-      <dsp:spPr>
-        <a:xfrm>
-          <a:off x="5012934" y="1527803"/>
-          <a:ext cx="1078694" cy="615160"/>
-        </a:xfrm>
-        <a:prstGeom prst="roundRect">
-          <a:avLst>
-            <a:gd name="adj" fmla="val 10000"/>
-          </a:avLst>
-        </a:prstGeom>
-        <a:solidFill>
-          <a:schemeClr val="accent3">
-            <a:alpha val="90000"/>
-            <a:hueOff val="0"/>
-            <a:satOff val="0"/>
-            <a:lumOff val="0"/>
-            <a:alphaOff val="-26667"/>
-          </a:schemeClr>
-        </a:solidFill>
-        <a:ln w="25400" cap="flat" cmpd="sng" algn="ctr">
-          <a:solidFill>
-            <a:schemeClr val="lt1">
-              <a:hueOff val="0"/>
-              <a:satOff val="0"/>
-              <a:lumOff val="0"/>
-              <a:alphaOff val="0"/>
-            </a:schemeClr>
-          </a:solidFill>
-          <a:prstDash val="solid"/>
-        </a:ln>
-        <a:effectLst/>
-      </dsp:spPr>
-      <dsp:style>
-        <a:lnRef idx="2">
-          <a:scrgbClr r="0" g="0" b="0"/>
-        </a:lnRef>
-        <a:fillRef idx="1">
-          <a:scrgbClr r="0" g="0" b="0"/>
-        </a:fillRef>
-        <a:effectRef idx="0">
-          <a:scrgbClr r="0" g="0" b="0"/>
-        </a:effectRef>
-        <a:fontRef idx="minor">
-          <a:schemeClr val="lt1"/>
-        </a:fontRef>
-      </dsp:style>
-      <dsp:txBody>
-        <a:bodyPr spcFirstLastPara="0" vert="horz" wrap="square" lIns="41910" tIns="41910" rIns="41910" bIns="41910" numCol="1" spcCol="1270" anchor="ctr" anchorCtr="0">
-          <a:noAutofit/>
-        </a:bodyPr>
-        <a:lstStyle/>
-        <a:p>
-          <a:pPr lvl="0" algn="ctr" defTabSz="488950">
-            <a:lnSpc>
-              <a:spcPct val="90000"/>
-            </a:lnSpc>
-            <a:spcBef>
-              <a:spcPct val="0"/>
-            </a:spcBef>
-            <a:spcAft>
-              <a:spcPct val="35000"/>
-            </a:spcAft>
-          </a:pPr>
-          <a:r>
-            <a:rPr lang="de-DE" sz="1100" b="1" kern="1200" dirty="0" smtClean="0">
-              <a:solidFill>
-                <a:srgbClr val="000000"/>
-              </a:solidFill>
-            </a:rPr>
-            <a:t>Raumschiffe produzieren</a:t>
-          </a:r>
-          <a:endParaRPr lang="de-DE" sz="1100" b="1" kern="1200" dirty="0">
-            <a:solidFill>
-              <a:srgbClr val="000000"/>
-            </a:solidFill>
-          </a:endParaRPr>
-        </a:p>
-      </dsp:txBody>
-      <dsp:txXfrm>
-        <a:off x="5030951" y="1545820"/>
-        <a:ext cx="1042660" cy="579126"/>
-      </dsp:txXfrm>
-    </dsp:sp>
-    <dsp:sp modelId="{B81F8AF9-FF83-714C-9CEE-E2E108C4A052}">
-      <dsp:nvSpPr>
-        <dsp:cNvPr id="0" name=""/>
-        <dsp:cNvSpPr/>
-      </dsp:nvSpPr>
-      <dsp:spPr>
-        <a:xfrm>
-          <a:off x="6108759" y="1781731"/>
-          <a:ext cx="144000" cy="107303"/>
-        </a:xfrm>
-        <a:prstGeom prst="rightArrow">
-          <a:avLst>
-            <a:gd name="adj1" fmla="val 60000"/>
-            <a:gd name="adj2" fmla="val 50000"/>
-          </a:avLst>
-        </a:prstGeom>
-        <a:solidFill>
-          <a:schemeClr val="accent3">
-            <a:shade val="90000"/>
-            <a:hueOff val="-330632"/>
-            <a:satOff val="-24541"/>
-            <a:lumOff val="32964"/>
-            <a:alphaOff val="0"/>
-          </a:schemeClr>
-        </a:solidFill>
-        <a:ln>
-          <a:noFill/>
-        </a:ln>
-        <a:effectLst/>
-      </dsp:spPr>
-      <dsp:style>
-        <a:lnRef idx="0">
-          <a:scrgbClr r="0" g="0" b="0"/>
-        </a:lnRef>
-        <a:fillRef idx="1">
-          <a:scrgbClr r="0" g="0" b="0"/>
-        </a:fillRef>
-        <a:effectRef idx="0">
-          <a:scrgbClr r="0" g="0" b="0"/>
-        </a:effectRef>
-        <a:fontRef idx="minor">
-          <a:schemeClr val="lt1"/>
-        </a:fontRef>
-      </dsp:style>
-      <dsp:txBody>
-        <a:bodyPr spcFirstLastPara="0" vert="horz" wrap="square" lIns="0" tIns="0" rIns="0" bIns="0" numCol="1" spcCol="1270" anchor="ctr" anchorCtr="0">
-          <a:noAutofit/>
-        </a:bodyPr>
-        <a:lstStyle/>
-        <a:p>
-          <a:pPr lvl="0" algn="ctr" defTabSz="488950">
-            <a:lnSpc>
-              <a:spcPct val="90000"/>
-            </a:lnSpc>
-            <a:spcBef>
-              <a:spcPct val="0"/>
-            </a:spcBef>
-            <a:spcAft>
-              <a:spcPct val="35000"/>
-            </a:spcAft>
-          </a:pPr>
-          <a:endParaRPr lang="de-DE" sz="1100" b="1" kern="1200">
-            <a:solidFill>
-              <a:srgbClr val="000000"/>
-            </a:solidFill>
-          </a:endParaRPr>
-        </a:p>
-      </dsp:txBody>
-      <dsp:txXfrm>
-        <a:off x="6108759" y="1803192"/>
-        <a:ext cx="111809" cy="64381"/>
-      </dsp:txXfrm>
-    </dsp:sp>
-    <dsp:sp modelId="{8B2FAF1A-C258-A84D-B1E1-138BBC85B83B}">
-      <dsp:nvSpPr>
-        <dsp:cNvPr id="0" name=""/>
-        <dsp:cNvSpPr/>
-      </dsp:nvSpPr>
-      <dsp:spPr>
-        <a:xfrm>
-          <a:off x="6264697" y="1527803"/>
-          <a:ext cx="1078694" cy="615160"/>
-        </a:xfrm>
-        <a:prstGeom prst="roundRect">
-          <a:avLst>
-            <a:gd name="adj" fmla="val 10000"/>
-          </a:avLst>
-        </a:prstGeom>
-        <a:solidFill>
-          <a:schemeClr val="accent3">
-            <a:alpha val="90000"/>
-            <a:hueOff val="0"/>
-            <a:satOff val="0"/>
-            <a:lumOff val="0"/>
-            <a:alphaOff val="-33333"/>
-          </a:schemeClr>
-        </a:solidFill>
-        <a:ln w="25400" cap="flat" cmpd="sng" algn="ctr">
-          <a:solidFill>
-            <a:schemeClr val="lt1">
-              <a:hueOff val="0"/>
-              <a:satOff val="0"/>
-              <a:lumOff val="0"/>
-              <a:alphaOff val="0"/>
-            </a:schemeClr>
-          </a:solidFill>
-          <a:prstDash val="solid"/>
-        </a:ln>
-        <a:effectLst/>
-      </dsp:spPr>
-      <dsp:style>
-        <a:lnRef idx="2">
-          <a:scrgbClr r="0" g="0" b="0"/>
-        </a:lnRef>
-        <a:fillRef idx="1">
-          <a:scrgbClr r="0" g="0" b="0"/>
-        </a:fillRef>
-        <a:effectRef idx="0">
-          <a:scrgbClr r="0" g="0" b="0"/>
-        </a:effectRef>
-        <a:fontRef idx="minor">
-          <a:schemeClr val="lt1"/>
-        </a:fontRef>
-      </dsp:style>
-      <dsp:txBody>
-        <a:bodyPr spcFirstLastPara="0" vert="horz" wrap="square" lIns="41910" tIns="41910" rIns="41910" bIns="41910" numCol="1" spcCol="1270" anchor="ctr" anchorCtr="0">
-          <a:noAutofit/>
-        </a:bodyPr>
-        <a:lstStyle/>
-        <a:p>
-          <a:pPr lvl="0" algn="ctr" defTabSz="488950">
-            <a:lnSpc>
-              <a:spcPct val="90000"/>
-            </a:lnSpc>
-            <a:spcBef>
-              <a:spcPct val="0"/>
-            </a:spcBef>
-            <a:spcAft>
-              <a:spcPct val="35000"/>
-            </a:spcAft>
-          </a:pPr>
-          <a:r>
-            <a:rPr lang="de-DE" sz="1100" b="1" kern="1200" dirty="0" smtClean="0">
-              <a:solidFill>
-                <a:srgbClr val="000000"/>
-              </a:solidFill>
-            </a:rPr>
-            <a:t>Verkaufspreis angeben</a:t>
-          </a:r>
-          <a:endParaRPr lang="de-DE" sz="1100" b="1" kern="1200" dirty="0">
-            <a:solidFill>
-              <a:srgbClr val="000000"/>
-            </a:solidFill>
-          </a:endParaRPr>
-        </a:p>
-      </dsp:txBody>
-      <dsp:txXfrm>
-        <a:off x="6282714" y="1545820"/>
-        <a:ext cx="1042660" cy="579126"/>
-      </dsp:txXfrm>
-    </dsp:sp>
-    <dsp:sp modelId="{337DA1A1-C713-7A4B-9877-A8F9D2567B3E}">
-      <dsp:nvSpPr>
-        <dsp:cNvPr id="0" name=""/>
-        <dsp:cNvSpPr/>
-      </dsp:nvSpPr>
-      <dsp:spPr>
-        <a:xfrm>
-          <a:off x="7360522" y="1781731"/>
-          <a:ext cx="144000" cy="107303"/>
-        </a:xfrm>
-        <a:prstGeom prst="rightArrow">
-          <a:avLst>
-            <a:gd name="adj1" fmla="val 60000"/>
-            <a:gd name="adj2" fmla="val 50000"/>
-          </a:avLst>
-        </a:prstGeom>
-        <a:solidFill>
-          <a:schemeClr val="accent3">
-            <a:shade val="90000"/>
-            <a:hueOff val="-413290"/>
-            <a:satOff val="-30676"/>
-            <a:lumOff val="41205"/>
-            <a:alphaOff val="0"/>
-          </a:schemeClr>
-        </a:solidFill>
-        <a:ln>
-          <a:noFill/>
-        </a:ln>
-        <a:effectLst/>
-      </dsp:spPr>
-      <dsp:style>
-        <a:lnRef idx="0">
-          <a:scrgbClr r="0" g="0" b="0"/>
-        </a:lnRef>
-        <a:fillRef idx="1">
-          <a:scrgbClr r="0" g="0" b="0"/>
-        </a:fillRef>
-        <a:effectRef idx="0">
-          <a:scrgbClr r="0" g="0" b="0"/>
-        </a:effectRef>
-        <a:fontRef idx="minor">
-          <a:schemeClr val="lt1"/>
-        </a:fontRef>
-      </dsp:style>
-      <dsp:txBody>
-        <a:bodyPr spcFirstLastPara="0" vert="horz" wrap="square" lIns="0" tIns="0" rIns="0" bIns="0" numCol="1" spcCol="1270" anchor="ctr" anchorCtr="0">
-          <a:noAutofit/>
-        </a:bodyPr>
-        <a:lstStyle/>
-        <a:p>
-          <a:pPr lvl="0" algn="ctr" defTabSz="488950">
-            <a:lnSpc>
-              <a:spcPct val="90000"/>
-            </a:lnSpc>
-            <a:spcBef>
-              <a:spcPct val="0"/>
-            </a:spcBef>
-            <a:spcAft>
-              <a:spcPct val="35000"/>
-            </a:spcAft>
-          </a:pPr>
-          <a:endParaRPr lang="de-DE" sz="1100" b="1" kern="1200">
-            <a:solidFill>
-              <a:srgbClr val="000000"/>
-            </a:solidFill>
-          </a:endParaRPr>
-        </a:p>
-      </dsp:txBody>
-      <dsp:txXfrm>
-        <a:off x="7360522" y="1803192"/>
-        <a:ext cx="111809" cy="64381"/>
-      </dsp:txXfrm>
-    </dsp:sp>
-    <dsp:sp modelId="{E9DC2F37-07D7-4447-BB56-EA2233686C2B}">
-      <dsp:nvSpPr>
-        <dsp:cNvPr id="0" name=""/>
-        <dsp:cNvSpPr/>
-      </dsp:nvSpPr>
-      <dsp:spPr>
-        <a:xfrm>
-          <a:off x="7516461" y="1527803"/>
-          <a:ext cx="1078694" cy="615160"/>
-        </a:xfrm>
-        <a:prstGeom prst="roundRect">
-          <a:avLst>
-            <a:gd name="adj" fmla="val 10000"/>
-          </a:avLst>
-        </a:prstGeom>
-        <a:solidFill>
-          <a:schemeClr val="accent3">
-            <a:alpha val="90000"/>
-            <a:hueOff val="0"/>
-            <a:satOff val="0"/>
-            <a:lumOff val="0"/>
-            <a:alphaOff val="-40000"/>
-          </a:schemeClr>
-        </a:solidFill>
-        <a:ln w="25400" cap="flat" cmpd="sng" algn="ctr">
-          <a:solidFill>
-            <a:schemeClr val="lt1">
-              <a:hueOff val="0"/>
-              <a:satOff val="0"/>
-              <a:lumOff val="0"/>
-              <a:alphaOff val="0"/>
-            </a:schemeClr>
-          </a:solidFill>
-          <a:prstDash val="solid"/>
-        </a:ln>
-        <a:effectLst/>
-      </dsp:spPr>
-      <dsp:style>
-        <a:lnRef idx="2">
-          <a:scrgbClr r="0" g="0" b="0"/>
-        </a:lnRef>
-        <a:fillRef idx="1">
-          <a:scrgbClr r="0" g="0" b="0"/>
-        </a:fillRef>
-        <a:effectRef idx="0">
-          <a:scrgbClr r="0" g="0" b="0"/>
-        </a:effectRef>
-        <a:fontRef idx="minor">
-          <a:schemeClr val="lt1"/>
-        </a:fontRef>
-      </dsp:style>
-      <dsp:txBody>
-        <a:bodyPr spcFirstLastPara="0" vert="horz" wrap="square" lIns="41910" tIns="41910" rIns="41910" bIns="41910" numCol="1" spcCol="1270" anchor="ctr" anchorCtr="0">
-          <a:noAutofit/>
-        </a:bodyPr>
-        <a:lstStyle/>
-        <a:p>
-          <a:pPr lvl="0" algn="ctr" defTabSz="488950">
-            <a:lnSpc>
-              <a:spcPct val="90000"/>
-            </a:lnSpc>
-            <a:spcBef>
-              <a:spcPct val="0"/>
-            </a:spcBef>
-            <a:spcAft>
-              <a:spcPct val="35000"/>
-            </a:spcAft>
-          </a:pPr>
-          <a:r>
-            <a:rPr lang="de-DE" sz="1100" b="1" kern="1200" dirty="0" smtClean="0">
-              <a:solidFill>
-                <a:srgbClr val="000000"/>
-              </a:solidFill>
-            </a:rPr>
-            <a:t>End-bewertung einsehen</a:t>
-          </a:r>
-          <a:endParaRPr lang="de-DE" sz="1100" b="1" kern="1200" dirty="0">
-            <a:solidFill>
-              <a:srgbClr val="000000"/>
-            </a:solidFill>
-          </a:endParaRPr>
-        </a:p>
-      </dsp:txBody>
-      <dsp:txXfrm>
-        <a:off x="7534478" y="1545820"/>
-        <a:ext cx="1042660" cy="579126"/>
-      </dsp:txXfrm>
-    </dsp:sp>
   </dsp:spTree>
 </dsp:drawing>
 </file>
@@ -13871,7 +12817,7 @@
           <a:p>
             <a:fld id="{27667466-E0D7-FD4B-BBEF-602BF6B185FF}" type="datetimeFigureOut">
               <a:rPr lang="de-DE" smtClean="0"/>
-              <a:t>07.11.11</a:t>
+              <a:t>09.11.2011</a:t>
             </a:fld>
             <a:endParaRPr lang="de-DE"/>
           </a:p>
@@ -14037,7 +12983,7 @@
           <a:p>
             <a:fld id="{358CF69D-E791-E447-927B-A50D3ED4596D}" type="datetimeFigureOut">
               <a:rPr lang="de-DE" smtClean="0"/>
-              <a:t>07.11.11</a:t>
+              <a:t>09.11.2011</a:t>
             </a:fld>
             <a:endParaRPr lang="de-DE"/>
           </a:p>
@@ -20518,7 +19464,7 @@
   <p:timing>
     <p:tnLst>
       <p:par>
-        <p:cTn xmlns:p14="http://schemas.microsoft.com/office/powerpoint/2010/main" id="1" dur="indefinite" restart="never" nodeType="tmRoot"/>
+        <p:cTn id="1" dur="indefinite" restart="never" nodeType="tmRoot"/>
       </p:par>
     </p:tnLst>
   </p:timing>
@@ -20647,7 +19593,7 @@
           <p:nvPr/>
         </p:nvPicPr>
         <p:blipFill>
-          <a:blip r:embed="rId2">
+          <a:blip r:embed="rId2" cstate="email">
             <a:extLst>
               <a:ext uri="{28A0092B-C50C-407E-A947-70E740481C1C}">
                 <a14:useLocalDpi xmlns:a14="http://schemas.microsoft.com/office/drawing/2010/main" val="0"/>
@@ -20681,7 +19627,7 @@
   <p:timing>
     <p:tnLst>
       <p:par>
-        <p:cTn xmlns:p14="http://schemas.microsoft.com/office/powerpoint/2010/main" id="1" dur="indefinite" restart="never" nodeType="tmRoot"/>
+        <p:cTn id="1" dur="indefinite" restart="never" nodeType="tmRoot"/>
       </p:par>
     </p:tnLst>
   </p:timing>
@@ -20959,7 +19905,7 @@
   <p:timing>
     <p:tnLst>
       <p:par>
-        <p:cTn xmlns:p14="http://schemas.microsoft.com/office/powerpoint/2010/main" id="1" dur="indefinite" restart="never" nodeType="tmRoot"/>
+        <p:cTn id="1" dur="indefinite" restart="never" nodeType="tmRoot"/>
       </p:par>
     </p:tnLst>
   </p:timing>
@@ -20992,7 +19938,7 @@
           <p:nvPr/>
         </p:nvPicPr>
         <p:blipFill rotWithShape="1">
-          <a:blip r:embed="rId2">
+          <a:blip r:embed="rId2" cstate="email">
             <a:extLst>
               <a:ext uri="{28A0092B-C50C-407E-A947-70E740481C1C}">
                 <a14:useLocalDpi xmlns:a14="http://schemas.microsoft.com/office/drawing/2010/main" val="0"/>
@@ -21280,7 +20226,7 @@
   <p:timing>
     <p:tnLst>
       <p:par>
-        <p:cTn xmlns:p14="http://schemas.microsoft.com/office/powerpoint/2010/main" id="1" dur="indefinite" restart="never" nodeType="tmRoot"/>
+        <p:cTn id="1" dur="indefinite" restart="never" nodeType="tmRoot"/>
       </p:par>
     </p:tnLst>
   </p:timing>
@@ -21417,7 +20363,7 @@
   <p:timing>
     <p:tnLst>
       <p:par>
-        <p:cTn xmlns:p14="http://schemas.microsoft.com/office/powerpoint/2010/main" id="1" dur="indefinite" restart="never" nodeType="tmRoot"/>
+        <p:cTn id="1" dur="indefinite" restart="never" nodeType="tmRoot"/>
       </p:par>
     </p:tnLst>
   </p:timing>
@@ -21551,7 +20497,7 @@
   <p:timing>
     <p:tnLst>
       <p:par>
-        <p:cTn xmlns:p14="http://schemas.microsoft.com/office/powerpoint/2010/main" id="1" dur="indefinite" restart="never" nodeType="tmRoot"/>
+        <p:cTn id="1" dur="indefinite" restart="never" nodeType="tmRoot"/>
       </p:par>
     </p:tnLst>
   </p:timing>
@@ -21685,7 +20631,7 @@
   <p:timing>
     <p:tnLst>
       <p:par>
-        <p:cTn xmlns:p14="http://schemas.microsoft.com/office/powerpoint/2010/main" id="1" dur="indefinite" restart="never" nodeType="tmRoot"/>
+        <p:cTn id="1" dur="indefinite" restart="never" nodeType="tmRoot"/>
       </p:par>
     </p:tnLst>
   </p:timing>
@@ -21819,7 +20765,7 @@
   <p:timing>
     <p:tnLst>
       <p:par>
-        <p:cTn xmlns:p14="http://schemas.microsoft.com/office/powerpoint/2010/main" id="1" dur="indefinite" restart="never" nodeType="tmRoot"/>
+        <p:cTn id="1" dur="indefinite" restart="never" nodeType="tmRoot"/>
       </p:par>
     </p:tnLst>
   </p:timing>
@@ -21956,7 +20902,7 @@
   <p:timing>
     <p:tnLst>
       <p:par>
-        <p:cTn xmlns:p14="http://schemas.microsoft.com/office/powerpoint/2010/main" id="1" dur="indefinite" restart="never" nodeType="tmRoot"/>
+        <p:cTn id="1" dur="indefinite" restart="never" nodeType="tmRoot"/>
       </p:par>
     </p:tnLst>
   </p:timing>
@@ -23938,7 +22884,7 @@
   <p:timing>
     <p:tnLst>
       <p:par>
-        <p:cTn xmlns:p14="http://schemas.microsoft.com/office/powerpoint/2010/main" id="1" dur="indefinite" restart="never" nodeType="tmRoot">
+        <p:cTn id="1" dur="indefinite" restart="never" nodeType="tmRoot">
           <p:childTnLst>
             <p:seq concurrent="1" nextAc="seek">
               <p:cTn id="2" dur="indefinite" nodeType="mainSeq">
@@ -25020,7 +23966,7 @@
   <p:timing>
     <p:tnLst>
       <p:par>
-        <p:cTn xmlns:p14="http://schemas.microsoft.com/office/powerpoint/2010/main" id="1" dur="indefinite" restart="never" nodeType="tmRoot"/>
+        <p:cTn id="1" dur="indefinite" restart="never" nodeType="tmRoot"/>
       </p:par>
     </p:tnLst>
   </p:timing>
@@ -25182,7 +24128,7 @@
   <p:timing>
     <p:tnLst>
       <p:par>
-        <p:cTn xmlns:p14="http://schemas.microsoft.com/office/powerpoint/2010/main" id="1" dur="indefinite" restart="never" nodeType="tmRoot"/>
+        <p:cTn id="1" dur="indefinite" restart="never" nodeType="tmRoot"/>
       </p:par>
     </p:tnLst>
   </p:timing>
@@ -25604,7 +24550,7 @@
   <p:timing>
     <p:tnLst>
       <p:par>
-        <p:cTn xmlns:p14="http://schemas.microsoft.com/office/powerpoint/2010/main" id="1" dur="indefinite" restart="never" nodeType="tmRoot"/>
+        <p:cTn id="1" dur="indefinite" restart="never" nodeType="tmRoot"/>
       </p:par>
     </p:tnLst>
   </p:timing>
@@ -26086,7 +25032,23 @@
                   <a:schemeClr val="tx2"/>
                 </a:solidFill>
               </a:rPr>
-              <a:t>geht keine Risikos ein</a:t>
+              <a:t>geht keine </a:t>
+            </a:r>
+            <a:r>
+              <a:rPr lang="de-DE" b="1" dirty="0" smtClean="0">
+                <a:solidFill>
+                  <a:schemeClr val="tx2"/>
+                </a:solidFill>
+              </a:rPr>
+              <a:t>Risiken </a:t>
+            </a:r>
+            <a:r>
+              <a:rPr lang="de-DE" b="1" dirty="0" smtClean="0">
+                <a:solidFill>
+                  <a:schemeClr val="tx2"/>
+                </a:solidFill>
+              </a:rPr>
+              <a:t>ein</a:t>
             </a:r>
             <a:endParaRPr lang="en-US" b="1" dirty="0">
               <a:solidFill>
@@ -26237,7 +25199,7 @@
   <p:timing>
     <p:tnLst>
       <p:par>
-        <p:cTn xmlns:p14="http://schemas.microsoft.com/office/powerpoint/2010/main" id="1" dur="indefinite" restart="never" nodeType="tmRoot"/>
+        <p:cTn id="1" dur="indefinite" restart="never" nodeType="tmRoot"/>
       </p:par>
     </p:tnLst>
   </p:timing>
@@ -26719,7 +25681,23 @@
                   <a:schemeClr val="tx2"/>
                 </a:solidFill>
               </a:rPr>
-              <a:t>geht keine Risikos ein</a:t>
+              <a:t>geht keine </a:t>
+            </a:r>
+            <a:r>
+              <a:rPr lang="de-DE" b="1" dirty="0" smtClean="0">
+                <a:solidFill>
+                  <a:schemeClr val="tx2"/>
+                </a:solidFill>
+              </a:rPr>
+              <a:t>Risiken </a:t>
+            </a:r>
+            <a:r>
+              <a:rPr lang="de-DE" b="1" dirty="0" smtClean="0">
+                <a:solidFill>
+                  <a:schemeClr val="tx2"/>
+                </a:solidFill>
+              </a:rPr>
+              <a:t>ein</a:t>
             </a:r>
             <a:endParaRPr lang="en-US" b="1" dirty="0">
               <a:solidFill>
@@ -26787,31 +25765,11 @@
               </a:rPr>
               <a:t>Dumping-Strategie</a:t>
             </a:r>
-          </a:p>
-          <a:p>
-            <a:pPr marL="144000" indent="-144000">
-              <a:buFont typeface="Arial" pitchFamily="34" charset="0"/>
-              <a:buChar char="•"/>
-            </a:pPr>
-            <a:endParaRPr lang="de-DE" b="1" dirty="0">
+            <a:endParaRPr lang="de-DE" b="1" dirty="0" smtClean="0">
               <a:solidFill>
                 <a:schemeClr val="tx2"/>
               </a:solidFill>
             </a:endParaRPr>
-          </a:p>
-          <a:p>
-            <a:pPr marL="144000" indent="-144000">
-              <a:buFont typeface="Arial" pitchFamily="34" charset="0"/>
-              <a:buChar char="•"/>
-            </a:pPr>
-            <a:r>
-              <a:rPr lang="de-DE" b="1" dirty="0" smtClean="0">
-                <a:solidFill>
-                  <a:schemeClr val="tx2"/>
-                </a:solidFill>
-              </a:rPr>
-              <a:t>Überschwemmung des Marktes</a:t>
-            </a:r>
           </a:p>
           <a:p>
             <a:pPr marL="144000" indent="-144000">
@@ -26903,6 +25861,64 @@
           </a:p>
         </p:txBody>
       </p:sp>
+      <p:sp>
+        <p:nvSpPr>
+          <p:cNvPr id="18" name="Rechteck 17"/>
+          <p:cNvSpPr/>
+          <p:nvPr/>
+        </p:nvSpPr>
+        <p:spPr>
+          <a:xfrm>
+            <a:off x="661263" y="2251575"/>
+            <a:ext cx="2178947" cy="1080000"/>
+          </a:xfrm>
+          <a:prstGeom prst="rect">
+            <a:avLst/>
+          </a:prstGeom>
+          <a:solidFill>
+            <a:schemeClr val="bg1">
+              <a:alpha val="70000"/>
+            </a:schemeClr>
+          </a:solidFill>
+          <a:ln>
+            <a:noFill/>
+          </a:ln>
+          <a:scene3d>
+            <a:camera prst="obliqueTopRight"/>
+            <a:lightRig rig="threePt" dir="tl"/>
+          </a:scene3d>
+          <a:sp3d/>
+        </p:spPr>
+        <p:style>
+          <a:lnRef idx="1">
+            <a:schemeClr val="accent1"/>
+          </a:lnRef>
+          <a:fillRef idx="3">
+            <a:schemeClr val="accent1"/>
+          </a:fillRef>
+          <a:effectRef idx="2">
+            <a:schemeClr val="accent1"/>
+          </a:effectRef>
+          <a:fontRef idx="minor">
+            <a:schemeClr val="lt1"/>
+          </a:fontRef>
+        </p:style>
+        <p:txBody>
+          <a:bodyPr rtlCol="0" anchor="t" anchorCtr="0"/>
+          <a:lstStyle/>
+          <a:p>
+            <a:pPr marL="144000" indent="-144000">
+              <a:buFont typeface="Arial" pitchFamily="34" charset="0"/>
+              <a:buChar char="•"/>
+            </a:pPr>
+            <a:endParaRPr lang="en-US" b="1" dirty="0">
+              <a:solidFill>
+                <a:schemeClr val="tx2"/>
+              </a:solidFill>
+            </a:endParaRPr>
+          </a:p>
+        </p:txBody>
+      </p:sp>
     </p:spTree>
     <p:extLst>
       <p:ext uri="{BB962C8B-B14F-4D97-AF65-F5344CB8AC3E}">
@@ -26928,7 +25944,7 @@
   <p:timing>
     <p:tnLst>
       <p:par>
-        <p:cTn xmlns:p14="http://schemas.microsoft.com/office/powerpoint/2010/main" id="1" dur="indefinite" restart="never" nodeType="tmRoot"/>
+        <p:cTn id="1" dur="indefinite" restart="never" nodeType="tmRoot"/>
       </p:par>
     </p:tnLst>
   </p:timing>
@@ -27410,7 +26426,23 @@
                   <a:schemeClr val="tx2"/>
                 </a:solidFill>
               </a:rPr>
-              <a:t>geht keine Risikos ein</a:t>
+              <a:t>geht keine </a:t>
+            </a:r>
+            <a:r>
+              <a:rPr lang="de-DE" b="1" dirty="0" smtClean="0">
+                <a:solidFill>
+                  <a:schemeClr val="tx2"/>
+                </a:solidFill>
+              </a:rPr>
+              <a:t>Risiken </a:t>
+            </a:r>
+            <a:r>
+              <a:rPr lang="de-DE" b="1" dirty="0" smtClean="0">
+                <a:solidFill>
+                  <a:schemeClr val="tx2"/>
+                </a:solidFill>
+              </a:rPr>
+              <a:t>ein</a:t>
             </a:r>
             <a:endParaRPr lang="en-US" b="1" dirty="0">
               <a:solidFill>
@@ -27480,35 +26512,6 @@
             </a:r>
           </a:p>
           <a:p>
-            <a:pPr marL="144000" indent="-144000">
-              <a:buFont typeface="Arial" pitchFamily="34" charset="0"/>
-              <a:buChar char="•"/>
-            </a:pPr>
-            <a:endParaRPr lang="de-DE" b="1" dirty="0">
-              <a:solidFill>
-                <a:schemeClr val="tx2"/>
-              </a:solidFill>
-            </a:endParaRPr>
-          </a:p>
-          <a:p>
-            <a:pPr marL="144000" indent="-144000">
-              <a:buFont typeface="Arial" pitchFamily="34" charset="0"/>
-              <a:buChar char="•"/>
-            </a:pPr>
-            <a:r>
-              <a:rPr lang="de-DE" b="1" dirty="0" smtClean="0">
-                <a:solidFill>
-                  <a:schemeClr val="tx2"/>
-                </a:solidFill>
-              </a:rPr>
-              <a:t>Überschwemmung des Marktes</a:t>
-            </a:r>
-          </a:p>
-          <a:p>
-            <a:pPr marL="144000" indent="-144000">
-              <a:buFont typeface="Arial" pitchFamily="34" charset="0"/>
-              <a:buChar char="•"/>
-            </a:pPr>
             <a:endParaRPr lang="de-DE" b="1" dirty="0">
               <a:solidFill>
                 <a:schemeClr val="tx2"/>
@@ -27627,6 +26630,122 @@
           </a:p>
         </p:txBody>
       </p:sp>
+      <p:sp>
+        <p:nvSpPr>
+          <p:cNvPr id="18" name="Rechteck 17"/>
+          <p:cNvSpPr/>
+          <p:nvPr/>
+        </p:nvSpPr>
+        <p:spPr>
+          <a:xfrm>
+            <a:off x="3482526" y="2219325"/>
+            <a:ext cx="2178947" cy="1112250"/>
+          </a:xfrm>
+          <a:prstGeom prst="rect">
+            <a:avLst/>
+          </a:prstGeom>
+          <a:solidFill>
+            <a:schemeClr val="bg1">
+              <a:alpha val="70000"/>
+            </a:schemeClr>
+          </a:solidFill>
+          <a:ln>
+            <a:noFill/>
+          </a:ln>
+          <a:scene3d>
+            <a:camera prst="obliqueTopRight"/>
+            <a:lightRig rig="threePt" dir="tl"/>
+          </a:scene3d>
+          <a:sp3d/>
+        </p:spPr>
+        <p:style>
+          <a:lnRef idx="1">
+            <a:schemeClr val="accent1"/>
+          </a:lnRef>
+          <a:fillRef idx="3">
+            <a:schemeClr val="accent1"/>
+          </a:fillRef>
+          <a:effectRef idx="2">
+            <a:schemeClr val="accent1"/>
+          </a:effectRef>
+          <a:fontRef idx="minor">
+            <a:schemeClr val="lt1"/>
+          </a:fontRef>
+        </p:style>
+        <p:txBody>
+          <a:bodyPr rtlCol="0" anchor="t" anchorCtr="0"/>
+          <a:lstStyle/>
+          <a:p>
+            <a:pPr marL="144000" indent="-144000">
+              <a:buFont typeface="Arial" pitchFamily="34" charset="0"/>
+              <a:buChar char="•"/>
+            </a:pPr>
+            <a:endParaRPr lang="en-US" b="1" dirty="0">
+              <a:solidFill>
+                <a:schemeClr val="tx2"/>
+              </a:solidFill>
+            </a:endParaRPr>
+          </a:p>
+        </p:txBody>
+      </p:sp>
+      <p:sp>
+        <p:nvSpPr>
+          <p:cNvPr id="19" name="Rechteck 18"/>
+          <p:cNvSpPr/>
+          <p:nvPr/>
+        </p:nvSpPr>
+        <p:spPr>
+          <a:xfrm>
+            <a:off x="661263" y="2219325"/>
+            <a:ext cx="2178947" cy="1112250"/>
+          </a:xfrm>
+          <a:prstGeom prst="rect">
+            <a:avLst/>
+          </a:prstGeom>
+          <a:solidFill>
+            <a:schemeClr val="bg1">
+              <a:alpha val="70000"/>
+            </a:schemeClr>
+          </a:solidFill>
+          <a:ln>
+            <a:noFill/>
+          </a:ln>
+          <a:scene3d>
+            <a:camera prst="obliqueTopRight"/>
+            <a:lightRig rig="threePt" dir="tl"/>
+          </a:scene3d>
+          <a:sp3d/>
+        </p:spPr>
+        <p:style>
+          <a:lnRef idx="1">
+            <a:schemeClr val="accent1"/>
+          </a:lnRef>
+          <a:fillRef idx="3">
+            <a:schemeClr val="accent1"/>
+          </a:fillRef>
+          <a:effectRef idx="2">
+            <a:schemeClr val="accent1"/>
+          </a:effectRef>
+          <a:fontRef idx="minor">
+            <a:schemeClr val="lt1"/>
+          </a:fontRef>
+        </p:style>
+        <p:txBody>
+          <a:bodyPr rtlCol="0" anchor="t" anchorCtr="0"/>
+          <a:lstStyle/>
+          <a:p>
+            <a:pPr marL="144000" indent="-144000">
+              <a:buFont typeface="Arial" pitchFamily="34" charset="0"/>
+              <a:buChar char="•"/>
+            </a:pPr>
+            <a:endParaRPr lang="en-US" b="1" dirty="0">
+              <a:solidFill>
+                <a:schemeClr val="tx2"/>
+              </a:solidFill>
+            </a:endParaRPr>
+          </a:p>
+        </p:txBody>
+      </p:sp>
     </p:spTree>
     <p:extLst>
       <p:ext uri="{BB962C8B-B14F-4D97-AF65-F5344CB8AC3E}">
@@ -27652,7 +26771,7 @@
   <p:timing>
     <p:tnLst>
       <p:par>
-        <p:cTn xmlns:p14="http://schemas.microsoft.com/office/powerpoint/2010/main" id="1" dur="indefinite" restart="never" nodeType="tmRoot"/>
+        <p:cTn id="1" dur="indefinite" restart="never" nodeType="tmRoot"/>
       </p:par>
     </p:tnLst>
   </p:timing>
@@ -27789,7 +26908,7 @@
   <p:timing>
     <p:tnLst>
       <p:par>
-        <p:cTn xmlns:p14="http://schemas.microsoft.com/office/powerpoint/2010/main" id="1" dur="indefinite" restart="never" nodeType="tmRoot"/>
+        <p:cTn id="1" dur="indefinite" restart="never" nodeType="tmRoot"/>
       </p:par>
     </p:tnLst>
   </p:timing>
@@ -27926,7 +27045,7 @@
   <p:timing>
     <p:tnLst>
       <p:par>
-        <p:cTn xmlns:p14="http://schemas.microsoft.com/office/powerpoint/2010/main" id="1" dur="indefinite" restart="never" nodeType="tmRoot"/>
+        <p:cTn id="1" dur="indefinite" restart="never" nodeType="tmRoot"/>
       </p:par>
     </p:tnLst>
   </p:timing>
@@ -28400,11 +27519,11 @@
   <p:clrMapOvr>
     <a:masterClrMapping/>
   </p:clrMapOvr>
-  <p:transition xmlns:p14="http://schemas.microsoft.com/office/powerpoint/2010/main"/>
+  <p:transition/>
   <p:timing>
     <p:tnLst>
       <p:par>
-        <p:cTn xmlns:p14="http://schemas.microsoft.com/office/powerpoint/2010/main" id="1" dur="indefinite" restart="never" nodeType="tmRoot">
+        <p:cTn id="1" dur="indefinite" restart="never" nodeType="tmRoot">
           <p:childTnLst>
             <p:seq concurrent="1" nextAc="seek">
               <p:cTn id="2" dur="indefinite" nodeType="mainSeq">
@@ -28775,7 +27894,7 @@
   <p:timing>
     <p:tnLst>
       <p:par>
-        <p:cTn xmlns:p14="http://schemas.microsoft.com/office/powerpoint/2010/main" id="1" dur="indefinite" restart="never" nodeType="tmRoot"/>
+        <p:cTn id="1" dur="indefinite" restart="never" nodeType="tmRoot"/>
       </p:par>
     </p:tnLst>
   </p:timing>
@@ -29502,7 +28621,7 @@
   <p:timing>
     <p:tnLst>
       <p:par>
-        <p:cTn xmlns:p14="http://schemas.microsoft.com/office/powerpoint/2010/main" id="1" dur="indefinite" restart="never" nodeType="tmRoot">
+        <p:cTn id="1" dur="indefinite" restart="never" nodeType="tmRoot">
           <p:childTnLst>
             <p:seq concurrent="1" nextAc="seek">
               <p:cTn id="2" dur="indefinite" nodeType="mainSeq">
@@ -29987,7 +29106,7 @@
   <p:timing>
     <p:tnLst>
       <p:par>
-        <p:cTn xmlns:p14="http://schemas.microsoft.com/office/powerpoint/2010/main" id="1" dur="indefinite" restart="never" nodeType="tmRoot"/>
+        <p:cTn id="1" dur="indefinite" restart="never" nodeType="tmRoot"/>
       </p:par>
     </p:tnLst>
   </p:timing>
@@ -30124,7 +29243,7 @@
   <p:timing>
     <p:tnLst>
       <p:par>
-        <p:cTn xmlns:p14="http://schemas.microsoft.com/office/powerpoint/2010/main" id="1" dur="indefinite" restart="never" nodeType="tmRoot"/>
+        <p:cTn id="1" dur="indefinite" restart="never" nodeType="tmRoot"/>
       </p:par>
     </p:tnLst>
   </p:timing>
@@ -30502,7 +29621,7 @@
   <p:timing>
     <p:tnLst>
       <p:par>
-        <p:cTn xmlns:p14="http://schemas.microsoft.com/office/powerpoint/2010/main" id="1" dur="indefinite" restart="never" nodeType="tmRoot"/>
+        <p:cTn id="1" dur="indefinite" restart="never" nodeType="tmRoot"/>
       </p:par>
     </p:tnLst>
   </p:timing>

--- a/70 Praesentation/50 StarGreg Finish.pptx
+++ b/70 Praesentation/50 StarGreg Finish.pptx
@@ -139,7 +139,7 @@
 <file path=ppt/charts/chart1.xml><?xml version="1.0" encoding="utf-8"?>
 <c:chartSpace xmlns:c="http://schemas.openxmlformats.org/drawingml/2006/chart" xmlns:a="http://schemas.openxmlformats.org/drawingml/2006/main" xmlns:r="http://schemas.openxmlformats.org/officeDocument/2006/relationships">
   <c:date1904 val="0"/>
-  <c:lang val="de-DE"/>
+  <c:lang val="en-US"/>
   <c:roundedCorners val="0"/>
   <mc:AlternateContent xmlns:mc="http://schemas.openxmlformats.org/markup-compatibility/2006">
     <mc:Choice xmlns:c14="http://schemas.microsoft.com/office/drawing/2007/8/2/chart" Requires="c14">
@@ -692,11 +692,11 @@
         </c:dLbls>
         <c:marker val="1"/>
         <c:smooth val="0"/>
-        <c:axId val="48112128"/>
-        <c:axId val="78754304"/>
+        <c:axId val="46570496"/>
+        <c:axId val="46576384"/>
       </c:lineChart>
       <c:catAx>
-        <c:axId val="48112128"/>
+        <c:axId val="46570496"/>
         <c:scaling>
           <c:orientation val="minMax"/>
         </c:scaling>
@@ -705,7 +705,7 @@
         <c:majorTickMark val="out"/>
         <c:minorTickMark val="none"/>
         <c:tickLblPos val="nextTo"/>
-        <c:crossAx val="78754304"/>
+        <c:crossAx val="46576384"/>
         <c:crosses val="autoZero"/>
         <c:auto val="1"/>
         <c:lblAlgn val="ctr"/>
@@ -713,7 +713,7 @@
         <c:noMultiLvlLbl val="0"/>
       </c:catAx>
       <c:valAx>
-        <c:axId val="78754304"/>
+        <c:axId val="46576384"/>
         <c:scaling>
           <c:orientation val="minMax"/>
         </c:scaling>
@@ -724,7 +724,7 @@
         <c:majorTickMark val="out"/>
         <c:minorTickMark val="none"/>
         <c:tickLblPos val="nextTo"/>
-        <c:crossAx val="48112128"/>
+        <c:crossAx val="46570496"/>
         <c:crosses val="autoZero"/>
         <c:crossBetween val="between"/>
       </c:valAx>
@@ -7623,6 +7623,1060 @@
       <dsp:cNvGrpSpPr/>
     </dsp:nvGrpSpPr>
     <dsp:grpSpPr/>
+    <dsp:sp modelId="{AE55DD43-9428-7F41-B73D-EC2DB59DD4BA}">
+      <dsp:nvSpPr>
+        <dsp:cNvPr id="0" name=""/>
+        <dsp:cNvSpPr/>
+      </dsp:nvSpPr>
+      <dsp:spPr>
+        <a:xfrm>
+          <a:off x="5879" y="1527803"/>
+          <a:ext cx="1078694" cy="615160"/>
+        </a:xfrm>
+        <a:prstGeom prst="roundRect">
+          <a:avLst>
+            <a:gd name="adj" fmla="val 10000"/>
+          </a:avLst>
+        </a:prstGeom>
+        <a:solidFill>
+          <a:schemeClr val="accent3">
+            <a:alpha val="90000"/>
+            <a:hueOff val="0"/>
+            <a:satOff val="0"/>
+            <a:lumOff val="0"/>
+            <a:alphaOff val="0"/>
+          </a:schemeClr>
+        </a:solidFill>
+        <a:ln w="25400" cap="flat" cmpd="sng" algn="ctr">
+          <a:solidFill>
+            <a:schemeClr val="lt1">
+              <a:hueOff val="0"/>
+              <a:satOff val="0"/>
+              <a:lumOff val="0"/>
+              <a:alphaOff val="0"/>
+            </a:schemeClr>
+          </a:solidFill>
+          <a:prstDash val="solid"/>
+        </a:ln>
+        <a:effectLst/>
+      </dsp:spPr>
+      <dsp:style>
+        <a:lnRef idx="2">
+          <a:scrgbClr r="0" g="0" b="0"/>
+        </a:lnRef>
+        <a:fillRef idx="1">
+          <a:scrgbClr r="0" g="0" b="0"/>
+        </a:fillRef>
+        <a:effectRef idx="0">
+          <a:scrgbClr r="0" g="0" b="0"/>
+        </a:effectRef>
+        <a:fontRef idx="minor">
+          <a:schemeClr val="lt1"/>
+        </a:fontRef>
+      </dsp:style>
+      <dsp:txBody>
+        <a:bodyPr spcFirstLastPara="0" vert="horz" wrap="square" lIns="41910" tIns="41910" rIns="41910" bIns="41910" numCol="1" spcCol="1270" anchor="ctr" anchorCtr="0">
+          <a:noAutofit/>
+        </a:bodyPr>
+        <a:lstStyle/>
+        <a:p>
+          <a:pPr lvl="0" algn="ctr" defTabSz="488950">
+            <a:lnSpc>
+              <a:spcPct val="90000"/>
+            </a:lnSpc>
+            <a:spcBef>
+              <a:spcPct val="0"/>
+            </a:spcBef>
+            <a:spcAft>
+              <a:spcPct val="35000"/>
+            </a:spcAft>
+          </a:pPr>
+          <a:r>
+            <a:rPr lang="de-DE" sz="1100" b="1" kern="1200" dirty="0" smtClean="0">
+              <a:solidFill>
+                <a:srgbClr val="000000"/>
+              </a:solidFill>
+            </a:rPr>
+            <a:t>Unternehmen einrichten</a:t>
+          </a:r>
+          <a:endParaRPr lang="de-DE" sz="1100" b="1" kern="1200" dirty="0">
+            <a:solidFill>
+              <a:srgbClr val="000000"/>
+            </a:solidFill>
+          </a:endParaRPr>
+        </a:p>
+      </dsp:txBody>
+      <dsp:txXfrm>
+        <a:off x="23896" y="1545820"/>
+        <a:ext cx="1042660" cy="579126"/>
+      </dsp:txXfrm>
+    </dsp:sp>
+    <dsp:sp modelId="{7A0C3CCD-92B0-7F46-99CB-E288AF3BB621}">
+      <dsp:nvSpPr>
+        <dsp:cNvPr id="0" name=""/>
+        <dsp:cNvSpPr/>
+      </dsp:nvSpPr>
+      <dsp:spPr>
+        <a:xfrm>
+          <a:off x="1101704" y="1778129"/>
+          <a:ext cx="144000" cy="114508"/>
+        </a:xfrm>
+        <a:prstGeom prst="rightArrow">
+          <a:avLst>
+            <a:gd name="adj1" fmla="val 60000"/>
+            <a:gd name="adj2" fmla="val 50000"/>
+          </a:avLst>
+        </a:prstGeom>
+        <a:solidFill>
+          <a:schemeClr val="accent3">
+            <a:shade val="90000"/>
+            <a:hueOff val="0"/>
+            <a:satOff val="0"/>
+            <a:lumOff val="0"/>
+            <a:alphaOff val="0"/>
+          </a:schemeClr>
+        </a:solidFill>
+        <a:ln>
+          <a:noFill/>
+        </a:ln>
+        <a:effectLst/>
+      </dsp:spPr>
+      <dsp:style>
+        <a:lnRef idx="0">
+          <a:scrgbClr r="0" g="0" b="0"/>
+        </a:lnRef>
+        <a:fillRef idx="1">
+          <a:scrgbClr r="0" g="0" b="0"/>
+        </a:fillRef>
+        <a:effectRef idx="0">
+          <a:scrgbClr r="0" g="0" b="0"/>
+        </a:effectRef>
+        <a:fontRef idx="minor">
+          <a:schemeClr val="lt1"/>
+        </a:fontRef>
+      </dsp:style>
+      <dsp:txBody>
+        <a:bodyPr spcFirstLastPara="0" vert="horz" wrap="square" lIns="0" tIns="0" rIns="0" bIns="0" numCol="1" spcCol="1270" anchor="ctr" anchorCtr="0">
+          <a:noAutofit/>
+        </a:bodyPr>
+        <a:lstStyle/>
+        <a:p>
+          <a:pPr lvl="0" algn="ctr" defTabSz="488950">
+            <a:lnSpc>
+              <a:spcPct val="90000"/>
+            </a:lnSpc>
+            <a:spcBef>
+              <a:spcPct val="0"/>
+            </a:spcBef>
+            <a:spcAft>
+              <a:spcPct val="35000"/>
+            </a:spcAft>
+          </a:pPr>
+          <a:endParaRPr lang="de-DE" sz="1100" b="1" kern="1200">
+            <a:solidFill>
+              <a:srgbClr val="000000"/>
+            </a:solidFill>
+          </a:endParaRPr>
+        </a:p>
+      </dsp:txBody>
+      <dsp:txXfrm>
+        <a:off x="1101704" y="1801031"/>
+        <a:ext cx="109648" cy="68704"/>
+      </dsp:txXfrm>
+    </dsp:sp>
+    <dsp:sp modelId="{6B4FAB92-B09E-D84C-8D61-5D5788845DDE}">
+      <dsp:nvSpPr>
+        <dsp:cNvPr id="0" name=""/>
+        <dsp:cNvSpPr/>
+      </dsp:nvSpPr>
+      <dsp:spPr>
+        <a:xfrm>
+          <a:off x="1257643" y="1527803"/>
+          <a:ext cx="1078694" cy="615160"/>
+        </a:xfrm>
+        <a:prstGeom prst="roundRect">
+          <a:avLst>
+            <a:gd name="adj" fmla="val 10000"/>
+          </a:avLst>
+        </a:prstGeom>
+        <a:solidFill>
+          <a:schemeClr val="accent3">
+            <a:alpha val="90000"/>
+            <a:hueOff val="0"/>
+            <a:satOff val="0"/>
+            <a:lumOff val="0"/>
+            <a:alphaOff val="-6667"/>
+          </a:schemeClr>
+        </a:solidFill>
+        <a:ln w="25400" cap="flat" cmpd="sng" algn="ctr">
+          <a:solidFill>
+            <a:schemeClr val="lt1">
+              <a:hueOff val="0"/>
+              <a:satOff val="0"/>
+              <a:lumOff val="0"/>
+              <a:alphaOff val="0"/>
+            </a:schemeClr>
+          </a:solidFill>
+          <a:prstDash val="solid"/>
+        </a:ln>
+        <a:effectLst/>
+      </dsp:spPr>
+      <dsp:style>
+        <a:lnRef idx="2">
+          <a:scrgbClr r="0" g="0" b="0"/>
+        </a:lnRef>
+        <a:fillRef idx="1">
+          <a:scrgbClr r="0" g="0" b="0"/>
+        </a:fillRef>
+        <a:effectRef idx="0">
+          <a:scrgbClr r="0" g="0" b="0"/>
+        </a:effectRef>
+        <a:fontRef idx="minor">
+          <a:schemeClr val="lt1"/>
+        </a:fontRef>
+      </dsp:style>
+      <dsp:txBody>
+        <a:bodyPr spcFirstLastPara="0" vert="horz" wrap="square" lIns="41910" tIns="41910" rIns="41910" bIns="41910" numCol="1" spcCol="1270" anchor="ctr" anchorCtr="0">
+          <a:noAutofit/>
+        </a:bodyPr>
+        <a:lstStyle/>
+        <a:p>
+          <a:pPr lvl="0" algn="ctr" defTabSz="488950">
+            <a:lnSpc>
+              <a:spcPct val="90000"/>
+            </a:lnSpc>
+            <a:spcBef>
+              <a:spcPct val="0"/>
+            </a:spcBef>
+            <a:spcAft>
+              <a:spcPct val="35000"/>
+            </a:spcAft>
+          </a:pPr>
+          <a:r>
+            <a:rPr lang="de-DE" sz="1100" b="1" kern="1200" dirty="0" smtClean="0">
+              <a:solidFill>
+                <a:srgbClr val="000000"/>
+              </a:solidFill>
+            </a:rPr>
+            <a:t>Finanzen einsehen</a:t>
+          </a:r>
+          <a:endParaRPr lang="de-DE" sz="1100" b="1" kern="1200" dirty="0">
+            <a:solidFill>
+              <a:srgbClr val="000000"/>
+            </a:solidFill>
+          </a:endParaRPr>
+        </a:p>
+      </dsp:txBody>
+      <dsp:txXfrm>
+        <a:off x="1275660" y="1545820"/>
+        <a:ext cx="1042660" cy="579126"/>
+      </dsp:txXfrm>
+    </dsp:sp>
+    <dsp:sp modelId="{9D5F9421-7680-D644-9D45-AF8251FC1D83}">
+      <dsp:nvSpPr>
+        <dsp:cNvPr id="0" name=""/>
+        <dsp:cNvSpPr/>
+      </dsp:nvSpPr>
+      <dsp:spPr>
+        <a:xfrm>
+          <a:off x="2353467" y="1781731"/>
+          <a:ext cx="144000" cy="107303"/>
+        </a:xfrm>
+        <a:prstGeom prst="rightArrow">
+          <a:avLst>
+            <a:gd name="adj1" fmla="val 60000"/>
+            <a:gd name="adj2" fmla="val 50000"/>
+          </a:avLst>
+        </a:prstGeom>
+        <a:solidFill>
+          <a:schemeClr val="accent3">
+            <a:shade val="90000"/>
+            <a:hueOff val="-82658"/>
+            <a:satOff val="-6135"/>
+            <a:lumOff val="8241"/>
+            <a:alphaOff val="0"/>
+          </a:schemeClr>
+        </a:solidFill>
+        <a:ln>
+          <a:noFill/>
+        </a:ln>
+        <a:effectLst/>
+      </dsp:spPr>
+      <dsp:style>
+        <a:lnRef idx="0">
+          <a:scrgbClr r="0" g="0" b="0"/>
+        </a:lnRef>
+        <a:fillRef idx="1">
+          <a:scrgbClr r="0" g="0" b="0"/>
+        </a:fillRef>
+        <a:effectRef idx="0">
+          <a:scrgbClr r="0" g="0" b="0"/>
+        </a:effectRef>
+        <a:fontRef idx="minor">
+          <a:schemeClr val="lt1"/>
+        </a:fontRef>
+      </dsp:style>
+      <dsp:txBody>
+        <a:bodyPr spcFirstLastPara="0" vert="horz" wrap="square" lIns="0" tIns="0" rIns="0" bIns="0" numCol="1" spcCol="1270" anchor="ctr" anchorCtr="0">
+          <a:noAutofit/>
+        </a:bodyPr>
+        <a:lstStyle/>
+        <a:p>
+          <a:pPr lvl="0" algn="ctr" defTabSz="488950">
+            <a:lnSpc>
+              <a:spcPct val="90000"/>
+            </a:lnSpc>
+            <a:spcBef>
+              <a:spcPct val="0"/>
+            </a:spcBef>
+            <a:spcAft>
+              <a:spcPct val="35000"/>
+            </a:spcAft>
+          </a:pPr>
+          <a:endParaRPr lang="de-DE" sz="1100" b="1" kern="1200">
+            <a:solidFill>
+              <a:srgbClr val="000000"/>
+            </a:solidFill>
+          </a:endParaRPr>
+        </a:p>
+      </dsp:txBody>
+      <dsp:txXfrm>
+        <a:off x="2353467" y="1803192"/>
+        <a:ext cx="111809" cy="64381"/>
+      </dsp:txXfrm>
+    </dsp:sp>
+    <dsp:sp modelId="{6D5F24C4-C754-0346-9A17-9000437579E8}">
+      <dsp:nvSpPr>
+        <dsp:cNvPr id="0" name=""/>
+        <dsp:cNvSpPr/>
+      </dsp:nvSpPr>
+      <dsp:spPr>
+        <a:xfrm>
+          <a:off x="2509406" y="1527803"/>
+          <a:ext cx="1078694" cy="615160"/>
+        </a:xfrm>
+        <a:prstGeom prst="roundRect">
+          <a:avLst>
+            <a:gd name="adj" fmla="val 10000"/>
+          </a:avLst>
+        </a:prstGeom>
+        <a:solidFill>
+          <a:schemeClr val="accent3">
+            <a:alpha val="90000"/>
+            <a:hueOff val="0"/>
+            <a:satOff val="0"/>
+            <a:lumOff val="0"/>
+            <a:alphaOff val="-13333"/>
+          </a:schemeClr>
+        </a:solidFill>
+        <a:ln w="25400" cap="flat" cmpd="sng" algn="ctr">
+          <a:solidFill>
+            <a:schemeClr val="lt1">
+              <a:hueOff val="0"/>
+              <a:satOff val="0"/>
+              <a:lumOff val="0"/>
+              <a:alphaOff val="0"/>
+            </a:schemeClr>
+          </a:solidFill>
+          <a:prstDash val="solid"/>
+        </a:ln>
+        <a:effectLst/>
+      </dsp:spPr>
+      <dsp:style>
+        <a:lnRef idx="2">
+          <a:scrgbClr r="0" g="0" b="0"/>
+        </a:lnRef>
+        <a:fillRef idx="1">
+          <a:scrgbClr r="0" g="0" b="0"/>
+        </a:fillRef>
+        <a:effectRef idx="0">
+          <a:scrgbClr r="0" g="0" b="0"/>
+        </a:effectRef>
+        <a:fontRef idx="minor">
+          <a:schemeClr val="lt1"/>
+        </a:fontRef>
+      </dsp:style>
+      <dsp:txBody>
+        <a:bodyPr spcFirstLastPara="0" vert="horz" wrap="square" lIns="41910" tIns="41910" rIns="41910" bIns="41910" numCol="1" spcCol="1270" anchor="ctr" anchorCtr="0">
+          <a:noAutofit/>
+        </a:bodyPr>
+        <a:lstStyle/>
+        <a:p>
+          <a:pPr lvl="0" algn="ctr" defTabSz="488950">
+            <a:lnSpc>
+              <a:spcPct val="90000"/>
+            </a:lnSpc>
+            <a:spcBef>
+              <a:spcPct val="0"/>
+            </a:spcBef>
+            <a:spcAft>
+              <a:spcPct val="35000"/>
+            </a:spcAft>
+          </a:pPr>
+          <a:r>
+            <a:rPr lang="de-DE" sz="1100" b="1" kern="1200" dirty="0" smtClean="0">
+              <a:solidFill>
+                <a:srgbClr val="000000"/>
+              </a:solidFill>
+            </a:rPr>
+            <a:t>Einkauf von Bauteilen</a:t>
+          </a:r>
+          <a:endParaRPr lang="de-DE" sz="1100" b="1" kern="1200" dirty="0">
+            <a:solidFill>
+              <a:srgbClr val="000000"/>
+            </a:solidFill>
+          </a:endParaRPr>
+        </a:p>
+      </dsp:txBody>
+      <dsp:txXfrm>
+        <a:off x="2527423" y="1545820"/>
+        <a:ext cx="1042660" cy="579126"/>
+      </dsp:txXfrm>
+    </dsp:sp>
+    <dsp:sp modelId="{2CDEA237-215F-6048-A36D-CA48F653B9F0}">
+      <dsp:nvSpPr>
+        <dsp:cNvPr id="0" name=""/>
+        <dsp:cNvSpPr/>
+      </dsp:nvSpPr>
+      <dsp:spPr>
+        <a:xfrm>
+          <a:off x="3605231" y="1781731"/>
+          <a:ext cx="144000" cy="107303"/>
+        </a:xfrm>
+        <a:prstGeom prst="rightArrow">
+          <a:avLst>
+            <a:gd name="adj1" fmla="val 60000"/>
+            <a:gd name="adj2" fmla="val 50000"/>
+          </a:avLst>
+        </a:prstGeom>
+        <a:solidFill>
+          <a:schemeClr val="accent3">
+            <a:shade val="90000"/>
+            <a:hueOff val="-165316"/>
+            <a:satOff val="-12270"/>
+            <a:lumOff val="16482"/>
+            <a:alphaOff val="0"/>
+          </a:schemeClr>
+        </a:solidFill>
+        <a:ln>
+          <a:noFill/>
+        </a:ln>
+        <a:effectLst/>
+      </dsp:spPr>
+      <dsp:style>
+        <a:lnRef idx="0">
+          <a:scrgbClr r="0" g="0" b="0"/>
+        </a:lnRef>
+        <a:fillRef idx="1">
+          <a:scrgbClr r="0" g="0" b="0"/>
+        </a:fillRef>
+        <a:effectRef idx="0">
+          <a:scrgbClr r="0" g="0" b="0"/>
+        </a:effectRef>
+        <a:fontRef idx="minor">
+          <a:schemeClr val="lt1"/>
+        </a:fontRef>
+      </dsp:style>
+      <dsp:txBody>
+        <a:bodyPr spcFirstLastPara="0" vert="horz" wrap="square" lIns="0" tIns="0" rIns="0" bIns="0" numCol="1" spcCol="1270" anchor="ctr" anchorCtr="0">
+          <a:noAutofit/>
+        </a:bodyPr>
+        <a:lstStyle/>
+        <a:p>
+          <a:pPr lvl="0" algn="ctr" defTabSz="488950">
+            <a:lnSpc>
+              <a:spcPct val="90000"/>
+            </a:lnSpc>
+            <a:spcBef>
+              <a:spcPct val="0"/>
+            </a:spcBef>
+            <a:spcAft>
+              <a:spcPct val="35000"/>
+            </a:spcAft>
+          </a:pPr>
+          <a:endParaRPr lang="de-DE" sz="1100" b="1" kern="1200">
+            <a:solidFill>
+              <a:srgbClr val="000000"/>
+            </a:solidFill>
+          </a:endParaRPr>
+        </a:p>
+      </dsp:txBody>
+      <dsp:txXfrm>
+        <a:off x="3605231" y="1803192"/>
+        <a:ext cx="111809" cy="64381"/>
+      </dsp:txXfrm>
+    </dsp:sp>
+    <dsp:sp modelId="{EF9A7DCF-E5B0-2C49-805A-AC2B4B728B76}">
+      <dsp:nvSpPr>
+        <dsp:cNvPr id="0" name=""/>
+        <dsp:cNvSpPr/>
+      </dsp:nvSpPr>
+      <dsp:spPr>
+        <a:xfrm>
+          <a:off x="3761170" y="1527803"/>
+          <a:ext cx="1078694" cy="615160"/>
+        </a:xfrm>
+        <a:prstGeom prst="roundRect">
+          <a:avLst>
+            <a:gd name="adj" fmla="val 10000"/>
+          </a:avLst>
+        </a:prstGeom>
+        <a:solidFill>
+          <a:schemeClr val="accent3">
+            <a:alpha val="90000"/>
+            <a:hueOff val="0"/>
+            <a:satOff val="0"/>
+            <a:lumOff val="0"/>
+            <a:alphaOff val="-20000"/>
+          </a:schemeClr>
+        </a:solidFill>
+        <a:ln w="25400" cap="flat" cmpd="sng" algn="ctr">
+          <a:solidFill>
+            <a:schemeClr val="lt1">
+              <a:hueOff val="0"/>
+              <a:satOff val="0"/>
+              <a:lumOff val="0"/>
+              <a:alphaOff val="0"/>
+            </a:schemeClr>
+          </a:solidFill>
+          <a:prstDash val="solid"/>
+        </a:ln>
+        <a:effectLst/>
+      </dsp:spPr>
+      <dsp:style>
+        <a:lnRef idx="2">
+          <a:scrgbClr r="0" g="0" b="0"/>
+        </a:lnRef>
+        <a:fillRef idx="1">
+          <a:scrgbClr r="0" g="0" b="0"/>
+        </a:fillRef>
+        <a:effectRef idx="0">
+          <a:scrgbClr r="0" g="0" b="0"/>
+        </a:effectRef>
+        <a:fontRef idx="minor">
+          <a:schemeClr val="lt1"/>
+        </a:fontRef>
+      </dsp:style>
+      <dsp:txBody>
+        <a:bodyPr spcFirstLastPara="0" vert="horz" wrap="square" lIns="41910" tIns="41910" rIns="41910" bIns="41910" numCol="1" spcCol="1270" anchor="ctr" anchorCtr="0">
+          <a:noAutofit/>
+        </a:bodyPr>
+        <a:lstStyle/>
+        <a:p>
+          <a:pPr lvl="0" algn="ctr" defTabSz="488950">
+            <a:lnSpc>
+              <a:spcPct val="90000"/>
+            </a:lnSpc>
+            <a:spcBef>
+              <a:spcPct val="0"/>
+            </a:spcBef>
+            <a:spcAft>
+              <a:spcPct val="35000"/>
+            </a:spcAft>
+          </a:pPr>
+          <a:r>
+            <a:rPr lang="de-DE" sz="1100" b="1" kern="1200" dirty="0" smtClean="0">
+              <a:solidFill>
+                <a:srgbClr val="000000"/>
+              </a:solidFill>
+            </a:rPr>
+            <a:t>Personal verwalten</a:t>
+          </a:r>
+          <a:endParaRPr lang="de-DE" sz="1100" b="1" kern="1200" dirty="0">
+            <a:solidFill>
+              <a:srgbClr val="000000"/>
+            </a:solidFill>
+          </a:endParaRPr>
+        </a:p>
+      </dsp:txBody>
+      <dsp:txXfrm>
+        <a:off x="3779187" y="1545820"/>
+        <a:ext cx="1042660" cy="579126"/>
+      </dsp:txXfrm>
+    </dsp:sp>
+    <dsp:sp modelId="{3A5AC82B-7463-1047-85AB-EC94B837835A}">
+      <dsp:nvSpPr>
+        <dsp:cNvPr id="0" name=""/>
+        <dsp:cNvSpPr/>
+      </dsp:nvSpPr>
+      <dsp:spPr>
+        <a:xfrm>
+          <a:off x="4856995" y="1781731"/>
+          <a:ext cx="144000" cy="107303"/>
+        </a:xfrm>
+        <a:prstGeom prst="rightArrow">
+          <a:avLst>
+            <a:gd name="adj1" fmla="val 60000"/>
+            <a:gd name="adj2" fmla="val 50000"/>
+          </a:avLst>
+        </a:prstGeom>
+        <a:solidFill>
+          <a:schemeClr val="accent3">
+            <a:shade val="90000"/>
+            <a:hueOff val="-247974"/>
+            <a:satOff val="-18406"/>
+            <a:lumOff val="24723"/>
+            <a:alphaOff val="0"/>
+          </a:schemeClr>
+        </a:solidFill>
+        <a:ln>
+          <a:noFill/>
+        </a:ln>
+        <a:effectLst/>
+      </dsp:spPr>
+      <dsp:style>
+        <a:lnRef idx="0">
+          <a:scrgbClr r="0" g="0" b="0"/>
+        </a:lnRef>
+        <a:fillRef idx="1">
+          <a:scrgbClr r="0" g="0" b="0"/>
+        </a:fillRef>
+        <a:effectRef idx="0">
+          <a:scrgbClr r="0" g="0" b="0"/>
+        </a:effectRef>
+        <a:fontRef idx="minor">
+          <a:schemeClr val="lt1"/>
+        </a:fontRef>
+      </dsp:style>
+      <dsp:txBody>
+        <a:bodyPr spcFirstLastPara="0" vert="horz" wrap="square" lIns="0" tIns="0" rIns="0" bIns="0" numCol="1" spcCol="1270" anchor="ctr" anchorCtr="0">
+          <a:noAutofit/>
+        </a:bodyPr>
+        <a:lstStyle/>
+        <a:p>
+          <a:pPr lvl="0" algn="ctr" defTabSz="488950">
+            <a:lnSpc>
+              <a:spcPct val="90000"/>
+            </a:lnSpc>
+            <a:spcBef>
+              <a:spcPct val="0"/>
+            </a:spcBef>
+            <a:spcAft>
+              <a:spcPct val="35000"/>
+            </a:spcAft>
+          </a:pPr>
+          <a:endParaRPr lang="de-DE" sz="1100" b="1" kern="1200">
+            <a:solidFill>
+              <a:srgbClr val="000000"/>
+            </a:solidFill>
+          </a:endParaRPr>
+        </a:p>
+      </dsp:txBody>
+      <dsp:txXfrm>
+        <a:off x="4856995" y="1803192"/>
+        <a:ext cx="111809" cy="64381"/>
+      </dsp:txXfrm>
+    </dsp:sp>
+    <dsp:sp modelId="{E9040923-0347-3940-94B6-75FF8AF184B0}">
+      <dsp:nvSpPr>
+        <dsp:cNvPr id="0" name=""/>
+        <dsp:cNvSpPr/>
+      </dsp:nvSpPr>
+      <dsp:spPr>
+        <a:xfrm>
+          <a:off x="5012934" y="1527803"/>
+          <a:ext cx="1078694" cy="615160"/>
+        </a:xfrm>
+        <a:prstGeom prst="roundRect">
+          <a:avLst>
+            <a:gd name="adj" fmla="val 10000"/>
+          </a:avLst>
+        </a:prstGeom>
+        <a:solidFill>
+          <a:schemeClr val="accent3">
+            <a:alpha val="90000"/>
+            <a:hueOff val="0"/>
+            <a:satOff val="0"/>
+            <a:lumOff val="0"/>
+            <a:alphaOff val="-26667"/>
+          </a:schemeClr>
+        </a:solidFill>
+        <a:ln w="25400" cap="flat" cmpd="sng" algn="ctr">
+          <a:solidFill>
+            <a:schemeClr val="lt1">
+              <a:hueOff val="0"/>
+              <a:satOff val="0"/>
+              <a:lumOff val="0"/>
+              <a:alphaOff val="0"/>
+            </a:schemeClr>
+          </a:solidFill>
+          <a:prstDash val="solid"/>
+        </a:ln>
+        <a:effectLst/>
+      </dsp:spPr>
+      <dsp:style>
+        <a:lnRef idx="2">
+          <a:scrgbClr r="0" g="0" b="0"/>
+        </a:lnRef>
+        <a:fillRef idx="1">
+          <a:scrgbClr r="0" g="0" b="0"/>
+        </a:fillRef>
+        <a:effectRef idx="0">
+          <a:scrgbClr r="0" g="0" b="0"/>
+        </a:effectRef>
+        <a:fontRef idx="minor">
+          <a:schemeClr val="lt1"/>
+        </a:fontRef>
+      </dsp:style>
+      <dsp:txBody>
+        <a:bodyPr spcFirstLastPara="0" vert="horz" wrap="square" lIns="41910" tIns="41910" rIns="41910" bIns="41910" numCol="1" spcCol="1270" anchor="ctr" anchorCtr="0">
+          <a:noAutofit/>
+        </a:bodyPr>
+        <a:lstStyle/>
+        <a:p>
+          <a:pPr lvl="0" algn="ctr" defTabSz="488950">
+            <a:lnSpc>
+              <a:spcPct val="90000"/>
+            </a:lnSpc>
+            <a:spcBef>
+              <a:spcPct val="0"/>
+            </a:spcBef>
+            <a:spcAft>
+              <a:spcPct val="35000"/>
+            </a:spcAft>
+          </a:pPr>
+          <a:r>
+            <a:rPr lang="de-DE" sz="1100" b="1" kern="1200" dirty="0" smtClean="0">
+              <a:solidFill>
+                <a:srgbClr val="000000"/>
+              </a:solidFill>
+            </a:rPr>
+            <a:t>Raumschiffe produzieren</a:t>
+          </a:r>
+          <a:endParaRPr lang="de-DE" sz="1100" b="1" kern="1200" dirty="0">
+            <a:solidFill>
+              <a:srgbClr val="000000"/>
+            </a:solidFill>
+          </a:endParaRPr>
+        </a:p>
+      </dsp:txBody>
+      <dsp:txXfrm>
+        <a:off x="5030951" y="1545820"/>
+        <a:ext cx="1042660" cy="579126"/>
+      </dsp:txXfrm>
+    </dsp:sp>
+    <dsp:sp modelId="{B81F8AF9-FF83-714C-9CEE-E2E108C4A052}">
+      <dsp:nvSpPr>
+        <dsp:cNvPr id="0" name=""/>
+        <dsp:cNvSpPr/>
+      </dsp:nvSpPr>
+      <dsp:spPr>
+        <a:xfrm>
+          <a:off x="6108759" y="1781731"/>
+          <a:ext cx="144000" cy="107303"/>
+        </a:xfrm>
+        <a:prstGeom prst="rightArrow">
+          <a:avLst>
+            <a:gd name="adj1" fmla="val 60000"/>
+            <a:gd name="adj2" fmla="val 50000"/>
+          </a:avLst>
+        </a:prstGeom>
+        <a:solidFill>
+          <a:schemeClr val="accent3">
+            <a:shade val="90000"/>
+            <a:hueOff val="-330632"/>
+            <a:satOff val="-24541"/>
+            <a:lumOff val="32964"/>
+            <a:alphaOff val="0"/>
+          </a:schemeClr>
+        </a:solidFill>
+        <a:ln>
+          <a:noFill/>
+        </a:ln>
+        <a:effectLst/>
+      </dsp:spPr>
+      <dsp:style>
+        <a:lnRef idx="0">
+          <a:scrgbClr r="0" g="0" b="0"/>
+        </a:lnRef>
+        <a:fillRef idx="1">
+          <a:scrgbClr r="0" g="0" b="0"/>
+        </a:fillRef>
+        <a:effectRef idx="0">
+          <a:scrgbClr r="0" g="0" b="0"/>
+        </a:effectRef>
+        <a:fontRef idx="minor">
+          <a:schemeClr val="lt1"/>
+        </a:fontRef>
+      </dsp:style>
+      <dsp:txBody>
+        <a:bodyPr spcFirstLastPara="0" vert="horz" wrap="square" lIns="0" tIns="0" rIns="0" bIns="0" numCol="1" spcCol="1270" anchor="ctr" anchorCtr="0">
+          <a:noAutofit/>
+        </a:bodyPr>
+        <a:lstStyle/>
+        <a:p>
+          <a:pPr lvl="0" algn="ctr" defTabSz="488950">
+            <a:lnSpc>
+              <a:spcPct val="90000"/>
+            </a:lnSpc>
+            <a:spcBef>
+              <a:spcPct val="0"/>
+            </a:spcBef>
+            <a:spcAft>
+              <a:spcPct val="35000"/>
+            </a:spcAft>
+          </a:pPr>
+          <a:endParaRPr lang="de-DE" sz="1100" b="1" kern="1200">
+            <a:solidFill>
+              <a:srgbClr val="000000"/>
+            </a:solidFill>
+          </a:endParaRPr>
+        </a:p>
+      </dsp:txBody>
+      <dsp:txXfrm>
+        <a:off x="6108759" y="1803192"/>
+        <a:ext cx="111809" cy="64381"/>
+      </dsp:txXfrm>
+    </dsp:sp>
+    <dsp:sp modelId="{8B2FAF1A-C258-A84D-B1E1-138BBC85B83B}">
+      <dsp:nvSpPr>
+        <dsp:cNvPr id="0" name=""/>
+        <dsp:cNvSpPr/>
+      </dsp:nvSpPr>
+      <dsp:spPr>
+        <a:xfrm>
+          <a:off x="6264697" y="1527803"/>
+          <a:ext cx="1078694" cy="615160"/>
+        </a:xfrm>
+        <a:prstGeom prst="roundRect">
+          <a:avLst>
+            <a:gd name="adj" fmla="val 10000"/>
+          </a:avLst>
+        </a:prstGeom>
+        <a:solidFill>
+          <a:schemeClr val="accent3">
+            <a:alpha val="90000"/>
+            <a:hueOff val="0"/>
+            <a:satOff val="0"/>
+            <a:lumOff val="0"/>
+            <a:alphaOff val="-33333"/>
+          </a:schemeClr>
+        </a:solidFill>
+        <a:ln w="25400" cap="flat" cmpd="sng" algn="ctr">
+          <a:solidFill>
+            <a:schemeClr val="lt1">
+              <a:hueOff val="0"/>
+              <a:satOff val="0"/>
+              <a:lumOff val="0"/>
+              <a:alphaOff val="0"/>
+            </a:schemeClr>
+          </a:solidFill>
+          <a:prstDash val="solid"/>
+        </a:ln>
+        <a:effectLst/>
+      </dsp:spPr>
+      <dsp:style>
+        <a:lnRef idx="2">
+          <a:scrgbClr r="0" g="0" b="0"/>
+        </a:lnRef>
+        <a:fillRef idx="1">
+          <a:scrgbClr r="0" g="0" b="0"/>
+        </a:fillRef>
+        <a:effectRef idx="0">
+          <a:scrgbClr r="0" g="0" b="0"/>
+        </a:effectRef>
+        <a:fontRef idx="minor">
+          <a:schemeClr val="lt1"/>
+        </a:fontRef>
+      </dsp:style>
+      <dsp:txBody>
+        <a:bodyPr spcFirstLastPara="0" vert="horz" wrap="square" lIns="41910" tIns="41910" rIns="41910" bIns="41910" numCol="1" spcCol="1270" anchor="ctr" anchorCtr="0">
+          <a:noAutofit/>
+        </a:bodyPr>
+        <a:lstStyle/>
+        <a:p>
+          <a:pPr lvl="0" algn="ctr" defTabSz="488950">
+            <a:lnSpc>
+              <a:spcPct val="90000"/>
+            </a:lnSpc>
+            <a:spcBef>
+              <a:spcPct val="0"/>
+            </a:spcBef>
+            <a:spcAft>
+              <a:spcPct val="35000"/>
+            </a:spcAft>
+          </a:pPr>
+          <a:r>
+            <a:rPr lang="de-DE" sz="1100" b="1" kern="1200" dirty="0" smtClean="0">
+              <a:solidFill>
+                <a:srgbClr val="000000"/>
+              </a:solidFill>
+            </a:rPr>
+            <a:t>Verkaufspreis angeben</a:t>
+          </a:r>
+          <a:endParaRPr lang="de-DE" sz="1100" b="1" kern="1200" dirty="0">
+            <a:solidFill>
+              <a:srgbClr val="000000"/>
+            </a:solidFill>
+          </a:endParaRPr>
+        </a:p>
+      </dsp:txBody>
+      <dsp:txXfrm>
+        <a:off x="6282714" y="1545820"/>
+        <a:ext cx="1042660" cy="579126"/>
+      </dsp:txXfrm>
+    </dsp:sp>
+    <dsp:sp modelId="{337DA1A1-C713-7A4B-9877-A8F9D2567B3E}">
+      <dsp:nvSpPr>
+        <dsp:cNvPr id="0" name=""/>
+        <dsp:cNvSpPr/>
+      </dsp:nvSpPr>
+      <dsp:spPr>
+        <a:xfrm>
+          <a:off x="7360522" y="1781731"/>
+          <a:ext cx="144000" cy="107303"/>
+        </a:xfrm>
+        <a:prstGeom prst="rightArrow">
+          <a:avLst>
+            <a:gd name="adj1" fmla="val 60000"/>
+            <a:gd name="adj2" fmla="val 50000"/>
+          </a:avLst>
+        </a:prstGeom>
+        <a:solidFill>
+          <a:schemeClr val="accent3">
+            <a:shade val="90000"/>
+            <a:hueOff val="-413290"/>
+            <a:satOff val="-30676"/>
+            <a:lumOff val="41205"/>
+            <a:alphaOff val="0"/>
+          </a:schemeClr>
+        </a:solidFill>
+        <a:ln>
+          <a:noFill/>
+        </a:ln>
+        <a:effectLst/>
+      </dsp:spPr>
+      <dsp:style>
+        <a:lnRef idx="0">
+          <a:scrgbClr r="0" g="0" b="0"/>
+        </a:lnRef>
+        <a:fillRef idx="1">
+          <a:scrgbClr r="0" g="0" b="0"/>
+        </a:fillRef>
+        <a:effectRef idx="0">
+          <a:scrgbClr r="0" g="0" b="0"/>
+        </a:effectRef>
+        <a:fontRef idx="minor">
+          <a:schemeClr val="lt1"/>
+        </a:fontRef>
+      </dsp:style>
+      <dsp:txBody>
+        <a:bodyPr spcFirstLastPara="0" vert="horz" wrap="square" lIns="0" tIns="0" rIns="0" bIns="0" numCol="1" spcCol="1270" anchor="ctr" anchorCtr="0">
+          <a:noAutofit/>
+        </a:bodyPr>
+        <a:lstStyle/>
+        <a:p>
+          <a:pPr lvl="0" algn="ctr" defTabSz="488950">
+            <a:lnSpc>
+              <a:spcPct val="90000"/>
+            </a:lnSpc>
+            <a:spcBef>
+              <a:spcPct val="0"/>
+            </a:spcBef>
+            <a:spcAft>
+              <a:spcPct val="35000"/>
+            </a:spcAft>
+          </a:pPr>
+          <a:endParaRPr lang="de-DE" sz="1100" b="1" kern="1200">
+            <a:solidFill>
+              <a:srgbClr val="000000"/>
+            </a:solidFill>
+          </a:endParaRPr>
+        </a:p>
+      </dsp:txBody>
+      <dsp:txXfrm>
+        <a:off x="7360522" y="1803192"/>
+        <a:ext cx="111809" cy="64381"/>
+      </dsp:txXfrm>
+    </dsp:sp>
+    <dsp:sp modelId="{E9DC2F37-07D7-4447-BB56-EA2233686C2B}">
+      <dsp:nvSpPr>
+        <dsp:cNvPr id="0" name=""/>
+        <dsp:cNvSpPr/>
+      </dsp:nvSpPr>
+      <dsp:spPr>
+        <a:xfrm>
+          <a:off x="7516461" y="1527803"/>
+          <a:ext cx="1078694" cy="615160"/>
+        </a:xfrm>
+        <a:prstGeom prst="roundRect">
+          <a:avLst>
+            <a:gd name="adj" fmla="val 10000"/>
+          </a:avLst>
+        </a:prstGeom>
+        <a:solidFill>
+          <a:schemeClr val="accent3">
+            <a:alpha val="90000"/>
+            <a:hueOff val="0"/>
+            <a:satOff val="0"/>
+            <a:lumOff val="0"/>
+            <a:alphaOff val="-40000"/>
+          </a:schemeClr>
+        </a:solidFill>
+        <a:ln w="25400" cap="flat" cmpd="sng" algn="ctr">
+          <a:solidFill>
+            <a:schemeClr val="lt1">
+              <a:hueOff val="0"/>
+              <a:satOff val="0"/>
+              <a:lumOff val="0"/>
+              <a:alphaOff val="0"/>
+            </a:schemeClr>
+          </a:solidFill>
+          <a:prstDash val="solid"/>
+        </a:ln>
+        <a:effectLst/>
+      </dsp:spPr>
+      <dsp:style>
+        <a:lnRef idx="2">
+          <a:scrgbClr r="0" g="0" b="0"/>
+        </a:lnRef>
+        <a:fillRef idx="1">
+          <a:scrgbClr r="0" g="0" b="0"/>
+        </a:fillRef>
+        <a:effectRef idx="0">
+          <a:scrgbClr r="0" g="0" b="0"/>
+        </a:effectRef>
+        <a:fontRef idx="minor">
+          <a:schemeClr val="lt1"/>
+        </a:fontRef>
+      </dsp:style>
+      <dsp:txBody>
+        <a:bodyPr spcFirstLastPara="0" vert="horz" wrap="square" lIns="41910" tIns="41910" rIns="41910" bIns="41910" numCol="1" spcCol="1270" anchor="ctr" anchorCtr="0">
+          <a:noAutofit/>
+        </a:bodyPr>
+        <a:lstStyle/>
+        <a:p>
+          <a:pPr lvl="0" algn="ctr" defTabSz="488950">
+            <a:lnSpc>
+              <a:spcPct val="90000"/>
+            </a:lnSpc>
+            <a:spcBef>
+              <a:spcPct val="0"/>
+            </a:spcBef>
+            <a:spcAft>
+              <a:spcPct val="35000"/>
+            </a:spcAft>
+          </a:pPr>
+          <a:r>
+            <a:rPr lang="de-DE" sz="1100" b="1" kern="1200" dirty="0" smtClean="0">
+              <a:solidFill>
+                <a:srgbClr val="000000"/>
+              </a:solidFill>
+            </a:rPr>
+            <a:t>End-bewertung einsehen</a:t>
+          </a:r>
+          <a:endParaRPr lang="de-DE" sz="1100" b="1" kern="1200" dirty="0">
+            <a:solidFill>
+              <a:srgbClr val="000000"/>
+            </a:solidFill>
+          </a:endParaRPr>
+        </a:p>
+      </dsp:txBody>
+      <dsp:txXfrm>
+        <a:off x="7534478" y="1545820"/>
+        <a:ext cx="1042660" cy="579126"/>
+      </dsp:txXfrm>
+    </dsp:sp>
   </dsp:spTree>
 </dsp:drawing>
 </file>
@@ -12817,7 +13871,7 @@
           <a:p>
             <a:fld id="{27667466-E0D7-FD4B-BBEF-602BF6B185FF}" type="datetimeFigureOut">
               <a:rPr lang="de-DE" smtClean="0"/>
-              <a:t>09.11.2011</a:t>
+              <a:t>12.11.2011</a:t>
             </a:fld>
             <a:endParaRPr lang="de-DE"/>
           </a:p>
@@ -12983,7 +14037,7 @@
           <a:p>
             <a:fld id="{358CF69D-E791-E447-927B-A50D3ED4596D}" type="datetimeFigureOut">
               <a:rPr lang="de-DE" smtClean="0"/>
-              <a:t>09.11.2011</a:t>
+              <a:t>12.11.2011</a:t>
             </a:fld>
             <a:endParaRPr lang="de-DE"/>
           </a:p>
@@ -21018,1859 +22072,38 @@
           </a:p>
         </p:txBody>
       </p:sp>
-      <p:sp>
-        <p:nvSpPr>
-          <p:cNvPr id="7" name="Rechteck 6"/>
-          <p:cNvSpPr/>
+      <p:pic>
+        <p:nvPicPr>
+          <p:cNvPr id="8" name="Grafik 7">
+            <a:hlinkClick r:id="rId3"/>
+          </p:cNvPr>
+          <p:cNvPicPr>
+            <a:picLocks noChangeAspect="1"/>
+          </p:cNvPicPr>
           <p:nvPr/>
-        </p:nvSpPr>
+        </p:nvPicPr>
+        <p:blipFill>
+          <a:blip r:embed="rId4" cstate="email">
+            <a:extLst>
+              <a:ext uri="{28A0092B-C50C-407E-A947-70E740481C1C}">
+                <a14:useLocalDpi xmlns:a14="http://schemas.microsoft.com/office/drawing/2010/main" val="0"/>
+              </a:ext>
+            </a:extLst>
+          </a:blip>
+          <a:stretch>
+            <a:fillRect/>
+          </a:stretch>
+        </p:blipFill>
         <p:spPr>
           <a:xfrm>
-            <a:off x="3606833" y="2509288"/>
-            <a:ext cx="1800000" cy="720000"/>
+            <a:off x="684999" y="2038256"/>
+            <a:ext cx="8228814" cy="4629244"/>
           </a:xfrm>
           <a:prstGeom prst="rect">
             <a:avLst/>
           </a:prstGeom>
-          <a:solidFill>
-            <a:schemeClr val="tx2"/>
-          </a:solidFill>
-          <a:ln>
-            <a:solidFill>
-              <a:schemeClr val="tx2"/>
-            </a:solidFill>
-          </a:ln>
         </p:spPr>
-        <p:style>
-          <a:lnRef idx="1">
-            <a:schemeClr val="accent1"/>
-          </a:lnRef>
-          <a:fillRef idx="3">
-            <a:schemeClr val="accent1"/>
-          </a:fillRef>
-          <a:effectRef idx="2">
-            <a:schemeClr val="accent1"/>
-          </a:effectRef>
-          <a:fontRef idx="minor">
-            <a:schemeClr val="lt1"/>
-          </a:fontRef>
-        </p:style>
-        <p:txBody>
-          <a:bodyPr rtlCol="0" anchor="ctr"/>
-          <a:lstStyle/>
-          <a:p>
-            <a:pPr algn="ctr"/>
-            <a:r>
-              <a:rPr lang="de-DE" dirty="0" smtClean="0">
-                <a:solidFill>
-                  <a:schemeClr val="accent3"/>
-                </a:solidFill>
-              </a:rPr>
-              <a:t>Spiel</a:t>
-            </a:r>
-            <a:endParaRPr lang="en-US" dirty="0">
-              <a:solidFill>
-                <a:schemeClr val="accent3"/>
-              </a:solidFill>
-            </a:endParaRPr>
-          </a:p>
-        </p:txBody>
-      </p:sp>
-      <p:sp>
-        <p:nvSpPr>
-          <p:cNvPr id="9" name="Rechteck 8"/>
-          <p:cNvSpPr/>
-          <p:nvPr/>
-        </p:nvSpPr>
-        <p:spPr>
-          <a:xfrm>
-            <a:off x="220588" y="2509288"/>
-            <a:ext cx="1800000" cy="720000"/>
-          </a:xfrm>
-          <a:prstGeom prst="rect">
-            <a:avLst/>
-          </a:prstGeom>
-          <a:solidFill>
-            <a:schemeClr val="tx2"/>
-          </a:solidFill>
-          <a:ln>
-            <a:solidFill>
-              <a:schemeClr val="tx2"/>
-            </a:solidFill>
-          </a:ln>
-        </p:spPr>
-        <p:style>
-          <a:lnRef idx="1">
-            <a:schemeClr val="accent1"/>
-          </a:lnRef>
-          <a:fillRef idx="3">
-            <a:schemeClr val="accent1"/>
-          </a:fillRef>
-          <a:effectRef idx="2">
-            <a:schemeClr val="accent1"/>
-          </a:effectRef>
-          <a:fontRef idx="minor">
-            <a:schemeClr val="lt1"/>
-          </a:fontRef>
-        </p:style>
-        <p:txBody>
-          <a:bodyPr rtlCol="0" anchor="ctr"/>
-          <a:lstStyle/>
-          <a:p>
-            <a:pPr algn="ctr"/>
-            <a:r>
-              <a:rPr lang="de-DE" dirty="0" smtClean="0">
-                <a:solidFill>
-                  <a:schemeClr val="accent3"/>
-                </a:solidFill>
-              </a:rPr>
-              <a:t>Unternehmen</a:t>
-            </a:r>
-            <a:endParaRPr lang="en-US" dirty="0">
-              <a:solidFill>
-                <a:schemeClr val="accent3"/>
-              </a:solidFill>
-            </a:endParaRPr>
-          </a:p>
-        </p:txBody>
-      </p:sp>
-      <p:sp>
-        <p:nvSpPr>
-          <p:cNvPr id="10" name="Rechteck 9"/>
-          <p:cNvSpPr/>
-          <p:nvPr/>
-        </p:nvSpPr>
-        <p:spPr>
-          <a:xfrm>
-            <a:off x="7113813" y="2509288"/>
-            <a:ext cx="1800000" cy="720000"/>
-          </a:xfrm>
-          <a:prstGeom prst="rect">
-            <a:avLst/>
-          </a:prstGeom>
-          <a:solidFill>
-            <a:schemeClr val="tx2"/>
-          </a:solidFill>
-          <a:ln>
-            <a:solidFill>
-              <a:schemeClr val="tx2"/>
-            </a:solidFill>
-          </a:ln>
-        </p:spPr>
-        <p:style>
-          <a:lnRef idx="1">
-            <a:schemeClr val="accent1"/>
-          </a:lnRef>
-          <a:fillRef idx="3">
-            <a:schemeClr val="accent1"/>
-          </a:fillRef>
-          <a:effectRef idx="2">
-            <a:schemeClr val="accent1"/>
-          </a:effectRef>
-          <a:fontRef idx="minor">
-            <a:schemeClr val="lt1"/>
-          </a:fontRef>
-        </p:style>
-        <p:txBody>
-          <a:bodyPr rtlCol="0" anchor="ctr"/>
-          <a:lstStyle/>
-          <a:p>
-            <a:pPr algn="ctr"/>
-            <a:r>
-              <a:rPr lang="de-DE" dirty="0" smtClean="0">
-                <a:solidFill>
-                  <a:schemeClr val="accent3"/>
-                </a:solidFill>
-              </a:rPr>
-              <a:t>Markt</a:t>
-            </a:r>
-          </a:p>
-        </p:txBody>
-      </p:sp>
-      <p:sp>
-        <p:nvSpPr>
-          <p:cNvPr id="11" name="Rechteck 10"/>
-          <p:cNvSpPr/>
-          <p:nvPr/>
-        </p:nvSpPr>
-        <p:spPr>
-          <a:xfrm>
-            <a:off x="3606833" y="3997844"/>
-            <a:ext cx="1800000" cy="720000"/>
-          </a:xfrm>
-          <a:prstGeom prst="rect">
-            <a:avLst/>
-          </a:prstGeom>
-          <a:solidFill>
-            <a:schemeClr val="tx2"/>
-          </a:solidFill>
-          <a:ln>
-            <a:solidFill>
-              <a:schemeClr val="tx2"/>
-            </a:solidFill>
-          </a:ln>
-        </p:spPr>
-        <p:style>
-          <a:lnRef idx="1">
-            <a:schemeClr val="accent1"/>
-          </a:lnRef>
-          <a:fillRef idx="3">
-            <a:schemeClr val="accent1"/>
-          </a:fillRef>
-          <a:effectRef idx="2">
-            <a:schemeClr val="accent1"/>
-          </a:effectRef>
-          <a:fontRef idx="minor">
-            <a:schemeClr val="lt1"/>
-          </a:fontRef>
-        </p:style>
-        <p:txBody>
-          <a:bodyPr rtlCol="0" anchor="ctr"/>
-          <a:lstStyle/>
-          <a:p>
-            <a:pPr algn="ctr"/>
-            <a:r>
-              <a:rPr lang="de-DE" dirty="0" err="1" smtClean="0">
-                <a:solidFill>
-                  <a:schemeClr val="accent3"/>
-                </a:solidFill>
-              </a:rPr>
-              <a:t>SpielRunde</a:t>
-            </a:r>
-            <a:endParaRPr lang="en-US" dirty="0">
-              <a:solidFill>
-                <a:schemeClr val="accent3"/>
-              </a:solidFill>
-            </a:endParaRPr>
-          </a:p>
-        </p:txBody>
-      </p:sp>
-      <p:sp>
-        <p:nvSpPr>
-          <p:cNvPr id="12" name="Rechteck 11"/>
-          <p:cNvSpPr/>
-          <p:nvPr/>
-        </p:nvSpPr>
-        <p:spPr>
-          <a:xfrm>
-            <a:off x="4816072" y="5495635"/>
-            <a:ext cx="1800000" cy="720000"/>
-          </a:xfrm>
-          <a:prstGeom prst="rect">
-            <a:avLst/>
-          </a:prstGeom>
-          <a:solidFill>
-            <a:schemeClr val="tx2"/>
-          </a:solidFill>
-          <a:ln>
-            <a:solidFill>
-              <a:schemeClr val="tx2"/>
-            </a:solidFill>
-          </a:ln>
-        </p:spPr>
-        <p:style>
-          <a:lnRef idx="1">
-            <a:schemeClr val="accent1"/>
-          </a:lnRef>
-          <a:fillRef idx="3">
-            <a:schemeClr val="accent1"/>
-          </a:fillRef>
-          <a:effectRef idx="2">
-            <a:schemeClr val="accent1"/>
-          </a:effectRef>
-          <a:fontRef idx="minor">
-            <a:schemeClr val="lt1"/>
-          </a:fontRef>
-        </p:style>
-        <p:txBody>
-          <a:bodyPr rtlCol="0" anchor="ctr"/>
-          <a:lstStyle/>
-          <a:p>
-            <a:pPr algn="ctr"/>
-            <a:r>
-              <a:rPr lang="de-DE" dirty="0" err="1" smtClean="0">
-                <a:solidFill>
-                  <a:schemeClr val="accent3"/>
-                </a:solidFill>
-              </a:rPr>
-              <a:t>RaumschiffTyp</a:t>
-            </a:r>
-            <a:endParaRPr lang="en-US" dirty="0">
-              <a:solidFill>
-                <a:schemeClr val="accent3"/>
-              </a:solidFill>
-            </a:endParaRPr>
-          </a:p>
-        </p:txBody>
-      </p:sp>
-      <p:sp>
-        <p:nvSpPr>
-          <p:cNvPr id="13" name="Rechteck 12"/>
-          <p:cNvSpPr/>
-          <p:nvPr/>
-        </p:nvSpPr>
-        <p:spPr>
-          <a:xfrm>
-            <a:off x="7113813" y="5495634"/>
-            <a:ext cx="1800000" cy="720000"/>
-          </a:xfrm>
-          <a:prstGeom prst="rect">
-            <a:avLst/>
-          </a:prstGeom>
-          <a:solidFill>
-            <a:schemeClr val="tx2"/>
-          </a:solidFill>
-          <a:ln>
-            <a:solidFill>
-              <a:schemeClr val="tx2"/>
-            </a:solidFill>
-          </a:ln>
-        </p:spPr>
-        <p:style>
-          <a:lnRef idx="1">
-            <a:schemeClr val="accent1"/>
-          </a:lnRef>
-          <a:fillRef idx="3">
-            <a:schemeClr val="accent1"/>
-          </a:fillRef>
-          <a:effectRef idx="2">
-            <a:schemeClr val="accent1"/>
-          </a:effectRef>
-          <a:fontRef idx="minor">
-            <a:schemeClr val="lt1"/>
-          </a:fontRef>
-        </p:style>
-        <p:txBody>
-          <a:bodyPr rtlCol="0" anchor="ctr"/>
-          <a:lstStyle/>
-          <a:p>
-            <a:pPr algn="ctr"/>
-            <a:r>
-              <a:rPr lang="de-DE" dirty="0" err="1" smtClean="0">
-                <a:solidFill>
-                  <a:schemeClr val="accent3"/>
-                </a:solidFill>
-              </a:rPr>
-              <a:t>BauteilTyp</a:t>
-            </a:r>
-            <a:endParaRPr lang="en-US" dirty="0">
-              <a:solidFill>
-                <a:schemeClr val="accent3"/>
-              </a:solidFill>
-            </a:endParaRPr>
-          </a:p>
-        </p:txBody>
-      </p:sp>
-      <p:sp>
-        <p:nvSpPr>
-          <p:cNvPr id="14" name="Rechteck 13"/>
-          <p:cNvSpPr/>
-          <p:nvPr/>
-        </p:nvSpPr>
-        <p:spPr>
-          <a:xfrm>
-            <a:off x="2518330" y="5495635"/>
-            <a:ext cx="1800000" cy="720000"/>
-          </a:xfrm>
-          <a:prstGeom prst="rect">
-            <a:avLst/>
-          </a:prstGeom>
-          <a:solidFill>
-            <a:schemeClr val="tx2"/>
-          </a:solidFill>
-          <a:ln>
-            <a:solidFill>
-              <a:schemeClr val="tx2"/>
-            </a:solidFill>
-          </a:ln>
-        </p:spPr>
-        <p:style>
-          <a:lnRef idx="1">
-            <a:schemeClr val="accent1"/>
-          </a:lnRef>
-          <a:fillRef idx="3">
-            <a:schemeClr val="accent1"/>
-          </a:fillRef>
-          <a:effectRef idx="2">
-            <a:schemeClr val="accent1"/>
-          </a:effectRef>
-          <a:fontRef idx="minor">
-            <a:schemeClr val="lt1"/>
-          </a:fontRef>
-        </p:style>
-        <p:txBody>
-          <a:bodyPr rtlCol="0" anchor="ctr"/>
-          <a:lstStyle/>
-          <a:p>
-            <a:pPr algn="ctr"/>
-            <a:r>
-              <a:rPr lang="de-DE" dirty="0" err="1" smtClean="0">
-                <a:solidFill>
-                  <a:schemeClr val="accent3"/>
-                </a:solidFill>
-              </a:rPr>
-              <a:t>PersonalTyp</a:t>
-            </a:r>
-            <a:endParaRPr lang="en-US" dirty="0">
-              <a:solidFill>
-                <a:schemeClr val="accent3"/>
-              </a:solidFill>
-            </a:endParaRPr>
-          </a:p>
-        </p:txBody>
-      </p:sp>
-      <p:grpSp>
-        <p:nvGrpSpPr>
-          <p:cNvPr id="19" name="Gruppieren 18"/>
-          <p:cNvGrpSpPr/>
-          <p:nvPr/>
-        </p:nvGrpSpPr>
-        <p:grpSpPr>
-          <a:xfrm flipH="1">
-            <a:off x="2020587" y="2576794"/>
-            <a:ext cx="1586245" cy="400110"/>
-            <a:chOff x="5406833" y="2553123"/>
-            <a:chExt cx="1706980" cy="400110"/>
-          </a:xfrm>
-          <a:solidFill>
-            <a:schemeClr val="tx2"/>
-          </a:solidFill>
-        </p:grpSpPr>
-        <p:cxnSp>
-          <p:nvCxnSpPr>
-            <p:cNvPr id="20" name="Gerade Verbindung mit Pfeil 19"/>
-            <p:cNvCxnSpPr/>
-            <p:nvPr/>
-          </p:nvCxnSpPr>
-          <p:spPr>
-            <a:xfrm>
-              <a:off x="5406833" y="2869288"/>
-              <a:ext cx="1706980" cy="0"/>
-            </a:xfrm>
-            <a:prstGeom prst="straightConnector1">
-              <a:avLst/>
-            </a:prstGeom>
-            <a:grpFill/>
-            <a:ln>
-              <a:solidFill>
-                <a:schemeClr val="tx2"/>
-              </a:solidFill>
-              <a:tailEnd type="arrow"/>
-            </a:ln>
-          </p:spPr>
-          <p:style>
-            <a:lnRef idx="2">
-              <a:schemeClr val="accent1"/>
-            </a:lnRef>
-            <a:fillRef idx="0">
-              <a:schemeClr val="accent1"/>
-            </a:fillRef>
-            <a:effectRef idx="1">
-              <a:schemeClr val="accent1"/>
-            </a:effectRef>
-            <a:fontRef idx="minor">
-              <a:schemeClr val="tx1"/>
-            </a:fontRef>
-          </p:style>
-        </p:cxnSp>
-        <p:sp>
-          <p:nvSpPr>
-            <p:cNvPr id="21" name="Textfeld 20"/>
-            <p:cNvSpPr txBox="1"/>
-            <p:nvPr/>
-          </p:nvSpPr>
-          <p:spPr>
-            <a:xfrm>
-              <a:off x="6772940" y="2553123"/>
-              <a:ext cx="276447" cy="400110"/>
-            </a:xfrm>
-            <a:prstGeom prst="rect">
-              <a:avLst/>
-            </a:prstGeom>
-            <a:noFill/>
-            <a:ln>
-              <a:noFill/>
-            </a:ln>
-          </p:spPr>
-          <p:txBody>
-            <a:bodyPr wrap="square" rtlCol="0">
-              <a:spAutoFit/>
-            </a:bodyPr>
-            <a:lstStyle/>
-            <a:p>
-              <a:r>
-                <a:rPr lang="de-DE" sz="2000" b="1" dirty="0">
-                  <a:solidFill>
-                    <a:schemeClr val="tx2"/>
-                  </a:solidFill>
-                </a:rPr>
-                <a:t>*</a:t>
-              </a:r>
-              <a:endParaRPr lang="en-US" sz="2000" b="1" dirty="0">
-                <a:solidFill>
-                  <a:schemeClr val="tx2"/>
-                </a:solidFill>
-              </a:endParaRPr>
-            </a:p>
-          </p:txBody>
-        </p:sp>
-      </p:grpSp>
-      <p:sp>
-        <p:nvSpPr>
-          <p:cNvPr id="22" name="Rechteck 21"/>
-          <p:cNvSpPr/>
-          <p:nvPr/>
-        </p:nvSpPr>
-        <p:spPr>
-          <a:xfrm>
-            <a:off x="220587" y="3997841"/>
-            <a:ext cx="1800000" cy="720000"/>
-          </a:xfrm>
-          <a:prstGeom prst="rect">
-            <a:avLst/>
-          </a:prstGeom>
-          <a:solidFill>
-            <a:schemeClr val="tx2"/>
-          </a:solidFill>
-          <a:ln>
-            <a:solidFill>
-              <a:schemeClr val="tx2"/>
-            </a:solidFill>
-          </a:ln>
-        </p:spPr>
-        <p:style>
-          <a:lnRef idx="1">
-            <a:schemeClr val="accent1"/>
-          </a:lnRef>
-          <a:fillRef idx="3">
-            <a:schemeClr val="accent1"/>
-          </a:fillRef>
-          <a:effectRef idx="2">
-            <a:schemeClr val="accent1"/>
-          </a:effectRef>
-          <a:fontRef idx="minor">
-            <a:schemeClr val="lt1"/>
-          </a:fontRef>
-        </p:style>
-        <p:txBody>
-          <a:bodyPr rtlCol="0" anchor="ctr"/>
-          <a:lstStyle/>
-          <a:p>
-            <a:pPr algn="ctr"/>
-            <a:r>
-              <a:rPr lang="de-DE" dirty="0" smtClean="0">
-                <a:solidFill>
-                  <a:schemeClr val="accent3"/>
-                </a:solidFill>
-              </a:rPr>
-              <a:t>Abteilung</a:t>
-            </a:r>
-            <a:endParaRPr lang="en-US" dirty="0">
-              <a:solidFill>
-                <a:schemeClr val="accent3"/>
-              </a:solidFill>
-            </a:endParaRPr>
-          </a:p>
-        </p:txBody>
-      </p:sp>
-      <p:grpSp>
-        <p:nvGrpSpPr>
-          <p:cNvPr id="26" name="Gruppieren 25"/>
-          <p:cNvGrpSpPr/>
-          <p:nvPr/>
-        </p:nvGrpSpPr>
-        <p:grpSpPr>
-          <a:xfrm rot="16200000" flipH="1">
-            <a:off x="4122548" y="3413512"/>
-            <a:ext cx="768554" cy="400110"/>
-            <a:chOff x="5406833" y="2574617"/>
-            <a:chExt cx="1706980" cy="326344"/>
-          </a:xfrm>
-          <a:noFill/>
-        </p:grpSpPr>
-        <p:cxnSp>
-          <p:nvCxnSpPr>
-            <p:cNvPr id="27" name="Gerade Verbindung mit Pfeil 26"/>
-            <p:cNvCxnSpPr/>
-            <p:nvPr/>
-          </p:nvCxnSpPr>
-          <p:spPr>
-            <a:xfrm>
-              <a:off x="5406833" y="2869288"/>
-              <a:ext cx="1706980" cy="0"/>
-            </a:xfrm>
-            <a:prstGeom prst="straightConnector1">
-              <a:avLst/>
-            </a:prstGeom>
-            <a:grpFill/>
-            <a:ln>
-              <a:solidFill>
-                <a:schemeClr val="tx2"/>
-              </a:solidFill>
-              <a:tailEnd type="arrow"/>
-            </a:ln>
-          </p:spPr>
-          <p:style>
-            <a:lnRef idx="2">
-              <a:schemeClr val="accent1"/>
-            </a:lnRef>
-            <a:fillRef idx="0">
-              <a:schemeClr val="accent1"/>
-            </a:fillRef>
-            <a:effectRef idx="1">
-              <a:schemeClr val="accent1"/>
-            </a:effectRef>
-            <a:fontRef idx="minor">
-              <a:schemeClr val="tx1"/>
-            </a:fontRef>
-          </p:style>
-        </p:cxnSp>
-        <p:sp>
-          <p:nvSpPr>
-            <p:cNvPr id="28" name="Textfeld 27"/>
-            <p:cNvSpPr txBox="1"/>
-            <p:nvPr/>
-          </p:nvSpPr>
-          <p:spPr>
-            <a:xfrm>
-              <a:off x="6772943" y="2574617"/>
-              <a:ext cx="276447" cy="326344"/>
-            </a:xfrm>
-            <a:prstGeom prst="rect">
-              <a:avLst/>
-            </a:prstGeom>
-            <a:grpFill/>
-            <a:ln>
-              <a:noFill/>
-            </a:ln>
-          </p:spPr>
-          <p:txBody>
-            <a:bodyPr wrap="square" rtlCol="0">
-              <a:spAutoFit/>
-            </a:bodyPr>
-            <a:lstStyle/>
-            <a:p>
-              <a:r>
-                <a:rPr lang="de-DE" sz="2000" b="1" dirty="0">
-                  <a:solidFill>
-                    <a:schemeClr val="tx2"/>
-                  </a:solidFill>
-                </a:rPr>
-                <a:t>*</a:t>
-              </a:r>
-              <a:endParaRPr lang="en-US" sz="2000" b="1" dirty="0">
-                <a:solidFill>
-                  <a:schemeClr val="tx2"/>
-                </a:solidFill>
-              </a:endParaRPr>
-            </a:p>
-          </p:txBody>
-        </p:sp>
-      </p:grpSp>
-      <p:sp>
-        <p:nvSpPr>
-          <p:cNvPr id="29" name="Rechteck 28"/>
-          <p:cNvSpPr/>
-          <p:nvPr/>
-        </p:nvSpPr>
-        <p:spPr>
-          <a:xfrm>
-            <a:off x="7113813" y="3997844"/>
-            <a:ext cx="1800000" cy="720000"/>
-          </a:xfrm>
-          <a:prstGeom prst="rect">
-            <a:avLst/>
-          </a:prstGeom>
-          <a:solidFill>
-            <a:schemeClr val="tx2"/>
-          </a:solidFill>
-          <a:ln>
-            <a:solidFill>
-              <a:schemeClr val="tx2"/>
-            </a:solidFill>
-          </a:ln>
-        </p:spPr>
-        <p:style>
-          <a:lnRef idx="1">
-            <a:schemeClr val="accent1"/>
-          </a:lnRef>
-          <a:fillRef idx="3">
-            <a:schemeClr val="accent1"/>
-          </a:fillRef>
-          <a:effectRef idx="2">
-            <a:schemeClr val="accent1"/>
-          </a:effectRef>
-          <a:fontRef idx="minor">
-            <a:schemeClr val="lt1"/>
-          </a:fontRef>
-        </p:style>
-        <p:txBody>
-          <a:bodyPr rtlCol="0" anchor="ctr"/>
-          <a:lstStyle/>
-          <a:p>
-            <a:pPr algn="ctr"/>
-            <a:r>
-              <a:rPr lang="de-DE" dirty="0" smtClean="0">
-                <a:solidFill>
-                  <a:schemeClr val="accent3"/>
-                </a:solidFill>
-              </a:rPr>
-              <a:t>Typ</a:t>
-            </a:r>
-            <a:endParaRPr lang="en-US" dirty="0">
-              <a:solidFill>
-                <a:schemeClr val="accent3"/>
-              </a:solidFill>
-            </a:endParaRPr>
-          </a:p>
-        </p:txBody>
-      </p:sp>
-      <p:grpSp>
-        <p:nvGrpSpPr>
-          <p:cNvPr id="30" name="Gruppieren 29"/>
-          <p:cNvGrpSpPr/>
-          <p:nvPr/>
-        </p:nvGrpSpPr>
-        <p:grpSpPr>
-          <a:xfrm rot="16200000" flipH="1">
-            <a:off x="7629528" y="3432198"/>
-            <a:ext cx="768554" cy="400110"/>
-            <a:chOff x="5406833" y="2574617"/>
-            <a:chExt cx="1706980" cy="326344"/>
-          </a:xfrm>
-          <a:noFill/>
-        </p:grpSpPr>
-        <p:cxnSp>
-          <p:nvCxnSpPr>
-            <p:cNvPr id="31" name="Gerade Verbindung mit Pfeil 30"/>
-            <p:cNvCxnSpPr/>
-            <p:nvPr/>
-          </p:nvCxnSpPr>
-          <p:spPr>
-            <a:xfrm>
-              <a:off x="5406833" y="2869288"/>
-              <a:ext cx="1706980" cy="0"/>
-            </a:xfrm>
-            <a:prstGeom prst="straightConnector1">
-              <a:avLst/>
-            </a:prstGeom>
-            <a:grpFill/>
-            <a:ln>
-              <a:solidFill>
-                <a:schemeClr val="tx2"/>
-              </a:solidFill>
-              <a:tailEnd type="arrow"/>
-            </a:ln>
-          </p:spPr>
-          <p:style>
-            <a:lnRef idx="2">
-              <a:schemeClr val="accent1"/>
-            </a:lnRef>
-            <a:fillRef idx="0">
-              <a:schemeClr val="accent1"/>
-            </a:fillRef>
-            <a:effectRef idx="1">
-              <a:schemeClr val="accent1"/>
-            </a:effectRef>
-            <a:fontRef idx="minor">
-              <a:schemeClr val="tx1"/>
-            </a:fontRef>
-          </p:style>
-        </p:cxnSp>
-        <p:sp>
-          <p:nvSpPr>
-            <p:cNvPr id="32" name="Textfeld 31"/>
-            <p:cNvSpPr txBox="1"/>
-            <p:nvPr/>
-          </p:nvSpPr>
-          <p:spPr>
-            <a:xfrm>
-              <a:off x="6772943" y="2574617"/>
-              <a:ext cx="276447" cy="326344"/>
-            </a:xfrm>
-            <a:prstGeom prst="rect">
-              <a:avLst/>
-            </a:prstGeom>
-            <a:grpFill/>
-            <a:ln>
-              <a:noFill/>
-            </a:ln>
-          </p:spPr>
-          <p:txBody>
-            <a:bodyPr wrap="square" rtlCol="0">
-              <a:spAutoFit/>
-            </a:bodyPr>
-            <a:lstStyle/>
-            <a:p>
-              <a:r>
-                <a:rPr lang="de-DE" sz="2000" b="1" dirty="0">
-                  <a:solidFill>
-                    <a:schemeClr val="tx2"/>
-                  </a:solidFill>
-                </a:rPr>
-                <a:t>*</a:t>
-              </a:r>
-              <a:endParaRPr lang="en-US" sz="2000" b="1" dirty="0">
-                <a:solidFill>
-                  <a:schemeClr val="tx2"/>
-                </a:solidFill>
-              </a:endParaRPr>
-            </a:p>
-          </p:txBody>
-        </p:sp>
-      </p:grpSp>
-      <p:grpSp>
-        <p:nvGrpSpPr>
-          <p:cNvPr id="42" name="Gruppieren 41"/>
-          <p:cNvGrpSpPr/>
-          <p:nvPr/>
-        </p:nvGrpSpPr>
-        <p:grpSpPr>
-          <a:xfrm>
-            <a:off x="8060736" y="4717844"/>
-            <a:ext cx="228600" cy="777790"/>
-            <a:chOff x="8060736" y="4717844"/>
-            <a:chExt cx="228600" cy="777790"/>
-          </a:xfrm>
-          <a:noFill/>
-        </p:grpSpPr>
-        <p:cxnSp>
-          <p:nvCxnSpPr>
-            <p:cNvPr id="36" name="Gerade Verbindung 35"/>
-            <p:cNvCxnSpPr>
-              <a:endCxn id="39" idx="3"/>
-            </p:cNvCxnSpPr>
-            <p:nvPr/>
-          </p:nvCxnSpPr>
-          <p:spPr>
-            <a:xfrm flipV="1">
-              <a:off x="8175028" y="4922343"/>
-              <a:ext cx="8" cy="573291"/>
-            </a:xfrm>
-            <a:prstGeom prst="line">
-              <a:avLst/>
-            </a:prstGeom>
-            <a:grpFill/>
-            <a:ln>
-              <a:solidFill>
-                <a:schemeClr val="tx2"/>
-              </a:solidFill>
-            </a:ln>
-          </p:spPr>
-          <p:style>
-            <a:lnRef idx="2">
-              <a:schemeClr val="accent1"/>
-            </a:lnRef>
-            <a:fillRef idx="0">
-              <a:schemeClr val="accent1"/>
-            </a:fillRef>
-            <a:effectRef idx="1">
-              <a:schemeClr val="accent1"/>
-            </a:effectRef>
-            <a:fontRef idx="minor">
-              <a:schemeClr val="tx1"/>
-            </a:fontRef>
-          </p:style>
-        </p:cxnSp>
-        <p:sp>
-          <p:nvSpPr>
-            <p:cNvPr id="39" name="Gleichschenkliges Dreieck 38"/>
-            <p:cNvSpPr/>
-            <p:nvPr/>
-          </p:nvSpPr>
-          <p:spPr>
-            <a:xfrm>
-              <a:off x="8060736" y="4717844"/>
-              <a:ext cx="228600" cy="204499"/>
-            </a:xfrm>
-            <a:prstGeom prst="triangle">
-              <a:avLst/>
-            </a:prstGeom>
-            <a:grpFill/>
-            <a:ln w="19050">
-              <a:solidFill>
-                <a:schemeClr val="tx2"/>
-              </a:solidFill>
-            </a:ln>
-            <a:scene3d>
-              <a:camera prst="orthographicFront"/>
-              <a:lightRig rig="threePt" dir="tl"/>
-            </a:scene3d>
-            <a:sp3d/>
-          </p:spPr>
-          <p:style>
-            <a:lnRef idx="1">
-              <a:schemeClr val="accent1"/>
-            </a:lnRef>
-            <a:fillRef idx="3">
-              <a:schemeClr val="accent1"/>
-            </a:fillRef>
-            <a:effectRef idx="2">
-              <a:schemeClr val="accent1"/>
-            </a:effectRef>
-            <a:fontRef idx="minor">
-              <a:schemeClr val="lt1"/>
-            </a:fontRef>
-          </p:style>
-          <p:txBody>
-            <a:bodyPr rtlCol="0" anchor="ctr"/>
-            <a:lstStyle/>
-            <a:p>
-              <a:pPr algn="ctr"/>
-              <a:endParaRPr lang="en-US">
-                <a:solidFill>
-                  <a:schemeClr val="accent3"/>
-                </a:solidFill>
-              </a:endParaRPr>
-            </a:p>
-          </p:txBody>
-        </p:sp>
-      </p:grpSp>
-      <p:grpSp>
-        <p:nvGrpSpPr>
-          <p:cNvPr id="63" name="Gruppieren 62"/>
-          <p:cNvGrpSpPr/>
-          <p:nvPr/>
-        </p:nvGrpSpPr>
-        <p:grpSpPr>
-          <a:xfrm>
-            <a:off x="4318330" y="4475975"/>
-            <a:ext cx="2794906" cy="1019659"/>
-            <a:chOff x="4318330" y="4475975"/>
-            <a:chExt cx="2794906" cy="1019659"/>
-          </a:xfrm>
-          <a:noFill/>
-        </p:grpSpPr>
-        <p:cxnSp>
-          <p:nvCxnSpPr>
-            <p:cNvPr id="50" name="Gerade Verbindung 49"/>
-            <p:cNvCxnSpPr>
-              <a:endCxn id="51" idx="3"/>
-            </p:cNvCxnSpPr>
-            <p:nvPr/>
-          </p:nvCxnSpPr>
-          <p:spPr>
-            <a:xfrm flipV="1">
-              <a:off x="4318330" y="4616647"/>
-              <a:ext cx="2593867" cy="878987"/>
-            </a:xfrm>
-            <a:prstGeom prst="line">
-              <a:avLst/>
-            </a:prstGeom>
-            <a:grpFill/>
-            <a:ln>
-              <a:solidFill>
-                <a:schemeClr val="tx2"/>
-              </a:solidFill>
-            </a:ln>
-          </p:spPr>
-          <p:style>
-            <a:lnRef idx="2">
-              <a:schemeClr val="accent1"/>
-            </a:lnRef>
-            <a:fillRef idx="0">
-              <a:schemeClr val="accent1"/>
-            </a:fillRef>
-            <a:effectRef idx="1">
-              <a:schemeClr val="accent1"/>
-            </a:effectRef>
-            <a:fontRef idx="minor">
-              <a:schemeClr val="tx1"/>
-            </a:fontRef>
-          </p:style>
-        </p:cxnSp>
-        <p:sp>
-          <p:nvSpPr>
-            <p:cNvPr id="51" name="Gleichschenkliges Dreieck 50"/>
-            <p:cNvSpPr/>
-            <p:nvPr/>
-          </p:nvSpPr>
-          <p:spPr>
-            <a:xfrm rot="4503194">
-              <a:off x="6896687" y="4488025"/>
-              <a:ext cx="228600" cy="204499"/>
-            </a:xfrm>
-            <a:prstGeom prst="triangle">
-              <a:avLst/>
-            </a:prstGeom>
-            <a:grpFill/>
-            <a:ln w="19050">
-              <a:solidFill>
-                <a:schemeClr val="tx2"/>
-              </a:solidFill>
-            </a:ln>
-            <a:scene3d>
-              <a:camera prst="orthographicFront"/>
-              <a:lightRig rig="threePt" dir="tl"/>
-            </a:scene3d>
-            <a:sp3d/>
-          </p:spPr>
-          <p:style>
-            <a:lnRef idx="1">
-              <a:schemeClr val="accent1"/>
-            </a:lnRef>
-            <a:fillRef idx="3">
-              <a:schemeClr val="accent1"/>
-            </a:fillRef>
-            <a:effectRef idx="2">
-              <a:schemeClr val="accent1"/>
-            </a:effectRef>
-            <a:fontRef idx="minor">
-              <a:schemeClr val="lt1"/>
-            </a:fontRef>
-          </p:style>
-          <p:txBody>
-            <a:bodyPr rtlCol="0" anchor="ctr"/>
-            <a:lstStyle/>
-            <a:p>
-              <a:pPr algn="ctr"/>
-              <a:endParaRPr lang="en-US">
-                <a:solidFill>
-                  <a:schemeClr val="accent3"/>
-                </a:solidFill>
-              </a:endParaRPr>
-            </a:p>
-          </p:txBody>
-        </p:sp>
-      </p:grpSp>
-      <p:grpSp>
-        <p:nvGrpSpPr>
-          <p:cNvPr id="64" name="Gruppieren 63"/>
-          <p:cNvGrpSpPr/>
-          <p:nvPr/>
-        </p:nvGrpSpPr>
-        <p:grpSpPr>
-          <a:xfrm>
-            <a:off x="6616072" y="4655654"/>
-            <a:ext cx="867102" cy="839981"/>
-            <a:chOff x="6616072" y="4655654"/>
-            <a:chExt cx="867102" cy="839981"/>
-          </a:xfrm>
-          <a:noFill/>
-        </p:grpSpPr>
-        <p:cxnSp>
-          <p:nvCxnSpPr>
-            <p:cNvPr id="56" name="Gerade Verbindung 55"/>
-            <p:cNvCxnSpPr>
-              <a:endCxn id="57" idx="3"/>
-            </p:cNvCxnSpPr>
-            <p:nvPr/>
-          </p:nvCxnSpPr>
-          <p:spPr>
-            <a:xfrm flipV="1">
-              <a:off x="6616072" y="4840131"/>
-              <a:ext cx="690489" cy="655504"/>
-            </a:xfrm>
-            <a:prstGeom prst="line">
-              <a:avLst/>
-            </a:prstGeom>
-            <a:grpFill/>
-            <a:ln>
-              <a:solidFill>
-                <a:schemeClr val="tx2"/>
-              </a:solidFill>
-            </a:ln>
-          </p:spPr>
-          <p:style>
-            <a:lnRef idx="2">
-              <a:schemeClr val="accent1"/>
-            </a:lnRef>
-            <a:fillRef idx="0">
-              <a:schemeClr val="accent1"/>
-            </a:fillRef>
-            <a:effectRef idx="1">
-              <a:schemeClr val="accent1"/>
-            </a:effectRef>
-            <a:fontRef idx="minor">
-              <a:schemeClr val="tx1"/>
-            </a:fontRef>
-          </p:style>
-        </p:cxnSp>
-        <p:sp>
-          <p:nvSpPr>
-            <p:cNvPr id="57" name="Gleichschenkliges Dreieck 56"/>
-            <p:cNvSpPr/>
-            <p:nvPr/>
-          </p:nvSpPr>
-          <p:spPr>
-            <a:xfrm rot="2799545">
-              <a:off x="7266625" y="4667704"/>
-              <a:ext cx="228600" cy="204499"/>
-            </a:xfrm>
-            <a:prstGeom prst="triangle">
-              <a:avLst/>
-            </a:prstGeom>
-            <a:grpFill/>
-            <a:ln w="19050">
-              <a:solidFill>
-                <a:schemeClr val="tx2"/>
-              </a:solidFill>
-            </a:ln>
-            <a:scene3d>
-              <a:camera prst="orthographicFront"/>
-              <a:lightRig rig="threePt" dir="tl"/>
-            </a:scene3d>
-            <a:sp3d/>
-          </p:spPr>
-          <p:style>
-            <a:lnRef idx="1">
-              <a:schemeClr val="accent1"/>
-            </a:lnRef>
-            <a:fillRef idx="3">
-              <a:schemeClr val="accent1"/>
-            </a:fillRef>
-            <a:effectRef idx="2">
-              <a:schemeClr val="accent1"/>
-            </a:effectRef>
-            <a:fontRef idx="minor">
-              <a:schemeClr val="lt1"/>
-            </a:fontRef>
-          </p:style>
-          <p:txBody>
-            <a:bodyPr rtlCol="0" anchor="ctr"/>
-            <a:lstStyle/>
-            <a:p>
-              <a:pPr algn="ctr"/>
-              <a:endParaRPr lang="en-US">
-                <a:solidFill>
-                  <a:schemeClr val="accent3"/>
-                </a:solidFill>
-              </a:endParaRPr>
-            </a:p>
-          </p:txBody>
-        </p:sp>
-      </p:grpSp>
-      <p:sp>
-        <p:nvSpPr>
-          <p:cNvPr id="43" name="Rechteck 42"/>
-          <p:cNvSpPr/>
-          <p:nvPr/>
-        </p:nvSpPr>
-        <p:spPr>
-          <a:xfrm>
-            <a:off x="220588" y="5495634"/>
-            <a:ext cx="1800000" cy="720000"/>
-          </a:xfrm>
-          <a:prstGeom prst="rect">
-            <a:avLst/>
-          </a:prstGeom>
-          <a:solidFill>
-            <a:schemeClr val="tx2"/>
-          </a:solidFill>
-          <a:ln>
-            <a:solidFill>
-              <a:schemeClr val="tx2"/>
-            </a:solidFill>
-          </a:ln>
-        </p:spPr>
-        <p:style>
-          <a:lnRef idx="1">
-            <a:schemeClr val="accent1"/>
-          </a:lnRef>
-          <a:fillRef idx="3">
-            <a:schemeClr val="accent1"/>
-          </a:fillRef>
-          <a:effectRef idx="2">
-            <a:schemeClr val="accent1"/>
-          </a:effectRef>
-          <a:fontRef idx="minor">
-            <a:schemeClr val="lt1"/>
-          </a:fontRef>
-        </p:style>
-        <p:txBody>
-          <a:bodyPr rtlCol="0" anchor="ctr"/>
-          <a:lstStyle/>
-          <a:p>
-            <a:pPr algn="ctr"/>
-            <a:r>
-              <a:rPr lang="de-DE" dirty="0" smtClean="0">
-                <a:solidFill>
-                  <a:schemeClr val="accent3"/>
-                </a:solidFill>
-              </a:rPr>
-              <a:t>Transaktion</a:t>
-            </a:r>
-            <a:endParaRPr lang="en-US" dirty="0">
-              <a:solidFill>
-                <a:schemeClr val="accent3"/>
-              </a:solidFill>
-            </a:endParaRPr>
-          </a:p>
-        </p:txBody>
-      </p:sp>
-      <p:grpSp>
-        <p:nvGrpSpPr>
-          <p:cNvPr id="44" name="Gruppieren 43"/>
-          <p:cNvGrpSpPr/>
-          <p:nvPr/>
-        </p:nvGrpSpPr>
-        <p:grpSpPr>
-          <a:xfrm rot="16200000" flipH="1">
-            <a:off x="698286" y="4911302"/>
-            <a:ext cx="768554" cy="400110"/>
-            <a:chOff x="5406833" y="2574617"/>
-            <a:chExt cx="1706980" cy="326344"/>
-          </a:xfrm>
-          <a:solidFill>
-            <a:schemeClr val="tx2"/>
-          </a:solidFill>
-        </p:grpSpPr>
-        <p:cxnSp>
-          <p:nvCxnSpPr>
-            <p:cNvPr id="45" name="Gerade Verbindung mit Pfeil 44"/>
-            <p:cNvCxnSpPr/>
-            <p:nvPr/>
-          </p:nvCxnSpPr>
-          <p:spPr>
-            <a:xfrm>
-              <a:off x="5406833" y="2869288"/>
-              <a:ext cx="1706980" cy="0"/>
-            </a:xfrm>
-            <a:prstGeom prst="straightConnector1">
-              <a:avLst/>
-            </a:prstGeom>
-            <a:grpFill/>
-            <a:ln>
-              <a:solidFill>
-                <a:schemeClr val="tx2"/>
-              </a:solidFill>
-              <a:tailEnd type="arrow"/>
-            </a:ln>
-          </p:spPr>
-          <p:style>
-            <a:lnRef idx="2">
-              <a:schemeClr val="accent1"/>
-            </a:lnRef>
-            <a:fillRef idx="0">
-              <a:schemeClr val="accent1"/>
-            </a:fillRef>
-            <a:effectRef idx="1">
-              <a:schemeClr val="accent1"/>
-            </a:effectRef>
-            <a:fontRef idx="minor">
-              <a:schemeClr val="tx1"/>
-            </a:fontRef>
-          </p:style>
-        </p:cxnSp>
-        <p:sp>
-          <p:nvSpPr>
-            <p:cNvPr id="46" name="Textfeld 45"/>
-            <p:cNvSpPr txBox="1"/>
-            <p:nvPr/>
-          </p:nvSpPr>
-          <p:spPr>
-            <a:xfrm>
-              <a:off x="6772943" y="2574617"/>
-              <a:ext cx="276447" cy="326344"/>
-            </a:xfrm>
-            <a:prstGeom prst="rect">
-              <a:avLst/>
-            </a:prstGeom>
-            <a:noFill/>
-            <a:ln>
-              <a:noFill/>
-            </a:ln>
-          </p:spPr>
-          <p:txBody>
-            <a:bodyPr wrap="square" rtlCol="0">
-              <a:spAutoFit/>
-            </a:bodyPr>
-            <a:lstStyle/>
-            <a:p>
-              <a:r>
-                <a:rPr lang="de-DE" sz="2000" b="1" dirty="0">
-                  <a:solidFill>
-                    <a:schemeClr val="tx2"/>
-                  </a:solidFill>
-                </a:rPr>
-                <a:t>*</a:t>
-              </a:r>
-              <a:endParaRPr lang="en-US" sz="2000" b="1" dirty="0">
-                <a:solidFill>
-                  <a:schemeClr val="tx2"/>
-                </a:solidFill>
-              </a:endParaRPr>
-            </a:p>
-          </p:txBody>
-        </p:sp>
-      </p:grpSp>
-      <p:grpSp>
-        <p:nvGrpSpPr>
-          <p:cNvPr id="52" name="Gruppieren 51"/>
-          <p:cNvGrpSpPr/>
-          <p:nvPr/>
-        </p:nvGrpSpPr>
-        <p:grpSpPr>
-          <a:xfrm flipH="1">
-            <a:off x="2020586" y="4706384"/>
-            <a:ext cx="1586246" cy="760244"/>
-            <a:chOff x="5406832" y="2869288"/>
-            <a:chExt cx="1706981" cy="760244"/>
-          </a:xfrm>
-          <a:solidFill>
-            <a:schemeClr val="tx2"/>
-          </a:solidFill>
-        </p:grpSpPr>
-        <p:cxnSp>
-          <p:nvCxnSpPr>
-            <p:cNvPr id="53" name="Gerade Verbindung mit Pfeil 52"/>
-            <p:cNvCxnSpPr/>
-            <p:nvPr/>
-          </p:nvCxnSpPr>
-          <p:spPr>
-            <a:xfrm>
-              <a:off x="5406832" y="2869288"/>
-              <a:ext cx="1706981" cy="760244"/>
-            </a:xfrm>
-            <a:prstGeom prst="straightConnector1">
-              <a:avLst/>
-            </a:prstGeom>
-            <a:grpFill/>
-            <a:ln>
-              <a:solidFill>
-                <a:schemeClr val="tx2"/>
-              </a:solidFill>
-              <a:tailEnd type="arrow"/>
-            </a:ln>
-          </p:spPr>
-          <p:style>
-            <a:lnRef idx="2">
-              <a:schemeClr val="accent1"/>
-            </a:lnRef>
-            <a:fillRef idx="0">
-              <a:schemeClr val="accent1"/>
-            </a:fillRef>
-            <a:effectRef idx="1">
-              <a:schemeClr val="accent1"/>
-            </a:effectRef>
-            <a:fontRef idx="minor">
-              <a:schemeClr val="tx1"/>
-            </a:fontRef>
-          </p:style>
-        </p:cxnSp>
-        <p:sp>
-          <p:nvSpPr>
-            <p:cNvPr id="54" name="Textfeld 53"/>
-            <p:cNvSpPr txBox="1"/>
-            <p:nvPr/>
-          </p:nvSpPr>
-          <p:spPr>
-            <a:xfrm>
-              <a:off x="6772940" y="3171837"/>
-              <a:ext cx="276447" cy="400110"/>
-            </a:xfrm>
-            <a:prstGeom prst="rect">
-              <a:avLst/>
-            </a:prstGeom>
-            <a:noFill/>
-            <a:ln>
-              <a:noFill/>
-            </a:ln>
-          </p:spPr>
-          <p:txBody>
-            <a:bodyPr wrap="square" rtlCol="0">
-              <a:spAutoFit/>
-            </a:bodyPr>
-            <a:lstStyle/>
-            <a:p>
-              <a:r>
-                <a:rPr lang="de-DE" sz="2000" b="1" dirty="0">
-                  <a:solidFill>
-                    <a:schemeClr val="tx2"/>
-                  </a:solidFill>
-                </a:rPr>
-                <a:t>*</a:t>
-              </a:r>
-              <a:endParaRPr lang="en-US" sz="2000" b="1" dirty="0">
-                <a:solidFill>
-                  <a:schemeClr val="tx2"/>
-                </a:solidFill>
-              </a:endParaRPr>
-            </a:p>
-          </p:txBody>
-        </p:sp>
-      </p:grpSp>
-      <p:grpSp>
-        <p:nvGrpSpPr>
-          <p:cNvPr id="49" name="Gruppieren 48"/>
-          <p:cNvGrpSpPr/>
-          <p:nvPr/>
-        </p:nvGrpSpPr>
-        <p:grpSpPr>
-          <a:xfrm>
-            <a:off x="882508" y="3229288"/>
-            <a:ext cx="452718" cy="768556"/>
-            <a:chOff x="882508" y="3229288"/>
-            <a:chExt cx="452718" cy="768556"/>
-          </a:xfrm>
-        </p:grpSpPr>
-        <p:grpSp>
-          <p:nvGrpSpPr>
-            <p:cNvPr id="23" name="Gruppieren 22"/>
-            <p:cNvGrpSpPr/>
-            <p:nvPr/>
-          </p:nvGrpSpPr>
-          <p:grpSpPr>
-            <a:xfrm rot="16200000" flipH="1">
-              <a:off x="698286" y="3413512"/>
-              <a:ext cx="768554" cy="400110"/>
-              <a:chOff x="5406833" y="2574617"/>
-              <a:chExt cx="1706980" cy="326344"/>
-            </a:xfrm>
-            <a:solidFill>
-              <a:schemeClr val="tx2"/>
-            </a:solidFill>
-          </p:grpSpPr>
-          <p:cxnSp>
-            <p:nvCxnSpPr>
-              <p:cNvPr id="24" name="Gerade Verbindung mit Pfeil 23"/>
-              <p:cNvCxnSpPr/>
-              <p:nvPr/>
-            </p:nvCxnSpPr>
-            <p:spPr>
-              <a:xfrm>
-                <a:off x="5406833" y="2869288"/>
-                <a:ext cx="1706980" cy="0"/>
-              </a:xfrm>
-              <a:prstGeom prst="straightConnector1">
-                <a:avLst/>
-              </a:prstGeom>
-              <a:grpFill/>
-              <a:ln>
-                <a:solidFill>
-                  <a:schemeClr val="tx2"/>
-                </a:solidFill>
-                <a:tailEnd type="arrow"/>
-              </a:ln>
-            </p:spPr>
-            <p:style>
-              <a:lnRef idx="2">
-                <a:schemeClr val="accent1"/>
-              </a:lnRef>
-              <a:fillRef idx="0">
-                <a:schemeClr val="accent1"/>
-              </a:fillRef>
-              <a:effectRef idx="1">
-                <a:schemeClr val="accent1"/>
-              </a:effectRef>
-              <a:fontRef idx="minor">
-                <a:schemeClr val="tx1"/>
-              </a:fontRef>
-            </p:style>
-          </p:cxnSp>
-          <p:sp>
-            <p:nvSpPr>
-              <p:cNvPr id="25" name="Textfeld 24"/>
-              <p:cNvSpPr txBox="1"/>
-              <p:nvPr/>
-            </p:nvSpPr>
-            <p:spPr>
-              <a:xfrm>
-                <a:off x="6772943" y="2574617"/>
-                <a:ext cx="276447" cy="326344"/>
-              </a:xfrm>
-              <a:prstGeom prst="rect">
-                <a:avLst/>
-              </a:prstGeom>
-              <a:noFill/>
-              <a:ln>
-                <a:noFill/>
-              </a:ln>
-            </p:spPr>
-            <p:txBody>
-              <a:bodyPr wrap="square" rtlCol="0">
-                <a:spAutoFit/>
-              </a:bodyPr>
-              <a:lstStyle/>
-              <a:p>
-                <a:r>
-                  <a:rPr lang="de-DE" sz="2000" b="1" dirty="0">
-                    <a:solidFill>
-                      <a:schemeClr val="tx2"/>
-                    </a:solidFill>
-                  </a:rPr>
-                  <a:t>*</a:t>
-                </a:r>
-                <a:endParaRPr lang="en-US" sz="2000" b="1" dirty="0">
-                  <a:solidFill>
-                    <a:schemeClr val="tx2"/>
-                  </a:solidFill>
-                </a:endParaRPr>
-              </a:p>
-            </p:txBody>
-          </p:sp>
-        </p:grpSp>
-        <p:sp>
-          <p:nvSpPr>
-            <p:cNvPr id="48" name="Raute 47"/>
-            <p:cNvSpPr/>
-            <p:nvPr/>
-          </p:nvSpPr>
-          <p:spPr>
-            <a:xfrm>
-              <a:off x="1152346" y="3229288"/>
-              <a:ext cx="182880" cy="342900"/>
-            </a:xfrm>
-            <a:prstGeom prst="diamond">
-              <a:avLst/>
-            </a:prstGeom>
-            <a:solidFill>
-              <a:schemeClr val="tx2"/>
-            </a:solidFill>
-            <a:ln>
-              <a:noFill/>
-            </a:ln>
-            <a:scene3d>
-              <a:camera prst="orthographicFront"/>
-              <a:lightRig rig="threePt" dir="tl"/>
-            </a:scene3d>
-            <a:sp3d/>
-          </p:spPr>
-          <p:style>
-            <a:lnRef idx="1">
-              <a:schemeClr val="accent1"/>
-            </a:lnRef>
-            <a:fillRef idx="3">
-              <a:schemeClr val="accent1"/>
-            </a:fillRef>
-            <a:effectRef idx="2">
-              <a:schemeClr val="accent1"/>
-            </a:effectRef>
-            <a:fontRef idx="minor">
-              <a:schemeClr val="lt1"/>
-            </a:fontRef>
-          </p:style>
-          <p:txBody>
-            <a:bodyPr rtlCol="0" anchor="ctr"/>
-            <a:lstStyle/>
-            <a:p>
-              <a:pPr algn="ctr"/>
-              <a:endParaRPr lang="en-US"/>
-            </a:p>
-          </p:txBody>
-        </p:sp>
-      </p:grpSp>
-      <p:grpSp>
-        <p:nvGrpSpPr>
-          <p:cNvPr id="55" name="Gruppieren 54"/>
-          <p:cNvGrpSpPr/>
-          <p:nvPr/>
-        </p:nvGrpSpPr>
-        <p:grpSpPr>
-          <a:xfrm>
-            <a:off x="5406833" y="2553123"/>
-            <a:ext cx="1706980" cy="407326"/>
-            <a:chOff x="5406833" y="2553123"/>
-            <a:chExt cx="1706980" cy="407326"/>
-          </a:xfrm>
-        </p:grpSpPr>
-        <p:grpSp>
-          <p:nvGrpSpPr>
-            <p:cNvPr id="18" name="Gruppieren 17"/>
-            <p:cNvGrpSpPr/>
-            <p:nvPr/>
-          </p:nvGrpSpPr>
-          <p:grpSpPr>
-            <a:xfrm>
-              <a:off x="5406833" y="2553123"/>
-              <a:ext cx="1706980" cy="400110"/>
-              <a:chOff x="5406833" y="2553123"/>
-              <a:chExt cx="1706980" cy="400110"/>
-            </a:xfrm>
-            <a:noFill/>
-          </p:grpSpPr>
-          <p:cxnSp>
-            <p:nvCxnSpPr>
-              <p:cNvPr id="16" name="Gerade Verbindung mit Pfeil 15"/>
-              <p:cNvCxnSpPr>
-                <a:stCxn id="7" idx="3"/>
-                <a:endCxn id="10" idx="1"/>
-              </p:cNvCxnSpPr>
-              <p:nvPr/>
-            </p:nvCxnSpPr>
-            <p:spPr>
-              <a:xfrm>
-                <a:off x="5406833" y="2869288"/>
-                <a:ext cx="1706980" cy="0"/>
-              </a:xfrm>
-              <a:prstGeom prst="straightConnector1">
-                <a:avLst/>
-              </a:prstGeom>
-              <a:grpFill/>
-              <a:ln>
-                <a:solidFill>
-                  <a:schemeClr val="tx2"/>
-                </a:solidFill>
-                <a:tailEnd type="arrow"/>
-              </a:ln>
-            </p:spPr>
-            <p:style>
-              <a:lnRef idx="2">
-                <a:schemeClr val="accent1"/>
-              </a:lnRef>
-              <a:fillRef idx="0">
-                <a:schemeClr val="accent1"/>
-              </a:fillRef>
-              <a:effectRef idx="1">
-                <a:schemeClr val="accent1"/>
-              </a:effectRef>
-              <a:fontRef idx="minor">
-                <a:schemeClr val="tx1"/>
-              </a:fontRef>
-            </p:style>
-          </p:cxnSp>
-          <p:sp>
-            <p:nvSpPr>
-              <p:cNvPr id="17" name="Textfeld 16"/>
-              <p:cNvSpPr txBox="1"/>
-              <p:nvPr/>
-            </p:nvSpPr>
-            <p:spPr>
-              <a:xfrm>
-                <a:off x="6772940" y="2553123"/>
-                <a:ext cx="276447" cy="400110"/>
-              </a:xfrm>
-              <a:prstGeom prst="rect">
-                <a:avLst/>
-              </a:prstGeom>
-              <a:grpFill/>
-              <a:ln>
-                <a:noFill/>
-              </a:ln>
-            </p:spPr>
-            <p:txBody>
-              <a:bodyPr wrap="square" rtlCol="0">
-                <a:spAutoFit/>
-              </a:bodyPr>
-              <a:lstStyle/>
-              <a:p>
-                <a:r>
-                  <a:rPr lang="de-DE" sz="2000" b="1" dirty="0">
-                    <a:solidFill>
-                      <a:schemeClr val="tx2"/>
-                    </a:solidFill>
-                  </a:rPr>
-                  <a:t>*</a:t>
-                </a:r>
-                <a:endParaRPr lang="en-US" sz="2000" b="1" dirty="0">
-                  <a:solidFill>
-                    <a:schemeClr val="tx2"/>
-                  </a:solidFill>
-                </a:endParaRPr>
-              </a:p>
-            </p:txBody>
-          </p:sp>
-        </p:grpSp>
-        <p:sp>
-          <p:nvSpPr>
-            <p:cNvPr id="59" name="Raute 58"/>
-            <p:cNvSpPr/>
-            <p:nvPr/>
-          </p:nvSpPr>
-          <p:spPr>
-            <a:xfrm>
-              <a:off x="5406833" y="2776849"/>
-              <a:ext cx="342000" cy="183600"/>
-            </a:xfrm>
-            <a:prstGeom prst="diamond">
-              <a:avLst/>
-            </a:prstGeom>
-            <a:solidFill>
-              <a:schemeClr val="tx2"/>
-            </a:solidFill>
-            <a:ln>
-              <a:noFill/>
-            </a:ln>
-            <a:scene3d>
-              <a:camera prst="orthographicFront"/>
-              <a:lightRig rig="threePt" dir="tl"/>
-            </a:scene3d>
-            <a:sp3d/>
-          </p:spPr>
-          <p:style>
-            <a:lnRef idx="1">
-              <a:schemeClr val="accent1"/>
-            </a:lnRef>
-            <a:fillRef idx="3">
-              <a:schemeClr val="accent1"/>
-            </a:fillRef>
-            <a:effectRef idx="2">
-              <a:schemeClr val="accent1"/>
-            </a:effectRef>
-            <a:fontRef idx="minor">
-              <a:schemeClr val="lt1"/>
-            </a:fontRef>
-          </p:style>
-          <p:txBody>
-            <a:bodyPr rtlCol="0" anchor="ctr"/>
-            <a:lstStyle/>
-            <a:p>
-              <a:pPr algn="ctr"/>
-              <a:endParaRPr lang="en-US"/>
-            </a:p>
-          </p:txBody>
-        </p:sp>
-      </p:grpSp>
-      <p:grpSp>
-        <p:nvGrpSpPr>
-          <p:cNvPr id="80" name="Gruppieren 79"/>
-          <p:cNvGrpSpPr/>
-          <p:nvPr/>
-        </p:nvGrpSpPr>
-        <p:grpSpPr>
-          <a:xfrm>
-            <a:off x="2033249" y="3230880"/>
-            <a:ext cx="5190511" cy="2664865"/>
-            <a:chOff x="2033249" y="3230880"/>
-            <a:chExt cx="5190511" cy="2664865"/>
-          </a:xfrm>
-        </p:grpSpPr>
-        <p:sp>
-          <p:nvSpPr>
-            <p:cNvPr id="78" name="Freihandform 77"/>
-            <p:cNvSpPr/>
-            <p:nvPr/>
-          </p:nvSpPr>
-          <p:spPr>
-            <a:xfrm>
-              <a:off x="2033249" y="3230880"/>
-              <a:ext cx="5190511" cy="2379813"/>
-            </a:xfrm>
-            <a:custGeom>
-              <a:avLst/>
-              <a:gdLst>
-                <a:gd name="connsiteX0" fmla="*/ 5190511 w 5190511"/>
-                <a:gd name="connsiteY0" fmla="*/ 0 h 2379813"/>
-                <a:gd name="connsiteX1" fmla="*/ 4276111 w 5190511"/>
-                <a:gd name="connsiteY1" fmla="*/ 1303020 h 2379813"/>
-                <a:gd name="connsiteX2" fmla="*/ 3201691 w 5190511"/>
-                <a:gd name="connsiteY2" fmla="*/ 1767840 h 2379813"/>
-                <a:gd name="connsiteX3" fmla="*/ 1365271 w 5190511"/>
-                <a:gd name="connsiteY3" fmla="*/ 1882140 h 2379813"/>
-                <a:gd name="connsiteX4" fmla="*/ 1291 w 5190511"/>
-                <a:gd name="connsiteY4" fmla="*/ 2377440 h 2379813"/>
-              </a:gdLst>
-              <a:ahLst/>
-              <a:cxnLst>
-                <a:cxn ang="0">
-                  <a:pos x="connsiteX0" y="connsiteY0"/>
-                </a:cxn>
-                <a:cxn ang="0">
-                  <a:pos x="connsiteX1" y="connsiteY1"/>
-                </a:cxn>
-                <a:cxn ang="0">
-                  <a:pos x="connsiteX2" y="connsiteY2"/>
-                </a:cxn>
-                <a:cxn ang="0">
-                  <a:pos x="connsiteX3" y="connsiteY3"/>
-                </a:cxn>
-                <a:cxn ang="0">
-                  <a:pos x="connsiteX4" y="connsiteY4"/>
-                </a:cxn>
-              </a:cxnLst>
-              <a:rect l="l" t="t" r="r" b="b"/>
-              <a:pathLst>
-                <a:path w="5190511" h="2379813">
-                  <a:moveTo>
-                    <a:pt x="5190511" y="0"/>
-                  </a:moveTo>
-                  <a:cubicBezTo>
-                    <a:pt x="4899046" y="504190"/>
-                    <a:pt x="4607581" y="1008380"/>
-                    <a:pt x="4276111" y="1303020"/>
-                  </a:cubicBezTo>
-                  <a:cubicBezTo>
-                    <a:pt x="3944641" y="1597660"/>
-                    <a:pt x="3686831" y="1671320"/>
-                    <a:pt x="3201691" y="1767840"/>
-                  </a:cubicBezTo>
-                  <a:cubicBezTo>
-                    <a:pt x="2716551" y="1864360"/>
-                    <a:pt x="1898671" y="1780540"/>
-                    <a:pt x="1365271" y="1882140"/>
-                  </a:cubicBezTo>
-                  <a:cubicBezTo>
-                    <a:pt x="831871" y="1983740"/>
-                    <a:pt x="-38079" y="2415540"/>
-                    <a:pt x="1291" y="2377440"/>
-                  </a:cubicBezTo>
-                </a:path>
-              </a:pathLst>
-            </a:custGeom>
-            <a:noFill/>
-            <a:ln w="19050">
-              <a:solidFill>
-                <a:schemeClr val="tx2"/>
-              </a:solidFill>
-              <a:headEnd type="none" w="med" len="med"/>
-              <a:tailEnd type="arrow" w="med" len="med"/>
-            </a:ln>
-          </p:spPr>
-          <p:style>
-            <a:lnRef idx="1">
-              <a:schemeClr val="accent1"/>
-            </a:lnRef>
-            <a:fillRef idx="3">
-              <a:schemeClr val="accent1"/>
-            </a:fillRef>
-            <a:effectRef idx="2">
-              <a:schemeClr val="accent1"/>
-            </a:effectRef>
-            <a:fontRef idx="minor">
-              <a:schemeClr val="lt1"/>
-            </a:fontRef>
-          </p:style>
-          <p:txBody>
-            <a:bodyPr rtlCol="0" anchor="ctr"/>
-            <a:lstStyle/>
-            <a:p>
-              <a:pPr algn="ctr"/>
-              <a:endParaRPr lang="en-US"/>
-            </a:p>
-          </p:txBody>
-        </p:sp>
-        <p:sp>
-          <p:nvSpPr>
-            <p:cNvPr id="79" name="Textfeld 78"/>
-            <p:cNvSpPr txBox="1"/>
-            <p:nvPr/>
-          </p:nvSpPr>
-          <p:spPr>
-            <a:xfrm flipH="1">
-              <a:off x="2156655" y="5495635"/>
-              <a:ext cx="256894" cy="400110"/>
-            </a:xfrm>
-            <a:prstGeom prst="rect">
-              <a:avLst/>
-            </a:prstGeom>
-            <a:noFill/>
-            <a:ln>
-              <a:noFill/>
-            </a:ln>
-          </p:spPr>
-          <p:txBody>
-            <a:bodyPr wrap="square" rtlCol="0">
-              <a:spAutoFit/>
-            </a:bodyPr>
-            <a:lstStyle/>
-            <a:p>
-              <a:r>
-                <a:rPr lang="de-DE" sz="2000" b="1" dirty="0">
-                  <a:solidFill>
-                    <a:schemeClr val="tx2"/>
-                  </a:solidFill>
-                </a:rPr>
-                <a:t>*</a:t>
-              </a:r>
-              <a:endParaRPr lang="en-US" sz="2000" b="1" dirty="0">
-                <a:solidFill>
-                  <a:schemeClr val="tx2"/>
-                </a:solidFill>
-              </a:endParaRPr>
-            </a:p>
-          </p:txBody>
-        </p:sp>
-      </p:grpSp>
+      </p:pic>
     </p:spTree>
     <p:extLst>
       <p:ext uri="{BB962C8B-B14F-4D97-AF65-F5344CB8AC3E}">
@@ -22884,869 +22117,9 @@
   <p:timing>
     <p:tnLst>
       <p:par>
-        <p:cTn id="1" dur="indefinite" restart="never" nodeType="tmRoot">
-          <p:childTnLst>
-            <p:seq concurrent="1" nextAc="seek">
-              <p:cTn id="2" dur="indefinite" nodeType="mainSeq">
-                <p:childTnLst>
-                  <p:par>
-                    <p:cTn id="3" fill="hold">
-                      <p:stCondLst>
-                        <p:cond delay="indefinite"/>
-                      </p:stCondLst>
-                      <p:childTnLst>
-                        <p:par>
-                          <p:cTn id="4" fill="hold">
-                            <p:stCondLst>
-                              <p:cond delay="0"/>
-                            </p:stCondLst>
-                            <p:childTnLst>
-                              <p:par>
-                                <p:cTn id="5" presetID="10" presetClass="entr" presetSubtype="0" fill="hold" nodeType="clickEffect">
-                                  <p:stCondLst>
-                                    <p:cond delay="0"/>
-                                  </p:stCondLst>
-                                  <p:childTnLst>
-                                    <p:set>
-                                      <p:cBhvr>
-                                        <p:cTn id="6" dur="1" fill="hold">
-                                          <p:stCondLst>
-                                            <p:cond delay="0"/>
-                                          </p:stCondLst>
-                                        </p:cTn>
-                                        <p:tgtEl>
-                                          <p:spTgt spid="55"/>
-                                        </p:tgtEl>
-                                        <p:attrNameLst>
-                                          <p:attrName>style.visibility</p:attrName>
-                                        </p:attrNameLst>
-                                      </p:cBhvr>
-                                      <p:to>
-                                        <p:strVal val="visible"/>
-                                      </p:to>
-                                    </p:set>
-                                    <p:animEffect transition="in" filter="fade">
-                                      <p:cBhvr>
-                                        <p:cTn id="7" dur="500"/>
-                                        <p:tgtEl>
-                                          <p:spTgt spid="55"/>
-                                        </p:tgtEl>
-                                      </p:cBhvr>
-                                    </p:animEffect>
-                                  </p:childTnLst>
-                                </p:cTn>
-                              </p:par>
-                              <p:par>
-                                <p:cTn id="8" presetID="10" presetClass="entr" presetSubtype="0" fill="hold" grpId="0" nodeType="withEffect">
-                                  <p:stCondLst>
-                                    <p:cond delay="0"/>
-                                  </p:stCondLst>
-                                  <p:childTnLst>
-                                    <p:set>
-                                      <p:cBhvr>
-                                        <p:cTn id="9" dur="1" fill="hold">
-                                          <p:stCondLst>
-                                            <p:cond delay="0"/>
-                                          </p:stCondLst>
-                                        </p:cTn>
-                                        <p:tgtEl>
-                                          <p:spTgt spid="10"/>
-                                        </p:tgtEl>
-                                        <p:attrNameLst>
-                                          <p:attrName>style.visibility</p:attrName>
-                                        </p:attrNameLst>
-                                      </p:cBhvr>
-                                      <p:to>
-                                        <p:strVal val="visible"/>
-                                      </p:to>
-                                    </p:set>
-                                    <p:animEffect transition="in" filter="fade">
-                                      <p:cBhvr>
-                                        <p:cTn id="10" dur="500"/>
-                                        <p:tgtEl>
-                                          <p:spTgt spid="10"/>
-                                        </p:tgtEl>
-                                      </p:cBhvr>
-                                    </p:animEffect>
-                                  </p:childTnLst>
-                                </p:cTn>
-                              </p:par>
-                            </p:childTnLst>
-                          </p:cTn>
-                        </p:par>
-                      </p:childTnLst>
-                    </p:cTn>
-                  </p:par>
-                  <p:par>
-                    <p:cTn id="11" fill="hold">
-                      <p:stCondLst>
-                        <p:cond delay="indefinite"/>
-                      </p:stCondLst>
-                      <p:childTnLst>
-                        <p:par>
-                          <p:cTn id="12" fill="hold">
-                            <p:stCondLst>
-                              <p:cond delay="0"/>
-                            </p:stCondLst>
-                            <p:childTnLst>
-                              <p:par>
-                                <p:cTn id="13" presetID="10" presetClass="entr" presetSubtype="0" fill="hold" nodeType="clickEffect">
-                                  <p:stCondLst>
-                                    <p:cond delay="0"/>
-                                  </p:stCondLst>
-                                  <p:childTnLst>
-                                    <p:set>
-                                      <p:cBhvr>
-                                        <p:cTn id="14" dur="1" fill="hold">
-                                          <p:stCondLst>
-                                            <p:cond delay="0"/>
-                                          </p:stCondLst>
-                                        </p:cTn>
-                                        <p:tgtEl>
-                                          <p:spTgt spid="30"/>
-                                        </p:tgtEl>
-                                        <p:attrNameLst>
-                                          <p:attrName>style.visibility</p:attrName>
-                                        </p:attrNameLst>
-                                      </p:cBhvr>
-                                      <p:to>
-                                        <p:strVal val="visible"/>
-                                      </p:to>
-                                    </p:set>
-                                    <p:animEffect transition="in" filter="fade">
-                                      <p:cBhvr>
-                                        <p:cTn id="15" dur="500"/>
-                                        <p:tgtEl>
-                                          <p:spTgt spid="30"/>
-                                        </p:tgtEl>
-                                      </p:cBhvr>
-                                    </p:animEffect>
-                                  </p:childTnLst>
-                                </p:cTn>
-                              </p:par>
-                              <p:par>
-                                <p:cTn id="16" presetID="10" presetClass="entr" presetSubtype="0" fill="hold" grpId="0" nodeType="withEffect">
-                                  <p:stCondLst>
-                                    <p:cond delay="0"/>
-                                  </p:stCondLst>
-                                  <p:childTnLst>
-                                    <p:set>
-                                      <p:cBhvr>
-                                        <p:cTn id="17" dur="1" fill="hold">
-                                          <p:stCondLst>
-                                            <p:cond delay="0"/>
-                                          </p:stCondLst>
-                                        </p:cTn>
-                                        <p:tgtEl>
-                                          <p:spTgt spid="29"/>
-                                        </p:tgtEl>
-                                        <p:attrNameLst>
-                                          <p:attrName>style.visibility</p:attrName>
-                                        </p:attrNameLst>
-                                      </p:cBhvr>
-                                      <p:to>
-                                        <p:strVal val="visible"/>
-                                      </p:to>
-                                    </p:set>
-                                    <p:animEffect transition="in" filter="fade">
-                                      <p:cBhvr>
-                                        <p:cTn id="18" dur="500"/>
-                                        <p:tgtEl>
-                                          <p:spTgt spid="29"/>
-                                        </p:tgtEl>
-                                      </p:cBhvr>
-                                    </p:animEffect>
-                                  </p:childTnLst>
-                                </p:cTn>
-                              </p:par>
-                            </p:childTnLst>
-                          </p:cTn>
-                        </p:par>
-                      </p:childTnLst>
-                    </p:cTn>
-                  </p:par>
-                  <p:par>
-                    <p:cTn id="19" fill="hold">
-                      <p:stCondLst>
-                        <p:cond delay="indefinite"/>
-                      </p:stCondLst>
-                      <p:childTnLst>
-                        <p:par>
-                          <p:cTn id="20" fill="hold">
-                            <p:stCondLst>
-                              <p:cond delay="0"/>
-                            </p:stCondLst>
-                            <p:childTnLst>
-                              <p:par>
-                                <p:cTn id="21" presetID="10" presetClass="entr" presetSubtype="0" fill="hold" grpId="0" nodeType="clickEffect">
-                                  <p:stCondLst>
-                                    <p:cond delay="0"/>
-                                  </p:stCondLst>
-                                  <p:childTnLst>
-                                    <p:set>
-                                      <p:cBhvr>
-                                        <p:cTn id="22" dur="1" fill="hold">
-                                          <p:stCondLst>
-                                            <p:cond delay="0"/>
-                                          </p:stCondLst>
-                                        </p:cTn>
-                                        <p:tgtEl>
-                                          <p:spTgt spid="14"/>
-                                        </p:tgtEl>
-                                        <p:attrNameLst>
-                                          <p:attrName>style.visibility</p:attrName>
-                                        </p:attrNameLst>
-                                      </p:cBhvr>
-                                      <p:to>
-                                        <p:strVal val="visible"/>
-                                      </p:to>
-                                    </p:set>
-                                    <p:animEffect transition="in" filter="fade">
-                                      <p:cBhvr>
-                                        <p:cTn id="23" dur="500"/>
-                                        <p:tgtEl>
-                                          <p:spTgt spid="14"/>
-                                        </p:tgtEl>
-                                      </p:cBhvr>
-                                    </p:animEffect>
-                                  </p:childTnLst>
-                                </p:cTn>
-                              </p:par>
-                              <p:par>
-                                <p:cTn id="24" presetID="10" presetClass="entr" presetSubtype="0" fill="hold" nodeType="withEffect">
-                                  <p:stCondLst>
-                                    <p:cond delay="0"/>
-                                  </p:stCondLst>
-                                  <p:childTnLst>
-                                    <p:set>
-                                      <p:cBhvr>
-                                        <p:cTn id="25" dur="1" fill="hold">
-                                          <p:stCondLst>
-                                            <p:cond delay="0"/>
-                                          </p:stCondLst>
-                                        </p:cTn>
-                                        <p:tgtEl>
-                                          <p:spTgt spid="63"/>
-                                        </p:tgtEl>
-                                        <p:attrNameLst>
-                                          <p:attrName>style.visibility</p:attrName>
-                                        </p:attrNameLst>
-                                      </p:cBhvr>
-                                      <p:to>
-                                        <p:strVal val="visible"/>
-                                      </p:to>
-                                    </p:set>
-                                    <p:animEffect transition="in" filter="fade">
-                                      <p:cBhvr>
-                                        <p:cTn id="26" dur="500"/>
-                                        <p:tgtEl>
-                                          <p:spTgt spid="63"/>
-                                        </p:tgtEl>
-                                      </p:cBhvr>
-                                    </p:animEffect>
-                                  </p:childTnLst>
-                                </p:cTn>
-                              </p:par>
-                              <p:par>
-                                <p:cTn id="27" presetID="10" presetClass="entr" presetSubtype="0" fill="hold" grpId="0" nodeType="withEffect">
-                                  <p:stCondLst>
-                                    <p:cond delay="0"/>
-                                  </p:stCondLst>
-                                  <p:childTnLst>
-                                    <p:set>
-                                      <p:cBhvr>
-                                        <p:cTn id="28" dur="1" fill="hold">
-                                          <p:stCondLst>
-                                            <p:cond delay="0"/>
-                                          </p:stCondLst>
-                                        </p:cTn>
-                                        <p:tgtEl>
-                                          <p:spTgt spid="12"/>
-                                        </p:tgtEl>
-                                        <p:attrNameLst>
-                                          <p:attrName>style.visibility</p:attrName>
-                                        </p:attrNameLst>
-                                      </p:cBhvr>
-                                      <p:to>
-                                        <p:strVal val="visible"/>
-                                      </p:to>
-                                    </p:set>
-                                    <p:animEffect transition="in" filter="fade">
-                                      <p:cBhvr>
-                                        <p:cTn id="29" dur="500"/>
-                                        <p:tgtEl>
-                                          <p:spTgt spid="12"/>
-                                        </p:tgtEl>
-                                      </p:cBhvr>
-                                    </p:animEffect>
-                                  </p:childTnLst>
-                                </p:cTn>
-                              </p:par>
-                              <p:par>
-                                <p:cTn id="30" presetID="10" presetClass="entr" presetSubtype="0" fill="hold" nodeType="withEffect">
-                                  <p:stCondLst>
-                                    <p:cond delay="0"/>
-                                  </p:stCondLst>
-                                  <p:childTnLst>
-                                    <p:set>
-                                      <p:cBhvr>
-                                        <p:cTn id="31" dur="1" fill="hold">
-                                          <p:stCondLst>
-                                            <p:cond delay="0"/>
-                                          </p:stCondLst>
-                                        </p:cTn>
-                                        <p:tgtEl>
-                                          <p:spTgt spid="64"/>
-                                        </p:tgtEl>
-                                        <p:attrNameLst>
-                                          <p:attrName>style.visibility</p:attrName>
-                                        </p:attrNameLst>
-                                      </p:cBhvr>
-                                      <p:to>
-                                        <p:strVal val="visible"/>
-                                      </p:to>
-                                    </p:set>
-                                    <p:animEffect transition="in" filter="fade">
-                                      <p:cBhvr>
-                                        <p:cTn id="32" dur="500"/>
-                                        <p:tgtEl>
-                                          <p:spTgt spid="64"/>
-                                        </p:tgtEl>
-                                      </p:cBhvr>
-                                    </p:animEffect>
-                                  </p:childTnLst>
-                                </p:cTn>
-                              </p:par>
-                              <p:par>
-                                <p:cTn id="33" presetID="10" presetClass="entr" presetSubtype="0" fill="hold" grpId="0" nodeType="withEffect">
-                                  <p:stCondLst>
-                                    <p:cond delay="0"/>
-                                  </p:stCondLst>
-                                  <p:childTnLst>
-                                    <p:set>
-                                      <p:cBhvr>
-                                        <p:cTn id="34" dur="1" fill="hold">
-                                          <p:stCondLst>
-                                            <p:cond delay="0"/>
-                                          </p:stCondLst>
-                                        </p:cTn>
-                                        <p:tgtEl>
-                                          <p:spTgt spid="13"/>
-                                        </p:tgtEl>
-                                        <p:attrNameLst>
-                                          <p:attrName>style.visibility</p:attrName>
-                                        </p:attrNameLst>
-                                      </p:cBhvr>
-                                      <p:to>
-                                        <p:strVal val="visible"/>
-                                      </p:to>
-                                    </p:set>
-                                    <p:animEffect transition="in" filter="fade">
-                                      <p:cBhvr>
-                                        <p:cTn id="35" dur="500"/>
-                                        <p:tgtEl>
-                                          <p:spTgt spid="13"/>
-                                        </p:tgtEl>
-                                      </p:cBhvr>
-                                    </p:animEffect>
-                                  </p:childTnLst>
-                                </p:cTn>
-                              </p:par>
-                              <p:par>
-                                <p:cTn id="36" presetID="10" presetClass="entr" presetSubtype="0" fill="hold" nodeType="withEffect">
-                                  <p:stCondLst>
-                                    <p:cond delay="0"/>
-                                  </p:stCondLst>
-                                  <p:childTnLst>
-                                    <p:set>
-                                      <p:cBhvr>
-                                        <p:cTn id="37" dur="1" fill="hold">
-                                          <p:stCondLst>
-                                            <p:cond delay="0"/>
-                                          </p:stCondLst>
-                                        </p:cTn>
-                                        <p:tgtEl>
-                                          <p:spTgt spid="42"/>
-                                        </p:tgtEl>
-                                        <p:attrNameLst>
-                                          <p:attrName>style.visibility</p:attrName>
-                                        </p:attrNameLst>
-                                      </p:cBhvr>
-                                      <p:to>
-                                        <p:strVal val="visible"/>
-                                      </p:to>
-                                    </p:set>
-                                    <p:animEffect transition="in" filter="fade">
-                                      <p:cBhvr>
-                                        <p:cTn id="38" dur="500"/>
-                                        <p:tgtEl>
-                                          <p:spTgt spid="42"/>
-                                        </p:tgtEl>
-                                      </p:cBhvr>
-                                    </p:animEffect>
-                                  </p:childTnLst>
-                                </p:cTn>
-                              </p:par>
-                            </p:childTnLst>
-                          </p:cTn>
-                        </p:par>
-                      </p:childTnLst>
-                    </p:cTn>
-                  </p:par>
-                  <p:par>
-                    <p:cTn id="39" fill="hold">
-                      <p:stCondLst>
-                        <p:cond delay="indefinite"/>
-                      </p:stCondLst>
-                      <p:childTnLst>
-                        <p:par>
-                          <p:cTn id="40" fill="hold">
-                            <p:stCondLst>
-                              <p:cond delay="0"/>
-                            </p:stCondLst>
-                            <p:childTnLst>
-                              <p:par>
-                                <p:cTn id="41" presetID="10" presetClass="entr" presetSubtype="0" fill="hold" nodeType="clickEffect">
-                                  <p:stCondLst>
-                                    <p:cond delay="0"/>
-                                  </p:stCondLst>
-                                  <p:childTnLst>
-                                    <p:set>
-                                      <p:cBhvr>
-                                        <p:cTn id="42" dur="1" fill="hold">
-                                          <p:stCondLst>
-                                            <p:cond delay="0"/>
-                                          </p:stCondLst>
-                                        </p:cTn>
-                                        <p:tgtEl>
-                                          <p:spTgt spid="19"/>
-                                        </p:tgtEl>
-                                        <p:attrNameLst>
-                                          <p:attrName>style.visibility</p:attrName>
-                                        </p:attrNameLst>
-                                      </p:cBhvr>
-                                      <p:to>
-                                        <p:strVal val="visible"/>
-                                      </p:to>
-                                    </p:set>
-                                    <p:animEffect transition="in" filter="fade">
-                                      <p:cBhvr>
-                                        <p:cTn id="43" dur="500"/>
-                                        <p:tgtEl>
-                                          <p:spTgt spid="19"/>
-                                        </p:tgtEl>
-                                      </p:cBhvr>
-                                    </p:animEffect>
-                                  </p:childTnLst>
-                                </p:cTn>
-                              </p:par>
-                              <p:par>
-                                <p:cTn id="44" presetID="10" presetClass="entr" presetSubtype="0" fill="hold" grpId="0" nodeType="withEffect">
-                                  <p:stCondLst>
-                                    <p:cond delay="0"/>
-                                  </p:stCondLst>
-                                  <p:childTnLst>
-                                    <p:set>
-                                      <p:cBhvr>
-                                        <p:cTn id="45" dur="1" fill="hold">
-                                          <p:stCondLst>
-                                            <p:cond delay="0"/>
-                                          </p:stCondLst>
-                                        </p:cTn>
-                                        <p:tgtEl>
-                                          <p:spTgt spid="9"/>
-                                        </p:tgtEl>
-                                        <p:attrNameLst>
-                                          <p:attrName>style.visibility</p:attrName>
-                                        </p:attrNameLst>
-                                      </p:cBhvr>
-                                      <p:to>
-                                        <p:strVal val="visible"/>
-                                      </p:to>
-                                    </p:set>
-                                    <p:animEffect transition="in" filter="fade">
-                                      <p:cBhvr>
-                                        <p:cTn id="46" dur="500"/>
-                                        <p:tgtEl>
-                                          <p:spTgt spid="9"/>
-                                        </p:tgtEl>
-                                      </p:cBhvr>
-                                    </p:animEffect>
-                                  </p:childTnLst>
-                                </p:cTn>
-                              </p:par>
-                            </p:childTnLst>
-                          </p:cTn>
-                        </p:par>
-                      </p:childTnLst>
-                    </p:cTn>
-                  </p:par>
-                  <p:par>
-                    <p:cTn id="47" fill="hold">
-                      <p:stCondLst>
-                        <p:cond delay="indefinite"/>
-                      </p:stCondLst>
-                      <p:childTnLst>
-                        <p:par>
-                          <p:cTn id="48" fill="hold">
-                            <p:stCondLst>
-                              <p:cond delay="0"/>
-                            </p:stCondLst>
-                            <p:childTnLst>
-                              <p:par>
-                                <p:cTn id="49" presetID="10" presetClass="entr" presetSubtype="0" fill="hold" nodeType="clickEffect">
-                                  <p:stCondLst>
-                                    <p:cond delay="0"/>
-                                  </p:stCondLst>
-                                  <p:childTnLst>
-                                    <p:set>
-                                      <p:cBhvr>
-                                        <p:cTn id="50" dur="1" fill="hold">
-                                          <p:stCondLst>
-                                            <p:cond delay="0"/>
-                                          </p:stCondLst>
-                                        </p:cTn>
-                                        <p:tgtEl>
-                                          <p:spTgt spid="49"/>
-                                        </p:tgtEl>
-                                        <p:attrNameLst>
-                                          <p:attrName>style.visibility</p:attrName>
-                                        </p:attrNameLst>
-                                      </p:cBhvr>
-                                      <p:to>
-                                        <p:strVal val="visible"/>
-                                      </p:to>
-                                    </p:set>
-                                    <p:animEffect transition="in" filter="fade">
-                                      <p:cBhvr>
-                                        <p:cTn id="51" dur="500"/>
-                                        <p:tgtEl>
-                                          <p:spTgt spid="49"/>
-                                        </p:tgtEl>
-                                      </p:cBhvr>
-                                    </p:animEffect>
-                                  </p:childTnLst>
-                                </p:cTn>
-                              </p:par>
-                              <p:par>
-                                <p:cTn id="52" presetID="10" presetClass="entr" presetSubtype="0" fill="hold" grpId="0" nodeType="withEffect">
-                                  <p:stCondLst>
-                                    <p:cond delay="0"/>
-                                  </p:stCondLst>
-                                  <p:childTnLst>
-                                    <p:set>
-                                      <p:cBhvr>
-                                        <p:cTn id="53" dur="1" fill="hold">
-                                          <p:stCondLst>
-                                            <p:cond delay="0"/>
-                                          </p:stCondLst>
-                                        </p:cTn>
-                                        <p:tgtEl>
-                                          <p:spTgt spid="22"/>
-                                        </p:tgtEl>
-                                        <p:attrNameLst>
-                                          <p:attrName>style.visibility</p:attrName>
-                                        </p:attrNameLst>
-                                      </p:cBhvr>
-                                      <p:to>
-                                        <p:strVal val="visible"/>
-                                      </p:to>
-                                    </p:set>
-                                    <p:animEffect transition="in" filter="fade">
-                                      <p:cBhvr>
-                                        <p:cTn id="54" dur="500"/>
-                                        <p:tgtEl>
-                                          <p:spTgt spid="22"/>
-                                        </p:tgtEl>
-                                      </p:cBhvr>
-                                    </p:animEffect>
-                                  </p:childTnLst>
-                                </p:cTn>
-                              </p:par>
-                            </p:childTnLst>
-                          </p:cTn>
-                        </p:par>
-                      </p:childTnLst>
-                    </p:cTn>
-                  </p:par>
-                  <p:par>
-                    <p:cTn id="55" fill="hold">
-                      <p:stCondLst>
-                        <p:cond delay="indefinite"/>
-                      </p:stCondLst>
-                      <p:childTnLst>
-                        <p:par>
-                          <p:cTn id="56" fill="hold">
-                            <p:stCondLst>
-                              <p:cond delay="0"/>
-                            </p:stCondLst>
-                            <p:childTnLst>
-                              <p:par>
-                                <p:cTn id="57" presetID="10" presetClass="entr" presetSubtype="0" fill="hold" nodeType="clickEffect">
-                                  <p:stCondLst>
-                                    <p:cond delay="0"/>
-                                  </p:stCondLst>
-                                  <p:childTnLst>
-                                    <p:set>
-                                      <p:cBhvr>
-                                        <p:cTn id="58" dur="1" fill="hold">
-                                          <p:stCondLst>
-                                            <p:cond delay="0"/>
-                                          </p:stCondLst>
-                                        </p:cTn>
-                                        <p:tgtEl>
-                                          <p:spTgt spid="26"/>
-                                        </p:tgtEl>
-                                        <p:attrNameLst>
-                                          <p:attrName>style.visibility</p:attrName>
-                                        </p:attrNameLst>
-                                      </p:cBhvr>
-                                      <p:to>
-                                        <p:strVal val="visible"/>
-                                      </p:to>
-                                    </p:set>
-                                    <p:animEffect transition="in" filter="fade">
-                                      <p:cBhvr>
-                                        <p:cTn id="59" dur="500"/>
-                                        <p:tgtEl>
-                                          <p:spTgt spid="26"/>
-                                        </p:tgtEl>
-                                      </p:cBhvr>
-                                    </p:animEffect>
-                                  </p:childTnLst>
-                                </p:cTn>
-                              </p:par>
-                              <p:par>
-                                <p:cTn id="60" presetID="10" presetClass="entr" presetSubtype="0" fill="hold" grpId="0" nodeType="withEffect">
-                                  <p:stCondLst>
-                                    <p:cond delay="0"/>
-                                  </p:stCondLst>
-                                  <p:childTnLst>
-                                    <p:set>
-                                      <p:cBhvr>
-                                        <p:cTn id="61" dur="1" fill="hold">
-                                          <p:stCondLst>
-                                            <p:cond delay="0"/>
-                                          </p:stCondLst>
-                                        </p:cTn>
-                                        <p:tgtEl>
-                                          <p:spTgt spid="11"/>
-                                        </p:tgtEl>
-                                        <p:attrNameLst>
-                                          <p:attrName>style.visibility</p:attrName>
-                                        </p:attrNameLst>
-                                      </p:cBhvr>
-                                      <p:to>
-                                        <p:strVal val="visible"/>
-                                      </p:to>
-                                    </p:set>
-                                    <p:animEffect transition="in" filter="fade">
-                                      <p:cBhvr>
-                                        <p:cTn id="62" dur="500"/>
-                                        <p:tgtEl>
-                                          <p:spTgt spid="11"/>
-                                        </p:tgtEl>
-                                      </p:cBhvr>
-                                    </p:animEffect>
-                                  </p:childTnLst>
-                                </p:cTn>
-                              </p:par>
-                            </p:childTnLst>
-                          </p:cTn>
-                        </p:par>
-                      </p:childTnLst>
-                    </p:cTn>
-                  </p:par>
-                  <p:par>
-                    <p:cTn id="63" fill="hold">
-                      <p:stCondLst>
-                        <p:cond delay="indefinite"/>
-                      </p:stCondLst>
-                      <p:childTnLst>
-                        <p:par>
-                          <p:cTn id="64" fill="hold">
-                            <p:stCondLst>
-                              <p:cond delay="0"/>
-                            </p:stCondLst>
-                            <p:childTnLst>
-                              <p:par>
-                                <p:cTn id="65" presetID="10" presetClass="entr" presetSubtype="0" fill="hold" nodeType="clickEffect">
-                                  <p:stCondLst>
-                                    <p:cond delay="0"/>
-                                  </p:stCondLst>
-                                  <p:childTnLst>
-                                    <p:set>
-                                      <p:cBhvr>
-                                        <p:cTn id="66" dur="1" fill="hold">
-                                          <p:stCondLst>
-                                            <p:cond delay="0"/>
-                                          </p:stCondLst>
-                                        </p:cTn>
-                                        <p:tgtEl>
-                                          <p:spTgt spid="52"/>
-                                        </p:tgtEl>
-                                        <p:attrNameLst>
-                                          <p:attrName>style.visibility</p:attrName>
-                                        </p:attrNameLst>
-                                      </p:cBhvr>
-                                      <p:to>
-                                        <p:strVal val="visible"/>
-                                      </p:to>
-                                    </p:set>
-                                    <p:animEffect transition="in" filter="fade">
-                                      <p:cBhvr>
-                                        <p:cTn id="67" dur="500"/>
-                                        <p:tgtEl>
-                                          <p:spTgt spid="52"/>
-                                        </p:tgtEl>
-                                      </p:cBhvr>
-                                    </p:animEffect>
-                                  </p:childTnLst>
-                                </p:cTn>
-                              </p:par>
-                              <p:par>
-                                <p:cTn id="68" presetID="10" presetClass="entr" presetSubtype="0" fill="hold" nodeType="withEffect">
-                                  <p:stCondLst>
-                                    <p:cond delay="0"/>
-                                  </p:stCondLst>
-                                  <p:childTnLst>
-                                    <p:set>
-                                      <p:cBhvr>
-                                        <p:cTn id="69" dur="1" fill="hold">
-                                          <p:stCondLst>
-                                            <p:cond delay="0"/>
-                                          </p:stCondLst>
-                                        </p:cTn>
-                                        <p:tgtEl>
-                                          <p:spTgt spid="80"/>
-                                        </p:tgtEl>
-                                        <p:attrNameLst>
-                                          <p:attrName>style.visibility</p:attrName>
-                                        </p:attrNameLst>
-                                      </p:cBhvr>
-                                      <p:to>
-                                        <p:strVal val="visible"/>
-                                      </p:to>
-                                    </p:set>
-                                    <p:animEffect transition="in" filter="fade">
-                                      <p:cBhvr>
-                                        <p:cTn id="70" dur="500"/>
-                                        <p:tgtEl>
-                                          <p:spTgt spid="80"/>
-                                        </p:tgtEl>
-                                      </p:cBhvr>
-                                    </p:animEffect>
-                                  </p:childTnLst>
-                                </p:cTn>
-                              </p:par>
-                              <p:par>
-                                <p:cTn id="71" presetID="10" presetClass="entr" presetSubtype="0" fill="hold" nodeType="withEffect">
-                                  <p:stCondLst>
-                                    <p:cond delay="0"/>
-                                  </p:stCondLst>
-                                  <p:childTnLst>
-                                    <p:set>
-                                      <p:cBhvr>
-                                        <p:cTn id="72" dur="1" fill="hold">
-                                          <p:stCondLst>
-                                            <p:cond delay="0"/>
-                                          </p:stCondLst>
-                                        </p:cTn>
-                                        <p:tgtEl>
-                                          <p:spTgt spid="44"/>
-                                        </p:tgtEl>
-                                        <p:attrNameLst>
-                                          <p:attrName>style.visibility</p:attrName>
-                                        </p:attrNameLst>
-                                      </p:cBhvr>
-                                      <p:to>
-                                        <p:strVal val="visible"/>
-                                      </p:to>
-                                    </p:set>
-                                    <p:animEffect transition="in" filter="fade">
-                                      <p:cBhvr>
-                                        <p:cTn id="73" dur="500"/>
-                                        <p:tgtEl>
-                                          <p:spTgt spid="44"/>
-                                        </p:tgtEl>
-                                      </p:cBhvr>
-                                    </p:animEffect>
-                                  </p:childTnLst>
-                                </p:cTn>
-                              </p:par>
-                              <p:par>
-                                <p:cTn id="74" presetID="10" presetClass="entr" presetSubtype="0" fill="hold" grpId="0" nodeType="withEffect">
-                                  <p:stCondLst>
-                                    <p:cond delay="0"/>
-                                  </p:stCondLst>
-                                  <p:childTnLst>
-                                    <p:set>
-                                      <p:cBhvr>
-                                        <p:cTn id="75" dur="1" fill="hold">
-                                          <p:stCondLst>
-                                            <p:cond delay="0"/>
-                                          </p:stCondLst>
-                                        </p:cTn>
-                                        <p:tgtEl>
-                                          <p:spTgt spid="43"/>
-                                        </p:tgtEl>
-                                        <p:attrNameLst>
-                                          <p:attrName>style.visibility</p:attrName>
-                                        </p:attrNameLst>
-                                      </p:cBhvr>
-                                      <p:to>
-                                        <p:strVal val="visible"/>
-                                      </p:to>
-                                    </p:set>
-                                    <p:animEffect transition="in" filter="fade">
-                                      <p:cBhvr>
-                                        <p:cTn id="76" dur="500"/>
-                                        <p:tgtEl>
-                                          <p:spTgt spid="43"/>
-                                        </p:tgtEl>
-                                      </p:cBhvr>
-                                    </p:animEffect>
-                                  </p:childTnLst>
-                                </p:cTn>
-                              </p:par>
-                            </p:childTnLst>
-                          </p:cTn>
-                        </p:par>
-                      </p:childTnLst>
-                    </p:cTn>
-                  </p:par>
-                </p:childTnLst>
-              </p:cTn>
-              <p:prevCondLst>
-                <p:cond evt="onPrev" delay="0">
-                  <p:tgtEl>
-                    <p:sldTgt/>
-                  </p:tgtEl>
-                </p:cond>
-              </p:prevCondLst>
-              <p:nextCondLst>
-                <p:cond evt="onNext" delay="0">
-                  <p:tgtEl>
-                    <p:sldTgt/>
-                  </p:tgtEl>
-                </p:cond>
-              </p:nextCondLst>
-            </p:seq>
-          </p:childTnLst>
-        </p:cTn>
+        <p:cTn id="1" dur="indefinite" restart="never" nodeType="tmRoot"/>
       </p:par>
     </p:tnLst>
-    <p:bldLst>
-      <p:bldP spid="9" grpId="0" animBg="1"/>
-      <p:bldP spid="10" grpId="0" animBg="1"/>
-      <p:bldP spid="11" grpId="0" animBg="1"/>
-      <p:bldP spid="12" grpId="0" animBg="1"/>
-      <p:bldP spid="13" grpId="0" animBg="1"/>
-      <p:bldP spid="14" grpId="0" animBg="1"/>
-      <p:bldP spid="22" grpId="0" animBg="1"/>
-      <p:bldP spid="29" grpId="0" animBg="1"/>
-      <p:bldP spid="43" grpId="0" animBg="1"/>
-    </p:bldLst>
   </p:timing>
 </p:sld>
 </file>
@@ -23932,8 +22305,8 @@
         </p:blipFill>
         <p:spPr>
           <a:xfrm>
-            <a:off x="4939326" y="2424112"/>
-            <a:ext cx="3281535" cy="2711384"/>
+            <a:off x="4585221" y="2284409"/>
+            <a:ext cx="4204673" cy="3474131"/>
           </a:xfrm>
           <a:prstGeom prst="roundRect">
             <a:avLst>
@@ -25032,23 +23405,7 @@
                   <a:schemeClr val="tx2"/>
                 </a:solidFill>
               </a:rPr>
-              <a:t>geht keine </a:t>
-            </a:r>
-            <a:r>
-              <a:rPr lang="de-DE" b="1" dirty="0" smtClean="0">
-                <a:solidFill>
-                  <a:schemeClr val="tx2"/>
-                </a:solidFill>
-              </a:rPr>
-              <a:t>Risiken </a:t>
-            </a:r>
-            <a:r>
-              <a:rPr lang="de-DE" b="1" dirty="0" smtClean="0">
-                <a:solidFill>
-                  <a:schemeClr val="tx2"/>
-                </a:solidFill>
-              </a:rPr>
-              <a:t>ein</a:t>
+              <a:t>geht keine Risiken ein</a:t>
             </a:r>
             <a:endParaRPr lang="en-US" b="1" dirty="0">
               <a:solidFill>
@@ -25681,23 +24038,7 @@
                   <a:schemeClr val="tx2"/>
                 </a:solidFill>
               </a:rPr>
-              <a:t>geht keine </a:t>
-            </a:r>
-            <a:r>
-              <a:rPr lang="de-DE" b="1" dirty="0" smtClean="0">
-                <a:solidFill>
-                  <a:schemeClr val="tx2"/>
-                </a:solidFill>
-              </a:rPr>
-              <a:t>Risiken </a:t>
-            </a:r>
-            <a:r>
-              <a:rPr lang="de-DE" b="1" dirty="0" smtClean="0">
-                <a:solidFill>
-                  <a:schemeClr val="tx2"/>
-                </a:solidFill>
-              </a:rPr>
-              <a:t>ein</a:t>
+              <a:t>geht keine Risiken ein</a:t>
             </a:r>
             <a:endParaRPr lang="en-US" b="1" dirty="0">
               <a:solidFill>
@@ -25765,11 +24106,6 @@
               </a:rPr>
               <a:t>Dumping-Strategie</a:t>
             </a:r>
-            <a:endParaRPr lang="de-DE" b="1" dirty="0" smtClean="0">
-              <a:solidFill>
-                <a:schemeClr val="tx2"/>
-              </a:solidFill>
-            </a:endParaRPr>
           </a:p>
           <a:p>
             <a:pPr marL="144000" indent="-144000">
@@ -26426,23 +24762,7 @@
                   <a:schemeClr val="tx2"/>
                 </a:solidFill>
               </a:rPr>
-              <a:t>geht keine </a:t>
-            </a:r>
-            <a:r>
-              <a:rPr lang="de-DE" b="1" dirty="0" smtClean="0">
-                <a:solidFill>
-                  <a:schemeClr val="tx2"/>
-                </a:solidFill>
-              </a:rPr>
-              <a:t>Risiken </a:t>
-            </a:r>
-            <a:r>
-              <a:rPr lang="de-DE" b="1" dirty="0" smtClean="0">
-                <a:solidFill>
-                  <a:schemeClr val="tx2"/>
-                </a:solidFill>
-              </a:rPr>
-              <a:t>ein</a:t>
+              <a:t>geht keine Risiken ein</a:t>
             </a:r>
             <a:endParaRPr lang="en-US" b="1" dirty="0">
               <a:solidFill>
